--- a/Final Presentation .pptx
+++ b/Final Presentation .pptx
@@ -5,20 +5,21 @@
     <p:sldMasterId id="2147483673" r:id="rId1"/>
   </p:sldMasterIdLst>
   <p:notesMasterIdLst>
-    <p:notesMasterId r:id="rId13"/>
+    <p:notesMasterId r:id="rId14"/>
   </p:notesMasterIdLst>
   <p:sldIdLst>
     <p:sldId id="256" r:id="rId2"/>
     <p:sldId id="257" r:id="rId3"/>
     <p:sldId id="258" r:id="rId4"/>
     <p:sldId id="266" r:id="rId5"/>
-    <p:sldId id="267" r:id="rId6"/>
-    <p:sldId id="259" r:id="rId7"/>
-    <p:sldId id="260" r:id="rId8"/>
-    <p:sldId id="261" r:id="rId9"/>
-    <p:sldId id="262" r:id="rId10"/>
-    <p:sldId id="265" r:id="rId11"/>
-    <p:sldId id="264" r:id="rId12"/>
+    <p:sldId id="269" r:id="rId6"/>
+    <p:sldId id="268" r:id="rId7"/>
+    <p:sldId id="259" r:id="rId8"/>
+    <p:sldId id="260" r:id="rId9"/>
+    <p:sldId id="261" r:id="rId10"/>
+    <p:sldId id="262" r:id="rId11"/>
+    <p:sldId id="265" r:id="rId12"/>
+    <p:sldId id="264" r:id="rId13"/>
   </p:sldIdLst>
   <p:sldSz cx="12192000" cy="6858000"/>
   <p:notesSz cx="6858000" cy="9144000"/>
@@ -117,6 +118,11 @@
       </a:defRPr>
     </a:lvl9pPr>
   </p:defaultTextStyle>
+  <p:extLst>
+    <p:ext uri="{EFAFB233-063F-42B5-8137-9DF3F51BA10A}">
+      <p15:sldGuideLst xmlns:p15="http://schemas.microsoft.com/office/powerpoint/2012/main"/>
+    </p:ext>
+  </p:extLst>
 </p:presentation>
 </file>
 
@@ -202,7 +208,7 @@
           <a:p>
             <a:fld id="{4650F1C4-AA54-914B-8332-2534DB61DE22}" type="datetimeFigureOut">
               <a:rPr lang="en-US" smtClean="0"/>
-              <a:t>8/11/22</a:t>
+              <a:t>8/13/22</a:t>
             </a:fld>
             <a:endParaRPr lang="en-US"/>
           </a:p>
@@ -513,6 +519,90 @@
           <a:bodyPr/>
           <a:lstStyle/>
           <a:p>
+            <a:endParaRPr lang="en-US" dirty="0"/>
+          </a:p>
+        </p:txBody>
+      </p:sp>
+      <p:sp>
+        <p:nvSpPr>
+          <p:cNvPr id="4" name="Slide Number Placeholder 3"/>
+          <p:cNvSpPr>
+            <a:spLocks noGrp="1"/>
+          </p:cNvSpPr>
+          <p:nvPr>
+            <p:ph type="sldNum" sz="quarter" idx="5"/>
+          </p:nvPr>
+        </p:nvSpPr>
+        <p:spPr/>
+        <p:txBody>
+          <a:bodyPr/>
+          <a:lstStyle/>
+          <a:p>
+            <a:fld id="{916A521A-6802-E54D-BCA4-2F65B16AC132}" type="slidenum">
+              <a:rPr lang="en-US" smtClean="0"/>
+              <a:t>3</a:t>
+            </a:fld>
+            <a:endParaRPr lang="en-US"/>
+          </a:p>
+        </p:txBody>
+      </p:sp>
+    </p:spTree>
+    <p:extLst>
+      <p:ext uri="{BB962C8B-B14F-4D97-AF65-F5344CB8AC3E}">
+        <p14:creationId xmlns:p14="http://schemas.microsoft.com/office/powerpoint/2010/main" val="2971857785"/>
+      </p:ext>
+    </p:extLst>
+  </p:cSld>
+  <p:clrMapOvr>
+    <a:masterClrMapping/>
+  </p:clrMapOvr>
+</p:notes>
+</file>
+
+<file path=ppt/notesSlides/notesSlide2.xml><?xml version="1.0" encoding="utf-8"?>
+<p:notes xmlns:a="http://schemas.openxmlformats.org/drawingml/2006/main" xmlns:r="http://schemas.openxmlformats.org/officeDocument/2006/relationships" xmlns:p="http://schemas.openxmlformats.org/presentationml/2006/main">
+  <p:cSld>
+    <p:spTree>
+      <p:nvGrpSpPr>
+        <p:cNvPr id="1" name=""/>
+        <p:cNvGrpSpPr/>
+        <p:nvPr/>
+      </p:nvGrpSpPr>
+      <p:grpSpPr>
+        <a:xfrm>
+          <a:off x="0" y="0"/>
+          <a:ext cx="0" cy="0"/>
+          <a:chOff x="0" y="0"/>
+          <a:chExt cx="0" cy="0"/>
+        </a:xfrm>
+      </p:grpSpPr>
+      <p:sp>
+        <p:nvSpPr>
+          <p:cNvPr id="2" name="Slide Image Placeholder 1"/>
+          <p:cNvSpPr>
+            <a:spLocks noGrp="1" noRot="1" noChangeAspect="1"/>
+          </p:cNvSpPr>
+          <p:nvPr>
+            <p:ph type="sldImg"/>
+          </p:nvPr>
+        </p:nvSpPr>
+        <p:spPr/>
+      </p:sp>
+      <p:sp>
+        <p:nvSpPr>
+          <p:cNvPr id="3" name="Notes Placeholder 2"/>
+          <p:cNvSpPr>
+            <a:spLocks noGrp="1"/>
+          </p:cNvSpPr>
+          <p:nvPr>
+            <p:ph type="body" idx="1"/>
+          </p:nvPr>
+        </p:nvSpPr>
+        <p:spPr/>
+        <p:txBody>
+          <a:bodyPr/>
+          <a:lstStyle/>
+          <a:p>
             <a:r>
               <a:rPr lang="en-US" sz="1200" b="0" i="0" u="none" strike="noStrike" kern="1200" dirty="0">
                 <a:solidFill>
@@ -523,10 +613,10 @@
                 <a:ea typeface="+mn-ea"/>
                 <a:cs typeface="+mn-cs"/>
               </a:rPr>
-              <a:t>Bayesian classifiers use Bayes’ theorem in the classifier’s decision rule. Naïve Bayes Classifier uses the Bayes’ theorem to predict membership probabilities for each class such as the probability that given record or data point belongs to a particular class. The class with the highest probability is considered as the most likely class. This is also known as the </a:t>
-            </a:r>
-            <a:r>
-              <a:rPr lang="en-US" sz="1200" b="1" i="0" u="none" strike="noStrike" kern="1200" dirty="0">
+              <a:t>The above equation was for a single predictor variable, however, in real-world applications, there are more than one predictor variables and for a classification problem, there is more than one output class. The bayes equation becomes complex as the number of predictor variables grow. In fact, to compute the posterior probability for a response variable with </a:t>
+            </a:r>
+            <a:r>
+              <a:rPr lang="en-US" sz="1200" b="0" i="1" u="none" strike="noStrike" kern="1200" dirty="0">
                 <a:solidFill>
                   <a:schemeClr val="tx1"/>
                 </a:solidFill>
@@ -535,7 +625,7 @@
                 <a:ea typeface="+mn-ea"/>
                 <a:cs typeface="+mn-cs"/>
               </a:rPr>
-              <a:t>Maximum A Posteriori (MAP)</a:t>
+              <a:t>m</a:t>
             </a:r>
             <a:r>
               <a:rPr lang="en-US" sz="1200" b="0" i="0" u="none" strike="noStrike" kern="1200" dirty="0">
@@ -547,7 +637,55 @@
                 <a:ea typeface="+mn-ea"/>
                 <a:cs typeface="+mn-cs"/>
               </a:rPr>
-              <a:t>.</a:t>
+              <a:t> classes and a data set with </a:t>
+            </a:r>
+            <a:r>
+              <a:rPr lang="en-US" sz="1200" b="0" i="1" u="none" strike="noStrike" kern="1200" dirty="0">
+                <a:solidFill>
+                  <a:schemeClr val="tx1"/>
+                </a:solidFill>
+                <a:effectLst/>
+                <a:latin typeface="+mn-lt"/>
+                <a:ea typeface="+mn-ea"/>
+                <a:cs typeface="+mn-cs"/>
+              </a:rPr>
+              <a:t>p </a:t>
+            </a:r>
+            <a:r>
+              <a:rPr lang="en-US" sz="1200" b="0" i="0" u="none" strike="noStrike" kern="1200" dirty="0">
+                <a:solidFill>
+                  <a:schemeClr val="tx1"/>
+                </a:solidFill>
+                <a:effectLst/>
+                <a:latin typeface="+mn-lt"/>
+                <a:ea typeface="+mn-ea"/>
+                <a:cs typeface="+mn-cs"/>
+              </a:rPr>
+              <a:t>predictors would require </a:t>
+            </a:r>
+            <a:r>
+              <a:rPr lang="en-US" sz="1200" b="0" i="0" u="none" strike="noStrike" kern="1200" dirty="0" err="1">
+                <a:solidFill>
+                  <a:schemeClr val="tx1"/>
+                </a:solidFill>
+                <a:effectLst/>
+                <a:latin typeface="+mn-lt"/>
+                <a:ea typeface="+mn-ea"/>
+                <a:cs typeface="+mn-cs"/>
+              </a:rPr>
+              <a:t>m^p</a:t>
+            </a:r>
+            <a:r>
+              <a:rPr lang="en-US" sz="1200" b="0" i="0" u="none" strike="noStrike" kern="1200" dirty="0">
+                <a:solidFill>
+                  <a:schemeClr val="tx1"/>
+                </a:solidFill>
+                <a:effectLst/>
+                <a:latin typeface="+mn-lt"/>
+                <a:ea typeface="+mn-ea"/>
+                <a:cs typeface="+mn-cs"/>
+              </a:rPr>
+              <a:t> probabilities computed.</a:t>
             </a:r>
             <a:endParaRPr lang="en-US" dirty="0"/>
           </a:p>
@@ -570,7 +708,7 @@
           <a:p>
             <a:fld id="{916A521A-6802-E54D-BCA4-2F65B16AC132}" type="slidenum">
               <a:rPr lang="en-US" smtClean="0"/>
-              <a:t>3</a:t>
+              <a:t>4</a:t>
             </a:fld>
             <a:endParaRPr lang="en-US"/>
           </a:p>
@@ -579,7 +717,343 @@
     </p:spTree>
     <p:extLst>
       <p:ext uri="{BB962C8B-B14F-4D97-AF65-F5344CB8AC3E}">
-        <p14:creationId xmlns:p14="http://schemas.microsoft.com/office/powerpoint/2010/main" val="2971857785"/>
+        <p14:creationId xmlns:p14="http://schemas.microsoft.com/office/powerpoint/2010/main" val="4275005457"/>
+      </p:ext>
+    </p:extLst>
+  </p:cSld>
+  <p:clrMapOvr>
+    <a:masterClrMapping/>
+  </p:clrMapOvr>
+</p:notes>
+</file>
+
+<file path=ppt/notesSlides/notesSlide3.xml><?xml version="1.0" encoding="utf-8"?>
+<p:notes xmlns:a="http://schemas.openxmlformats.org/drawingml/2006/main" xmlns:r="http://schemas.openxmlformats.org/officeDocument/2006/relationships" xmlns:p="http://schemas.openxmlformats.org/presentationml/2006/main">
+  <p:cSld>
+    <p:spTree>
+      <p:nvGrpSpPr>
+        <p:cNvPr id="1" name=""/>
+        <p:cNvGrpSpPr/>
+        <p:nvPr/>
+      </p:nvGrpSpPr>
+      <p:grpSpPr>
+        <a:xfrm>
+          <a:off x="0" y="0"/>
+          <a:ext cx="0" cy="0"/>
+          <a:chOff x="0" y="0"/>
+          <a:chExt cx="0" cy="0"/>
+        </a:xfrm>
+      </p:grpSpPr>
+      <p:sp>
+        <p:nvSpPr>
+          <p:cNvPr id="2" name="Slide Image Placeholder 1"/>
+          <p:cNvSpPr>
+            <a:spLocks noGrp="1" noRot="1" noChangeAspect="1"/>
+          </p:cNvSpPr>
+          <p:nvPr>
+            <p:ph type="sldImg"/>
+          </p:nvPr>
+        </p:nvSpPr>
+        <p:spPr/>
+      </p:sp>
+      <p:sp>
+        <p:nvSpPr>
+          <p:cNvPr id="3" name="Notes Placeholder 2"/>
+          <p:cNvSpPr>
+            <a:spLocks noGrp="1"/>
+          </p:cNvSpPr>
+          <p:nvPr>
+            <p:ph type="body" idx="1"/>
+          </p:nvPr>
+        </p:nvSpPr>
+        <p:spPr/>
+        <p:txBody>
+          <a:bodyPr/>
+          <a:lstStyle/>
+          <a:p>
+            <a:r>
+              <a:rPr lang="en-US" sz="1200" b="0" i="0" u="none" strike="noStrike" kern="1200" dirty="0">
+                <a:solidFill>
+                  <a:schemeClr val="tx1"/>
+                </a:solidFill>
+                <a:effectLst/>
+                <a:latin typeface="+mn-lt"/>
+                <a:ea typeface="+mn-ea"/>
+                <a:cs typeface="+mn-cs"/>
+              </a:rPr>
+              <a:t>The above equation was for a single predictor variable, however, in real-world applications, there are more than one predictor variables and for a classification problem, there is more than one output class. The bayes equation becomes complex as the number of predictor variables grow. In fact, to compute the posterior probability for a response variable with </a:t>
+            </a:r>
+            <a:r>
+              <a:rPr lang="en-US" sz="1200" b="0" i="1" u="none" strike="noStrike" kern="1200" dirty="0">
+                <a:solidFill>
+                  <a:schemeClr val="tx1"/>
+                </a:solidFill>
+                <a:effectLst/>
+                <a:latin typeface="+mn-lt"/>
+                <a:ea typeface="+mn-ea"/>
+                <a:cs typeface="+mn-cs"/>
+              </a:rPr>
+              <a:t>m</a:t>
+            </a:r>
+            <a:r>
+              <a:rPr lang="en-US" sz="1200" b="0" i="0" u="none" strike="noStrike" kern="1200" dirty="0">
+                <a:solidFill>
+                  <a:schemeClr val="tx1"/>
+                </a:solidFill>
+                <a:effectLst/>
+                <a:latin typeface="+mn-lt"/>
+                <a:ea typeface="+mn-ea"/>
+                <a:cs typeface="+mn-cs"/>
+              </a:rPr>
+              <a:t> classes and a data set with </a:t>
+            </a:r>
+            <a:r>
+              <a:rPr lang="en-US" sz="1200" b="0" i="1" u="none" strike="noStrike" kern="1200" dirty="0">
+                <a:solidFill>
+                  <a:schemeClr val="tx1"/>
+                </a:solidFill>
+                <a:effectLst/>
+                <a:latin typeface="+mn-lt"/>
+                <a:ea typeface="+mn-ea"/>
+                <a:cs typeface="+mn-cs"/>
+              </a:rPr>
+              <a:t>p </a:t>
+            </a:r>
+            <a:r>
+              <a:rPr lang="en-US" sz="1200" b="0" i="0" u="none" strike="noStrike" kern="1200" dirty="0">
+                <a:solidFill>
+                  <a:schemeClr val="tx1"/>
+                </a:solidFill>
+                <a:effectLst/>
+                <a:latin typeface="+mn-lt"/>
+                <a:ea typeface="+mn-ea"/>
+                <a:cs typeface="+mn-cs"/>
+              </a:rPr>
+              <a:t>predictors would require </a:t>
+            </a:r>
+            <a:r>
+              <a:rPr lang="en-US" sz="1200" b="0" i="0" u="none" strike="noStrike" kern="1200" dirty="0" err="1">
+                <a:solidFill>
+                  <a:schemeClr val="tx1"/>
+                </a:solidFill>
+                <a:effectLst/>
+                <a:latin typeface="+mn-lt"/>
+                <a:ea typeface="+mn-ea"/>
+                <a:cs typeface="+mn-cs"/>
+              </a:rPr>
+              <a:t>m^p</a:t>
+            </a:r>
+            <a:r>
+              <a:rPr lang="en-US" sz="1200" b="0" i="0" u="none" strike="noStrike" kern="1200" dirty="0">
+                <a:solidFill>
+                  <a:schemeClr val="tx1"/>
+                </a:solidFill>
+                <a:effectLst/>
+                <a:latin typeface="+mn-lt"/>
+                <a:ea typeface="+mn-ea"/>
+                <a:cs typeface="+mn-cs"/>
+              </a:rPr>
+              <a:t> probabilities computed.</a:t>
+            </a:r>
+            <a:endParaRPr lang="en-US" dirty="0"/>
+          </a:p>
+        </p:txBody>
+      </p:sp>
+      <p:sp>
+        <p:nvSpPr>
+          <p:cNvPr id="4" name="Slide Number Placeholder 3"/>
+          <p:cNvSpPr>
+            <a:spLocks noGrp="1"/>
+          </p:cNvSpPr>
+          <p:nvPr>
+            <p:ph type="sldNum" sz="quarter" idx="5"/>
+          </p:nvPr>
+        </p:nvSpPr>
+        <p:spPr/>
+        <p:txBody>
+          <a:bodyPr/>
+          <a:lstStyle/>
+          <a:p>
+            <a:fld id="{916A521A-6802-E54D-BCA4-2F65B16AC132}" type="slidenum">
+              <a:rPr lang="en-US" smtClean="0"/>
+              <a:t>5</a:t>
+            </a:fld>
+            <a:endParaRPr lang="en-US"/>
+          </a:p>
+        </p:txBody>
+      </p:sp>
+    </p:spTree>
+    <p:extLst>
+      <p:ext uri="{BB962C8B-B14F-4D97-AF65-F5344CB8AC3E}">
+        <p14:creationId xmlns:p14="http://schemas.microsoft.com/office/powerpoint/2010/main" val="894321723"/>
+      </p:ext>
+    </p:extLst>
+  </p:cSld>
+  <p:clrMapOvr>
+    <a:masterClrMapping/>
+  </p:clrMapOvr>
+</p:notes>
+</file>
+
+<file path=ppt/notesSlides/notesSlide4.xml><?xml version="1.0" encoding="utf-8"?>
+<p:notes xmlns:a="http://schemas.openxmlformats.org/drawingml/2006/main" xmlns:r="http://schemas.openxmlformats.org/officeDocument/2006/relationships" xmlns:p="http://schemas.openxmlformats.org/presentationml/2006/main">
+  <p:cSld>
+    <p:spTree>
+      <p:nvGrpSpPr>
+        <p:cNvPr id="1" name=""/>
+        <p:cNvGrpSpPr/>
+        <p:nvPr/>
+      </p:nvGrpSpPr>
+      <p:grpSpPr>
+        <a:xfrm>
+          <a:off x="0" y="0"/>
+          <a:ext cx="0" cy="0"/>
+          <a:chOff x="0" y="0"/>
+          <a:chExt cx="0" cy="0"/>
+        </a:xfrm>
+      </p:grpSpPr>
+      <p:sp>
+        <p:nvSpPr>
+          <p:cNvPr id="2" name="Slide Image Placeholder 1"/>
+          <p:cNvSpPr>
+            <a:spLocks noGrp="1" noRot="1" noChangeAspect="1"/>
+          </p:cNvSpPr>
+          <p:nvPr>
+            <p:ph type="sldImg"/>
+          </p:nvPr>
+        </p:nvSpPr>
+        <p:spPr/>
+      </p:sp>
+      <p:sp>
+        <p:nvSpPr>
+          <p:cNvPr id="3" name="Notes Placeholder 2"/>
+          <p:cNvSpPr>
+            <a:spLocks noGrp="1"/>
+          </p:cNvSpPr>
+          <p:nvPr>
+            <p:ph type="body" idx="1"/>
+          </p:nvPr>
+        </p:nvSpPr>
+        <p:spPr/>
+        <p:txBody>
+          <a:bodyPr/>
+          <a:lstStyle/>
+          <a:p>
+            <a:r>
+              <a:rPr lang="en-US" sz="1200" b="0" i="0" u="none" strike="noStrike" kern="1200" dirty="0">
+                <a:solidFill>
+                  <a:schemeClr val="tx1"/>
+                </a:solidFill>
+                <a:effectLst/>
+                <a:latin typeface="+mn-lt"/>
+                <a:ea typeface="+mn-ea"/>
+                <a:cs typeface="+mn-cs"/>
+              </a:rPr>
+              <a:t>The above equation was for a single predictor variable, however, in real-world applications, there are more than one predictor variables and for a classification problem, there is more than one output class. The bayes equation becomes complex as the number of predictor variables grow. In fact, to compute the posterior probability for a response variable with </a:t>
+            </a:r>
+            <a:r>
+              <a:rPr lang="en-US" sz="1200" b="0" i="1" u="none" strike="noStrike" kern="1200" dirty="0">
+                <a:solidFill>
+                  <a:schemeClr val="tx1"/>
+                </a:solidFill>
+                <a:effectLst/>
+                <a:latin typeface="+mn-lt"/>
+                <a:ea typeface="+mn-ea"/>
+                <a:cs typeface="+mn-cs"/>
+              </a:rPr>
+              <a:t>m</a:t>
+            </a:r>
+            <a:r>
+              <a:rPr lang="en-US" sz="1200" b="0" i="0" u="none" strike="noStrike" kern="1200" dirty="0">
+                <a:solidFill>
+                  <a:schemeClr val="tx1"/>
+                </a:solidFill>
+                <a:effectLst/>
+                <a:latin typeface="+mn-lt"/>
+                <a:ea typeface="+mn-ea"/>
+                <a:cs typeface="+mn-cs"/>
+              </a:rPr>
+              <a:t> classes and a data set with </a:t>
+            </a:r>
+            <a:r>
+              <a:rPr lang="en-US" sz="1200" b="0" i="1" u="none" strike="noStrike" kern="1200" dirty="0">
+                <a:solidFill>
+                  <a:schemeClr val="tx1"/>
+                </a:solidFill>
+                <a:effectLst/>
+                <a:latin typeface="+mn-lt"/>
+                <a:ea typeface="+mn-ea"/>
+                <a:cs typeface="+mn-cs"/>
+              </a:rPr>
+              <a:t>p </a:t>
+            </a:r>
+            <a:r>
+              <a:rPr lang="en-US" sz="1200" b="0" i="0" u="none" strike="noStrike" kern="1200" dirty="0">
+                <a:solidFill>
+                  <a:schemeClr val="tx1"/>
+                </a:solidFill>
+                <a:effectLst/>
+                <a:latin typeface="+mn-lt"/>
+                <a:ea typeface="+mn-ea"/>
+                <a:cs typeface="+mn-cs"/>
+              </a:rPr>
+              <a:t>predictors would require </a:t>
+            </a:r>
+            <a:r>
+              <a:rPr lang="en-US" sz="1200" b="0" i="0" u="none" strike="noStrike" kern="1200" dirty="0" err="1">
+                <a:solidFill>
+                  <a:schemeClr val="tx1"/>
+                </a:solidFill>
+                <a:effectLst/>
+                <a:latin typeface="+mn-lt"/>
+                <a:ea typeface="+mn-ea"/>
+                <a:cs typeface="+mn-cs"/>
+              </a:rPr>
+              <a:t>m^p</a:t>
+            </a:r>
+            <a:r>
+              <a:rPr lang="en-US" sz="1200" b="0" i="0" u="none" strike="noStrike" kern="1200" dirty="0">
+                <a:solidFill>
+                  <a:schemeClr val="tx1"/>
+                </a:solidFill>
+                <a:effectLst/>
+                <a:latin typeface="+mn-lt"/>
+                <a:ea typeface="+mn-ea"/>
+                <a:cs typeface="+mn-cs"/>
+              </a:rPr>
+              <a:t> probabilities computed.</a:t>
+            </a:r>
+            <a:endParaRPr lang="en-US" dirty="0"/>
+          </a:p>
+        </p:txBody>
+      </p:sp>
+      <p:sp>
+        <p:nvSpPr>
+          <p:cNvPr id="4" name="Slide Number Placeholder 3"/>
+          <p:cNvSpPr>
+            <a:spLocks noGrp="1"/>
+          </p:cNvSpPr>
+          <p:nvPr>
+            <p:ph type="sldNum" sz="quarter" idx="5"/>
+          </p:nvPr>
+        </p:nvSpPr>
+        <p:spPr/>
+        <p:txBody>
+          <a:bodyPr/>
+          <a:lstStyle/>
+          <a:p>
+            <a:fld id="{916A521A-6802-E54D-BCA4-2F65B16AC132}" type="slidenum">
+              <a:rPr lang="en-US" smtClean="0"/>
+              <a:t>6</a:t>
+            </a:fld>
+            <a:endParaRPr lang="en-US"/>
+          </a:p>
+        </p:txBody>
+      </p:sp>
+    </p:spTree>
+    <p:extLst>
+      <p:ext uri="{BB962C8B-B14F-4D97-AF65-F5344CB8AC3E}">
+        <p14:creationId xmlns:p14="http://schemas.microsoft.com/office/powerpoint/2010/main" val="35646110"/>
       </p:ext>
     </p:extLst>
   </p:cSld>
@@ -917,7 +1391,7 @@
             <a:pPr algn="l"/>
             <a:fld id="{0DCFB061-4267-4D9F-8017-6F550D3068DF}" type="datetime1">
               <a:rPr lang="en-US" smtClean="0"/>
-              <a:t>8/8/22</a:t>
+              <a:t>8/13/22</a:t>
             </a:fld>
             <a:endParaRPr lang="en-US" dirty="0"/>
           </a:p>
@@ -1110,7 +1584,7 @@
           <a:p>
             <a:fld id="{8141BC61-5547-4A60-8DA1-6699760D9972}" type="datetime1">
               <a:rPr lang="en-US" smtClean="0"/>
-              <a:t>8/8/22</a:t>
+              <a:t>8/13/22</a:t>
             </a:fld>
             <a:endParaRPr lang="en-US" dirty="0"/>
           </a:p>
@@ -1295,7 +1769,7 @@
           <a:p>
             <a:fld id="{24B9D1C6-60D0-4CD1-8F31-F912522EB041}" type="datetime1">
               <a:rPr lang="en-US" smtClean="0"/>
-              <a:t>8/8/22</a:t>
+              <a:t>8/13/22</a:t>
             </a:fld>
             <a:endParaRPr lang="en-US" dirty="0"/>
           </a:p>
@@ -1524,7 +1998,7 @@
           <a:p>
             <a:fld id="{47A4ED5C-5A53-433E-8A55-46F54CE81DA5}" type="datetime1">
               <a:rPr lang="en-US" smtClean="0"/>
-              <a:t>8/8/22</a:t>
+              <a:t>8/13/22</a:t>
             </a:fld>
             <a:endParaRPr lang="en-US" dirty="0"/>
           </a:p>
@@ -1851,7 +2325,7 @@
           <a:p>
             <a:fld id="{29CABC0C-B6DF-45E9-B954-11C99AA62C3E}" type="datetime1">
               <a:rPr lang="en-US" smtClean="0"/>
-              <a:t>8/8/22</a:t>
+              <a:t>8/13/22</a:t>
             </a:fld>
             <a:endParaRPr lang="en-US" dirty="0"/>
           </a:p>
@@ -2147,7 +2621,7 @@
           <a:p>
             <a:fld id="{A4AB71B9-2624-4F21-93EE-35A78B1A0DAD}" type="datetime1">
               <a:rPr lang="en-US" smtClean="0"/>
-              <a:t>8/8/22</a:t>
+              <a:t>8/13/22</a:t>
             </a:fld>
             <a:endParaRPr lang="en-US" dirty="0"/>
           </a:p>
@@ -2568,7 +3042,7 @@
           <a:p>
             <a:fld id="{36D37C2A-BE2E-4840-A907-3254E2916C96}" type="datetime1">
               <a:rPr lang="en-US" smtClean="0"/>
-              <a:t>8/8/22</a:t>
+              <a:t>8/13/22</a:t>
             </a:fld>
             <a:endParaRPr lang="en-US" dirty="0"/>
           </a:p>
@@ -2766,7 +3240,7 @@
           <a:p>
             <a:fld id="{005CD215-1C45-48A0-8534-39FFE8A7C95A}" type="datetime1">
               <a:rPr lang="en-US" smtClean="0"/>
-              <a:t>8/8/22</a:t>
+              <a:t>8/13/22</a:t>
             </a:fld>
             <a:endParaRPr lang="en-US" dirty="0"/>
           </a:p>
@@ -2875,7 +3349,7 @@
           <a:p>
             <a:fld id="{D3363A0F-DEF3-4134-98D0-2E1276938A8B}" type="datetime1">
               <a:rPr lang="en-US" smtClean="0"/>
-              <a:t>8/8/22</a:t>
+              <a:t>8/13/22</a:t>
             </a:fld>
             <a:endParaRPr lang="en-US" dirty="0"/>
           </a:p>
@@ -3296,7 +3770,7 @@
           <a:p>
             <a:fld id="{61A2E4C8-2960-4ADD-862C-4D9643CB15AC}" type="datetime1">
               <a:rPr lang="en-US" smtClean="0"/>
-              <a:t>8/8/22</a:t>
+              <a:t>8/13/22</a:t>
             </a:fld>
             <a:endParaRPr lang="en-US" dirty="0"/>
           </a:p>
@@ -3649,7 +4123,7 @@
           <a:p>
             <a:fld id="{48BDEA15-09CD-4275-A8E0-385C965F48B0}" type="datetime1">
               <a:rPr lang="en-US" smtClean="0"/>
-              <a:t>8/8/22</a:t>
+              <a:t>8/13/22</a:t>
             </a:fld>
             <a:endParaRPr lang="en-US" dirty="0"/>
           </a:p>
@@ -3954,7 +4428,7 @@
           <a:p>
             <a:fld id="{4AF8082C-0922-4249-A612-B415F5231620}" type="datetime1">
               <a:rPr lang="en-US" smtClean="0"/>
-              <a:t>8/8/22</a:t>
+              <a:t>8/13/22</a:t>
             </a:fld>
             <a:endParaRPr lang="en-US" dirty="0"/>
           </a:p>
@@ -5067,7 +5541,7 @@
                   <a:schemeClr val="bg1"/>
                 </a:solidFill>
               </a:rPr>
-              <a:t>REFERENCES</a:t>
+              <a:t>CONCLUSION</a:t>
             </a:r>
           </a:p>
         </p:txBody>
@@ -5216,8 +5690,473 @@
         </p:nvSpPr>
         <p:spPr>
           <a:xfrm>
-            <a:off x="1535371" y="2702257"/>
-            <a:ext cx="9935571" cy="3426158"/>
+            <a:off x="1535371" y="2391770"/>
+            <a:ext cx="9935571" cy="4374790"/>
+          </a:xfrm>
+        </p:spPr>
+        <p:txBody>
+          <a:bodyPr anchor="t">
+            <a:normAutofit/>
+          </a:bodyPr>
+          <a:lstStyle/>
+          <a:p>
+            <a:pPr marL="285750" indent="-285750">
+              <a:buFont typeface="Arial" panose="020B0604020202020204" pitchFamily="34" charset="0"/>
+              <a:buChar char="•"/>
+            </a:pPr>
+            <a:r>
+              <a:rPr lang="en-US" dirty="0"/>
+              <a:t>Recommendations:</a:t>
+            </a:r>
+          </a:p>
+          <a:p>
+            <a:pPr marL="285750" indent="-285750">
+              <a:buFont typeface="Arial" panose="020B0604020202020204" pitchFamily="34" charset="0"/>
+              <a:buChar char="•"/>
+            </a:pPr>
+            <a:r>
+              <a:rPr lang="en-US" dirty="0"/>
+              <a:t>Future Work:</a:t>
+            </a:r>
+          </a:p>
+          <a:p>
+            <a:r>
+              <a:rPr lang="en-US" sz="1600" b="0" dirty="0"/>
+              <a:t>	- Regular Bayes classification and comparing it to Naïve Bayes </a:t>
+            </a:r>
+          </a:p>
+          <a:p>
+            <a:r>
+              <a:rPr lang="en-US" sz="1600" b="0" dirty="0"/>
+              <a:t>	- Classification using Bayesian Networks </a:t>
+            </a:r>
+          </a:p>
+          <a:p>
+            <a:r>
+              <a:rPr lang="en-US" sz="1600" b="0" dirty="0"/>
+              <a:t>	- Different types of Naïve Bayes (Gaussian, Multinomial, Bernoulli, etc.)</a:t>
+            </a:r>
+          </a:p>
+          <a:p>
+            <a:pPr marL="285750" indent="-285750">
+              <a:buFont typeface="Arial" panose="020B0604020202020204" pitchFamily="34" charset="0"/>
+              <a:buChar char="•"/>
+            </a:pPr>
+            <a:endParaRPr lang="en-US" dirty="0"/>
+          </a:p>
+        </p:txBody>
+      </p:sp>
+    </p:spTree>
+    <p:extLst>
+      <p:ext uri="{BB962C8B-B14F-4D97-AF65-F5344CB8AC3E}">
+        <p14:creationId xmlns:p14="http://schemas.microsoft.com/office/powerpoint/2010/main" val="2814205445"/>
+      </p:ext>
+    </p:extLst>
+  </p:cSld>
+  <p:clrMapOvr>
+    <a:masterClrMapping/>
+  </p:clrMapOvr>
+</p:sld>
+</file>
+
+<file path=ppt/slides/slide11.xml><?xml version="1.0" encoding="utf-8"?>
+<p:sld xmlns:a="http://schemas.openxmlformats.org/drawingml/2006/main" xmlns:r="http://schemas.openxmlformats.org/officeDocument/2006/relationships" xmlns:p="http://schemas.openxmlformats.org/presentationml/2006/main">
+  <p:cSld>
+    <p:bg>
+      <p:bgPr>
+        <a:solidFill>
+          <a:schemeClr val="bg2"/>
+        </a:solidFill>
+        <a:effectLst/>
+      </p:bgPr>
+    </p:bg>
+    <p:spTree>
+      <p:nvGrpSpPr>
+        <p:cNvPr id="1" name=""/>
+        <p:cNvGrpSpPr/>
+        <p:nvPr/>
+      </p:nvGrpSpPr>
+      <p:grpSpPr>
+        <a:xfrm>
+          <a:off x="0" y="0"/>
+          <a:ext cx="0" cy="0"/>
+          <a:chOff x="0" y="0"/>
+          <a:chExt cx="0" cy="0"/>
+        </a:xfrm>
+      </p:grpSpPr>
+      <p:sp useBgFill="1">
+        <p:nvSpPr>
+          <p:cNvPr id="8" name="Rectangle 7">
+            <a:extLst>
+              <a:ext uri="{FF2B5EF4-FFF2-40B4-BE49-F238E27FC236}">
+                <a16:creationId xmlns:a16="http://schemas.microsoft.com/office/drawing/2014/main" id="{72526924-84D3-45FB-A5FE-62D8FCBF53B6}"/>
+              </a:ext>
+              <a:ext uri="{C183D7F6-B498-43B3-948B-1728B52AA6E4}">
+                <adec:decorative xmlns:adec="http://schemas.microsoft.com/office/drawing/2017/decorative" val="1"/>
+              </a:ext>
+            </a:extLst>
+          </p:cNvPr>
+          <p:cNvSpPr>
+            <a:spLocks noGrp="1" noRot="1" noChangeAspect="1" noMove="1" noResize="1" noEditPoints="1" noAdjustHandles="1" noChangeArrowheads="1" noChangeShapeType="1" noTextEdit="1"/>
+          </p:cNvSpPr>
+          <p:nvPr>
+            <p:extLst>
+              <p:ext uri="{386F3935-93C4-4BCD-93E2-E3B085C9AB24}">
+                <p16:designElem xmlns:p16="http://schemas.microsoft.com/office/powerpoint/2015/main" val="1"/>
+              </p:ext>
+            </p:extLst>
+          </p:nvPr>
+        </p:nvSpPr>
+        <p:spPr>
+          <a:xfrm>
+            <a:off x="0" y="0"/>
+            <a:ext cx="12192001" cy="6858000"/>
+          </a:xfrm>
+          <a:prstGeom prst="rect">
+            <a:avLst/>
+          </a:prstGeom>
+          <a:ln>
+            <a:noFill/>
+          </a:ln>
+        </p:spPr>
+        <p:style>
+          <a:lnRef idx="2">
+            <a:schemeClr val="accent1">
+              <a:shade val="50000"/>
+            </a:schemeClr>
+          </a:lnRef>
+          <a:fillRef idx="1">
+            <a:schemeClr val="accent1"/>
+          </a:fillRef>
+          <a:effectRef idx="0">
+            <a:schemeClr val="accent1"/>
+          </a:effectRef>
+          <a:fontRef idx="minor">
+            <a:schemeClr val="lt1"/>
+          </a:fontRef>
+        </p:style>
+        <p:txBody>
+          <a:bodyPr rtlCol="0" anchor="ctr"/>
+          <a:lstStyle/>
+          <a:p>
+            <a:pPr algn="ctr"/>
+            <a:endParaRPr lang="en-US"/>
+          </a:p>
+        </p:txBody>
+      </p:sp>
+      <p:sp>
+        <p:nvSpPr>
+          <p:cNvPr id="10" name="Rectangle 9">
+            <a:extLst>
+              <a:ext uri="{FF2B5EF4-FFF2-40B4-BE49-F238E27FC236}">
+                <a16:creationId xmlns:a16="http://schemas.microsoft.com/office/drawing/2014/main" id="{5C2A6256-1DD0-4E4B-A8B3-9A711B4DBE0C}"/>
+              </a:ext>
+              <a:ext uri="{C183D7F6-B498-43B3-948B-1728B52AA6E4}">
+                <adec:decorative xmlns:adec="http://schemas.microsoft.com/office/drawing/2017/decorative" val="1"/>
+              </a:ext>
+            </a:extLst>
+          </p:cNvPr>
+          <p:cNvSpPr>
+            <a:spLocks noGrp="1" noRot="1" noChangeAspect="1" noMove="1" noResize="1" noEditPoints="1" noAdjustHandles="1" noChangeArrowheads="1" noChangeShapeType="1" noTextEdit="1"/>
+          </p:cNvSpPr>
+          <p:nvPr>
+            <p:extLst>
+              <p:ext uri="{386F3935-93C4-4BCD-93E2-E3B085C9AB24}">
+                <p16:designElem xmlns:p16="http://schemas.microsoft.com/office/powerpoint/2015/main" val="1"/>
+              </p:ext>
+            </p:extLst>
+          </p:nvPr>
+        </p:nvSpPr>
+        <p:spPr>
+          <a:xfrm>
+            <a:off x="1038768" y="2130218"/>
+            <a:ext cx="11153231" cy="4727782"/>
+          </a:xfrm>
+          <a:prstGeom prst="rect">
+            <a:avLst/>
+          </a:prstGeom>
+          <a:solidFill>
+            <a:schemeClr val="bg1">
+              <a:alpha val="75000"/>
+            </a:schemeClr>
+          </a:solidFill>
+          <a:ln>
+            <a:noFill/>
+          </a:ln>
+        </p:spPr>
+        <p:style>
+          <a:lnRef idx="2">
+            <a:schemeClr val="accent1">
+              <a:shade val="50000"/>
+            </a:schemeClr>
+          </a:lnRef>
+          <a:fillRef idx="1">
+            <a:schemeClr val="accent1"/>
+          </a:fillRef>
+          <a:effectRef idx="0">
+            <a:schemeClr val="accent1"/>
+          </a:effectRef>
+          <a:fontRef idx="minor">
+            <a:schemeClr val="lt1"/>
+          </a:fontRef>
+        </p:style>
+        <p:txBody>
+          <a:bodyPr rtlCol="0" anchor="ctr"/>
+          <a:lstStyle/>
+          <a:p>
+            <a:pPr algn="ctr"/>
+            <a:endParaRPr lang="en-US"/>
+          </a:p>
+        </p:txBody>
+      </p:sp>
+      <p:sp>
+        <p:nvSpPr>
+          <p:cNvPr id="12" name="Rectangle 11">
+            <a:extLst>
+              <a:ext uri="{FF2B5EF4-FFF2-40B4-BE49-F238E27FC236}">
+                <a16:creationId xmlns:a16="http://schemas.microsoft.com/office/drawing/2014/main" id="{41760540-185E-4652-BFD2-9B362EF3BC99}"/>
+              </a:ext>
+              <a:ext uri="{C183D7F6-B498-43B3-948B-1728B52AA6E4}">
+                <adec:decorative xmlns:adec="http://schemas.microsoft.com/office/drawing/2017/decorative" val="1"/>
+              </a:ext>
+            </a:extLst>
+          </p:cNvPr>
+          <p:cNvSpPr>
+            <a:spLocks noGrp="1" noRot="1" noChangeAspect="1" noMove="1" noResize="1" noEditPoints="1" noAdjustHandles="1" noChangeArrowheads="1" noChangeShapeType="1" noTextEdit="1"/>
+          </p:cNvSpPr>
+          <p:nvPr>
+            <p:extLst>
+              <p:ext uri="{386F3935-93C4-4BCD-93E2-E3B085C9AB24}">
+                <p16:designElem xmlns:p16="http://schemas.microsoft.com/office/powerpoint/2015/main" val="1"/>
+              </p:ext>
+            </p:extLst>
+          </p:nvPr>
+        </p:nvSpPr>
+        <p:spPr>
+          <a:xfrm>
+            <a:off x="0" y="896641"/>
+            <a:ext cx="12192000" cy="1347716"/>
+          </a:xfrm>
+          <a:prstGeom prst="rect">
+            <a:avLst/>
+          </a:prstGeom>
+          <a:solidFill>
+            <a:schemeClr val="tx2"/>
+          </a:solidFill>
+          <a:ln>
+            <a:noFill/>
+          </a:ln>
+        </p:spPr>
+        <p:style>
+          <a:lnRef idx="2">
+            <a:schemeClr val="accent1">
+              <a:shade val="50000"/>
+            </a:schemeClr>
+          </a:lnRef>
+          <a:fillRef idx="1">
+            <a:schemeClr val="accent1"/>
+          </a:fillRef>
+          <a:effectRef idx="0">
+            <a:schemeClr val="accent1"/>
+          </a:effectRef>
+          <a:fontRef idx="minor">
+            <a:schemeClr val="lt1"/>
+          </a:fontRef>
+        </p:style>
+        <p:txBody>
+          <a:bodyPr rtlCol="0" anchor="ctr"/>
+          <a:lstStyle/>
+          <a:p>
+            <a:pPr algn="ctr"/>
+            <a:endParaRPr lang="en-US"/>
+          </a:p>
+        </p:txBody>
+      </p:sp>
+      <p:sp>
+        <p:nvSpPr>
+          <p:cNvPr id="2" name="Title 1">
+            <a:extLst>
+              <a:ext uri="{FF2B5EF4-FFF2-40B4-BE49-F238E27FC236}">
+                <a16:creationId xmlns:a16="http://schemas.microsoft.com/office/drawing/2014/main" id="{0861EF05-CC76-3A07-B5B6-6B63CBD31257}"/>
+              </a:ext>
+            </a:extLst>
+          </p:cNvPr>
+          <p:cNvSpPr>
+            <a:spLocks noGrp="1"/>
+          </p:cNvSpPr>
+          <p:nvPr>
+            <p:ph type="title"/>
+          </p:nvPr>
+        </p:nvSpPr>
+        <p:spPr>
+          <a:xfrm>
+            <a:off x="1535371" y="1044054"/>
+            <a:ext cx="10013709" cy="1030360"/>
+          </a:xfrm>
+        </p:spPr>
+        <p:txBody>
+          <a:bodyPr>
+            <a:normAutofit/>
+          </a:bodyPr>
+          <a:lstStyle/>
+          <a:p>
+            <a:r>
+              <a:rPr lang="en-US" dirty="0">
+                <a:solidFill>
+                  <a:schemeClr val="bg1"/>
+                </a:solidFill>
+              </a:rPr>
+              <a:t>REFERENCES</a:t>
+            </a:r>
+          </a:p>
+        </p:txBody>
+      </p:sp>
+      <p:sp>
+        <p:nvSpPr>
+          <p:cNvPr id="14" name="Rectangle 13">
+            <a:extLst>
+              <a:ext uri="{FF2B5EF4-FFF2-40B4-BE49-F238E27FC236}">
+                <a16:creationId xmlns:a16="http://schemas.microsoft.com/office/drawing/2014/main" id="{729789F4-85C1-41A0-83EB-992E22210CB9}"/>
+              </a:ext>
+              <a:ext uri="{C183D7F6-B498-43B3-948B-1728B52AA6E4}">
+                <adec:decorative xmlns:adec="http://schemas.microsoft.com/office/drawing/2017/decorative" val="1"/>
+              </a:ext>
+            </a:extLst>
+          </p:cNvPr>
+          <p:cNvSpPr>
+            <a:spLocks noGrp="1" noRot="1" noChangeAspect="1" noMove="1" noResize="1" noEditPoints="1" noAdjustHandles="1" noChangeArrowheads="1" noChangeShapeType="1" noTextEdit="1"/>
+          </p:cNvSpPr>
+          <p:nvPr>
+            <p:extLst>
+              <p:ext uri="{386F3935-93C4-4BCD-93E2-E3B085C9AB24}">
+                <p16:designElem xmlns:p16="http://schemas.microsoft.com/office/powerpoint/2015/main" val="1"/>
+              </p:ext>
+            </p:extLst>
+          </p:nvPr>
+        </p:nvSpPr>
+        <p:spPr>
+          <a:xfrm>
+            <a:off x="-1" y="962423"/>
+            <a:ext cx="1006766" cy="1216152"/>
+          </a:xfrm>
+          <a:prstGeom prst="rect">
+            <a:avLst/>
+          </a:prstGeom>
+          <a:solidFill>
+            <a:schemeClr val="accent1"/>
+          </a:solidFill>
+          <a:ln>
+            <a:noFill/>
+          </a:ln>
+        </p:spPr>
+        <p:style>
+          <a:lnRef idx="2">
+            <a:schemeClr val="accent1">
+              <a:shade val="50000"/>
+            </a:schemeClr>
+          </a:lnRef>
+          <a:fillRef idx="1">
+            <a:schemeClr val="accent1"/>
+          </a:fillRef>
+          <a:effectRef idx="0">
+            <a:schemeClr val="accent1"/>
+          </a:effectRef>
+          <a:fontRef idx="minor">
+            <a:schemeClr val="lt1"/>
+          </a:fontRef>
+        </p:style>
+        <p:txBody>
+          <a:bodyPr rtlCol="0" anchor="ctr"/>
+          <a:lstStyle/>
+          <a:p>
+            <a:pPr algn="ctr"/>
+            <a:endParaRPr lang="en-US"/>
+          </a:p>
+        </p:txBody>
+      </p:sp>
+      <p:sp>
+        <p:nvSpPr>
+          <p:cNvPr id="16" name="Rectangle 15">
+            <a:extLst>
+              <a:ext uri="{FF2B5EF4-FFF2-40B4-BE49-F238E27FC236}">
+                <a16:creationId xmlns:a16="http://schemas.microsoft.com/office/drawing/2014/main" id="{9D9D367D-6DD2-4A7C-8918-0DCAC297559A}"/>
+              </a:ext>
+              <a:ext uri="{C183D7F6-B498-43B3-948B-1728B52AA6E4}">
+                <adec:decorative xmlns:adec="http://schemas.microsoft.com/office/drawing/2017/decorative" val="1"/>
+              </a:ext>
+            </a:extLst>
+          </p:cNvPr>
+          <p:cNvSpPr>
+            <a:spLocks noGrp="1" noRot="1" noChangeAspect="1" noMove="1" noResize="1" noEditPoints="1" noAdjustHandles="1" noChangeArrowheads="1" noChangeShapeType="1" noTextEdit="1"/>
+          </p:cNvSpPr>
+          <p:nvPr>
+            <p:extLst>
+              <p:ext uri="{386F3935-93C4-4BCD-93E2-E3B085C9AB24}">
+                <p16:designElem xmlns:p16="http://schemas.microsoft.com/office/powerpoint/2015/main" val="1"/>
+              </p:ext>
+            </p:extLst>
+          </p:nvPr>
+        </p:nvSpPr>
+        <p:spPr>
+          <a:xfrm rot="5400000">
+            <a:off x="-2390232" y="3396997"/>
+            <a:ext cx="6858002" cy="64008"/>
+          </a:xfrm>
+          <a:prstGeom prst="rect">
+            <a:avLst/>
+          </a:prstGeom>
+          <a:solidFill>
+            <a:schemeClr val="tx2"/>
+          </a:solidFill>
+          <a:ln>
+            <a:noFill/>
+          </a:ln>
+        </p:spPr>
+        <p:style>
+          <a:lnRef idx="2">
+            <a:schemeClr val="accent1">
+              <a:shade val="50000"/>
+            </a:schemeClr>
+          </a:lnRef>
+          <a:fillRef idx="1">
+            <a:schemeClr val="accent1"/>
+          </a:fillRef>
+          <a:effectRef idx="0">
+            <a:schemeClr val="accent1"/>
+          </a:effectRef>
+          <a:fontRef idx="minor">
+            <a:schemeClr val="lt1"/>
+          </a:fontRef>
+        </p:style>
+        <p:txBody>
+          <a:bodyPr rtlCol="0" anchor="ctr"/>
+          <a:lstStyle/>
+          <a:p>
+            <a:pPr algn="ctr"/>
+            <a:endParaRPr lang="en-US"/>
+          </a:p>
+        </p:txBody>
+      </p:sp>
+      <p:sp>
+        <p:nvSpPr>
+          <p:cNvPr id="3" name="Content Placeholder 2">
+            <a:extLst>
+              <a:ext uri="{FF2B5EF4-FFF2-40B4-BE49-F238E27FC236}">
+                <a16:creationId xmlns:a16="http://schemas.microsoft.com/office/drawing/2014/main" id="{D10F0C80-DC6D-9D1C-F85E-F57BCE032DAE}"/>
+              </a:ext>
+            </a:extLst>
+          </p:cNvPr>
+          <p:cNvSpPr>
+            <a:spLocks noGrp="1"/>
+          </p:cNvSpPr>
+          <p:nvPr>
+            <p:ph idx="1"/>
+          </p:nvPr>
+        </p:nvSpPr>
+        <p:spPr>
+          <a:xfrm>
+            <a:off x="1535371" y="2391770"/>
+            <a:ext cx="9935571" cy="4228486"/>
           </a:xfrm>
         </p:spPr>
         <p:txBody>
@@ -5247,7 +6186,7 @@
               <a:rPr lang="en-US" sz="1600" b="0" dirty="0">
                 <a:hlinkClick r:id="rId3"/>
               </a:rPr>
-              <a:t>https://arxiv.org/pdf/0908.3817.pdf?fbclid=IwAR3onB3mMa5UdHPfBh</a:t>
+              <a:t>https://uc-r.github.io/naive_bayes</a:t>
             </a:r>
             <a:endParaRPr lang="en-US" sz="1600" b="0" dirty="0"/>
           </a:p>
@@ -5305,7 +6244,7 @@
 </p:sld>
 </file>
 
-<file path=ppt/slides/slide11.xml><?xml version="1.0" encoding="utf-8"?>
+<file path=ppt/slides/slide12.xml><?xml version="1.0" encoding="utf-8"?>
 <p:sld xmlns:a="http://schemas.openxmlformats.org/drawingml/2006/main" xmlns:r="http://schemas.openxmlformats.org/officeDocument/2006/relationships" xmlns:p="http://schemas.openxmlformats.org/presentationml/2006/main">
   <p:cSld>
     <p:bg>
@@ -6655,8 +7594,8 @@
             </p:nvSpPr>
             <p:spPr>
               <a:xfrm>
-                <a:off x="1535371" y="2702257"/>
-                <a:ext cx="9935571" cy="3426158"/>
+                <a:off x="1230796" y="2391770"/>
+                <a:ext cx="10862573" cy="4265061"/>
               </a:xfrm>
             </p:spPr>
             <p:txBody>
@@ -6678,23 +7617,28 @@
                 <a:pPr lvl="1"/>
                 <a:r>
                   <a:rPr lang="en-US" dirty="0"/>
-                  <a:t>	- Under the umbrella of supervised learning algorithms (classification) </a:t>
+                  <a:t>	- Supervised learning algorithm </a:t>
                 </a:r>
               </a:p>
               <a:p>
                 <a:pPr lvl="1"/>
                 <a:r>
                   <a:rPr lang="en-US" dirty="0"/>
-                  <a:t>	- Trained using labeled data</a:t>
+                  <a:t>		- Trained using labeled data </a:t>
                 </a:r>
               </a:p>
               <a:p>
-                <a:pPr lvl="2" indent="0">
-                  <a:buNone/>
-                </a:pPr>
+                <a:pPr lvl="1"/>
                 <a:r>
                   <a:rPr lang="en-US" sz="1600" i="0" dirty="0"/>
-                  <a:t>	- Class label is predicted for a given example of input data</a:t>
+                  <a:t>	- Assigns a class label for a given set of input data</a:t>
+                </a:r>
+              </a:p>
+              <a:p>
+                <a:pPr lvl="1"/>
+                <a:r>
+                  <a:rPr lang="en-US" dirty="0"/>
+                  <a:t> 		- Probabilistic classification</a:t>
                 </a:r>
                 <a:endParaRPr lang="en-US" sz="1600" dirty="0"/>
               </a:p>
@@ -6702,14 +7646,14 @@
                 <a:pPr lvl="1"/>
                 <a:r>
                   <a:rPr lang="en-US" dirty="0"/>
-                  <a:t>	- Based on Bayes Theorem </a:t>
+                  <a:t>	- Based on Bayes Theorem:</a:t>
                 </a:r>
               </a:p>
               <a:p>
                 <a:pPr lvl="1"/>
                 <a:r>
                   <a:rPr lang="en-US" b="0" dirty="0"/>
-                  <a:t>			</a:t>
+                  <a:t>		</a:t>
                 </a:r>
                 <a14:m>
                   <m:oMath xmlns:m="http://schemas.openxmlformats.org/officeDocument/2006/math">
@@ -6732,7 +7676,7 @@
                           <a:rPr lang="en-US" b="0" i="1" smtClean="0">
                             <a:latin typeface="Cambria Math" panose="02040503050406030204" pitchFamily="18" charset="0"/>
                           </a:rPr>
-                          <m:t>𝑦</m:t>
+                          <m:t>𝐴</m:t>
                         </m:r>
                       </m:e>
                       <m:e>
@@ -6740,7 +7684,7 @@
                           <a:rPr lang="en-US" b="0" i="1" smtClean="0">
                             <a:latin typeface="Cambria Math" panose="02040503050406030204" pitchFamily="18" charset="0"/>
                           </a:rPr>
-                          <m:t>𝑋</m:t>
+                          <m:t>𝐵</m:t>
                         </m:r>
                       </m:e>
                     </m:d>
@@ -6748,7 +7692,13 @@
                       <a:rPr lang="en-US" b="0" i="1" smtClean="0">
                         <a:latin typeface="Cambria Math" panose="02040503050406030204" pitchFamily="18" charset="0"/>
                       </a:rPr>
-                      <m:t>= </m:t>
+                      <m:t>=</m:t>
+                    </m:r>
+                    <m:r>
+                      <a:rPr lang="en-US" b="0" i="1" smtClean="0">
+                        <a:latin typeface="Cambria Math" panose="02040503050406030204" pitchFamily="18" charset="0"/>
+                      </a:rPr>
+                      <m:t> </m:t>
                     </m:r>
                     <m:f>
                       <m:fPr>
@@ -6778,7 +7728,7 @@
                               <a:rPr lang="en-US" b="0" i="1" smtClean="0">
                                 <a:latin typeface="Cambria Math" panose="02040503050406030204" pitchFamily="18" charset="0"/>
                               </a:rPr>
-                              <m:t>𝑋</m:t>
+                              <m:t>𝐵</m:t>
                             </m:r>
                           </m:e>
                           <m:e>
@@ -6786,7 +7736,7 @@
                               <a:rPr lang="en-US" b="0" i="1" smtClean="0">
                                 <a:latin typeface="Cambria Math" panose="02040503050406030204" pitchFamily="18" charset="0"/>
                               </a:rPr>
-                              <m:t>𝑦</m:t>
+                              <m:t>𝐴</m:t>
                             </m:r>
                           </m:e>
                         </m:d>
@@ -6806,7 +7756,7 @@
                           <a:rPr lang="en-US" b="0" i="1" smtClean="0">
                             <a:latin typeface="Cambria Math" panose="02040503050406030204" pitchFamily="18" charset="0"/>
                           </a:rPr>
-                          <m:t>𝑦</m:t>
+                          <m:t>𝐴</m:t>
                         </m:r>
                         <m:r>
                           <a:rPr lang="en-US" b="0" i="1" smtClean="0">
@@ -6832,7 +7782,7 @@
                           <a:rPr lang="en-US" b="0" i="1" smtClean="0">
                             <a:latin typeface="Cambria Math" panose="02040503050406030204" pitchFamily="18" charset="0"/>
                           </a:rPr>
-                          <m:t>𝑋</m:t>
+                          <m:t>𝐵</m:t>
                         </m:r>
                         <m:r>
                           <a:rPr lang="en-US" b="0" i="1" smtClean="0">
@@ -6871,13 +7821,13 @@
             </p:nvSpPr>
             <p:spPr>
               <a:xfrm>
-                <a:off x="1535371" y="2702257"/>
-                <a:ext cx="9935571" cy="3426158"/>
+                <a:off x="1230796" y="2391770"/>
+                <a:ext cx="10862573" cy="4265061"/>
               </a:xfrm>
               <a:blipFill>
                 <a:blip r:embed="rId3"/>
                 <a:stretch>
-                  <a:fillRect l="-128"/>
+                  <a:fillRect l="-117"/>
                 </a:stretch>
               </a:blipFill>
             </p:spPr>
@@ -6896,36 +7846,59 @@
           </p:sp>
         </mc:Fallback>
       </mc:AlternateContent>
-      <p:pic>
-        <p:nvPicPr>
-          <p:cNvPr id="5" name="Picture 4">
+      <p:sp>
+        <p:nvSpPr>
+          <p:cNvPr id="23" name="TextBox 22">
             <a:extLst>
               <a:ext uri="{FF2B5EF4-FFF2-40B4-BE49-F238E27FC236}">
-                <a16:creationId xmlns:a16="http://schemas.microsoft.com/office/drawing/2014/main" id="{384E1C54-6F8B-4050-A565-545CA6948C75}"/>
+                <a16:creationId xmlns:a16="http://schemas.microsoft.com/office/drawing/2014/main" id="{F3292A14-74A6-B400-8D31-91FC2FE4154C}"/>
               </a:ext>
             </a:extLst>
           </p:cNvPr>
-          <p:cNvPicPr>
-            <a:picLocks noChangeAspect="1"/>
-          </p:cNvPicPr>
+          <p:cNvSpPr txBox="1"/>
           <p:nvPr/>
-        </p:nvPicPr>
-        <p:blipFill>
-          <a:blip r:embed="rId4"/>
-          <a:stretch>
-            <a:fillRect/>
-          </a:stretch>
-        </p:blipFill>
+        </p:nvSpPr>
         <p:spPr>
           <a:xfrm>
-            <a:off x="7131992" y="4824769"/>
-            <a:ext cx="4265332" cy="989177"/>
+            <a:off x="5596168" y="5326255"/>
+            <a:ext cx="6332101" cy="954107"/>
           </a:xfrm>
           <a:prstGeom prst="rect">
             <a:avLst/>
           </a:prstGeom>
-        </p:spPr>
-      </p:pic>
+          <a:noFill/>
+        </p:spPr>
+        <p:txBody>
+          <a:bodyPr wrap="square" rtlCol="0">
+            <a:spAutoFit/>
+          </a:bodyPr>
+          <a:lstStyle/>
+          <a:p>
+            <a:r>
+              <a:rPr lang="en-US" sz="1400" dirty="0"/>
+              <a:t>P(A|B): Conditional probability of event A occurring, given the event B</a:t>
+            </a:r>
+          </a:p>
+          <a:p>
+            <a:r>
+              <a:rPr lang="en-US" sz="1400" dirty="0"/>
+              <a:t>P(A): Probability of event A occurring</a:t>
+            </a:r>
+          </a:p>
+          <a:p>
+            <a:r>
+              <a:rPr lang="en-US" sz="1400" dirty="0"/>
+              <a:t>P(B): Probability of event B occurring</a:t>
+            </a:r>
+          </a:p>
+          <a:p>
+            <a:r>
+              <a:rPr lang="en-US" sz="1400" dirty="0"/>
+              <a:t>P(B|A): Conditional probability of event B occurring, given the event A</a:t>
+            </a:r>
+          </a:p>
+        </p:txBody>
+      </p:sp>
     </p:spTree>
     <p:extLst>
       <p:ext uri="{BB962C8B-B14F-4D97-AF65-F5344CB8AC3E}">
@@ -7317,83 +8290,2179 @@
           </a:p>
         </p:txBody>
       </p:sp>
-      <p:sp>
-        <p:nvSpPr>
-          <p:cNvPr id="3" name="Content Placeholder 2">
+      <mc:AlternateContent xmlns:mc="http://schemas.openxmlformats.org/markup-compatibility/2006">
+        <mc:Choice xmlns:a14="http://schemas.microsoft.com/office/drawing/2010/main" Requires="a14">
+          <p:sp>
+            <p:nvSpPr>
+              <p:cNvPr id="3" name="Content Placeholder 2">
+                <a:extLst>
+                  <a:ext uri="{FF2B5EF4-FFF2-40B4-BE49-F238E27FC236}">
+                    <a16:creationId xmlns:a16="http://schemas.microsoft.com/office/drawing/2014/main" id="{D10F0C80-DC6D-9D1C-F85E-F57BCE032DAE}"/>
+                  </a:ext>
+                </a:extLst>
+              </p:cNvPr>
+              <p:cNvSpPr>
+                <a:spLocks noGrp="1"/>
+              </p:cNvSpPr>
+              <p:nvPr>
+                <p:ph idx="1"/>
+              </p:nvPr>
+            </p:nvSpPr>
+            <p:spPr>
+              <a:xfrm>
+                <a:off x="1535370" y="2391770"/>
+                <a:ext cx="10148629" cy="4301638"/>
+              </a:xfrm>
+            </p:spPr>
+            <p:txBody>
+              <a:bodyPr anchor="t">
+                <a:noAutofit/>
+              </a:bodyPr>
+              <a:lstStyle/>
+              <a:p>
+                <a:pPr/>
+                <a14:m>
+                  <m:oMathPara xmlns:m="http://schemas.openxmlformats.org/officeDocument/2006/math">
+                    <m:oMathParaPr>
+                      <m:jc m:val="left"/>
+                    </m:oMathParaPr>
+                    <m:oMath xmlns:m="http://schemas.openxmlformats.org/officeDocument/2006/math">
+                      <m:r>
+                        <a:rPr lang="en-US" b="0" i="1" smtClean="0">
+                          <a:latin typeface="Cambria Math" panose="02040503050406030204" pitchFamily="18" charset="0"/>
+                        </a:rPr>
+                        <m:t>𝑃</m:t>
+                      </m:r>
+                      <m:d>
+                        <m:dPr>
+                          <m:ctrlPr>
+                            <a:rPr lang="en-US" b="0" i="1">
+                              <a:latin typeface="Cambria Math" panose="02040503050406030204" pitchFamily="18" charset="0"/>
+                            </a:rPr>
+                          </m:ctrlPr>
+                        </m:dPr>
+                        <m:e>
+                          <m:sSub>
+                            <m:sSubPr>
+                              <m:ctrlPr>
+                                <a:rPr lang="en-US" b="0" i="1">
+                                  <a:latin typeface="Cambria Math" panose="02040503050406030204" pitchFamily="18" charset="0"/>
+                                </a:rPr>
+                              </m:ctrlPr>
+                            </m:sSubPr>
+                            <m:e>
+                              <m:r>
+                                <a:rPr lang="en-US" b="0" i="1">
+                                  <a:latin typeface="Cambria Math" panose="02040503050406030204" pitchFamily="18" charset="0"/>
+                                </a:rPr>
+                                <m:t>𝐶</m:t>
+                              </m:r>
+                            </m:e>
+                            <m:sub>
+                              <m:r>
+                                <a:rPr lang="en-US" b="0" i="1">
+                                  <a:latin typeface="Cambria Math" panose="02040503050406030204" pitchFamily="18" charset="0"/>
+                                </a:rPr>
+                                <m:t>𝑘</m:t>
+                              </m:r>
+                            </m:sub>
+                          </m:sSub>
+                        </m:e>
+                        <m:e>
+                          <m:r>
+                            <a:rPr lang="en-US" b="0" i="1">
+                              <a:latin typeface="Cambria Math" panose="02040503050406030204" pitchFamily="18" charset="0"/>
+                            </a:rPr>
+                            <m:t>𝑋</m:t>
+                          </m:r>
+                        </m:e>
+                      </m:d>
+                      <m:r>
+                        <a:rPr lang="en-US" b="0" i="1">
+                          <a:latin typeface="Cambria Math" panose="02040503050406030204" pitchFamily="18" charset="0"/>
+                        </a:rPr>
+                        <m:t>= </m:t>
+                      </m:r>
+                      <m:f>
+                        <m:fPr>
+                          <m:ctrlPr>
+                            <a:rPr lang="en-US" b="0" i="1">
+                              <a:latin typeface="Cambria Math" panose="02040503050406030204" pitchFamily="18" charset="0"/>
+                            </a:rPr>
+                          </m:ctrlPr>
+                        </m:fPr>
+                        <m:num>
+                          <m:r>
+                            <a:rPr lang="en-US" b="0" i="1">
+                              <a:latin typeface="Cambria Math" panose="02040503050406030204" pitchFamily="18" charset="0"/>
+                            </a:rPr>
+                            <m:t>𝑃</m:t>
+                          </m:r>
+                          <m:d>
+                            <m:dPr>
+                              <m:ctrlPr>
+                                <a:rPr lang="en-US" b="0" i="1">
+                                  <a:latin typeface="Cambria Math" panose="02040503050406030204" pitchFamily="18" charset="0"/>
+                                </a:rPr>
+                              </m:ctrlPr>
+                            </m:dPr>
+                            <m:e>
+                              <m:r>
+                                <a:rPr lang="en-US" b="0" i="1">
+                                  <a:latin typeface="Cambria Math" panose="02040503050406030204" pitchFamily="18" charset="0"/>
+                                </a:rPr>
+                                <m:t>𝑋</m:t>
+                              </m:r>
+                            </m:e>
+                            <m:e>
+                              <m:sSub>
+                                <m:sSubPr>
+                                  <m:ctrlPr>
+                                    <a:rPr lang="en-US" b="0" i="1">
+                                      <a:latin typeface="Cambria Math" panose="02040503050406030204" pitchFamily="18" charset="0"/>
+                                    </a:rPr>
+                                  </m:ctrlPr>
+                                </m:sSubPr>
+                                <m:e>
+                                  <m:r>
+                                    <a:rPr lang="en-US" b="0" i="1">
+                                      <a:latin typeface="Cambria Math" panose="02040503050406030204" pitchFamily="18" charset="0"/>
+                                    </a:rPr>
+                                    <m:t>𝐶</m:t>
+                                  </m:r>
+                                </m:e>
+                                <m:sub>
+                                  <m:r>
+                                    <a:rPr lang="en-US" b="0" i="1">
+                                      <a:latin typeface="Cambria Math" panose="02040503050406030204" pitchFamily="18" charset="0"/>
+                                    </a:rPr>
+                                    <m:t>𝑘</m:t>
+                                  </m:r>
+                                </m:sub>
+                              </m:sSub>
+                            </m:e>
+                          </m:d>
+                          <m:r>
+                            <a:rPr lang="en-US" b="0" i="1">
+                              <a:latin typeface="Cambria Math" panose="02040503050406030204" pitchFamily="18" charset="0"/>
+                            </a:rPr>
+                            <m:t>𝑃</m:t>
+                          </m:r>
+                          <m:r>
+                            <a:rPr lang="en-US" b="0" i="1">
+                              <a:latin typeface="Cambria Math" panose="02040503050406030204" pitchFamily="18" charset="0"/>
+                            </a:rPr>
+                            <m:t>(</m:t>
+                          </m:r>
+                          <m:sSub>
+                            <m:sSubPr>
+                              <m:ctrlPr>
+                                <a:rPr lang="en-US" b="0" i="1">
+                                  <a:latin typeface="Cambria Math" panose="02040503050406030204" pitchFamily="18" charset="0"/>
+                                </a:rPr>
+                              </m:ctrlPr>
+                            </m:sSubPr>
+                            <m:e>
+                              <m:r>
+                                <a:rPr lang="en-US" b="0" i="1">
+                                  <a:latin typeface="Cambria Math" panose="02040503050406030204" pitchFamily="18" charset="0"/>
+                                </a:rPr>
+                                <m:t>𝐶</m:t>
+                              </m:r>
+                            </m:e>
+                            <m:sub>
+                              <m:r>
+                                <a:rPr lang="en-US" b="0" i="1">
+                                  <a:latin typeface="Cambria Math" panose="02040503050406030204" pitchFamily="18" charset="0"/>
+                                </a:rPr>
+                                <m:t>𝑘</m:t>
+                              </m:r>
+                            </m:sub>
+                          </m:sSub>
+                          <m:r>
+                            <a:rPr lang="en-US" b="0" i="1">
+                              <a:latin typeface="Cambria Math" panose="02040503050406030204" pitchFamily="18" charset="0"/>
+                            </a:rPr>
+                            <m:t>)</m:t>
+                          </m:r>
+                        </m:num>
+                        <m:den>
+                          <m:r>
+                            <a:rPr lang="en-US" b="0" i="1">
+                              <a:latin typeface="Cambria Math" panose="02040503050406030204" pitchFamily="18" charset="0"/>
+                            </a:rPr>
+                            <m:t>𝑃</m:t>
+                          </m:r>
+                          <m:r>
+                            <a:rPr lang="en-US" b="0" i="1">
+                              <a:latin typeface="Cambria Math" panose="02040503050406030204" pitchFamily="18" charset="0"/>
+                            </a:rPr>
+                            <m:t>(</m:t>
+                          </m:r>
+                          <m:r>
+                            <a:rPr lang="en-US" b="0" i="1">
+                              <a:latin typeface="Cambria Math" panose="02040503050406030204" pitchFamily="18" charset="0"/>
+                            </a:rPr>
+                            <m:t>𝑋</m:t>
+                          </m:r>
+                          <m:r>
+                            <a:rPr lang="en-US" b="0" i="1">
+                              <a:latin typeface="Cambria Math" panose="02040503050406030204" pitchFamily="18" charset="0"/>
+                            </a:rPr>
+                            <m:t>)</m:t>
+                          </m:r>
+                        </m:den>
+                      </m:f>
+                      <m:r>
+                        <a:rPr lang="en-US" b="0" i="1">
+                          <a:latin typeface="Cambria Math" panose="02040503050406030204" pitchFamily="18" charset="0"/>
+                        </a:rPr>
+                        <m:t> , </m:t>
+                      </m:r>
+                      <m:r>
+                        <a:rPr lang="en-US" b="0" i="1">
+                          <a:latin typeface="Cambria Math" panose="02040503050406030204" pitchFamily="18" charset="0"/>
+                        </a:rPr>
+                        <m:t>𝑋</m:t>
+                      </m:r>
+                      <m:r>
+                        <a:rPr lang="en-US" b="0" i="1">
+                          <a:latin typeface="Cambria Math" panose="02040503050406030204" pitchFamily="18" charset="0"/>
+                        </a:rPr>
+                        <m:t>=</m:t>
+                      </m:r>
+                      <m:d>
+                        <m:dPr>
+                          <m:ctrlPr>
+                            <a:rPr lang="en-US" b="0" i="1">
+                              <a:latin typeface="Cambria Math" panose="02040503050406030204" pitchFamily="18" charset="0"/>
+                            </a:rPr>
+                          </m:ctrlPr>
+                        </m:dPr>
+                        <m:e>
+                          <m:sSub>
+                            <m:sSubPr>
+                              <m:ctrlPr>
+                                <a:rPr lang="en-US" b="0" i="1">
+                                  <a:latin typeface="Cambria Math" panose="02040503050406030204" pitchFamily="18" charset="0"/>
+                                </a:rPr>
+                              </m:ctrlPr>
+                            </m:sSubPr>
+                            <m:e>
+                              <m:r>
+                                <a:rPr lang="en-US" b="0" i="1">
+                                  <a:latin typeface="Cambria Math" panose="02040503050406030204" pitchFamily="18" charset="0"/>
+                                </a:rPr>
+                                <m:t>𝑥</m:t>
+                              </m:r>
+                            </m:e>
+                            <m:sub>
+                              <m:r>
+                                <a:rPr lang="en-US" b="0" i="1">
+                                  <a:latin typeface="Cambria Math" panose="02040503050406030204" pitchFamily="18" charset="0"/>
+                                </a:rPr>
+                                <m:t>1</m:t>
+                              </m:r>
+                            </m:sub>
+                          </m:sSub>
+                          <m:r>
+                            <a:rPr lang="en-US" b="0" i="1">
+                              <a:latin typeface="Cambria Math" panose="02040503050406030204" pitchFamily="18" charset="0"/>
+                            </a:rPr>
+                            <m:t>,</m:t>
+                          </m:r>
+                          <m:sSub>
+                            <m:sSubPr>
+                              <m:ctrlPr>
+                                <a:rPr lang="en-US" b="0" i="1">
+                                  <a:latin typeface="Cambria Math" panose="02040503050406030204" pitchFamily="18" charset="0"/>
+                                </a:rPr>
+                              </m:ctrlPr>
+                            </m:sSubPr>
+                            <m:e>
+                              <m:r>
+                                <a:rPr lang="en-US" b="0" i="1">
+                                  <a:latin typeface="Cambria Math" panose="02040503050406030204" pitchFamily="18" charset="0"/>
+                                </a:rPr>
+                                <m:t>𝑥</m:t>
+                              </m:r>
+                            </m:e>
+                            <m:sub>
+                              <m:r>
+                                <a:rPr lang="en-US" b="0" i="1">
+                                  <a:latin typeface="Cambria Math" panose="02040503050406030204" pitchFamily="18" charset="0"/>
+                                </a:rPr>
+                                <m:t>2</m:t>
+                              </m:r>
+                            </m:sub>
+                          </m:sSub>
+                          <m:r>
+                            <a:rPr lang="en-US" b="0" i="1">
+                              <a:latin typeface="Cambria Math" panose="02040503050406030204" pitchFamily="18" charset="0"/>
+                            </a:rPr>
+                            <m:t>,</m:t>
+                          </m:r>
+                          <m:sSub>
+                            <m:sSubPr>
+                              <m:ctrlPr>
+                                <a:rPr lang="en-US" b="0" i="1">
+                                  <a:latin typeface="Cambria Math" panose="02040503050406030204" pitchFamily="18" charset="0"/>
+                                </a:rPr>
+                              </m:ctrlPr>
+                            </m:sSubPr>
+                            <m:e>
+                              <m:r>
+                                <a:rPr lang="en-US" b="0" i="1">
+                                  <a:latin typeface="Cambria Math" panose="02040503050406030204" pitchFamily="18" charset="0"/>
+                                </a:rPr>
+                                <m:t>𝑥</m:t>
+                              </m:r>
+                            </m:e>
+                            <m:sub>
+                              <m:r>
+                                <a:rPr lang="en-US" b="0" i="1">
+                                  <a:latin typeface="Cambria Math" panose="02040503050406030204" pitchFamily="18" charset="0"/>
+                                </a:rPr>
+                                <m:t>3,</m:t>
+                              </m:r>
+                            </m:sub>
+                          </m:sSub>
+                          <m:r>
+                            <a:rPr lang="en-US" b="0" i="1">
+                              <a:latin typeface="Cambria Math" panose="02040503050406030204" pitchFamily="18" charset="0"/>
+                            </a:rPr>
+                            <m:t>,…,</m:t>
+                          </m:r>
+                          <m:sSub>
+                            <m:sSubPr>
+                              <m:ctrlPr>
+                                <a:rPr lang="en-US" b="0" i="1">
+                                  <a:latin typeface="Cambria Math" panose="02040503050406030204" pitchFamily="18" charset="0"/>
+                                </a:rPr>
+                              </m:ctrlPr>
+                            </m:sSubPr>
+                            <m:e>
+                              <m:r>
+                                <a:rPr lang="en-US" b="0" i="1">
+                                  <a:latin typeface="Cambria Math" panose="02040503050406030204" pitchFamily="18" charset="0"/>
+                                </a:rPr>
+                                <m:t>𝑥</m:t>
+                              </m:r>
+                            </m:e>
+                            <m:sub>
+                              <m:r>
+                                <a:rPr lang="en-US" b="0" i="1">
+                                  <a:latin typeface="Cambria Math" panose="02040503050406030204" pitchFamily="18" charset="0"/>
+                                </a:rPr>
+                                <m:t>𝑛</m:t>
+                              </m:r>
+                            </m:sub>
+                          </m:sSub>
+                        </m:e>
+                      </m:d>
+                    </m:oMath>
+                  </m:oMathPara>
+                </a14:m>
+                <a:endParaRPr lang="en-US" b="0" dirty="0"/>
+              </a:p>
+              <a:p>
+                <a:pPr/>
+                <a:endParaRPr lang="en-US" b="0" i="1" dirty="0">
+                  <a:latin typeface="Cambria Math" panose="02040503050406030204" pitchFamily="18" charset="0"/>
+                </a:endParaRPr>
+              </a:p>
+              <a:p>
+                <a:pPr/>
+                <a14:m>
+                  <m:oMathPara xmlns:m="http://schemas.openxmlformats.org/officeDocument/2006/math">
+                    <m:oMathParaPr>
+                      <m:jc m:val="left"/>
+                    </m:oMathParaPr>
+                    <m:oMath xmlns:m="http://schemas.openxmlformats.org/officeDocument/2006/math">
+                      <m:r>
+                        <a:rPr lang="en-US" b="0" i="1">
+                          <a:latin typeface="Cambria Math" panose="02040503050406030204" pitchFamily="18" charset="0"/>
+                        </a:rPr>
+                        <m:t>𝑃</m:t>
+                      </m:r>
+                      <m:d>
+                        <m:dPr>
+                          <m:ctrlPr>
+                            <a:rPr lang="en-US" b="0" i="1">
+                              <a:latin typeface="Cambria Math" panose="02040503050406030204" pitchFamily="18" charset="0"/>
+                            </a:rPr>
+                          </m:ctrlPr>
+                        </m:dPr>
+                        <m:e>
+                          <m:r>
+                            <a:rPr lang="en-US" b="0" i="1">
+                              <a:latin typeface="Cambria Math" panose="02040503050406030204" pitchFamily="18" charset="0"/>
+                            </a:rPr>
+                            <m:t>𝑋</m:t>
+                          </m:r>
+                        </m:e>
+                        <m:e>
+                          <m:sSub>
+                            <m:sSubPr>
+                              <m:ctrlPr>
+                                <a:rPr lang="en-US" b="0" i="1">
+                                  <a:latin typeface="Cambria Math" panose="02040503050406030204" pitchFamily="18" charset="0"/>
+                                </a:rPr>
+                              </m:ctrlPr>
+                            </m:sSubPr>
+                            <m:e>
+                              <m:r>
+                                <a:rPr lang="en-US" b="0" i="1">
+                                  <a:latin typeface="Cambria Math" panose="02040503050406030204" pitchFamily="18" charset="0"/>
+                                </a:rPr>
+                                <m:t>𝐶</m:t>
+                              </m:r>
+                            </m:e>
+                            <m:sub>
+                              <m:r>
+                                <a:rPr lang="en-US" b="0" i="1">
+                                  <a:latin typeface="Cambria Math" panose="02040503050406030204" pitchFamily="18" charset="0"/>
+                                </a:rPr>
+                                <m:t>𝑘</m:t>
+                              </m:r>
+                            </m:sub>
+                          </m:sSub>
+                        </m:e>
+                      </m:d>
+                      <m:r>
+                        <a:rPr lang="en-US" b="0" i="1">
+                          <a:latin typeface="Cambria Math" panose="02040503050406030204" pitchFamily="18" charset="0"/>
+                        </a:rPr>
+                        <m:t>𝑃</m:t>
+                      </m:r>
+                      <m:d>
+                        <m:dPr>
+                          <m:ctrlPr>
+                            <a:rPr lang="en-US" b="0" i="1">
+                              <a:latin typeface="Cambria Math" panose="02040503050406030204" pitchFamily="18" charset="0"/>
+                            </a:rPr>
+                          </m:ctrlPr>
+                        </m:dPr>
+                        <m:e>
+                          <m:sSub>
+                            <m:sSubPr>
+                              <m:ctrlPr>
+                                <a:rPr lang="en-US" b="0" i="1">
+                                  <a:latin typeface="Cambria Math" panose="02040503050406030204" pitchFamily="18" charset="0"/>
+                                </a:rPr>
+                              </m:ctrlPr>
+                            </m:sSubPr>
+                            <m:e>
+                              <m:r>
+                                <a:rPr lang="en-US" b="0" i="1">
+                                  <a:latin typeface="Cambria Math" panose="02040503050406030204" pitchFamily="18" charset="0"/>
+                                </a:rPr>
+                                <m:t>𝐶</m:t>
+                              </m:r>
+                            </m:e>
+                            <m:sub>
+                              <m:r>
+                                <a:rPr lang="en-US" b="0" i="1">
+                                  <a:latin typeface="Cambria Math" panose="02040503050406030204" pitchFamily="18" charset="0"/>
+                                </a:rPr>
+                                <m:t>𝑘</m:t>
+                              </m:r>
+                            </m:sub>
+                          </m:sSub>
+                        </m:e>
+                      </m:d>
+                      <m:r>
+                        <a:rPr lang="en-US" b="0" i="1" smtClean="0">
+                          <a:latin typeface="Cambria Math" panose="02040503050406030204" pitchFamily="18" charset="0"/>
+                        </a:rPr>
+                        <m:t>=</m:t>
+                      </m:r>
+                      <m:r>
+                        <a:rPr lang="en-US" b="0" i="1" smtClean="0">
+                          <a:latin typeface="Cambria Math" panose="02040503050406030204" pitchFamily="18" charset="0"/>
+                        </a:rPr>
+                        <m:t>𝑃</m:t>
+                      </m:r>
+                      <m:r>
+                        <a:rPr lang="en-US" b="0" i="1" smtClean="0">
+                          <a:latin typeface="Cambria Math" panose="02040503050406030204" pitchFamily="18" charset="0"/>
+                        </a:rPr>
+                        <m:t>(</m:t>
+                      </m:r>
+                      <m:sSub>
+                        <m:sSubPr>
+                          <m:ctrlPr>
+                            <a:rPr lang="en-US" b="0" i="1">
+                              <a:latin typeface="Cambria Math" panose="02040503050406030204" pitchFamily="18" charset="0"/>
+                            </a:rPr>
+                          </m:ctrlPr>
+                        </m:sSubPr>
+                        <m:e>
+                          <m:r>
+                            <a:rPr lang="en-US" b="0" i="1">
+                              <a:latin typeface="Cambria Math" panose="02040503050406030204" pitchFamily="18" charset="0"/>
+                            </a:rPr>
+                            <m:t>𝑥</m:t>
+                          </m:r>
+                        </m:e>
+                        <m:sub>
+                          <m:r>
+                            <a:rPr lang="en-US" b="0" i="1">
+                              <a:latin typeface="Cambria Math" panose="02040503050406030204" pitchFamily="18" charset="0"/>
+                            </a:rPr>
+                            <m:t>1</m:t>
+                          </m:r>
+                        </m:sub>
+                      </m:sSub>
+                      <m:r>
+                        <a:rPr lang="en-US" b="0" i="1">
+                          <a:latin typeface="Cambria Math" panose="02040503050406030204" pitchFamily="18" charset="0"/>
+                        </a:rPr>
+                        <m:t>,</m:t>
+                      </m:r>
+                      <m:sSub>
+                        <m:sSubPr>
+                          <m:ctrlPr>
+                            <a:rPr lang="en-US" b="0" i="1">
+                              <a:latin typeface="Cambria Math" panose="02040503050406030204" pitchFamily="18" charset="0"/>
+                            </a:rPr>
+                          </m:ctrlPr>
+                        </m:sSubPr>
+                        <m:e>
+                          <m:r>
+                            <a:rPr lang="en-US" b="0" i="1">
+                              <a:latin typeface="Cambria Math" panose="02040503050406030204" pitchFamily="18" charset="0"/>
+                            </a:rPr>
+                            <m:t>𝑥</m:t>
+                          </m:r>
+                        </m:e>
+                        <m:sub>
+                          <m:r>
+                            <a:rPr lang="en-US" b="0" i="1">
+                              <a:latin typeface="Cambria Math" panose="02040503050406030204" pitchFamily="18" charset="0"/>
+                            </a:rPr>
+                            <m:t>2</m:t>
+                          </m:r>
+                        </m:sub>
+                      </m:sSub>
+                      <m:r>
+                        <a:rPr lang="en-US" b="0" i="1">
+                          <a:latin typeface="Cambria Math" panose="02040503050406030204" pitchFamily="18" charset="0"/>
+                        </a:rPr>
+                        <m:t>,…,</m:t>
+                      </m:r>
+                      <m:sSub>
+                        <m:sSubPr>
+                          <m:ctrlPr>
+                            <a:rPr lang="en-US" b="0" i="1">
+                              <a:latin typeface="Cambria Math" panose="02040503050406030204" pitchFamily="18" charset="0"/>
+                            </a:rPr>
+                          </m:ctrlPr>
+                        </m:sSubPr>
+                        <m:e>
+                          <m:r>
+                            <a:rPr lang="en-US" b="0" i="1">
+                              <a:latin typeface="Cambria Math" panose="02040503050406030204" pitchFamily="18" charset="0"/>
+                            </a:rPr>
+                            <m:t>𝑥</m:t>
+                          </m:r>
+                        </m:e>
+                        <m:sub>
+                          <m:r>
+                            <a:rPr lang="en-US" b="0" i="1">
+                              <a:latin typeface="Cambria Math" panose="02040503050406030204" pitchFamily="18" charset="0"/>
+                            </a:rPr>
+                            <m:t>𝑛</m:t>
+                          </m:r>
+                        </m:sub>
+                      </m:sSub>
+                      <m:r>
+                        <a:rPr lang="en-US" b="0" i="1" smtClean="0">
+                          <a:latin typeface="Cambria Math" panose="02040503050406030204" pitchFamily="18" charset="0"/>
+                        </a:rPr>
+                        <m:t>,</m:t>
+                      </m:r>
+                      <m:sSub>
+                        <m:sSubPr>
+                          <m:ctrlPr>
+                            <a:rPr lang="en-US" b="0" i="1">
+                              <a:latin typeface="Cambria Math" panose="02040503050406030204" pitchFamily="18" charset="0"/>
+                            </a:rPr>
+                          </m:ctrlPr>
+                        </m:sSubPr>
+                        <m:e>
+                          <m:r>
+                            <a:rPr lang="en-US" b="0" i="1" smtClean="0">
+                              <a:latin typeface="Cambria Math" panose="02040503050406030204" pitchFamily="18" charset="0"/>
+                            </a:rPr>
+                            <m:t>𝐶</m:t>
+                          </m:r>
+                        </m:e>
+                        <m:sub>
+                          <m:r>
+                            <a:rPr lang="en-US" b="0" i="1" smtClean="0">
+                              <a:latin typeface="Cambria Math" panose="02040503050406030204" pitchFamily="18" charset="0"/>
+                            </a:rPr>
+                            <m:t>𝑘</m:t>
+                          </m:r>
+                        </m:sub>
+                      </m:sSub>
+                      <m:r>
+                        <a:rPr lang="en-US" b="0" i="1" smtClean="0">
+                          <a:latin typeface="Cambria Math" panose="02040503050406030204" pitchFamily="18" charset="0"/>
+                        </a:rPr>
+                        <m:t>)</m:t>
+                      </m:r>
+                    </m:oMath>
+                  </m:oMathPara>
+                </a14:m>
+                <a:endParaRPr lang="en-US" b="0" dirty="0"/>
+              </a:p>
+              <a:p>
+                <a:pPr/>
+                <a:r>
+                  <a:rPr lang="en-US" b="0" dirty="0"/>
+                  <a:t>	       </a:t>
+                </a:r>
+                <a14:m>
+                  <m:oMath xmlns:m="http://schemas.openxmlformats.org/officeDocument/2006/math">
+                    <m:r>
+                      <a:rPr lang="en-US" b="0" i="0" smtClean="0">
+                        <a:latin typeface="Cambria Math" panose="02040503050406030204" pitchFamily="18" charset="0"/>
+                      </a:rPr>
+                      <m:t>=</m:t>
+                    </m:r>
+                    <m:r>
+                      <a:rPr lang="en-US" b="0" i="1">
+                        <a:latin typeface="Cambria Math" panose="02040503050406030204" pitchFamily="18" charset="0"/>
+                      </a:rPr>
+                      <m:t>𝑃</m:t>
+                    </m:r>
+                    <m:r>
+                      <a:rPr lang="en-US" b="0" i="1">
+                        <a:latin typeface="Cambria Math" panose="02040503050406030204" pitchFamily="18" charset="0"/>
+                      </a:rPr>
+                      <m:t>(</m:t>
+                    </m:r>
+                    <m:sSub>
+                      <m:sSubPr>
+                        <m:ctrlPr>
+                          <a:rPr lang="en-US" b="0" i="1">
+                            <a:latin typeface="Cambria Math" panose="02040503050406030204" pitchFamily="18" charset="0"/>
+                          </a:rPr>
+                        </m:ctrlPr>
+                      </m:sSubPr>
+                      <m:e>
+                        <m:r>
+                          <a:rPr lang="en-US" b="0" i="1">
+                            <a:latin typeface="Cambria Math" panose="02040503050406030204" pitchFamily="18" charset="0"/>
+                          </a:rPr>
+                          <m:t>𝑥</m:t>
+                        </m:r>
+                      </m:e>
+                      <m:sub>
+                        <m:r>
+                          <a:rPr lang="en-US" b="0" i="1">
+                            <a:latin typeface="Cambria Math" panose="02040503050406030204" pitchFamily="18" charset="0"/>
+                          </a:rPr>
+                          <m:t>1</m:t>
+                        </m:r>
+                      </m:sub>
+                    </m:sSub>
+                    <m:r>
+                      <a:rPr lang="en-US" b="0" i="1" smtClean="0">
+                        <a:latin typeface="Cambria Math" panose="02040503050406030204" pitchFamily="18" charset="0"/>
+                      </a:rPr>
+                      <m:t>|</m:t>
+                    </m:r>
+                    <m:sSub>
+                      <m:sSubPr>
+                        <m:ctrlPr>
+                          <a:rPr lang="en-US" b="0" i="1">
+                            <a:latin typeface="Cambria Math" panose="02040503050406030204" pitchFamily="18" charset="0"/>
+                          </a:rPr>
+                        </m:ctrlPr>
+                      </m:sSubPr>
+                      <m:e>
+                        <m:r>
+                          <a:rPr lang="en-US" b="0" i="1">
+                            <a:latin typeface="Cambria Math" panose="02040503050406030204" pitchFamily="18" charset="0"/>
+                          </a:rPr>
+                          <m:t>𝑥</m:t>
+                        </m:r>
+                      </m:e>
+                      <m:sub>
+                        <m:r>
+                          <a:rPr lang="en-US" b="0" i="1">
+                            <a:latin typeface="Cambria Math" panose="02040503050406030204" pitchFamily="18" charset="0"/>
+                          </a:rPr>
+                          <m:t>2</m:t>
+                        </m:r>
+                      </m:sub>
+                    </m:sSub>
+                    <m:r>
+                      <a:rPr lang="en-US" b="0" i="1">
+                        <a:latin typeface="Cambria Math" panose="02040503050406030204" pitchFamily="18" charset="0"/>
+                      </a:rPr>
+                      <m:t>,</m:t>
+                    </m:r>
+                    <m:r>
+                      <a:rPr lang="en-US" b="0" i="1" smtClean="0">
+                        <a:latin typeface="Cambria Math" panose="02040503050406030204" pitchFamily="18" charset="0"/>
+                      </a:rPr>
+                      <m:t> </m:t>
+                    </m:r>
+                    <m:r>
+                      <a:rPr lang="en-US" b="0" i="1">
+                        <a:latin typeface="Cambria Math" panose="02040503050406030204" pitchFamily="18" charset="0"/>
+                      </a:rPr>
+                      <m:t>…,</m:t>
+                    </m:r>
+                    <m:sSub>
+                      <m:sSubPr>
+                        <m:ctrlPr>
+                          <a:rPr lang="en-US" b="0" i="1">
+                            <a:latin typeface="Cambria Math" panose="02040503050406030204" pitchFamily="18" charset="0"/>
+                          </a:rPr>
+                        </m:ctrlPr>
+                      </m:sSubPr>
+                      <m:e>
+                        <m:r>
+                          <a:rPr lang="en-US" b="0" i="1">
+                            <a:latin typeface="Cambria Math" panose="02040503050406030204" pitchFamily="18" charset="0"/>
+                          </a:rPr>
+                          <m:t>𝑥</m:t>
+                        </m:r>
+                      </m:e>
+                      <m:sub>
+                        <m:r>
+                          <a:rPr lang="en-US" b="0" i="1">
+                            <a:latin typeface="Cambria Math" panose="02040503050406030204" pitchFamily="18" charset="0"/>
+                          </a:rPr>
+                          <m:t>𝑛</m:t>
+                        </m:r>
+                      </m:sub>
+                    </m:sSub>
+                    <m:r>
+                      <a:rPr lang="en-US" b="0" i="1">
+                        <a:latin typeface="Cambria Math" panose="02040503050406030204" pitchFamily="18" charset="0"/>
+                      </a:rPr>
+                      <m:t>,</m:t>
+                    </m:r>
+                    <m:sSub>
+                      <m:sSubPr>
+                        <m:ctrlPr>
+                          <a:rPr lang="en-US" b="0" i="1">
+                            <a:latin typeface="Cambria Math" panose="02040503050406030204" pitchFamily="18" charset="0"/>
+                          </a:rPr>
+                        </m:ctrlPr>
+                      </m:sSubPr>
+                      <m:e>
+                        <m:r>
+                          <a:rPr lang="en-US" b="0" i="1">
+                            <a:latin typeface="Cambria Math" panose="02040503050406030204" pitchFamily="18" charset="0"/>
+                          </a:rPr>
+                          <m:t>𝐶</m:t>
+                        </m:r>
+                      </m:e>
+                      <m:sub>
+                        <m:r>
+                          <a:rPr lang="en-US" b="0" i="1">
+                            <a:latin typeface="Cambria Math" panose="02040503050406030204" pitchFamily="18" charset="0"/>
+                          </a:rPr>
+                          <m:t>𝑘</m:t>
+                        </m:r>
+                      </m:sub>
+                    </m:sSub>
+                    <m:r>
+                      <a:rPr lang="en-US" b="0" i="1">
+                        <a:latin typeface="Cambria Math" panose="02040503050406030204" pitchFamily="18" charset="0"/>
+                      </a:rPr>
+                      <m:t>)</m:t>
+                    </m:r>
+                  </m:oMath>
+                </a14:m>
+                <a:r>
+                  <a:rPr lang="en-US" b="0" dirty="0"/>
+                  <a:t> </a:t>
+                </a:r>
+                <a14:m>
+                  <m:oMath xmlns:m="http://schemas.openxmlformats.org/officeDocument/2006/math">
+                    <m:r>
+                      <a:rPr lang="en-US" b="0" i="1">
+                        <a:latin typeface="Cambria Math" panose="02040503050406030204" pitchFamily="18" charset="0"/>
+                      </a:rPr>
+                      <m:t>𝑃</m:t>
+                    </m:r>
+                    <m:r>
+                      <a:rPr lang="en-US" b="0" i="1">
+                        <a:latin typeface="Cambria Math" panose="02040503050406030204" pitchFamily="18" charset="0"/>
+                      </a:rPr>
+                      <m:t>(</m:t>
+                    </m:r>
+                    <m:sSub>
+                      <m:sSubPr>
+                        <m:ctrlPr>
+                          <a:rPr lang="en-US" b="0" i="1">
+                            <a:latin typeface="Cambria Math" panose="02040503050406030204" pitchFamily="18" charset="0"/>
+                          </a:rPr>
+                        </m:ctrlPr>
+                      </m:sSubPr>
+                      <m:e>
+                        <m:r>
+                          <a:rPr lang="en-US" b="0" i="1">
+                            <a:latin typeface="Cambria Math" panose="02040503050406030204" pitchFamily="18" charset="0"/>
+                          </a:rPr>
+                          <m:t>𝑥</m:t>
+                        </m:r>
+                      </m:e>
+                      <m:sub>
+                        <m:r>
+                          <a:rPr lang="en-US" b="0" i="1" smtClean="0">
+                            <a:latin typeface="Cambria Math" panose="02040503050406030204" pitchFamily="18" charset="0"/>
+                          </a:rPr>
+                          <m:t>2</m:t>
+                        </m:r>
+                      </m:sub>
+                    </m:sSub>
+                    <m:r>
+                      <a:rPr lang="en-US" b="0" i="1">
+                        <a:latin typeface="Cambria Math" panose="02040503050406030204" pitchFamily="18" charset="0"/>
+                      </a:rPr>
+                      <m:t>, …,</m:t>
+                    </m:r>
+                    <m:sSub>
+                      <m:sSubPr>
+                        <m:ctrlPr>
+                          <a:rPr lang="en-US" b="0" i="1">
+                            <a:latin typeface="Cambria Math" panose="02040503050406030204" pitchFamily="18" charset="0"/>
+                          </a:rPr>
+                        </m:ctrlPr>
+                      </m:sSubPr>
+                      <m:e>
+                        <m:r>
+                          <a:rPr lang="en-US" b="0" i="1">
+                            <a:latin typeface="Cambria Math" panose="02040503050406030204" pitchFamily="18" charset="0"/>
+                          </a:rPr>
+                          <m:t>𝑥</m:t>
+                        </m:r>
+                      </m:e>
+                      <m:sub>
+                        <m:r>
+                          <a:rPr lang="en-US" b="0" i="1">
+                            <a:latin typeface="Cambria Math" panose="02040503050406030204" pitchFamily="18" charset="0"/>
+                          </a:rPr>
+                          <m:t>𝑛</m:t>
+                        </m:r>
+                      </m:sub>
+                    </m:sSub>
+                    <m:r>
+                      <a:rPr lang="en-US" b="0" i="1">
+                        <a:latin typeface="Cambria Math" panose="02040503050406030204" pitchFamily="18" charset="0"/>
+                      </a:rPr>
+                      <m:t>,</m:t>
+                    </m:r>
+                    <m:sSub>
+                      <m:sSubPr>
+                        <m:ctrlPr>
+                          <a:rPr lang="en-US" b="0" i="1">
+                            <a:latin typeface="Cambria Math" panose="02040503050406030204" pitchFamily="18" charset="0"/>
+                          </a:rPr>
+                        </m:ctrlPr>
+                      </m:sSubPr>
+                      <m:e>
+                        <m:r>
+                          <a:rPr lang="en-US" b="0" i="1">
+                            <a:latin typeface="Cambria Math" panose="02040503050406030204" pitchFamily="18" charset="0"/>
+                          </a:rPr>
+                          <m:t>𝐶</m:t>
+                        </m:r>
+                      </m:e>
+                      <m:sub>
+                        <m:r>
+                          <a:rPr lang="en-US" b="0" i="1">
+                            <a:latin typeface="Cambria Math" panose="02040503050406030204" pitchFamily="18" charset="0"/>
+                          </a:rPr>
+                          <m:t>𝑘</m:t>
+                        </m:r>
+                      </m:sub>
+                    </m:sSub>
+                    <m:r>
+                      <a:rPr lang="en-US" b="0" i="1">
+                        <a:latin typeface="Cambria Math" panose="02040503050406030204" pitchFamily="18" charset="0"/>
+                      </a:rPr>
+                      <m:t>)</m:t>
+                    </m:r>
+                  </m:oMath>
+                </a14:m>
+                <a:endParaRPr lang="en-US" b="0" dirty="0"/>
+              </a:p>
+              <a:p>
+                <a:r>
+                  <a:rPr lang="en-US" b="0" dirty="0"/>
+                  <a:t>	       </a:t>
+                </a:r>
+                <a14:m>
+                  <m:oMath xmlns:m="http://schemas.openxmlformats.org/officeDocument/2006/math">
+                    <m:r>
+                      <a:rPr lang="en-US" b="0">
+                        <a:latin typeface="Cambria Math" panose="02040503050406030204" pitchFamily="18" charset="0"/>
+                      </a:rPr>
+                      <m:t>=</m:t>
+                    </m:r>
+                    <m:r>
+                      <a:rPr lang="en-US" b="0" i="1">
+                        <a:latin typeface="Cambria Math" panose="02040503050406030204" pitchFamily="18" charset="0"/>
+                      </a:rPr>
+                      <m:t>𝑃</m:t>
+                    </m:r>
+                    <m:r>
+                      <a:rPr lang="en-US" b="0" i="1">
+                        <a:latin typeface="Cambria Math" panose="02040503050406030204" pitchFamily="18" charset="0"/>
+                      </a:rPr>
+                      <m:t>(</m:t>
+                    </m:r>
+                    <m:sSub>
+                      <m:sSubPr>
+                        <m:ctrlPr>
+                          <a:rPr lang="en-US" b="0" i="1">
+                            <a:latin typeface="Cambria Math" panose="02040503050406030204" pitchFamily="18" charset="0"/>
+                          </a:rPr>
+                        </m:ctrlPr>
+                      </m:sSubPr>
+                      <m:e>
+                        <m:r>
+                          <a:rPr lang="en-US" b="0" i="1">
+                            <a:latin typeface="Cambria Math" panose="02040503050406030204" pitchFamily="18" charset="0"/>
+                          </a:rPr>
+                          <m:t>𝑥</m:t>
+                        </m:r>
+                      </m:e>
+                      <m:sub>
+                        <m:r>
+                          <a:rPr lang="en-US" b="0" i="1">
+                            <a:latin typeface="Cambria Math" panose="02040503050406030204" pitchFamily="18" charset="0"/>
+                          </a:rPr>
+                          <m:t>1</m:t>
+                        </m:r>
+                      </m:sub>
+                    </m:sSub>
+                    <m:r>
+                      <a:rPr lang="en-US" b="0" i="1">
+                        <a:latin typeface="Cambria Math" panose="02040503050406030204" pitchFamily="18" charset="0"/>
+                      </a:rPr>
+                      <m:t>|</m:t>
+                    </m:r>
+                    <m:sSub>
+                      <m:sSubPr>
+                        <m:ctrlPr>
+                          <a:rPr lang="en-US" b="0" i="1">
+                            <a:latin typeface="Cambria Math" panose="02040503050406030204" pitchFamily="18" charset="0"/>
+                          </a:rPr>
+                        </m:ctrlPr>
+                      </m:sSubPr>
+                      <m:e>
+                        <m:r>
+                          <a:rPr lang="en-US" b="0" i="1">
+                            <a:latin typeface="Cambria Math" panose="02040503050406030204" pitchFamily="18" charset="0"/>
+                          </a:rPr>
+                          <m:t>𝑥</m:t>
+                        </m:r>
+                      </m:e>
+                      <m:sub>
+                        <m:r>
+                          <a:rPr lang="en-US" b="0" i="1">
+                            <a:latin typeface="Cambria Math" panose="02040503050406030204" pitchFamily="18" charset="0"/>
+                          </a:rPr>
+                          <m:t>2</m:t>
+                        </m:r>
+                      </m:sub>
+                    </m:sSub>
+                    <m:r>
+                      <a:rPr lang="en-US" b="0" i="1">
+                        <a:latin typeface="Cambria Math" panose="02040503050406030204" pitchFamily="18" charset="0"/>
+                      </a:rPr>
+                      <m:t>,</m:t>
+                    </m:r>
+                    <m:r>
+                      <a:rPr lang="en-US" b="0" i="1">
+                        <a:latin typeface="Cambria Math" panose="02040503050406030204" pitchFamily="18" charset="0"/>
+                      </a:rPr>
+                      <m:t> </m:t>
+                    </m:r>
+                    <m:r>
+                      <a:rPr lang="en-US" b="0" i="1">
+                        <a:latin typeface="Cambria Math" panose="02040503050406030204" pitchFamily="18" charset="0"/>
+                      </a:rPr>
+                      <m:t>…,</m:t>
+                    </m:r>
+                    <m:sSub>
+                      <m:sSubPr>
+                        <m:ctrlPr>
+                          <a:rPr lang="en-US" b="0" i="1">
+                            <a:latin typeface="Cambria Math" panose="02040503050406030204" pitchFamily="18" charset="0"/>
+                          </a:rPr>
+                        </m:ctrlPr>
+                      </m:sSubPr>
+                      <m:e>
+                        <m:r>
+                          <a:rPr lang="en-US" b="0" i="1">
+                            <a:latin typeface="Cambria Math" panose="02040503050406030204" pitchFamily="18" charset="0"/>
+                          </a:rPr>
+                          <m:t>𝑥</m:t>
+                        </m:r>
+                      </m:e>
+                      <m:sub>
+                        <m:r>
+                          <a:rPr lang="en-US" b="0" i="1">
+                            <a:latin typeface="Cambria Math" panose="02040503050406030204" pitchFamily="18" charset="0"/>
+                          </a:rPr>
+                          <m:t>𝑛</m:t>
+                        </m:r>
+                      </m:sub>
+                    </m:sSub>
+                    <m:r>
+                      <a:rPr lang="en-US" b="0" i="1">
+                        <a:latin typeface="Cambria Math" panose="02040503050406030204" pitchFamily="18" charset="0"/>
+                      </a:rPr>
+                      <m:t>,</m:t>
+                    </m:r>
+                    <m:sSub>
+                      <m:sSubPr>
+                        <m:ctrlPr>
+                          <a:rPr lang="en-US" b="0" i="1">
+                            <a:latin typeface="Cambria Math" panose="02040503050406030204" pitchFamily="18" charset="0"/>
+                          </a:rPr>
+                        </m:ctrlPr>
+                      </m:sSubPr>
+                      <m:e>
+                        <m:r>
+                          <a:rPr lang="en-US" b="0" i="1">
+                            <a:latin typeface="Cambria Math" panose="02040503050406030204" pitchFamily="18" charset="0"/>
+                          </a:rPr>
+                          <m:t>𝐶</m:t>
+                        </m:r>
+                      </m:e>
+                      <m:sub>
+                        <m:r>
+                          <a:rPr lang="en-US" b="0" i="1">
+                            <a:latin typeface="Cambria Math" panose="02040503050406030204" pitchFamily="18" charset="0"/>
+                          </a:rPr>
+                          <m:t>𝑘</m:t>
+                        </m:r>
+                      </m:sub>
+                    </m:sSub>
+                    <m:r>
+                      <a:rPr lang="en-US" b="0" i="1">
+                        <a:latin typeface="Cambria Math" panose="02040503050406030204" pitchFamily="18" charset="0"/>
+                      </a:rPr>
+                      <m:t>)</m:t>
+                    </m:r>
+                  </m:oMath>
+                </a14:m>
+                <a:r>
+                  <a:rPr lang="en-US" b="0" dirty="0"/>
+                  <a:t> </a:t>
+                </a:r>
+                <a14:m>
+                  <m:oMath xmlns:m="http://schemas.openxmlformats.org/officeDocument/2006/math">
+                    <m:r>
+                      <a:rPr lang="en-US" b="0" i="1">
+                        <a:latin typeface="Cambria Math" panose="02040503050406030204" pitchFamily="18" charset="0"/>
+                      </a:rPr>
+                      <m:t>𝑃</m:t>
+                    </m:r>
+                    <m:r>
+                      <a:rPr lang="en-US" b="0" i="1">
+                        <a:latin typeface="Cambria Math" panose="02040503050406030204" pitchFamily="18" charset="0"/>
+                      </a:rPr>
+                      <m:t>(</m:t>
+                    </m:r>
+                    <m:sSub>
+                      <m:sSubPr>
+                        <m:ctrlPr>
+                          <a:rPr lang="en-US" b="0" i="1">
+                            <a:latin typeface="Cambria Math" panose="02040503050406030204" pitchFamily="18" charset="0"/>
+                          </a:rPr>
+                        </m:ctrlPr>
+                      </m:sSubPr>
+                      <m:e>
+                        <m:r>
+                          <a:rPr lang="en-US" b="0" i="1">
+                            <a:latin typeface="Cambria Math" panose="02040503050406030204" pitchFamily="18" charset="0"/>
+                          </a:rPr>
+                          <m:t>𝑥</m:t>
+                        </m:r>
+                      </m:e>
+                      <m:sub>
+                        <m:r>
+                          <a:rPr lang="en-US" b="0" i="1">
+                            <a:latin typeface="Cambria Math" panose="02040503050406030204" pitchFamily="18" charset="0"/>
+                          </a:rPr>
+                          <m:t>2</m:t>
+                        </m:r>
+                      </m:sub>
+                    </m:sSub>
+                    <m:r>
+                      <a:rPr lang="en-US" b="0" i="1" smtClean="0">
+                        <a:latin typeface="Cambria Math" panose="02040503050406030204" pitchFamily="18" charset="0"/>
+                      </a:rPr>
+                      <m:t>|</m:t>
+                    </m:r>
+                    <m:sSub>
+                      <m:sSubPr>
+                        <m:ctrlPr>
+                          <a:rPr lang="en-US" b="0" i="1">
+                            <a:latin typeface="Cambria Math" panose="02040503050406030204" pitchFamily="18" charset="0"/>
+                          </a:rPr>
+                        </m:ctrlPr>
+                      </m:sSubPr>
+                      <m:e>
+                        <m:r>
+                          <a:rPr lang="en-US" b="0" i="1">
+                            <a:latin typeface="Cambria Math" panose="02040503050406030204" pitchFamily="18" charset="0"/>
+                          </a:rPr>
+                          <m:t>𝑥</m:t>
+                        </m:r>
+                      </m:e>
+                      <m:sub>
+                        <m:r>
+                          <a:rPr lang="en-US" b="0" i="1" smtClean="0">
+                            <a:latin typeface="Cambria Math" panose="02040503050406030204" pitchFamily="18" charset="0"/>
+                          </a:rPr>
+                          <m:t>3</m:t>
+                        </m:r>
+                      </m:sub>
+                    </m:sSub>
+                    <m:r>
+                      <a:rPr lang="en-US" b="0" i="1">
+                        <a:latin typeface="Cambria Math" panose="02040503050406030204" pitchFamily="18" charset="0"/>
+                      </a:rPr>
+                      <m:t>, …,</m:t>
+                    </m:r>
+                    <m:sSub>
+                      <m:sSubPr>
+                        <m:ctrlPr>
+                          <a:rPr lang="en-US" b="0" i="1">
+                            <a:latin typeface="Cambria Math" panose="02040503050406030204" pitchFamily="18" charset="0"/>
+                          </a:rPr>
+                        </m:ctrlPr>
+                      </m:sSubPr>
+                      <m:e>
+                        <m:r>
+                          <a:rPr lang="en-US" b="0" i="1">
+                            <a:latin typeface="Cambria Math" panose="02040503050406030204" pitchFamily="18" charset="0"/>
+                          </a:rPr>
+                          <m:t>𝑥</m:t>
+                        </m:r>
+                      </m:e>
+                      <m:sub>
+                        <m:r>
+                          <a:rPr lang="en-US" b="0" i="1">
+                            <a:latin typeface="Cambria Math" panose="02040503050406030204" pitchFamily="18" charset="0"/>
+                          </a:rPr>
+                          <m:t>𝑛</m:t>
+                        </m:r>
+                      </m:sub>
+                    </m:sSub>
+                    <m:r>
+                      <a:rPr lang="en-US" b="0" i="1">
+                        <a:latin typeface="Cambria Math" panose="02040503050406030204" pitchFamily="18" charset="0"/>
+                      </a:rPr>
+                      <m:t>,</m:t>
+                    </m:r>
+                    <m:sSub>
+                      <m:sSubPr>
+                        <m:ctrlPr>
+                          <a:rPr lang="en-US" b="0" i="1">
+                            <a:latin typeface="Cambria Math" panose="02040503050406030204" pitchFamily="18" charset="0"/>
+                          </a:rPr>
+                        </m:ctrlPr>
+                      </m:sSubPr>
+                      <m:e>
+                        <m:r>
+                          <a:rPr lang="en-US" b="0" i="1">
+                            <a:latin typeface="Cambria Math" panose="02040503050406030204" pitchFamily="18" charset="0"/>
+                          </a:rPr>
+                          <m:t>𝐶</m:t>
+                        </m:r>
+                      </m:e>
+                      <m:sub>
+                        <m:r>
+                          <a:rPr lang="en-US" b="0" i="1">
+                            <a:latin typeface="Cambria Math" panose="02040503050406030204" pitchFamily="18" charset="0"/>
+                          </a:rPr>
+                          <m:t>𝑘</m:t>
+                        </m:r>
+                      </m:sub>
+                    </m:sSub>
+                    <m:r>
+                      <a:rPr lang="en-US" b="0" i="1">
+                        <a:latin typeface="Cambria Math" panose="02040503050406030204" pitchFamily="18" charset="0"/>
+                      </a:rPr>
+                      <m:t>)</m:t>
+                    </m:r>
+                  </m:oMath>
+                </a14:m>
+                <a:r>
+                  <a:rPr lang="en-US" b="0" dirty="0"/>
+                  <a:t> </a:t>
+                </a:r>
+                <a14:m>
+                  <m:oMath xmlns:m="http://schemas.openxmlformats.org/officeDocument/2006/math">
+                    <m:r>
+                      <a:rPr lang="en-US" b="0" i="1">
+                        <a:latin typeface="Cambria Math" panose="02040503050406030204" pitchFamily="18" charset="0"/>
+                      </a:rPr>
+                      <m:t>𝑃</m:t>
+                    </m:r>
+                    <m:r>
+                      <a:rPr lang="en-US" b="0" i="1">
+                        <a:latin typeface="Cambria Math" panose="02040503050406030204" pitchFamily="18" charset="0"/>
+                      </a:rPr>
+                      <m:t>(</m:t>
+                    </m:r>
+                    <m:sSub>
+                      <m:sSubPr>
+                        <m:ctrlPr>
+                          <a:rPr lang="en-US" b="0" i="1">
+                            <a:latin typeface="Cambria Math" panose="02040503050406030204" pitchFamily="18" charset="0"/>
+                          </a:rPr>
+                        </m:ctrlPr>
+                      </m:sSubPr>
+                      <m:e>
+                        <m:r>
+                          <a:rPr lang="en-US" b="0" i="1">
+                            <a:latin typeface="Cambria Math" panose="02040503050406030204" pitchFamily="18" charset="0"/>
+                          </a:rPr>
+                          <m:t>𝑥</m:t>
+                        </m:r>
+                      </m:e>
+                      <m:sub>
+                        <m:r>
+                          <a:rPr lang="en-US" b="0" i="1">
+                            <a:latin typeface="Cambria Math" panose="02040503050406030204" pitchFamily="18" charset="0"/>
+                          </a:rPr>
+                          <m:t>3</m:t>
+                        </m:r>
+                      </m:sub>
+                    </m:sSub>
+                    <m:r>
+                      <a:rPr lang="en-US" b="0" i="1">
+                        <a:latin typeface="Cambria Math" panose="02040503050406030204" pitchFamily="18" charset="0"/>
+                      </a:rPr>
+                      <m:t>, …,</m:t>
+                    </m:r>
+                    <m:sSub>
+                      <m:sSubPr>
+                        <m:ctrlPr>
+                          <a:rPr lang="en-US" b="0" i="1">
+                            <a:latin typeface="Cambria Math" panose="02040503050406030204" pitchFamily="18" charset="0"/>
+                          </a:rPr>
+                        </m:ctrlPr>
+                      </m:sSubPr>
+                      <m:e>
+                        <m:r>
+                          <a:rPr lang="en-US" b="0" i="1">
+                            <a:latin typeface="Cambria Math" panose="02040503050406030204" pitchFamily="18" charset="0"/>
+                          </a:rPr>
+                          <m:t>𝑥</m:t>
+                        </m:r>
+                      </m:e>
+                      <m:sub>
+                        <m:r>
+                          <a:rPr lang="en-US" b="0" i="1">
+                            <a:latin typeface="Cambria Math" panose="02040503050406030204" pitchFamily="18" charset="0"/>
+                          </a:rPr>
+                          <m:t>𝑛</m:t>
+                        </m:r>
+                      </m:sub>
+                    </m:sSub>
+                    <m:r>
+                      <a:rPr lang="en-US" b="0" i="1">
+                        <a:latin typeface="Cambria Math" panose="02040503050406030204" pitchFamily="18" charset="0"/>
+                      </a:rPr>
+                      <m:t>,</m:t>
+                    </m:r>
+                    <m:sSub>
+                      <m:sSubPr>
+                        <m:ctrlPr>
+                          <a:rPr lang="en-US" b="0" i="1">
+                            <a:latin typeface="Cambria Math" panose="02040503050406030204" pitchFamily="18" charset="0"/>
+                          </a:rPr>
+                        </m:ctrlPr>
+                      </m:sSubPr>
+                      <m:e>
+                        <m:r>
+                          <a:rPr lang="en-US" b="0" i="1">
+                            <a:latin typeface="Cambria Math" panose="02040503050406030204" pitchFamily="18" charset="0"/>
+                          </a:rPr>
+                          <m:t>𝐶</m:t>
+                        </m:r>
+                      </m:e>
+                      <m:sub>
+                        <m:r>
+                          <a:rPr lang="en-US" b="0" i="1">
+                            <a:latin typeface="Cambria Math" panose="02040503050406030204" pitchFamily="18" charset="0"/>
+                          </a:rPr>
+                          <m:t>𝑘</m:t>
+                        </m:r>
+                      </m:sub>
+                    </m:sSub>
+                    <m:r>
+                      <a:rPr lang="en-US" b="0" i="1">
+                        <a:latin typeface="Cambria Math" panose="02040503050406030204" pitchFamily="18" charset="0"/>
+                      </a:rPr>
+                      <m:t>)</m:t>
+                    </m:r>
+                  </m:oMath>
+                </a14:m>
+                <a:endParaRPr lang="en-US" b="0" dirty="0"/>
+              </a:p>
+              <a:p>
+                <a:r>
+                  <a:rPr lang="en-US" b="0" dirty="0"/>
+                  <a:t>	       </a:t>
+                </a:r>
+                <a14:m>
+                  <m:oMath xmlns:m="http://schemas.openxmlformats.org/officeDocument/2006/math">
+                    <m:r>
+                      <a:rPr lang="en-US" b="0">
+                        <a:latin typeface="Cambria Math" panose="02040503050406030204" pitchFamily="18" charset="0"/>
+                      </a:rPr>
+                      <m:t>=</m:t>
+                    </m:r>
+                    <m:r>
+                      <a:rPr lang="en-US" b="0" i="0" smtClean="0">
+                        <a:latin typeface="Cambria Math" panose="02040503050406030204" pitchFamily="18" charset="0"/>
+                      </a:rPr>
+                      <m:t>…</m:t>
+                    </m:r>
+                  </m:oMath>
+                </a14:m>
+                <a:endParaRPr lang="en-US" b="0" dirty="0"/>
+              </a:p>
+              <a:p>
+                <a:r>
+                  <a:rPr lang="en-US" b="0" dirty="0"/>
+                  <a:t>	       </a:t>
+                </a:r>
+                <a14:m>
+                  <m:oMath xmlns:m="http://schemas.openxmlformats.org/officeDocument/2006/math">
+                    <m:r>
+                      <a:rPr lang="en-US" b="0">
+                        <a:latin typeface="Cambria Math" panose="02040503050406030204" pitchFamily="18" charset="0"/>
+                      </a:rPr>
+                      <m:t>=</m:t>
+                    </m:r>
+                    <m:r>
+                      <a:rPr lang="en-US" b="0" i="1">
+                        <a:latin typeface="Cambria Math" panose="02040503050406030204" pitchFamily="18" charset="0"/>
+                      </a:rPr>
+                      <m:t>𝑃</m:t>
+                    </m:r>
+                    <m:r>
+                      <a:rPr lang="en-US" b="0" i="1">
+                        <a:latin typeface="Cambria Math" panose="02040503050406030204" pitchFamily="18" charset="0"/>
+                      </a:rPr>
+                      <m:t>(</m:t>
+                    </m:r>
+                    <m:sSub>
+                      <m:sSubPr>
+                        <m:ctrlPr>
+                          <a:rPr lang="en-US" b="0" i="1">
+                            <a:latin typeface="Cambria Math" panose="02040503050406030204" pitchFamily="18" charset="0"/>
+                          </a:rPr>
+                        </m:ctrlPr>
+                      </m:sSubPr>
+                      <m:e>
+                        <m:r>
+                          <a:rPr lang="en-US" b="0" i="1">
+                            <a:latin typeface="Cambria Math" panose="02040503050406030204" pitchFamily="18" charset="0"/>
+                          </a:rPr>
+                          <m:t>𝑥</m:t>
+                        </m:r>
+                      </m:e>
+                      <m:sub>
+                        <m:r>
+                          <a:rPr lang="en-US" b="0" i="1">
+                            <a:latin typeface="Cambria Math" panose="02040503050406030204" pitchFamily="18" charset="0"/>
+                          </a:rPr>
+                          <m:t>1</m:t>
+                        </m:r>
+                      </m:sub>
+                    </m:sSub>
+                    <m:r>
+                      <a:rPr lang="en-US" b="0" i="1">
+                        <a:latin typeface="Cambria Math" panose="02040503050406030204" pitchFamily="18" charset="0"/>
+                      </a:rPr>
+                      <m:t>|</m:t>
+                    </m:r>
+                    <m:sSub>
+                      <m:sSubPr>
+                        <m:ctrlPr>
+                          <a:rPr lang="en-US" b="0" i="1">
+                            <a:latin typeface="Cambria Math" panose="02040503050406030204" pitchFamily="18" charset="0"/>
+                          </a:rPr>
+                        </m:ctrlPr>
+                      </m:sSubPr>
+                      <m:e>
+                        <m:r>
+                          <a:rPr lang="en-US" b="0" i="1">
+                            <a:latin typeface="Cambria Math" panose="02040503050406030204" pitchFamily="18" charset="0"/>
+                          </a:rPr>
+                          <m:t>𝑥</m:t>
+                        </m:r>
+                      </m:e>
+                      <m:sub>
+                        <m:r>
+                          <a:rPr lang="en-US" b="0" i="1">
+                            <a:latin typeface="Cambria Math" panose="02040503050406030204" pitchFamily="18" charset="0"/>
+                          </a:rPr>
+                          <m:t>2</m:t>
+                        </m:r>
+                      </m:sub>
+                    </m:sSub>
+                    <m:r>
+                      <a:rPr lang="en-US" b="0" i="1">
+                        <a:latin typeface="Cambria Math" panose="02040503050406030204" pitchFamily="18" charset="0"/>
+                      </a:rPr>
+                      <m:t>, …,</m:t>
+                    </m:r>
+                    <m:sSub>
+                      <m:sSubPr>
+                        <m:ctrlPr>
+                          <a:rPr lang="en-US" b="0" i="1">
+                            <a:latin typeface="Cambria Math" panose="02040503050406030204" pitchFamily="18" charset="0"/>
+                          </a:rPr>
+                        </m:ctrlPr>
+                      </m:sSubPr>
+                      <m:e>
+                        <m:r>
+                          <a:rPr lang="en-US" b="0" i="1">
+                            <a:latin typeface="Cambria Math" panose="02040503050406030204" pitchFamily="18" charset="0"/>
+                          </a:rPr>
+                          <m:t>𝑥</m:t>
+                        </m:r>
+                      </m:e>
+                      <m:sub>
+                        <m:r>
+                          <a:rPr lang="en-US" b="0" i="1">
+                            <a:latin typeface="Cambria Math" panose="02040503050406030204" pitchFamily="18" charset="0"/>
+                          </a:rPr>
+                          <m:t>𝑛</m:t>
+                        </m:r>
+                      </m:sub>
+                    </m:sSub>
+                    <m:r>
+                      <a:rPr lang="en-US" b="0" i="1">
+                        <a:latin typeface="Cambria Math" panose="02040503050406030204" pitchFamily="18" charset="0"/>
+                      </a:rPr>
+                      <m:t>,</m:t>
+                    </m:r>
+                    <m:sSub>
+                      <m:sSubPr>
+                        <m:ctrlPr>
+                          <a:rPr lang="en-US" b="0" i="1">
+                            <a:latin typeface="Cambria Math" panose="02040503050406030204" pitchFamily="18" charset="0"/>
+                          </a:rPr>
+                        </m:ctrlPr>
+                      </m:sSubPr>
+                      <m:e>
+                        <m:r>
+                          <a:rPr lang="en-US" b="0" i="1">
+                            <a:latin typeface="Cambria Math" panose="02040503050406030204" pitchFamily="18" charset="0"/>
+                          </a:rPr>
+                          <m:t>𝐶</m:t>
+                        </m:r>
+                      </m:e>
+                      <m:sub>
+                        <m:r>
+                          <a:rPr lang="en-US" b="0" i="1">
+                            <a:latin typeface="Cambria Math" panose="02040503050406030204" pitchFamily="18" charset="0"/>
+                          </a:rPr>
+                          <m:t>𝑘</m:t>
+                        </m:r>
+                      </m:sub>
+                    </m:sSub>
+                    <m:r>
+                      <a:rPr lang="en-US" b="0" i="1">
+                        <a:latin typeface="Cambria Math" panose="02040503050406030204" pitchFamily="18" charset="0"/>
+                      </a:rPr>
+                      <m:t>)</m:t>
+                    </m:r>
+                  </m:oMath>
+                </a14:m>
+                <a:r>
+                  <a:rPr lang="en-US" b="0" dirty="0"/>
+                  <a:t> </a:t>
+                </a:r>
+                <a14:m>
+                  <m:oMath xmlns:m="http://schemas.openxmlformats.org/officeDocument/2006/math">
+                    <m:r>
+                      <a:rPr lang="en-US" b="0" i="1">
+                        <a:latin typeface="Cambria Math" panose="02040503050406030204" pitchFamily="18" charset="0"/>
+                      </a:rPr>
+                      <m:t>𝑃</m:t>
+                    </m:r>
+                    <m:r>
+                      <a:rPr lang="en-US" b="0" i="1">
+                        <a:latin typeface="Cambria Math" panose="02040503050406030204" pitchFamily="18" charset="0"/>
+                      </a:rPr>
+                      <m:t>(</m:t>
+                    </m:r>
+                    <m:sSub>
+                      <m:sSubPr>
+                        <m:ctrlPr>
+                          <a:rPr lang="en-US" b="0" i="1">
+                            <a:latin typeface="Cambria Math" panose="02040503050406030204" pitchFamily="18" charset="0"/>
+                          </a:rPr>
+                        </m:ctrlPr>
+                      </m:sSubPr>
+                      <m:e>
+                        <m:r>
+                          <a:rPr lang="en-US" b="0" i="1">
+                            <a:latin typeface="Cambria Math" panose="02040503050406030204" pitchFamily="18" charset="0"/>
+                          </a:rPr>
+                          <m:t>𝑥</m:t>
+                        </m:r>
+                      </m:e>
+                      <m:sub>
+                        <m:r>
+                          <a:rPr lang="en-US" b="0" i="1">
+                            <a:latin typeface="Cambria Math" panose="02040503050406030204" pitchFamily="18" charset="0"/>
+                          </a:rPr>
+                          <m:t>2</m:t>
+                        </m:r>
+                      </m:sub>
+                    </m:sSub>
+                    <m:r>
+                      <a:rPr lang="en-US" b="0" i="1">
+                        <a:latin typeface="Cambria Math" panose="02040503050406030204" pitchFamily="18" charset="0"/>
+                      </a:rPr>
+                      <m:t>|</m:t>
+                    </m:r>
+                    <m:sSub>
+                      <m:sSubPr>
+                        <m:ctrlPr>
+                          <a:rPr lang="en-US" b="0" i="1">
+                            <a:latin typeface="Cambria Math" panose="02040503050406030204" pitchFamily="18" charset="0"/>
+                          </a:rPr>
+                        </m:ctrlPr>
+                      </m:sSubPr>
+                      <m:e>
+                        <m:r>
+                          <a:rPr lang="en-US" b="0" i="1">
+                            <a:latin typeface="Cambria Math" panose="02040503050406030204" pitchFamily="18" charset="0"/>
+                          </a:rPr>
+                          <m:t>𝑥</m:t>
+                        </m:r>
+                      </m:e>
+                      <m:sub>
+                        <m:r>
+                          <a:rPr lang="en-US" b="0" i="1">
+                            <a:latin typeface="Cambria Math" panose="02040503050406030204" pitchFamily="18" charset="0"/>
+                          </a:rPr>
+                          <m:t>3</m:t>
+                        </m:r>
+                      </m:sub>
+                    </m:sSub>
+                    <m:r>
+                      <a:rPr lang="en-US" b="0" i="1">
+                        <a:latin typeface="Cambria Math" panose="02040503050406030204" pitchFamily="18" charset="0"/>
+                      </a:rPr>
+                      <m:t>, …,</m:t>
+                    </m:r>
+                    <m:sSub>
+                      <m:sSubPr>
+                        <m:ctrlPr>
+                          <a:rPr lang="en-US" b="0" i="1">
+                            <a:latin typeface="Cambria Math" panose="02040503050406030204" pitchFamily="18" charset="0"/>
+                          </a:rPr>
+                        </m:ctrlPr>
+                      </m:sSubPr>
+                      <m:e>
+                        <m:r>
+                          <a:rPr lang="en-US" b="0" i="1">
+                            <a:latin typeface="Cambria Math" panose="02040503050406030204" pitchFamily="18" charset="0"/>
+                          </a:rPr>
+                          <m:t>𝑥</m:t>
+                        </m:r>
+                      </m:e>
+                      <m:sub>
+                        <m:r>
+                          <a:rPr lang="en-US" b="0" i="1">
+                            <a:latin typeface="Cambria Math" panose="02040503050406030204" pitchFamily="18" charset="0"/>
+                          </a:rPr>
+                          <m:t>𝑛</m:t>
+                        </m:r>
+                      </m:sub>
+                    </m:sSub>
+                    <m:r>
+                      <a:rPr lang="en-US" b="0" i="1">
+                        <a:latin typeface="Cambria Math" panose="02040503050406030204" pitchFamily="18" charset="0"/>
+                      </a:rPr>
+                      <m:t>,</m:t>
+                    </m:r>
+                    <m:sSub>
+                      <m:sSubPr>
+                        <m:ctrlPr>
+                          <a:rPr lang="en-US" b="0" i="1">
+                            <a:latin typeface="Cambria Math" panose="02040503050406030204" pitchFamily="18" charset="0"/>
+                          </a:rPr>
+                        </m:ctrlPr>
+                      </m:sSubPr>
+                      <m:e>
+                        <m:r>
+                          <a:rPr lang="en-US" b="0" i="1">
+                            <a:latin typeface="Cambria Math" panose="02040503050406030204" pitchFamily="18" charset="0"/>
+                          </a:rPr>
+                          <m:t>𝐶</m:t>
+                        </m:r>
+                      </m:e>
+                      <m:sub>
+                        <m:r>
+                          <a:rPr lang="en-US" b="0" i="1">
+                            <a:latin typeface="Cambria Math" panose="02040503050406030204" pitchFamily="18" charset="0"/>
+                          </a:rPr>
+                          <m:t>𝑘</m:t>
+                        </m:r>
+                      </m:sub>
+                    </m:sSub>
+                    <m:r>
+                      <a:rPr lang="en-US" b="0" i="1">
+                        <a:latin typeface="Cambria Math" panose="02040503050406030204" pitchFamily="18" charset="0"/>
+                      </a:rPr>
+                      <m:t>)</m:t>
+                    </m:r>
+                  </m:oMath>
+                </a14:m>
+                <a:r>
+                  <a:rPr lang="en-US" b="0" dirty="0"/>
+                  <a:t>…</a:t>
+                </a:r>
+                <a14:m>
+                  <m:oMath xmlns:m="http://schemas.openxmlformats.org/officeDocument/2006/math">
+                    <m:r>
+                      <a:rPr lang="en-US" b="0" i="1">
+                        <a:latin typeface="Cambria Math" panose="02040503050406030204" pitchFamily="18" charset="0"/>
+                      </a:rPr>
+                      <m:t>𝑃</m:t>
+                    </m:r>
+                    <m:r>
+                      <a:rPr lang="en-US" b="0" i="1">
+                        <a:latin typeface="Cambria Math" panose="02040503050406030204" pitchFamily="18" charset="0"/>
+                      </a:rPr>
+                      <m:t>(</m:t>
+                    </m:r>
+                    <m:sSub>
+                      <m:sSubPr>
+                        <m:ctrlPr>
+                          <a:rPr lang="en-US" b="0" i="1">
+                            <a:latin typeface="Cambria Math" panose="02040503050406030204" pitchFamily="18" charset="0"/>
+                          </a:rPr>
+                        </m:ctrlPr>
+                      </m:sSubPr>
+                      <m:e>
+                        <m:r>
+                          <a:rPr lang="en-US" b="0" i="1">
+                            <a:latin typeface="Cambria Math" panose="02040503050406030204" pitchFamily="18" charset="0"/>
+                          </a:rPr>
+                          <m:t>𝑥</m:t>
+                        </m:r>
+                      </m:e>
+                      <m:sub>
+                        <m:r>
+                          <a:rPr lang="en-US" b="0" i="1" smtClean="0">
+                            <a:latin typeface="Cambria Math" panose="02040503050406030204" pitchFamily="18" charset="0"/>
+                          </a:rPr>
+                          <m:t>𝑛</m:t>
+                        </m:r>
+                        <m:r>
+                          <a:rPr lang="en-US" b="0" i="1" smtClean="0">
+                            <a:latin typeface="Cambria Math" panose="02040503050406030204" pitchFamily="18" charset="0"/>
+                          </a:rPr>
+                          <m:t>−1</m:t>
+                        </m:r>
+                      </m:sub>
+                    </m:sSub>
+                    <m:r>
+                      <a:rPr lang="en-US" b="0" i="1" smtClean="0">
+                        <a:latin typeface="Cambria Math" panose="02040503050406030204" pitchFamily="18" charset="0"/>
+                      </a:rPr>
+                      <m:t>|</m:t>
+                    </m:r>
+                    <m:sSub>
+                      <m:sSubPr>
+                        <m:ctrlPr>
+                          <a:rPr lang="en-US" b="0" i="1">
+                            <a:latin typeface="Cambria Math" panose="02040503050406030204" pitchFamily="18" charset="0"/>
+                          </a:rPr>
+                        </m:ctrlPr>
+                      </m:sSubPr>
+                      <m:e>
+                        <m:r>
+                          <a:rPr lang="en-US" b="0" i="1">
+                            <a:latin typeface="Cambria Math" panose="02040503050406030204" pitchFamily="18" charset="0"/>
+                          </a:rPr>
+                          <m:t>𝑥</m:t>
+                        </m:r>
+                      </m:e>
+                      <m:sub>
+                        <m:r>
+                          <a:rPr lang="en-US" b="0" i="1">
+                            <a:latin typeface="Cambria Math" panose="02040503050406030204" pitchFamily="18" charset="0"/>
+                          </a:rPr>
+                          <m:t>𝑛</m:t>
+                        </m:r>
+                      </m:sub>
+                    </m:sSub>
+                    <m:r>
+                      <a:rPr lang="en-US" b="0" i="1">
+                        <a:latin typeface="Cambria Math" panose="02040503050406030204" pitchFamily="18" charset="0"/>
+                      </a:rPr>
+                      <m:t>,</m:t>
+                    </m:r>
+                    <m:sSub>
+                      <m:sSubPr>
+                        <m:ctrlPr>
+                          <a:rPr lang="en-US" b="0" i="1">
+                            <a:latin typeface="Cambria Math" panose="02040503050406030204" pitchFamily="18" charset="0"/>
+                          </a:rPr>
+                        </m:ctrlPr>
+                      </m:sSubPr>
+                      <m:e>
+                        <m:r>
+                          <a:rPr lang="en-US" b="0" i="1">
+                            <a:latin typeface="Cambria Math" panose="02040503050406030204" pitchFamily="18" charset="0"/>
+                          </a:rPr>
+                          <m:t>𝐶</m:t>
+                        </m:r>
+                      </m:e>
+                      <m:sub>
+                        <m:r>
+                          <a:rPr lang="en-US" b="0" i="1">
+                            <a:latin typeface="Cambria Math" panose="02040503050406030204" pitchFamily="18" charset="0"/>
+                          </a:rPr>
+                          <m:t>𝑘</m:t>
+                        </m:r>
+                      </m:sub>
+                    </m:sSub>
+                    <m:r>
+                      <a:rPr lang="en-US" b="0" i="1">
+                        <a:latin typeface="Cambria Math" panose="02040503050406030204" pitchFamily="18" charset="0"/>
+                      </a:rPr>
+                      <m:t>)</m:t>
+                    </m:r>
+                  </m:oMath>
+                </a14:m>
+                <a:r>
+                  <a:rPr lang="en-US" b="0" dirty="0"/>
+                  <a:t> </a:t>
+                </a:r>
+                <a14:m>
+                  <m:oMath xmlns:m="http://schemas.openxmlformats.org/officeDocument/2006/math">
+                    <m:r>
+                      <a:rPr lang="en-US" b="0" i="1">
+                        <a:latin typeface="Cambria Math" panose="02040503050406030204" pitchFamily="18" charset="0"/>
+                      </a:rPr>
+                      <m:t>𝑃</m:t>
+                    </m:r>
+                    <m:d>
+                      <m:dPr>
+                        <m:ctrlPr>
+                          <a:rPr lang="en-US" b="0" i="1">
+                            <a:latin typeface="Cambria Math" panose="02040503050406030204" pitchFamily="18" charset="0"/>
+                          </a:rPr>
+                        </m:ctrlPr>
+                      </m:dPr>
+                      <m:e>
+                        <m:sSub>
+                          <m:sSubPr>
+                            <m:ctrlPr>
+                              <a:rPr lang="en-US" b="0" i="1">
+                                <a:latin typeface="Cambria Math" panose="02040503050406030204" pitchFamily="18" charset="0"/>
+                              </a:rPr>
+                            </m:ctrlPr>
+                          </m:sSubPr>
+                          <m:e>
+                            <m:r>
+                              <a:rPr lang="en-US" b="0" i="1">
+                                <a:latin typeface="Cambria Math" panose="02040503050406030204" pitchFamily="18" charset="0"/>
+                              </a:rPr>
+                              <m:t>𝑥</m:t>
+                            </m:r>
+                          </m:e>
+                          <m:sub>
+                            <m:r>
+                              <a:rPr lang="en-US" b="0" i="1">
+                                <a:latin typeface="Cambria Math" panose="02040503050406030204" pitchFamily="18" charset="0"/>
+                              </a:rPr>
+                              <m:t>𝑛</m:t>
+                            </m:r>
+                          </m:sub>
+                        </m:sSub>
+                      </m:e>
+                      <m:e>
+                        <m:sSub>
+                          <m:sSubPr>
+                            <m:ctrlPr>
+                              <a:rPr lang="en-US" b="0" i="1">
+                                <a:latin typeface="Cambria Math" panose="02040503050406030204" pitchFamily="18" charset="0"/>
+                              </a:rPr>
+                            </m:ctrlPr>
+                          </m:sSubPr>
+                          <m:e>
+                            <m:r>
+                              <a:rPr lang="en-US" b="0" i="1">
+                                <a:latin typeface="Cambria Math" panose="02040503050406030204" pitchFamily="18" charset="0"/>
+                              </a:rPr>
+                              <m:t>𝐶</m:t>
+                            </m:r>
+                          </m:e>
+                          <m:sub>
+                            <m:r>
+                              <a:rPr lang="en-US" b="0" i="1">
+                                <a:latin typeface="Cambria Math" panose="02040503050406030204" pitchFamily="18" charset="0"/>
+                              </a:rPr>
+                              <m:t>𝑘</m:t>
+                            </m:r>
+                          </m:sub>
+                        </m:sSub>
+                      </m:e>
+                    </m:d>
+                    <m:r>
+                      <a:rPr lang="en-US" b="0" i="1">
+                        <a:latin typeface="Cambria Math" panose="02040503050406030204" pitchFamily="18" charset="0"/>
+                      </a:rPr>
+                      <m:t>𝑃</m:t>
+                    </m:r>
+                    <m:d>
+                      <m:dPr>
+                        <m:ctrlPr>
+                          <a:rPr lang="en-US" b="0" i="1">
+                            <a:latin typeface="Cambria Math" panose="02040503050406030204" pitchFamily="18" charset="0"/>
+                          </a:rPr>
+                        </m:ctrlPr>
+                      </m:dPr>
+                      <m:e>
+                        <m:sSub>
+                          <m:sSubPr>
+                            <m:ctrlPr>
+                              <a:rPr lang="en-US" b="0" i="1">
+                                <a:latin typeface="Cambria Math" panose="02040503050406030204" pitchFamily="18" charset="0"/>
+                              </a:rPr>
+                            </m:ctrlPr>
+                          </m:sSubPr>
+                          <m:e>
+                            <m:r>
+                              <a:rPr lang="en-US" b="0" i="1">
+                                <a:latin typeface="Cambria Math" panose="02040503050406030204" pitchFamily="18" charset="0"/>
+                              </a:rPr>
+                              <m:t>𝐶</m:t>
+                            </m:r>
+                          </m:e>
+                          <m:sub>
+                            <m:r>
+                              <a:rPr lang="en-US" b="0" i="1">
+                                <a:latin typeface="Cambria Math" panose="02040503050406030204" pitchFamily="18" charset="0"/>
+                              </a:rPr>
+                              <m:t>𝑘</m:t>
+                            </m:r>
+                          </m:sub>
+                        </m:sSub>
+                      </m:e>
+                    </m:d>
+                  </m:oMath>
+                </a14:m>
+                <a:endParaRPr lang="en-US" b="0" dirty="0"/>
+              </a:p>
+              <a:p>
+                <a:endParaRPr lang="en-US" b="0" dirty="0"/>
+              </a:p>
+              <a:p>
+                <a:pPr lvl="1"/>
+                <a:endParaRPr lang="en-US" sz="1800" dirty="0"/>
+              </a:p>
+              <a:p>
+                <a:br>
+                  <a:rPr lang="en-US" b="0" dirty="0"/>
+                </a:br>
+                <a:endParaRPr lang="en-US" b="0" dirty="0"/>
+              </a:p>
+              <a:p>
+                <a:pPr lvl="2" indent="0">
+                  <a:buNone/>
+                </a:pPr>
+                <a:endParaRPr lang="en-US" sz="1800" dirty="0"/>
+              </a:p>
+            </p:txBody>
+          </p:sp>
+        </mc:Choice>
+        <mc:Fallback>
+          <p:sp>
+            <p:nvSpPr>
+              <p:cNvPr id="3" name="Content Placeholder 2">
+                <a:extLst>
+                  <a:ext uri="{FF2B5EF4-FFF2-40B4-BE49-F238E27FC236}">
+                    <a16:creationId xmlns:a16="http://schemas.microsoft.com/office/drawing/2014/main" id="{D10F0C80-DC6D-9D1C-F85E-F57BCE032DAE}"/>
+                  </a:ext>
+                </a:extLst>
+              </p:cNvPr>
+              <p:cNvSpPr>
+                <a:spLocks noGrp="1" noRot="1" noChangeAspect="1" noMove="1" noResize="1" noEditPoints="1" noAdjustHandles="1" noChangeArrowheads="1" noChangeShapeType="1" noTextEdit="1"/>
+              </p:cNvSpPr>
+              <p:nvPr>
+                <p:ph idx="1"/>
+              </p:nvPr>
+            </p:nvSpPr>
+            <p:spPr>
+              <a:xfrm>
+                <a:off x="1535370" y="2391770"/>
+                <a:ext cx="10148629" cy="4301638"/>
+              </a:xfrm>
+              <a:blipFill>
+                <a:blip r:embed="rId3"/>
+                <a:stretch>
+                  <a:fillRect/>
+                </a:stretch>
+              </a:blipFill>
+            </p:spPr>
+            <p:txBody>
+              <a:bodyPr/>
+              <a:lstStyle/>
+              <a:p>
+                <a:r>
+                  <a:rPr lang="en-US">
+                    <a:noFill/>
+                  </a:rPr>
+                  <a:t> </a:t>
+                </a:r>
+              </a:p>
+            </p:txBody>
+          </p:sp>
+        </mc:Fallback>
+      </mc:AlternateContent>
+      <p:cxnSp>
+        <p:nvCxnSpPr>
+          <p:cNvPr id="4" name="Straight Arrow Connector 3">
             <a:extLst>
               <a:ext uri="{FF2B5EF4-FFF2-40B4-BE49-F238E27FC236}">
-                <a16:creationId xmlns:a16="http://schemas.microsoft.com/office/drawing/2014/main" id="{D10F0C80-DC6D-9D1C-F85E-F57BCE032DAE}"/>
+                <a16:creationId xmlns:a16="http://schemas.microsoft.com/office/drawing/2014/main" id="{A0404F70-851F-6C23-38EC-A9D14202A679}"/>
               </a:ext>
             </a:extLst>
           </p:cNvPr>
-          <p:cNvSpPr>
-            <a:spLocks noGrp="1"/>
-          </p:cNvSpPr>
-          <p:nvPr>
-            <p:ph idx="1"/>
-          </p:nvPr>
-        </p:nvSpPr>
+          <p:cNvCxnSpPr>
+            <a:cxnSpLocks/>
+          </p:cNvCxnSpPr>
+          <p:nvPr/>
+        </p:nvCxnSpPr>
         <p:spPr>
           <a:xfrm>
-            <a:off x="1535371" y="2702257"/>
-            <a:ext cx="9935571" cy="3426158"/>
-          </a:xfrm>
-        </p:spPr>
-        <p:txBody>
-          <a:bodyPr anchor="t">
-            <a:normAutofit/>
+            <a:off x="1911955" y="2501827"/>
+            <a:ext cx="120828" cy="401761"/>
+          </a:xfrm>
+          <a:prstGeom prst="straightConnector1">
+            <a:avLst/>
+          </a:prstGeom>
+          <a:ln>
+            <a:tailEnd type="triangle"/>
+          </a:ln>
+        </p:spPr>
+        <p:style>
+          <a:lnRef idx="1">
+            <a:schemeClr val="accent1"/>
+          </a:lnRef>
+          <a:fillRef idx="0">
+            <a:schemeClr val="accent1"/>
+          </a:fillRef>
+          <a:effectRef idx="0">
+            <a:schemeClr val="accent1"/>
+          </a:effectRef>
+          <a:fontRef idx="minor">
+            <a:schemeClr val="tx1"/>
+          </a:fontRef>
+        </p:style>
+      </p:cxnSp>
+      <p:cxnSp>
+        <p:nvCxnSpPr>
+          <p:cNvPr id="5" name="Straight Arrow Connector 4">
+            <a:extLst>
+              <a:ext uri="{FF2B5EF4-FFF2-40B4-BE49-F238E27FC236}">
+                <a16:creationId xmlns:a16="http://schemas.microsoft.com/office/drawing/2014/main" id="{440AA6DF-EB84-A5A6-1B6B-A8718D94EB30}"/>
+              </a:ext>
+            </a:extLst>
+          </p:cNvPr>
+          <p:cNvCxnSpPr>
+            <a:cxnSpLocks/>
+          </p:cNvCxnSpPr>
+          <p:nvPr/>
+        </p:nvCxnSpPr>
+        <p:spPr>
+          <a:xfrm flipH="1">
+            <a:off x="6707275" y="2574029"/>
+            <a:ext cx="344629" cy="355033"/>
+          </a:xfrm>
+          <a:prstGeom prst="straightConnector1">
+            <a:avLst/>
+          </a:prstGeom>
+          <a:ln>
+            <a:tailEnd type="triangle"/>
+          </a:ln>
+        </p:spPr>
+        <p:style>
+          <a:lnRef idx="1">
+            <a:schemeClr val="accent1"/>
+          </a:lnRef>
+          <a:fillRef idx="0">
+            <a:schemeClr val="accent1"/>
+          </a:fillRef>
+          <a:effectRef idx="0">
+            <a:schemeClr val="accent1"/>
+          </a:effectRef>
+          <a:fontRef idx="minor">
+            <a:schemeClr val="tx1"/>
+          </a:fontRef>
+        </p:style>
+      </p:cxnSp>
+      <p:sp>
+        <p:nvSpPr>
+          <p:cNvPr id="6" name="TextBox 5">
+            <a:extLst>
+              <a:ext uri="{FF2B5EF4-FFF2-40B4-BE49-F238E27FC236}">
+                <a16:creationId xmlns:a16="http://schemas.microsoft.com/office/drawing/2014/main" id="{4E0C53D4-3C43-7B28-EFE1-1C74988C07BB}"/>
+              </a:ext>
+            </a:extLst>
+          </p:cNvPr>
+          <p:cNvSpPr txBox="1"/>
+          <p:nvPr/>
+        </p:nvSpPr>
+        <p:spPr>
+          <a:xfrm>
+            <a:off x="1217648" y="2252141"/>
+            <a:ext cx="1151080" cy="338554"/>
+          </a:xfrm>
+          <a:prstGeom prst="rect">
+            <a:avLst/>
+          </a:prstGeom>
+          <a:noFill/>
+        </p:spPr>
+        <p:txBody>
+          <a:bodyPr wrap="square" rtlCol="0">
+            <a:spAutoFit/>
           </a:bodyPr>
           <a:lstStyle/>
           <a:p>
-            <a:pPr marL="285750" indent="-285750">
-              <a:buFont typeface="Arial" panose="020B0604020202020204" pitchFamily="34" charset="0"/>
-              <a:buChar char="•"/>
-            </a:pPr>
-            <a:r>
-              <a:rPr lang="en-US" dirty="0"/>
-              <a:t>Bayes vs Naïve Bayes Classification</a:t>
-            </a:r>
-          </a:p>
-          <a:p>
-            <a:pPr lvl="1"/>
-            <a:r>
-              <a:rPr lang="en-US" dirty="0"/>
-              <a:t>	- Special case of Bayes</a:t>
-            </a:r>
-          </a:p>
-          <a:p>
-            <a:pPr lvl="1"/>
-            <a:r>
-              <a:rPr lang="en-US" b="0" dirty="0"/>
-              <a:t>	- Naive Bayes assumes is that each feature makes an </a:t>
-            </a:r>
-            <a:r>
-              <a:rPr lang="en-US" b="1" dirty="0"/>
-              <a:t>independent</a:t>
-            </a:r>
-            <a:r>
-              <a:rPr lang="en-US" b="0" dirty="0"/>
-              <a:t> and 	  </a:t>
-            </a:r>
-            <a:r>
-              <a:rPr lang="en-US" dirty="0"/>
-              <a:t>equal</a:t>
-            </a:r>
-            <a:r>
-              <a:rPr lang="en-US" b="0" dirty="0"/>
-              <a:t> contribution to the outcome</a:t>
-            </a:r>
-          </a:p>
-          <a:p>
-            <a:br>
-              <a:rPr lang="en-US" sz="1600" dirty="0"/>
-            </a:br>
-            <a:endParaRPr lang="en-US" sz="1600" b="0" dirty="0"/>
-          </a:p>
-          <a:p>
-            <a:pPr lvl="2" indent="0">
-              <a:buNone/>
-            </a:pPr>
+            <a:r>
+              <a:rPr lang="en-US" sz="1600" dirty="0">
+                <a:solidFill>
+                  <a:srgbClr val="00B0F0"/>
+                </a:solidFill>
+              </a:rPr>
+              <a:t>Class set</a:t>
+            </a:r>
+          </a:p>
+        </p:txBody>
+      </p:sp>
+      <p:sp>
+        <p:nvSpPr>
+          <p:cNvPr id="7" name="TextBox 6">
+            <a:extLst>
+              <a:ext uri="{FF2B5EF4-FFF2-40B4-BE49-F238E27FC236}">
+                <a16:creationId xmlns:a16="http://schemas.microsoft.com/office/drawing/2014/main" id="{0DB4A070-A8ED-24A2-B773-296C8F63E026}"/>
+              </a:ext>
+            </a:extLst>
+          </p:cNvPr>
+          <p:cNvSpPr txBox="1"/>
+          <p:nvPr/>
+        </p:nvSpPr>
+        <p:spPr>
+          <a:xfrm>
+            <a:off x="6014227" y="2279757"/>
+            <a:ext cx="1811215" cy="338554"/>
+          </a:xfrm>
+          <a:prstGeom prst="rect">
+            <a:avLst/>
+          </a:prstGeom>
+          <a:noFill/>
+        </p:spPr>
+        <p:txBody>
+          <a:bodyPr wrap="square" rtlCol="0">
+            <a:spAutoFit/>
+          </a:bodyPr>
+          <a:lstStyle/>
+          <a:p>
+            <a:r>
+              <a:rPr lang="en-US" sz="1600" dirty="0">
+                <a:solidFill>
+                  <a:srgbClr val="00B0F0"/>
+                </a:solidFill>
+              </a:rPr>
+              <a:t>Predictor values</a:t>
+            </a:r>
+          </a:p>
+        </p:txBody>
+      </p:sp>
+      <p:sp>
+        <p:nvSpPr>
+          <p:cNvPr id="11" name="TextBox 10">
+            <a:extLst>
+              <a:ext uri="{FF2B5EF4-FFF2-40B4-BE49-F238E27FC236}">
+                <a16:creationId xmlns:a16="http://schemas.microsoft.com/office/drawing/2014/main" id="{87B81311-0472-3A23-A011-D56BA4C29793}"/>
+              </a:ext>
+            </a:extLst>
+          </p:cNvPr>
+          <p:cNvSpPr txBox="1"/>
+          <p:nvPr/>
+        </p:nvSpPr>
+        <p:spPr>
+          <a:xfrm>
+            <a:off x="787400" y="1346200"/>
+            <a:ext cx="184731" cy="369332"/>
+          </a:xfrm>
+          <a:prstGeom prst="rect">
+            <a:avLst/>
+          </a:prstGeom>
+          <a:noFill/>
+        </p:spPr>
+        <p:txBody>
+          <a:bodyPr wrap="none" rtlCol="0">
+            <a:spAutoFit/>
+          </a:bodyPr>
+          <a:lstStyle/>
+          <a:p>
+            <a:endParaRPr lang="en-US" dirty="0"/>
+          </a:p>
+        </p:txBody>
+      </p:sp>
+      <p:sp>
+        <p:nvSpPr>
+          <p:cNvPr id="13" name="TextBox 12">
+            <a:extLst>
+              <a:ext uri="{FF2B5EF4-FFF2-40B4-BE49-F238E27FC236}">
+                <a16:creationId xmlns:a16="http://schemas.microsoft.com/office/drawing/2014/main" id="{02698990-17CD-C3B4-3F91-73B2EAA2F192}"/>
+              </a:ext>
+            </a:extLst>
+          </p:cNvPr>
+          <p:cNvSpPr txBox="1"/>
+          <p:nvPr/>
+        </p:nvSpPr>
+        <p:spPr>
+          <a:xfrm>
+            <a:off x="457200" y="1511300"/>
+            <a:ext cx="184731" cy="369332"/>
+          </a:xfrm>
+          <a:prstGeom prst="rect">
+            <a:avLst/>
+          </a:prstGeom>
+          <a:noFill/>
+        </p:spPr>
+        <p:txBody>
+          <a:bodyPr wrap="none" rtlCol="0">
+            <a:spAutoFit/>
+          </a:bodyPr>
+          <a:lstStyle/>
+          <a:p>
             <a:endParaRPr lang="en-US" dirty="0"/>
           </a:p>
         </p:txBody>
@@ -7789,42 +10858,163 @@
           </a:p>
         </p:txBody>
       </p:sp>
-      <p:pic>
-        <p:nvPicPr>
-          <p:cNvPr id="4" name="Content Placeholder 3">
+      <p:sp>
+        <p:nvSpPr>
+          <p:cNvPr id="3" name="Content Placeholder 2">
             <a:extLst>
               <a:ext uri="{FF2B5EF4-FFF2-40B4-BE49-F238E27FC236}">
-                <a16:creationId xmlns:a16="http://schemas.microsoft.com/office/drawing/2014/main" id="{18D4F725-0CAE-12BA-63CA-447BB031086E}"/>
+                <a16:creationId xmlns:a16="http://schemas.microsoft.com/office/drawing/2014/main" id="{D10F0C80-DC6D-9D1C-F85E-F57BCE032DAE}"/>
               </a:ext>
             </a:extLst>
           </p:cNvPr>
-          <p:cNvPicPr>
-            <a:picLocks noGrp="1" noChangeAspect="1"/>
-          </p:cNvPicPr>
+          <p:cNvSpPr>
+            <a:spLocks noGrp="1"/>
+          </p:cNvSpPr>
           <p:nvPr>
             <p:ph idx="1"/>
           </p:nvPr>
-        </p:nvPicPr>
-        <p:blipFill>
-          <a:blip r:embed="rId2"/>
-          <a:stretch>
-            <a:fillRect/>
-          </a:stretch>
-        </p:blipFill>
+        </p:nvSpPr>
         <p:spPr>
           <a:xfrm>
-            <a:off x="4776892" y="2781196"/>
-            <a:ext cx="4943405" cy="3425825"/>
+            <a:off x="1230794" y="2391770"/>
+            <a:ext cx="10240147" cy="4301638"/>
+          </a:xfrm>
+        </p:spPr>
+        <p:txBody>
+          <a:bodyPr anchor="t">
+            <a:normAutofit/>
+          </a:bodyPr>
+          <a:lstStyle/>
+          <a:p>
+            <a:endParaRPr lang="en-US" sz="1900" dirty="0"/>
+          </a:p>
+          <a:p>
+            <a:pPr marL="285750" indent="-285750">
+              <a:buFont typeface="Arial" panose="020B0604020202020204" pitchFamily="34" charset="0"/>
+              <a:buChar char="•"/>
+            </a:pPr>
+            <a:r>
+              <a:rPr lang="en-US" sz="2300" dirty="0"/>
+              <a:t>Naïve Bayes</a:t>
+            </a:r>
+          </a:p>
+          <a:p>
+            <a:pPr lvl="1"/>
+            <a:r>
+              <a:rPr lang="en-US" sz="1900" dirty="0"/>
+              <a:t>	</a:t>
+            </a:r>
+            <a:r>
+              <a:rPr lang="en-US" sz="2100" dirty="0"/>
+              <a:t>- Special case of Bayes</a:t>
+            </a:r>
+          </a:p>
+          <a:p>
+            <a:pPr lvl="1"/>
+            <a:r>
+              <a:rPr lang="en-US" sz="2100" b="0" dirty="0"/>
+              <a:t>	- Naive Bayes assumes is that each feature is </a:t>
+            </a:r>
+            <a:r>
+              <a:rPr lang="en-US" sz="2100" b="0"/>
+              <a:t>independent 	  from </a:t>
+            </a:r>
+            <a:r>
+              <a:rPr lang="en-US" sz="2100" b="0" dirty="0"/>
+              <a:t>every </a:t>
+            </a:r>
+            <a:r>
+              <a:rPr lang="en-US" sz="2100" b="0"/>
+              <a:t>other feature</a:t>
+            </a:r>
+            <a:endParaRPr lang="en-US" sz="2100" b="0" dirty="0"/>
+          </a:p>
+          <a:p>
+            <a:pPr lvl="1"/>
+            <a:endParaRPr lang="en-US" b="0" dirty="0"/>
+          </a:p>
+          <a:p>
+            <a:br>
+              <a:rPr lang="en-US" sz="1600" dirty="0"/>
+            </a:br>
+            <a:endParaRPr lang="en-US" sz="1600" b="0" dirty="0"/>
+          </a:p>
+          <a:p>
+            <a:pPr lvl="2" indent="0">
+              <a:buNone/>
+            </a:pPr>
+            <a:endParaRPr lang="en-US" dirty="0"/>
+          </a:p>
+        </p:txBody>
+      </p:sp>
+      <p:sp>
+        <p:nvSpPr>
+          <p:cNvPr id="11" name="TextBox 10">
+            <a:extLst>
+              <a:ext uri="{FF2B5EF4-FFF2-40B4-BE49-F238E27FC236}">
+                <a16:creationId xmlns:a16="http://schemas.microsoft.com/office/drawing/2014/main" id="{87B81311-0472-3A23-A011-D56BA4C29793}"/>
+              </a:ext>
+            </a:extLst>
+          </p:cNvPr>
+          <p:cNvSpPr txBox="1"/>
+          <p:nvPr/>
+        </p:nvSpPr>
+        <p:spPr>
+          <a:xfrm>
+            <a:off x="787400" y="1346200"/>
+            <a:ext cx="184731" cy="369332"/>
           </a:xfrm>
           <a:prstGeom prst="rect">
             <a:avLst/>
           </a:prstGeom>
-        </p:spPr>
-      </p:pic>
+          <a:noFill/>
+        </p:spPr>
+        <p:txBody>
+          <a:bodyPr wrap="none" rtlCol="0">
+            <a:spAutoFit/>
+          </a:bodyPr>
+          <a:lstStyle/>
+          <a:p>
+            <a:endParaRPr lang="en-US" dirty="0"/>
+          </a:p>
+        </p:txBody>
+      </p:sp>
+      <p:sp>
+        <p:nvSpPr>
+          <p:cNvPr id="13" name="TextBox 12">
+            <a:extLst>
+              <a:ext uri="{FF2B5EF4-FFF2-40B4-BE49-F238E27FC236}">
+                <a16:creationId xmlns:a16="http://schemas.microsoft.com/office/drawing/2014/main" id="{02698990-17CD-C3B4-3F91-73B2EAA2F192}"/>
+              </a:ext>
+            </a:extLst>
+          </p:cNvPr>
+          <p:cNvSpPr txBox="1"/>
+          <p:nvPr/>
+        </p:nvSpPr>
+        <p:spPr>
+          <a:xfrm>
+            <a:off x="457200" y="1511300"/>
+            <a:ext cx="184731" cy="369332"/>
+          </a:xfrm>
+          <a:prstGeom prst="rect">
+            <a:avLst/>
+          </a:prstGeom>
+          <a:noFill/>
+        </p:spPr>
+        <p:txBody>
+          <a:bodyPr wrap="none" rtlCol="0">
+            <a:spAutoFit/>
+          </a:bodyPr>
+          <a:lstStyle/>
+          <a:p>
+            <a:endParaRPr lang="en-US" dirty="0"/>
+          </a:p>
+        </p:txBody>
+      </p:sp>
     </p:spTree>
     <p:extLst>
       <p:ext uri="{BB962C8B-B14F-4D97-AF65-F5344CB8AC3E}">
-        <p14:creationId xmlns:p14="http://schemas.microsoft.com/office/powerpoint/2010/main" val="3709808464"/>
+        <p14:creationId xmlns:p14="http://schemas.microsoft.com/office/powerpoint/2010/main" val="2121587273"/>
       </p:ext>
     </p:extLst>
   </p:cSld>
@@ -7861,7 +11051,7 @@
       </p:grpSpPr>
       <p:sp useBgFill="1">
         <p:nvSpPr>
-          <p:cNvPr id="26" name="Rectangle 7">
+          <p:cNvPr id="8" name="Rectangle 7">
             <a:extLst>
               <a:ext uri="{FF2B5EF4-FFF2-40B4-BE49-F238E27FC236}">
                 <a16:creationId xmlns:a16="http://schemas.microsoft.com/office/drawing/2014/main" id="{72526924-84D3-45FB-A5FE-62D8FCBF53B6}"/>
@@ -7921,7 +11111,7 @@
       </p:sp>
       <p:sp>
         <p:nvSpPr>
-          <p:cNvPr id="27" name="Rectangle 9">
+          <p:cNvPr id="10" name="Rectangle 9">
             <a:extLst>
               <a:ext uri="{FF2B5EF4-FFF2-40B4-BE49-F238E27FC236}">
                 <a16:creationId xmlns:a16="http://schemas.microsoft.com/office/drawing/2014/main" id="{5C2A6256-1DD0-4E4B-A8B3-9A711B4DBE0C}"/>
@@ -7986,7 +11176,7 @@
       </p:sp>
       <p:sp>
         <p:nvSpPr>
-          <p:cNvPr id="28" name="Rectangle 11">
+          <p:cNvPr id="12" name="Rectangle 11">
             <a:extLst>
               <a:ext uri="{FF2B5EF4-FFF2-40B4-BE49-F238E27FC236}">
                 <a16:creationId xmlns:a16="http://schemas.microsoft.com/office/drawing/2014/main" id="{41760540-185E-4652-BFD2-9B362EF3BC99}"/>
@@ -8081,14 +11271,14 @@
                   <a:schemeClr val="bg1"/>
                 </a:solidFill>
               </a:rPr>
-              <a:t>APPLICABILITY TO INFO 523</a:t>
-            </a:r>
-          </a:p>
-        </p:txBody>
-      </p:sp>
-      <p:sp>
-        <p:nvSpPr>
-          <p:cNvPr id="29" name="Rectangle 13">
+              <a:t>BACKGROUND</a:t>
+            </a:r>
+          </a:p>
+        </p:txBody>
+      </p:sp>
+      <p:sp>
+        <p:nvSpPr>
+          <p:cNvPr id="14" name="Rectangle 13">
             <a:extLst>
               <a:ext uri="{FF2B5EF4-FFF2-40B4-BE49-F238E27FC236}">
                 <a16:creationId xmlns:a16="http://schemas.microsoft.com/office/drawing/2014/main" id="{729789F4-85C1-41A0-83EB-992E22210CB9}"/>
@@ -8151,7 +11341,7 @@
       </p:sp>
       <p:sp>
         <p:nvSpPr>
-          <p:cNvPr id="30" name="Rectangle 15">
+          <p:cNvPr id="16" name="Rectangle 15">
             <a:extLst>
               <a:ext uri="{FF2B5EF4-FFF2-40B4-BE49-F238E27FC236}">
                 <a16:creationId xmlns:a16="http://schemas.microsoft.com/office/drawing/2014/main" id="{9D9D367D-6DD2-4A7C-8918-0DCAC297559A}"/>
@@ -8230,8 +11420,8 @@
         </p:nvSpPr>
         <p:spPr>
           <a:xfrm>
-            <a:off x="1535371" y="2702257"/>
-            <a:ext cx="9935571" cy="3426158"/>
+            <a:off x="1230794" y="2391770"/>
+            <a:ext cx="10240147" cy="4301638"/>
           </a:xfrm>
         </p:spPr>
         <p:txBody>
@@ -8240,37 +11430,83 @@
           </a:bodyPr>
           <a:lstStyle/>
           <a:p>
-            <a:pPr marL="285750" indent="-285750">
-              <a:buFont typeface="Arial" panose="020B0604020202020204" pitchFamily="34" charset="0"/>
-              <a:buChar char="•"/>
+            <a:pPr lvl="1"/>
+            <a:endParaRPr lang="en-US" b="0" dirty="0"/>
+          </a:p>
+          <a:p>
+            <a:br>
+              <a:rPr lang="en-US" sz="1600" dirty="0"/>
+            </a:br>
+            <a:endParaRPr lang="en-US" sz="1600" b="0" dirty="0"/>
+          </a:p>
+          <a:p>
+            <a:pPr lvl="2" indent="0">
+              <a:buNone/>
             </a:pPr>
-            <a:r>
-              <a:rPr lang="en-US" dirty="0"/>
-              <a:t>A classification algorithm</a:t>
-            </a:r>
-          </a:p>
-          <a:p>
-            <a:pPr lvl="1"/>
-            <a:r>
-              <a:rPr lang="en-US" dirty="0"/>
-              <a:t>	- Supervised learning</a:t>
-            </a:r>
-          </a:p>
-          <a:p>
-            <a:pPr marL="285750" indent="-285750">
-              <a:buFont typeface="Arial" panose="020B0604020202020204" pitchFamily="34" charset="0"/>
-              <a:buChar char="•"/>
-            </a:pPr>
-            <a:r>
-              <a:rPr lang="en-US" dirty="0"/>
-              <a:t>A viable option to discover useful patterns and information</a:t>
-            </a:r>
-          </a:p>
-          <a:p>
-            <a:pPr marL="285750" indent="-285750">
-              <a:buFont typeface="Arial" panose="020B0604020202020204" pitchFamily="34" charset="0"/>
-              <a:buChar char="•"/>
-            </a:pPr>
+            <a:endParaRPr lang="en-US" dirty="0"/>
+          </a:p>
+        </p:txBody>
+      </p:sp>
+      <p:sp>
+        <p:nvSpPr>
+          <p:cNvPr id="11" name="TextBox 10">
+            <a:extLst>
+              <a:ext uri="{FF2B5EF4-FFF2-40B4-BE49-F238E27FC236}">
+                <a16:creationId xmlns:a16="http://schemas.microsoft.com/office/drawing/2014/main" id="{87B81311-0472-3A23-A011-D56BA4C29793}"/>
+              </a:ext>
+            </a:extLst>
+          </p:cNvPr>
+          <p:cNvSpPr txBox="1"/>
+          <p:nvPr/>
+        </p:nvSpPr>
+        <p:spPr>
+          <a:xfrm>
+            <a:off x="787400" y="1346200"/>
+            <a:ext cx="184731" cy="369332"/>
+          </a:xfrm>
+          <a:prstGeom prst="rect">
+            <a:avLst/>
+          </a:prstGeom>
+          <a:noFill/>
+        </p:spPr>
+        <p:txBody>
+          <a:bodyPr wrap="none" rtlCol="0">
+            <a:spAutoFit/>
+          </a:bodyPr>
+          <a:lstStyle/>
+          <a:p>
+            <a:endParaRPr lang="en-US" dirty="0"/>
+          </a:p>
+        </p:txBody>
+      </p:sp>
+      <p:sp>
+        <p:nvSpPr>
+          <p:cNvPr id="13" name="TextBox 12">
+            <a:extLst>
+              <a:ext uri="{FF2B5EF4-FFF2-40B4-BE49-F238E27FC236}">
+                <a16:creationId xmlns:a16="http://schemas.microsoft.com/office/drawing/2014/main" id="{02698990-17CD-C3B4-3F91-73B2EAA2F192}"/>
+              </a:ext>
+            </a:extLst>
+          </p:cNvPr>
+          <p:cNvSpPr txBox="1"/>
+          <p:nvPr/>
+        </p:nvSpPr>
+        <p:spPr>
+          <a:xfrm>
+            <a:off x="457200" y="1511300"/>
+            <a:ext cx="184731" cy="369332"/>
+          </a:xfrm>
+          <a:prstGeom prst="rect">
+            <a:avLst/>
+          </a:prstGeom>
+          <a:noFill/>
+        </p:spPr>
+        <p:txBody>
+          <a:bodyPr wrap="none" rtlCol="0">
+            <a:spAutoFit/>
+          </a:bodyPr>
+          <a:lstStyle/>
+          <a:p>
             <a:endParaRPr lang="en-US" dirty="0"/>
           </a:p>
         </p:txBody>
@@ -8278,7 +11514,7 @@
     </p:spTree>
     <p:extLst>
       <p:ext uri="{BB962C8B-B14F-4D97-AF65-F5344CB8AC3E}">
-        <p14:creationId xmlns:p14="http://schemas.microsoft.com/office/powerpoint/2010/main" val="2914852323"/>
+        <p14:creationId xmlns:p14="http://schemas.microsoft.com/office/powerpoint/2010/main" val="3899278346"/>
       </p:ext>
     </p:extLst>
   </p:cSld>
@@ -8315,7 +11551,7 @@
       </p:grpSpPr>
       <p:sp useBgFill="1">
         <p:nvSpPr>
-          <p:cNvPr id="8" name="Rectangle 7">
+          <p:cNvPr id="26" name="Rectangle 7">
             <a:extLst>
               <a:ext uri="{FF2B5EF4-FFF2-40B4-BE49-F238E27FC236}">
                 <a16:creationId xmlns:a16="http://schemas.microsoft.com/office/drawing/2014/main" id="{72526924-84D3-45FB-A5FE-62D8FCBF53B6}"/>
@@ -8375,7 +11611,7 @@
       </p:sp>
       <p:sp>
         <p:nvSpPr>
-          <p:cNvPr id="10" name="Rectangle 9">
+          <p:cNvPr id="27" name="Rectangle 9">
             <a:extLst>
               <a:ext uri="{FF2B5EF4-FFF2-40B4-BE49-F238E27FC236}">
                 <a16:creationId xmlns:a16="http://schemas.microsoft.com/office/drawing/2014/main" id="{5C2A6256-1DD0-4E4B-A8B3-9A711B4DBE0C}"/>
@@ -8440,7 +11676,7 @@
       </p:sp>
       <p:sp>
         <p:nvSpPr>
-          <p:cNvPr id="12" name="Rectangle 11">
+          <p:cNvPr id="28" name="Rectangle 11">
             <a:extLst>
               <a:ext uri="{FF2B5EF4-FFF2-40B4-BE49-F238E27FC236}">
                 <a16:creationId xmlns:a16="http://schemas.microsoft.com/office/drawing/2014/main" id="{41760540-185E-4652-BFD2-9B362EF3BC99}"/>
@@ -8535,14 +11771,14 @@
                   <a:schemeClr val="bg1"/>
                 </a:solidFill>
               </a:rPr>
-              <a:t>APPLICATIONS</a:t>
-            </a:r>
-          </a:p>
-        </p:txBody>
-      </p:sp>
-      <p:sp>
-        <p:nvSpPr>
-          <p:cNvPr id="14" name="Rectangle 13">
+              <a:t>APPLICABILITY TO INFO 523</a:t>
+            </a:r>
+          </a:p>
+        </p:txBody>
+      </p:sp>
+      <p:sp>
+        <p:nvSpPr>
+          <p:cNvPr id="29" name="Rectangle 13">
             <a:extLst>
               <a:ext uri="{FF2B5EF4-FFF2-40B4-BE49-F238E27FC236}">
                 <a16:creationId xmlns:a16="http://schemas.microsoft.com/office/drawing/2014/main" id="{729789F4-85C1-41A0-83EB-992E22210CB9}"/>
@@ -8605,7 +11841,7 @@
       </p:sp>
       <p:sp>
         <p:nvSpPr>
-          <p:cNvPr id="16" name="Rectangle 15">
+          <p:cNvPr id="30" name="Rectangle 15">
             <a:extLst>
               <a:ext uri="{FF2B5EF4-FFF2-40B4-BE49-F238E27FC236}">
                 <a16:creationId xmlns:a16="http://schemas.microsoft.com/office/drawing/2014/main" id="{9D9D367D-6DD2-4A7C-8918-0DCAC297559A}"/>
@@ -8684,8 +11920,8 @@
         </p:nvSpPr>
         <p:spPr>
           <a:xfrm>
-            <a:off x="1535371" y="2702257"/>
-            <a:ext cx="9935571" cy="3426158"/>
+            <a:off x="1223889" y="2391770"/>
+            <a:ext cx="10247054" cy="3736645"/>
           </a:xfrm>
         </p:spPr>
         <p:txBody>
@@ -8700,14 +11936,14 @@
             </a:pPr>
             <a:r>
               <a:rPr lang="en-US" dirty="0"/>
-              <a:t>Relatively simple and straightforward to deploy</a:t>
+              <a:t>A classification algorithm</a:t>
             </a:r>
           </a:p>
           <a:p>
             <a:pPr lvl="1"/>
             <a:r>
               <a:rPr lang="en-US" dirty="0"/>
-              <a:t>	- Able to handle large datasets </a:t>
+              <a:t>	- Supervised learning</a:t>
             </a:r>
           </a:p>
           <a:p>
@@ -8717,41 +11953,22 @@
             </a:pPr>
             <a:r>
               <a:rPr lang="en-US" dirty="0"/>
-              <a:t>Successfully deployed in: </a:t>
-            </a:r>
-          </a:p>
-          <a:p>
-            <a:r>
-              <a:rPr lang="en-US" sz="1600" b="0" dirty="0"/>
-              <a:t>	- Email filtering</a:t>
-            </a:r>
-          </a:p>
-          <a:p>
-            <a:r>
-              <a:rPr lang="en-US" sz="1600" b="0" dirty="0"/>
-              <a:t>	- Spam detection</a:t>
-            </a:r>
-          </a:p>
-          <a:p>
-            <a:r>
-              <a:rPr lang="en-US" sz="1600" b="0" dirty="0"/>
-              <a:t>	- Document</a:t>
-            </a:r>
-            <a:r>
-              <a:rPr lang="en-US" sz="1600" b="0"/>
-              <a:t>/text </a:t>
-            </a:r>
-            <a:r>
-              <a:rPr lang="en-US" sz="1600" b="0" dirty="0"/>
-              <a:t>categorization</a:t>
-            </a:r>
+              <a:t>A viable option to discover useful patterns and information</a:t>
+            </a:r>
+          </a:p>
+          <a:p>
+            <a:pPr marL="285750" indent="-285750">
+              <a:buFont typeface="Arial" panose="020B0604020202020204" pitchFamily="34" charset="0"/>
+              <a:buChar char="•"/>
+            </a:pPr>
+            <a:endParaRPr lang="en-US" dirty="0"/>
           </a:p>
         </p:txBody>
       </p:sp>
     </p:spTree>
     <p:extLst>
       <p:ext uri="{BB962C8B-B14F-4D97-AF65-F5344CB8AC3E}">
-        <p14:creationId xmlns:p14="http://schemas.microsoft.com/office/powerpoint/2010/main" val="3222002028"/>
+        <p14:creationId xmlns:p14="http://schemas.microsoft.com/office/powerpoint/2010/main" val="2914852323"/>
       </p:ext>
     </p:extLst>
   </p:cSld>
@@ -9008,7 +12225,7 @@
                   <a:schemeClr val="bg1"/>
                 </a:solidFill>
               </a:rPr>
-              <a:t>WORKED EXAMPLE</a:t>
+              <a:t>APPLICATIONS</a:t>
             </a:r>
           </a:p>
         </p:txBody>
@@ -9157,8 +12374,8 @@
         </p:nvSpPr>
         <p:spPr>
           <a:xfrm>
-            <a:off x="1535371" y="2702257"/>
-            <a:ext cx="9935571" cy="3426158"/>
+            <a:off x="1535371" y="2391770"/>
+            <a:ext cx="9935571" cy="4167526"/>
           </a:xfrm>
         </p:spPr>
         <p:txBody>
@@ -9167,9 +12384,48 @@
           </a:bodyPr>
           <a:lstStyle/>
           <a:p>
+            <a:pPr marL="285750" indent="-285750">
+              <a:buFont typeface="Arial" panose="020B0604020202020204" pitchFamily="34" charset="0"/>
+              <a:buChar char="•"/>
+            </a:pPr>
             <a:r>
               <a:rPr lang="en-US" dirty="0"/>
-              <a:t>See my GitHub repository for all applicable code </a:t>
+              <a:t>Relatively simple and straightforward to deploy</a:t>
+            </a:r>
+          </a:p>
+          <a:p>
+            <a:pPr lvl="1"/>
+            <a:r>
+              <a:rPr lang="en-US" dirty="0"/>
+              <a:t>	- Efficient with small and large datasets (linear time)</a:t>
+            </a:r>
+          </a:p>
+          <a:p>
+            <a:pPr marL="285750" indent="-285750">
+              <a:buFont typeface="Arial" panose="020B0604020202020204" pitchFamily="34" charset="0"/>
+              <a:buChar char="•"/>
+            </a:pPr>
+            <a:r>
+              <a:rPr lang="en-US" dirty="0"/>
+              <a:t>Successfully deployed in: </a:t>
+            </a:r>
+          </a:p>
+          <a:p>
+            <a:r>
+              <a:rPr lang="en-US" sz="1600" b="0" dirty="0"/>
+              <a:t>	- Email filtering</a:t>
+            </a:r>
+          </a:p>
+          <a:p>
+            <a:r>
+              <a:rPr lang="en-US" sz="1600" b="0" dirty="0"/>
+              <a:t>	- Spam detection</a:t>
+            </a:r>
+          </a:p>
+          <a:p>
+            <a:r>
+              <a:rPr lang="en-US" sz="1600" b="0" dirty="0"/>
+              <a:t>	- Document/text categorization</a:t>
             </a:r>
           </a:p>
         </p:txBody>
@@ -9177,7 +12433,7 @@
     </p:spTree>
     <p:extLst>
       <p:ext uri="{BB962C8B-B14F-4D97-AF65-F5344CB8AC3E}">
-        <p14:creationId xmlns:p14="http://schemas.microsoft.com/office/powerpoint/2010/main" val="748062254"/>
+        <p14:creationId xmlns:p14="http://schemas.microsoft.com/office/powerpoint/2010/main" val="3222002028"/>
       </p:ext>
     </p:extLst>
   </p:cSld>
@@ -9434,7 +12690,7 @@
                   <a:schemeClr val="bg1"/>
                 </a:solidFill>
               </a:rPr>
-              <a:t>CONCLUSION</a:t>
+              <a:t>WORKED EXAMPLE</a:t>
             </a:r>
           </a:p>
         </p:txBody>
@@ -9583,8 +12839,8 @@
         </p:nvSpPr>
         <p:spPr>
           <a:xfrm>
-            <a:off x="1535371" y="2702257"/>
-            <a:ext cx="9935571" cy="3426158"/>
+            <a:off x="1535371" y="2391770"/>
+            <a:ext cx="9935571" cy="3736645"/>
           </a:xfrm>
         </p:spPr>
         <p:txBody>
@@ -9594,14 +12850,40 @@
           <a:lstStyle/>
           <a:p>
             <a:r>
+              <a:rPr lang="en-US" b="0" dirty="0"/>
+              <a:t>See my </a:t>
+            </a:r>
+            <a:r>
+              <a:rPr lang="en-US" b="0" dirty="0">
+                <a:hlinkClick r:id="rId2"/>
+              </a:rPr>
+              <a:t>GitHub repository </a:t>
+            </a:r>
+            <a:r>
+              <a:rPr lang="en-US" b="0" dirty="0"/>
+              <a:t>for all applicable code </a:t>
+            </a:r>
+          </a:p>
+          <a:p>
+            <a:pPr marL="285750" indent="-285750">
+              <a:buFont typeface="Arial" panose="020B0604020202020204" pitchFamily="34" charset="0"/>
+              <a:buChar char="•"/>
+            </a:pPr>
+            <a:r>
               <a:rPr lang="en-US" dirty="0"/>
-              <a:t>Recommendations:</a:t>
-            </a:r>
-          </a:p>
-          <a:p>
-            <a:r>
-              <a:rPr lang="en-US" dirty="0"/>
-              <a:t>Future Work:</a:t>
+              <a:t>Classify income level based on age, education, etc.</a:t>
+            </a:r>
+          </a:p>
+          <a:p>
+            <a:r>
+              <a:rPr lang="en-US" sz="1600" b="0" dirty="0"/>
+              <a:t>	- Using Naïve Bayes  </a:t>
+            </a:r>
+          </a:p>
+          <a:p>
+            <a:r>
+              <a:rPr lang="en-US" sz="1600" b="0" dirty="0"/>
+              <a:t>	- Using the caret package </a:t>
             </a:r>
           </a:p>
         </p:txBody>
@@ -9609,7 +12891,7 @@
     </p:spTree>
     <p:extLst>
       <p:ext uri="{BB962C8B-B14F-4D97-AF65-F5344CB8AC3E}">
-        <p14:creationId xmlns:p14="http://schemas.microsoft.com/office/powerpoint/2010/main" val="2814205445"/>
+        <p14:creationId xmlns:p14="http://schemas.microsoft.com/office/powerpoint/2010/main" val="748062254"/>
       </p:ext>
     </p:extLst>
   </p:cSld>

--- a/Final Presentation .pptx
+++ b/Final Presentation .pptx
@@ -5,7 +5,7 @@
     <p:sldMasterId id="2147483673" r:id="rId1"/>
   </p:sldMasterIdLst>
   <p:notesMasterIdLst>
-    <p:notesMasterId r:id="rId14"/>
+    <p:notesMasterId r:id="rId13"/>
   </p:notesMasterIdLst>
   <p:sldIdLst>
     <p:sldId id="256" r:id="rId2"/>
@@ -13,13 +13,12 @@
     <p:sldId id="258" r:id="rId4"/>
     <p:sldId id="266" r:id="rId5"/>
     <p:sldId id="269" r:id="rId6"/>
-    <p:sldId id="268" r:id="rId7"/>
-    <p:sldId id="259" r:id="rId8"/>
-    <p:sldId id="260" r:id="rId9"/>
-    <p:sldId id="261" r:id="rId10"/>
-    <p:sldId id="262" r:id="rId11"/>
-    <p:sldId id="265" r:id="rId12"/>
-    <p:sldId id="264" r:id="rId13"/>
+    <p:sldId id="259" r:id="rId7"/>
+    <p:sldId id="260" r:id="rId8"/>
+    <p:sldId id="261" r:id="rId9"/>
+    <p:sldId id="262" r:id="rId10"/>
+    <p:sldId id="265" r:id="rId11"/>
+    <p:sldId id="264" r:id="rId12"/>
   </p:sldIdLst>
   <p:sldSz cx="12192000" cy="6858000"/>
   <p:notesSz cx="6858000" cy="9144000"/>
@@ -886,174 +885,6 @@
     <p:extLst>
       <p:ext uri="{BB962C8B-B14F-4D97-AF65-F5344CB8AC3E}">
         <p14:creationId xmlns:p14="http://schemas.microsoft.com/office/powerpoint/2010/main" val="894321723"/>
-      </p:ext>
-    </p:extLst>
-  </p:cSld>
-  <p:clrMapOvr>
-    <a:masterClrMapping/>
-  </p:clrMapOvr>
-</p:notes>
-</file>
-
-<file path=ppt/notesSlides/notesSlide4.xml><?xml version="1.0" encoding="utf-8"?>
-<p:notes xmlns:a="http://schemas.openxmlformats.org/drawingml/2006/main" xmlns:r="http://schemas.openxmlformats.org/officeDocument/2006/relationships" xmlns:p="http://schemas.openxmlformats.org/presentationml/2006/main">
-  <p:cSld>
-    <p:spTree>
-      <p:nvGrpSpPr>
-        <p:cNvPr id="1" name=""/>
-        <p:cNvGrpSpPr/>
-        <p:nvPr/>
-      </p:nvGrpSpPr>
-      <p:grpSpPr>
-        <a:xfrm>
-          <a:off x="0" y="0"/>
-          <a:ext cx="0" cy="0"/>
-          <a:chOff x="0" y="0"/>
-          <a:chExt cx="0" cy="0"/>
-        </a:xfrm>
-      </p:grpSpPr>
-      <p:sp>
-        <p:nvSpPr>
-          <p:cNvPr id="2" name="Slide Image Placeholder 1"/>
-          <p:cNvSpPr>
-            <a:spLocks noGrp="1" noRot="1" noChangeAspect="1"/>
-          </p:cNvSpPr>
-          <p:nvPr>
-            <p:ph type="sldImg"/>
-          </p:nvPr>
-        </p:nvSpPr>
-        <p:spPr/>
-      </p:sp>
-      <p:sp>
-        <p:nvSpPr>
-          <p:cNvPr id="3" name="Notes Placeholder 2"/>
-          <p:cNvSpPr>
-            <a:spLocks noGrp="1"/>
-          </p:cNvSpPr>
-          <p:nvPr>
-            <p:ph type="body" idx="1"/>
-          </p:nvPr>
-        </p:nvSpPr>
-        <p:spPr/>
-        <p:txBody>
-          <a:bodyPr/>
-          <a:lstStyle/>
-          <a:p>
-            <a:r>
-              <a:rPr lang="en-US" sz="1200" b="0" i="0" u="none" strike="noStrike" kern="1200" dirty="0">
-                <a:solidFill>
-                  <a:schemeClr val="tx1"/>
-                </a:solidFill>
-                <a:effectLst/>
-                <a:latin typeface="+mn-lt"/>
-                <a:ea typeface="+mn-ea"/>
-                <a:cs typeface="+mn-cs"/>
-              </a:rPr>
-              <a:t>The above equation was for a single predictor variable, however, in real-world applications, there are more than one predictor variables and for a classification problem, there is more than one output class. The bayes equation becomes complex as the number of predictor variables grow. In fact, to compute the posterior probability for a response variable with </a:t>
-            </a:r>
-            <a:r>
-              <a:rPr lang="en-US" sz="1200" b="0" i="1" u="none" strike="noStrike" kern="1200" dirty="0">
-                <a:solidFill>
-                  <a:schemeClr val="tx1"/>
-                </a:solidFill>
-                <a:effectLst/>
-                <a:latin typeface="+mn-lt"/>
-                <a:ea typeface="+mn-ea"/>
-                <a:cs typeface="+mn-cs"/>
-              </a:rPr>
-              <a:t>m</a:t>
-            </a:r>
-            <a:r>
-              <a:rPr lang="en-US" sz="1200" b="0" i="0" u="none" strike="noStrike" kern="1200" dirty="0">
-                <a:solidFill>
-                  <a:schemeClr val="tx1"/>
-                </a:solidFill>
-                <a:effectLst/>
-                <a:latin typeface="+mn-lt"/>
-                <a:ea typeface="+mn-ea"/>
-                <a:cs typeface="+mn-cs"/>
-              </a:rPr>
-              <a:t> classes and a data set with </a:t>
-            </a:r>
-            <a:r>
-              <a:rPr lang="en-US" sz="1200" b="0" i="1" u="none" strike="noStrike" kern="1200" dirty="0">
-                <a:solidFill>
-                  <a:schemeClr val="tx1"/>
-                </a:solidFill>
-                <a:effectLst/>
-                <a:latin typeface="+mn-lt"/>
-                <a:ea typeface="+mn-ea"/>
-                <a:cs typeface="+mn-cs"/>
-              </a:rPr>
-              <a:t>p </a:t>
-            </a:r>
-            <a:r>
-              <a:rPr lang="en-US" sz="1200" b="0" i="0" u="none" strike="noStrike" kern="1200" dirty="0">
-                <a:solidFill>
-                  <a:schemeClr val="tx1"/>
-                </a:solidFill>
-                <a:effectLst/>
-                <a:latin typeface="+mn-lt"/>
-                <a:ea typeface="+mn-ea"/>
-                <a:cs typeface="+mn-cs"/>
-              </a:rPr>
-              <a:t>predictors would require </a:t>
-            </a:r>
-            <a:r>
-              <a:rPr lang="en-US" sz="1200" b="0" i="0" u="none" strike="noStrike" kern="1200" dirty="0" err="1">
-                <a:solidFill>
-                  <a:schemeClr val="tx1"/>
-                </a:solidFill>
-                <a:effectLst/>
-                <a:latin typeface="+mn-lt"/>
-                <a:ea typeface="+mn-ea"/>
-                <a:cs typeface="+mn-cs"/>
-              </a:rPr>
-              <a:t>m^p</a:t>
-            </a:r>
-            <a:r>
-              <a:rPr lang="en-US" sz="1200" b="0" i="0" u="none" strike="noStrike" kern="1200" dirty="0">
-                <a:solidFill>
-                  <a:schemeClr val="tx1"/>
-                </a:solidFill>
-                <a:effectLst/>
-                <a:latin typeface="+mn-lt"/>
-                <a:ea typeface="+mn-ea"/>
-                <a:cs typeface="+mn-cs"/>
-              </a:rPr>
-              <a:t> probabilities computed.</a:t>
-            </a:r>
-            <a:endParaRPr lang="en-US" dirty="0"/>
-          </a:p>
-        </p:txBody>
-      </p:sp>
-      <p:sp>
-        <p:nvSpPr>
-          <p:cNvPr id="4" name="Slide Number Placeholder 3"/>
-          <p:cNvSpPr>
-            <a:spLocks noGrp="1"/>
-          </p:cNvSpPr>
-          <p:nvPr>
-            <p:ph type="sldNum" sz="quarter" idx="5"/>
-          </p:nvPr>
-        </p:nvSpPr>
-        <p:spPr/>
-        <p:txBody>
-          <a:bodyPr/>
-          <a:lstStyle/>
-          <a:p>
-            <a:fld id="{916A521A-6802-E54D-BCA4-2F65B16AC132}" type="slidenum">
-              <a:rPr lang="en-US" smtClean="0"/>
-              <a:t>6</a:t>
-            </a:fld>
-            <a:endParaRPr lang="en-US"/>
-          </a:p>
-        </p:txBody>
-      </p:sp>
-    </p:spTree>
-    <p:extLst>
-      <p:ext uri="{BB962C8B-B14F-4D97-AF65-F5344CB8AC3E}">
-        <p14:creationId xmlns:p14="http://schemas.microsoft.com/office/powerpoint/2010/main" val="35646110"/>
       </p:ext>
     </p:extLst>
   </p:cSld>
@@ -5541,7 +5372,7 @@
                   <a:schemeClr val="bg1"/>
                 </a:solidFill>
               </a:rPr>
-              <a:t>CONCLUSION</a:t>
+              <a:t>REFERENCES</a:t>
             </a:r>
           </a:p>
         </p:txBody>
@@ -5691,7 +5522,7 @@
         <p:spPr>
           <a:xfrm>
             <a:off x="1535371" y="2391770"/>
-            <a:ext cx="9935571" cy="4374790"/>
+            <a:ext cx="9935571" cy="4228486"/>
           </a:xfrm>
         </p:spPr>
         <p:txBody>
@@ -5700,471 +5531,6 @@
           </a:bodyPr>
           <a:lstStyle/>
           <a:p>
-            <a:pPr marL="285750" indent="-285750">
-              <a:buFont typeface="Arial" panose="020B0604020202020204" pitchFamily="34" charset="0"/>
-              <a:buChar char="•"/>
-            </a:pPr>
-            <a:r>
-              <a:rPr lang="en-US" dirty="0"/>
-              <a:t>Recommendations:</a:t>
-            </a:r>
-          </a:p>
-          <a:p>
-            <a:pPr marL="285750" indent="-285750">
-              <a:buFont typeface="Arial" panose="020B0604020202020204" pitchFamily="34" charset="0"/>
-              <a:buChar char="•"/>
-            </a:pPr>
-            <a:r>
-              <a:rPr lang="en-US" dirty="0"/>
-              <a:t>Future Work:</a:t>
-            </a:r>
-          </a:p>
-          <a:p>
-            <a:r>
-              <a:rPr lang="en-US" sz="1600" b="0" dirty="0"/>
-              <a:t>	- Regular Bayes classification and comparing it to Naïve Bayes </a:t>
-            </a:r>
-          </a:p>
-          <a:p>
-            <a:r>
-              <a:rPr lang="en-US" sz="1600" b="0" dirty="0"/>
-              <a:t>	- Classification using Bayesian Networks </a:t>
-            </a:r>
-          </a:p>
-          <a:p>
-            <a:r>
-              <a:rPr lang="en-US" sz="1600" b="0" dirty="0"/>
-              <a:t>	- Different types of Naïve Bayes (Gaussian, Multinomial, Bernoulli, etc.)</a:t>
-            </a:r>
-          </a:p>
-          <a:p>
-            <a:pPr marL="285750" indent="-285750">
-              <a:buFont typeface="Arial" panose="020B0604020202020204" pitchFamily="34" charset="0"/>
-              <a:buChar char="•"/>
-            </a:pPr>
-            <a:endParaRPr lang="en-US" dirty="0"/>
-          </a:p>
-        </p:txBody>
-      </p:sp>
-    </p:spTree>
-    <p:extLst>
-      <p:ext uri="{BB962C8B-B14F-4D97-AF65-F5344CB8AC3E}">
-        <p14:creationId xmlns:p14="http://schemas.microsoft.com/office/powerpoint/2010/main" val="2814205445"/>
-      </p:ext>
-    </p:extLst>
-  </p:cSld>
-  <p:clrMapOvr>
-    <a:masterClrMapping/>
-  </p:clrMapOvr>
-</p:sld>
-</file>
-
-<file path=ppt/slides/slide11.xml><?xml version="1.0" encoding="utf-8"?>
-<p:sld xmlns:a="http://schemas.openxmlformats.org/drawingml/2006/main" xmlns:r="http://schemas.openxmlformats.org/officeDocument/2006/relationships" xmlns:p="http://schemas.openxmlformats.org/presentationml/2006/main">
-  <p:cSld>
-    <p:bg>
-      <p:bgPr>
-        <a:solidFill>
-          <a:schemeClr val="bg2"/>
-        </a:solidFill>
-        <a:effectLst/>
-      </p:bgPr>
-    </p:bg>
-    <p:spTree>
-      <p:nvGrpSpPr>
-        <p:cNvPr id="1" name=""/>
-        <p:cNvGrpSpPr/>
-        <p:nvPr/>
-      </p:nvGrpSpPr>
-      <p:grpSpPr>
-        <a:xfrm>
-          <a:off x="0" y="0"/>
-          <a:ext cx="0" cy="0"/>
-          <a:chOff x="0" y="0"/>
-          <a:chExt cx="0" cy="0"/>
-        </a:xfrm>
-      </p:grpSpPr>
-      <p:sp useBgFill="1">
-        <p:nvSpPr>
-          <p:cNvPr id="8" name="Rectangle 7">
-            <a:extLst>
-              <a:ext uri="{FF2B5EF4-FFF2-40B4-BE49-F238E27FC236}">
-                <a16:creationId xmlns:a16="http://schemas.microsoft.com/office/drawing/2014/main" id="{72526924-84D3-45FB-A5FE-62D8FCBF53B6}"/>
-              </a:ext>
-              <a:ext uri="{C183D7F6-B498-43B3-948B-1728B52AA6E4}">
-                <adec:decorative xmlns:adec="http://schemas.microsoft.com/office/drawing/2017/decorative" val="1"/>
-              </a:ext>
-            </a:extLst>
-          </p:cNvPr>
-          <p:cNvSpPr>
-            <a:spLocks noGrp="1" noRot="1" noChangeAspect="1" noMove="1" noResize="1" noEditPoints="1" noAdjustHandles="1" noChangeArrowheads="1" noChangeShapeType="1" noTextEdit="1"/>
-          </p:cNvSpPr>
-          <p:nvPr>
-            <p:extLst>
-              <p:ext uri="{386F3935-93C4-4BCD-93E2-E3B085C9AB24}">
-                <p16:designElem xmlns:p16="http://schemas.microsoft.com/office/powerpoint/2015/main" val="1"/>
-              </p:ext>
-            </p:extLst>
-          </p:nvPr>
-        </p:nvSpPr>
-        <p:spPr>
-          <a:xfrm>
-            <a:off x="0" y="0"/>
-            <a:ext cx="12192001" cy="6858000"/>
-          </a:xfrm>
-          <a:prstGeom prst="rect">
-            <a:avLst/>
-          </a:prstGeom>
-          <a:ln>
-            <a:noFill/>
-          </a:ln>
-        </p:spPr>
-        <p:style>
-          <a:lnRef idx="2">
-            <a:schemeClr val="accent1">
-              <a:shade val="50000"/>
-            </a:schemeClr>
-          </a:lnRef>
-          <a:fillRef idx="1">
-            <a:schemeClr val="accent1"/>
-          </a:fillRef>
-          <a:effectRef idx="0">
-            <a:schemeClr val="accent1"/>
-          </a:effectRef>
-          <a:fontRef idx="minor">
-            <a:schemeClr val="lt1"/>
-          </a:fontRef>
-        </p:style>
-        <p:txBody>
-          <a:bodyPr rtlCol="0" anchor="ctr"/>
-          <a:lstStyle/>
-          <a:p>
-            <a:pPr algn="ctr"/>
-            <a:endParaRPr lang="en-US"/>
-          </a:p>
-        </p:txBody>
-      </p:sp>
-      <p:sp>
-        <p:nvSpPr>
-          <p:cNvPr id="10" name="Rectangle 9">
-            <a:extLst>
-              <a:ext uri="{FF2B5EF4-FFF2-40B4-BE49-F238E27FC236}">
-                <a16:creationId xmlns:a16="http://schemas.microsoft.com/office/drawing/2014/main" id="{5C2A6256-1DD0-4E4B-A8B3-9A711B4DBE0C}"/>
-              </a:ext>
-              <a:ext uri="{C183D7F6-B498-43B3-948B-1728B52AA6E4}">
-                <adec:decorative xmlns:adec="http://schemas.microsoft.com/office/drawing/2017/decorative" val="1"/>
-              </a:ext>
-            </a:extLst>
-          </p:cNvPr>
-          <p:cNvSpPr>
-            <a:spLocks noGrp="1" noRot="1" noChangeAspect="1" noMove="1" noResize="1" noEditPoints="1" noAdjustHandles="1" noChangeArrowheads="1" noChangeShapeType="1" noTextEdit="1"/>
-          </p:cNvSpPr>
-          <p:nvPr>
-            <p:extLst>
-              <p:ext uri="{386F3935-93C4-4BCD-93E2-E3B085C9AB24}">
-                <p16:designElem xmlns:p16="http://schemas.microsoft.com/office/powerpoint/2015/main" val="1"/>
-              </p:ext>
-            </p:extLst>
-          </p:nvPr>
-        </p:nvSpPr>
-        <p:spPr>
-          <a:xfrm>
-            <a:off x="1038768" y="2130218"/>
-            <a:ext cx="11153231" cy="4727782"/>
-          </a:xfrm>
-          <a:prstGeom prst="rect">
-            <a:avLst/>
-          </a:prstGeom>
-          <a:solidFill>
-            <a:schemeClr val="bg1">
-              <a:alpha val="75000"/>
-            </a:schemeClr>
-          </a:solidFill>
-          <a:ln>
-            <a:noFill/>
-          </a:ln>
-        </p:spPr>
-        <p:style>
-          <a:lnRef idx="2">
-            <a:schemeClr val="accent1">
-              <a:shade val="50000"/>
-            </a:schemeClr>
-          </a:lnRef>
-          <a:fillRef idx="1">
-            <a:schemeClr val="accent1"/>
-          </a:fillRef>
-          <a:effectRef idx="0">
-            <a:schemeClr val="accent1"/>
-          </a:effectRef>
-          <a:fontRef idx="minor">
-            <a:schemeClr val="lt1"/>
-          </a:fontRef>
-        </p:style>
-        <p:txBody>
-          <a:bodyPr rtlCol="0" anchor="ctr"/>
-          <a:lstStyle/>
-          <a:p>
-            <a:pPr algn="ctr"/>
-            <a:endParaRPr lang="en-US"/>
-          </a:p>
-        </p:txBody>
-      </p:sp>
-      <p:sp>
-        <p:nvSpPr>
-          <p:cNvPr id="12" name="Rectangle 11">
-            <a:extLst>
-              <a:ext uri="{FF2B5EF4-FFF2-40B4-BE49-F238E27FC236}">
-                <a16:creationId xmlns:a16="http://schemas.microsoft.com/office/drawing/2014/main" id="{41760540-185E-4652-BFD2-9B362EF3BC99}"/>
-              </a:ext>
-              <a:ext uri="{C183D7F6-B498-43B3-948B-1728B52AA6E4}">
-                <adec:decorative xmlns:adec="http://schemas.microsoft.com/office/drawing/2017/decorative" val="1"/>
-              </a:ext>
-            </a:extLst>
-          </p:cNvPr>
-          <p:cNvSpPr>
-            <a:spLocks noGrp="1" noRot="1" noChangeAspect="1" noMove="1" noResize="1" noEditPoints="1" noAdjustHandles="1" noChangeArrowheads="1" noChangeShapeType="1" noTextEdit="1"/>
-          </p:cNvSpPr>
-          <p:nvPr>
-            <p:extLst>
-              <p:ext uri="{386F3935-93C4-4BCD-93E2-E3B085C9AB24}">
-                <p16:designElem xmlns:p16="http://schemas.microsoft.com/office/powerpoint/2015/main" val="1"/>
-              </p:ext>
-            </p:extLst>
-          </p:nvPr>
-        </p:nvSpPr>
-        <p:spPr>
-          <a:xfrm>
-            <a:off x="0" y="896641"/>
-            <a:ext cx="12192000" cy="1347716"/>
-          </a:xfrm>
-          <a:prstGeom prst="rect">
-            <a:avLst/>
-          </a:prstGeom>
-          <a:solidFill>
-            <a:schemeClr val="tx2"/>
-          </a:solidFill>
-          <a:ln>
-            <a:noFill/>
-          </a:ln>
-        </p:spPr>
-        <p:style>
-          <a:lnRef idx="2">
-            <a:schemeClr val="accent1">
-              <a:shade val="50000"/>
-            </a:schemeClr>
-          </a:lnRef>
-          <a:fillRef idx="1">
-            <a:schemeClr val="accent1"/>
-          </a:fillRef>
-          <a:effectRef idx="0">
-            <a:schemeClr val="accent1"/>
-          </a:effectRef>
-          <a:fontRef idx="minor">
-            <a:schemeClr val="lt1"/>
-          </a:fontRef>
-        </p:style>
-        <p:txBody>
-          <a:bodyPr rtlCol="0" anchor="ctr"/>
-          <a:lstStyle/>
-          <a:p>
-            <a:pPr algn="ctr"/>
-            <a:endParaRPr lang="en-US"/>
-          </a:p>
-        </p:txBody>
-      </p:sp>
-      <p:sp>
-        <p:nvSpPr>
-          <p:cNvPr id="2" name="Title 1">
-            <a:extLst>
-              <a:ext uri="{FF2B5EF4-FFF2-40B4-BE49-F238E27FC236}">
-                <a16:creationId xmlns:a16="http://schemas.microsoft.com/office/drawing/2014/main" id="{0861EF05-CC76-3A07-B5B6-6B63CBD31257}"/>
-              </a:ext>
-            </a:extLst>
-          </p:cNvPr>
-          <p:cNvSpPr>
-            <a:spLocks noGrp="1"/>
-          </p:cNvSpPr>
-          <p:nvPr>
-            <p:ph type="title"/>
-          </p:nvPr>
-        </p:nvSpPr>
-        <p:spPr>
-          <a:xfrm>
-            <a:off x="1535371" y="1044054"/>
-            <a:ext cx="10013709" cy="1030360"/>
-          </a:xfrm>
-        </p:spPr>
-        <p:txBody>
-          <a:bodyPr>
-            <a:normAutofit/>
-          </a:bodyPr>
-          <a:lstStyle/>
-          <a:p>
-            <a:r>
-              <a:rPr lang="en-US" dirty="0">
-                <a:solidFill>
-                  <a:schemeClr val="bg1"/>
-                </a:solidFill>
-              </a:rPr>
-              <a:t>REFERENCES</a:t>
-            </a:r>
-          </a:p>
-        </p:txBody>
-      </p:sp>
-      <p:sp>
-        <p:nvSpPr>
-          <p:cNvPr id="14" name="Rectangle 13">
-            <a:extLst>
-              <a:ext uri="{FF2B5EF4-FFF2-40B4-BE49-F238E27FC236}">
-                <a16:creationId xmlns:a16="http://schemas.microsoft.com/office/drawing/2014/main" id="{729789F4-85C1-41A0-83EB-992E22210CB9}"/>
-              </a:ext>
-              <a:ext uri="{C183D7F6-B498-43B3-948B-1728B52AA6E4}">
-                <adec:decorative xmlns:adec="http://schemas.microsoft.com/office/drawing/2017/decorative" val="1"/>
-              </a:ext>
-            </a:extLst>
-          </p:cNvPr>
-          <p:cNvSpPr>
-            <a:spLocks noGrp="1" noRot="1" noChangeAspect="1" noMove="1" noResize="1" noEditPoints="1" noAdjustHandles="1" noChangeArrowheads="1" noChangeShapeType="1" noTextEdit="1"/>
-          </p:cNvSpPr>
-          <p:nvPr>
-            <p:extLst>
-              <p:ext uri="{386F3935-93C4-4BCD-93E2-E3B085C9AB24}">
-                <p16:designElem xmlns:p16="http://schemas.microsoft.com/office/powerpoint/2015/main" val="1"/>
-              </p:ext>
-            </p:extLst>
-          </p:nvPr>
-        </p:nvSpPr>
-        <p:spPr>
-          <a:xfrm>
-            <a:off x="-1" y="962423"/>
-            <a:ext cx="1006766" cy="1216152"/>
-          </a:xfrm>
-          <a:prstGeom prst="rect">
-            <a:avLst/>
-          </a:prstGeom>
-          <a:solidFill>
-            <a:schemeClr val="accent1"/>
-          </a:solidFill>
-          <a:ln>
-            <a:noFill/>
-          </a:ln>
-        </p:spPr>
-        <p:style>
-          <a:lnRef idx="2">
-            <a:schemeClr val="accent1">
-              <a:shade val="50000"/>
-            </a:schemeClr>
-          </a:lnRef>
-          <a:fillRef idx="1">
-            <a:schemeClr val="accent1"/>
-          </a:fillRef>
-          <a:effectRef idx="0">
-            <a:schemeClr val="accent1"/>
-          </a:effectRef>
-          <a:fontRef idx="minor">
-            <a:schemeClr val="lt1"/>
-          </a:fontRef>
-        </p:style>
-        <p:txBody>
-          <a:bodyPr rtlCol="0" anchor="ctr"/>
-          <a:lstStyle/>
-          <a:p>
-            <a:pPr algn="ctr"/>
-            <a:endParaRPr lang="en-US"/>
-          </a:p>
-        </p:txBody>
-      </p:sp>
-      <p:sp>
-        <p:nvSpPr>
-          <p:cNvPr id="16" name="Rectangle 15">
-            <a:extLst>
-              <a:ext uri="{FF2B5EF4-FFF2-40B4-BE49-F238E27FC236}">
-                <a16:creationId xmlns:a16="http://schemas.microsoft.com/office/drawing/2014/main" id="{9D9D367D-6DD2-4A7C-8918-0DCAC297559A}"/>
-              </a:ext>
-              <a:ext uri="{C183D7F6-B498-43B3-948B-1728B52AA6E4}">
-                <adec:decorative xmlns:adec="http://schemas.microsoft.com/office/drawing/2017/decorative" val="1"/>
-              </a:ext>
-            </a:extLst>
-          </p:cNvPr>
-          <p:cNvSpPr>
-            <a:spLocks noGrp="1" noRot="1" noChangeAspect="1" noMove="1" noResize="1" noEditPoints="1" noAdjustHandles="1" noChangeArrowheads="1" noChangeShapeType="1" noTextEdit="1"/>
-          </p:cNvSpPr>
-          <p:nvPr>
-            <p:extLst>
-              <p:ext uri="{386F3935-93C4-4BCD-93E2-E3B085C9AB24}">
-                <p16:designElem xmlns:p16="http://schemas.microsoft.com/office/powerpoint/2015/main" val="1"/>
-              </p:ext>
-            </p:extLst>
-          </p:nvPr>
-        </p:nvSpPr>
-        <p:spPr>
-          <a:xfrm rot="5400000">
-            <a:off x="-2390232" y="3396997"/>
-            <a:ext cx="6858002" cy="64008"/>
-          </a:xfrm>
-          <a:prstGeom prst="rect">
-            <a:avLst/>
-          </a:prstGeom>
-          <a:solidFill>
-            <a:schemeClr val="tx2"/>
-          </a:solidFill>
-          <a:ln>
-            <a:noFill/>
-          </a:ln>
-        </p:spPr>
-        <p:style>
-          <a:lnRef idx="2">
-            <a:schemeClr val="accent1">
-              <a:shade val="50000"/>
-            </a:schemeClr>
-          </a:lnRef>
-          <a:fillRef idx="1">
-            <a:schemeClr val="accent1"/>
-          </a:fillRef>
-          <a:effectRef idx="0">
-            <a:schemeClr val="accent1"/>
-          </a:effectRef>
-          <a:fontRef idx="minor">
-            <a:schemeClr val="lt1"/>
-          </a:fontRef>
-        </p:style>
-        <p:txBody>
-          <a:bodyPr rtlCol="0" anchor="ctr"/>
-          <a:lstStyle/>
-          <a:p>
-            <a:pPr algn="ctr"/>
-            <a:endParaRPr lang="en-US"/>
-          </a:p>
-        </p:txBody>
-      </p:sp>
-      <p:sp>
-        <p:nvSpPr>
-          <p:cNvPr id="3" name="Content Placeholder 2">
-            <a:extLst>
-              <a:ext uri="{FF2B5EF4-FFF2-40B4-BE49-F238E27FC236}">
-                <a16:creationId xmlns:a16="http://schemas.microsoft.com/office/drawing/2014/main" id="{D10F0C80-DC6D-9D1C-F85E-F57BCE032DAE}"/>
-              </a:ext>
-            </a:extLst>
-          </p:cNvPr>
-          <p:cNvSpPr>
-            <a:spLocks noGrp="1"/>
-          </p:cNvSpPr>
-          <p:nvPr>
-            <p:ph idx="1"/>
-          </p:nvPr>
-        </p:nvSpPr>
-        <p:spPr>
-          <a:xfrm>
-            <a:off x="1535371" y="2391770"/>
-            <a:ext cx="9935571" cy="4228486"/>
-          </a:xfrm>
-        </p:spPr>
-        <p:txBody>
-          <a:bodyPr anchor="t">
-            <a:normAutofit/>
-          </a:bodyPr>
-          <a:lstStyle/>
-          <a:p>
             <a:r>
               <a:rPr lang="en-US" sz="1600" b="0" dirty="0"/>
               <a:t>[1] </a:t>
@@ -6199,7 +5565,7 @@
               <a:rPr lang="en-US" sz="1600" b="0" dirty="0">
                 <a:hlinkClick r:id="rId4"/>
               </a:rPr>
-              <a:t>https://www.r-bloggers.com/2015/02/bayesian-network-in-r-introduction/</a:t>
+              <a:t>https://en.wikipedia.org/wiki/Naive_Bayes_classifier</a:t>
             </a:r>
             <a:endParaRPr lang="en-US" sz="1600" b="0" dirty="0"/>
           </a:p>
@@ -6212,7 +5578,7 @@
               <a:rPr lang="en-US" sz="1600" b="0" dirty="0">
                 <a:hlinkClick r:id="rId5"/>
               </a:rPr>
-              <a:t>https://www.bnlearn.com/about/teaching/slides-bnshort.pdf</a:t>
+              <a:t>https://scikit-learn.org/stable/modules/naive_bayes.html</a:t>
             </a:r>
             <a:endParaRPr lang="en-US" sz="1600" b="0" dirty="0"/>
           </a:p>
@@ -6225,7 +5591,32 @@
               <a:rPr lang="en-US" sz="1600" b="0" dirty="0">
                 <a:hlinkClick r:id="rId6"/>
               </a:rPr>
-              <a:t>https://www.edureka.co/blog/naive-bayes-in-  r/#Practical%20Implementation%20of%20Naive%20Bayes%20In%20R</a:t>
+              <a:t>https://www.edureka.co/blog/naive-bayes-in-   r/#Practical%20Implementation%20of%20Naive%20Bayes%20In%20R</a:t>
+            </a:r>
+            <a:endParaRPr lang="en-US" sz="1600" b="0" dirty="0"/>
+          </a:p>
+          <a:p>
+            <a:r>
+              <a:rPr lang="en-US" sz="1600" b="0" dirty="0"/>
+              <a:t>[6] </a:t>
+            </a:r>
+            <a:r>
+              <a:rPr lang="en-US" sz="1600" b="0" dirty="0">
+                <a:hlinkClick r:id="rId7"/>
+              </a:rPr>
+              <a:t>https://</a:t>
+            </a:r>
+            <a:r>
+              <a:rPr lang="en-US" sz="1600" b="0" dirty="0" err="1">
+                <a:hlinkClick r:id="rId7"/>
+              </a:rPr>
+              <a:t>hastie.su.domains</a:t>
+            </a:r>
+            <a:r>
+              <a:rPr lang="en-US" sz="1600" b="0" dirty="0">
+                <a:hlinkClick r:id="rId7"/>
+              </a:rPr>
+              <a:t>/ISLR2/ISLRv2_website.pdf</a:t>
             </a:r>
             <a:endParaRPr lang="en-US" sz="1600" b="0" dirty="0"/>
           </a:p>
@@ -6244,7 +5635,7 @@
 </p:sld>
 </file>
 
-<file path=ppt/slides/slide12.xml><?xml version="1.0" encoding="utf-8"?>
+<file path=ppt/slides/slide11.xml><?xml version="1.0" encoding="utf-8"?>
 <p:sld xmlns:a="http://schemas.openxmlformats.org/drawingml/2006/main" xmlns:r="http://schemas.openxmlformats.org/officeDocument/2006/relationships" xmlns:p="http://schemas.openxmlformats.org/presentationml/2006/main">
   <p:cSld>
     <p:bg>
@@ -7617,14 +7008,14 @@
                 <a:pPr lvl="1"/>
                 <a:r>
                   <a:rPr lang="en-US" dirty="0"/>
-                  <a:t>	- Supervised learning algorithm </a:t>
+                  <a:t>	- Supervised learning method </a:t>
                 </a:r>
               </a:p>
               <a:p>
                 <a:pPr lvl="1"/>
                 <a:r>
                   <a:rPr lang="en-US" dirty="0"/>
-                  <a:t>		- Trained using labeled data </a:t>
+                  <a:t>		&gt; Trained using labeled data </a:t>
                 </a:r>
               </a:p>
               <a:p>
@@ -7638,7 +7029,7 @@
                 <a:pPr lvl="1"/>
                 <a:r>
                   <a:rPr lang="en-US" dirty="0"/>
-                  <a:t> 		- Probabilistic classification</a:t>
+                  <a:t> 		&gt; Probabilistic classification</a:t>
                 </a:r>
                 <a:endParaRPr lang="en-US" sz="1600" dirty="0"/>
               </a:p>
@@ -7651,12 +7042,14 @@
               </a:p>
               <a:p>
                 <a:pPr lvl="1"/>
-                <a:r>
-                  <a:rPr lang="en-US" b="0" dirty="0"/>
-                  <a:t>		</a:t>
-                </a:r>
                 <a14:m>
                   <m:oMath xmlns:m="http://schemas.openxmlformats.org/officeDocument/2006/math">
+                    <m:r>
+                      <a:rPr lang="en-US" b="0" i="1" smtClean="0">
+                        <a:latin typeface="Cambria Math" panose="02040503050406030204" pitchFamily="18" charset="0"/>
+                      </a:rPr>
+                      <m:t>      </m:t>
+                    </m:r>
                     <m:r>
                       <a:rPr lang="en-US" b="0" i="1" smtClean="0">
                         <a:latin typeface="Cambria Math" panose="02040503050406030204" pitchFamily="18" charset="0"/>
@@ -7860,8 +7253,8 @@
         </p:nvSpPr>
         <p:spPr>
           <a:xfrm>
-            <a:off x="5596168" y="5326255"/>
-            <a:ext cx="6332101" cy="954107"/>
+            <a:off x="4139444" y="5282327"/>
+            <a:ext cx="7985928" cy="1358064"/>
           </a:xfrm>
           <a:prstGeom prst="rect">
             <a:avLst/>
@@ -7874,27 +7267,47 @@
           </a:bodyPr>
           <a:lstStyle/>
           <a:p>
+            <a:pPr>
+              <a:lnSpc>
+                <a:spcPct val="150000"/>
+              </a:lnSpc>
+            </a:pPr>
             <a:r>
               <a:rPr lang="en-US" sz="1400" dirty="0"/>
-              <a:t>P(A|B): Conditional probability of event A occurring, given the event B</a:t>
-            </a:r>
-          </a:p>
-          <a:p>
+              <a:t>P(A|B): Conditional probability of event A occurring, given the event B (posterior)</a:t>
+            </a:r>
+          </a:p>
+          <a:p>
+            <a:pPr>
+              <a:lnSpc>
+                <a:spcPct val="150000"/>
+              </a:lnSpc>
+            </a:pPr>
             <a:r>
               <a:rPr lang="en-US" sz="1400" dirty="0"/>
-              <a:t>P(A): Probability of event A occurring</a:t>
-            </a:r>
-          </a:p>
-          <a:p>
+              <a:t>P(A): Probability of event A occurring (prior)</a:t>
+            </a:r>
+          </a:p>
+          <a:p>
+            <a:pPr>
+              <a:lnSpc>
+                <a:spcPct val="150000"/>
+              </a:lnSpc>
+            </a:pPr>
             <a:r>
               <a:rPr lang="en-US" sz="1400" dirty="0"/>
-              <a:t>P(B): Probability of event B occurring</a:t>
-            </a:r>
-          </a:p>
-          <a:p>
+              <a:t>P(B): Probability of event B occurring (prior)</a:t>
+            </a:r>
+          </a:p>
+          <a:p>
+            <a:pPr>
+              <a:lnSpc>
+                <a:spcPct val="150000"/>
+              </a:lnSpc>
+            </a:pPr>
             <a:r>
               <a:rPr lang="en-US" sz="1400" dirty="0"/>
-              <a:t>P(B|A): Conditional probability of event B occurring, given the event A</a:t>
+              <a:t>P(B|A): Conditional probability of event B occurring, given the event A (likelihood)</a:t>
             </a:r>
           </a:p>
         </p:txBody>
@@ -8310,8 +7723,8 @@
             </p:nvSpPr>
             <p:spPr>
               <a:xfrm>
-                <a:off x="1535370" y="2391770"/>
-                <a:ext cx="10148629" cy="4301638"/>
+                <a:off x="1217648" y="2391770"/>
+                <a:ext cx="10466352" cy="4301638"/>
               </a:xfrm>
             </p:spPr>
             <p:txBody>
@@ -8398,6 +7811,49 @@
                             </a:rPr>
                             <m:t>𝑃</m:t>
                           </m:r>
+                          <m:r>
+                            <a:rPr lang="en-US" b="0" i="1">
+                              <a:latin typeface="Cambria Math" panose="02040503050406030204" pitchFamily="18" charset="0"/>
+                            </a:rPr>
+                            <m:t>(</m:t>
+                          </m:r>
+                          <m:sSub>
+                            <m:sSubPr>
+                              <m:ctrlPr>
+                                <a:rPr lang="en-US" b="0" i="1">
+                                  <a:latin typeface="Cambria Math" panose="02040503050406030204" pitchFamily="18" charset="0"/>
+                                </a:rPr>
+                              </m:ctrlPr>
+                            </m:sSubPr>
+                            <m:e>
+                              <m:r>
+                                <a:rPr lang="en-US" b="0" i="1">
+                                  <a:latin typeface="Cambria Math" panose="02040503050406030204" pitchFamily="18" charset="0"/>
+                                </a:rPr>
+                                <m:t>𝐶</m:t>
+                              </m:r>
+                            </m:e>
+                            <m:sub>
+                              <m:r>
+                                <a:rPr lang="en-US" b="0" i="1">
+                                  <a:latin typeface="Cambria Math" panose="02040503050406030204" pitchFamily="18" charset="0"/>
+                                </a:rPr>
+                                <m:t>𝑘</m:t>
+                              </m:r>
+                            </m:sub>
+                          </m:sSub>
+                          <m:r>
+                            <a:rPr lang="en-US" b="0" i="1">
+                              <a:latin typeface="Cambria Math" panose="02040503050406030204" pitchFamily="18" charset="0"/>
+                            </a:rPr>
+                            <m:t>)</m:t>
+                          </m:r>
+                          <m:r>
+                            <a:rPr lang="en-US" b="0" i="1">
+                              <a:latin typeface="Cambria Math" panose="02040503050406030204" pitchFamily="18" charset="0"/>
+                            </a:rPr>
+                            <m:t>𝑃</m:t>
+                          </m:r>
                           <m:d>
                             <m:dPr>
                               <m:ctrlPr>
@@ -8442,49 +7898,6 @@
                               </m:sSub>
                             </m:e>
                           </m:d>
-                          <m:r>
-                            <a:rPr lang="en-US" b="0" i="1">
-                              <a:latin typeface="Cambria Math" panose="02040503050406030204" pitchFamily="18" charset="0"/>
-                            </a:rPr>
-                            <m:t>𝑃</m:t>
-                          </m:r>
-                          <m:r>
-                            <a:rPr lang="en-US" b="0" i="1">
-                              <a:latin typeface="Cambria Math" panose="02040503050406030204" pitchFamily="18" charset="0"/>
-                            </a:rPr>
-                            <m:t>(</m:t>
-                          </m:r>
-                          <m:sSub>
-                            <m:sSubPr>
-                              <m:ctrlPr>
-                                <a:rPr lang="en-US" b="0" i="1">
-                                  <a:latin typeface="Cambria Math" panose="02040503050406030204" pitchFamily="18" charset="0"/>
-                                </a:rPr>
-                              </m:ctrlPr>
-                            </m:sSubPr>
-                            <m:e>
-                              <m:r>
-                                <a:rPr lang="en-US" b="0" i="1">
-                                  <a:latin typeface="Cambria Math" panose="02040503050406030204" pitchFamily="18" charset="0"/>
-                                </a:rPr>
-                                <m:t>𝐶</m:t>
-                              </m:r>
-                            </m:e>
-                            <m:sub>
-                              <m:r>
-                                <a:rPr lang="en-US" b="0" i="1">
-                                  <a:latin typeface="Cambria Math" panose="02040503050406030204" pitchFamily="18" charset="0"/>
-                                </a:rPr>
-                                <m:t>𝑘</m:t>
-                              </m:r>
-                            </m:sub>
-                          </m:sSub>
-                          <m:r>
-                            <a:rPr lang="en-US" b="0" i="1">
-                              <a:latin typeface="Cambria Math" panose="02040503050406030204" pitchFamily="18" charset="0"/>
-                            </a:rPr>
-                            <m:t>)</m:t>
-                          </m:r>
                         </m:num>
                         <m:den>
                           <m:r>
@@ -10218,8 +9631,8 @@
             </p:nvSpPr>
             <p:spPr>
               <a:xfrm>
-                <a:off x="1535370" y="2391770"/>
-                <a:ext cx="10148629" cy="4301638"/>
+                <a:off x="1217648" y="2391770"/>
+                <a:ext cx="10466352" cy="4301638"/>
               </a:xfrm>
               <a:blipFill>
                 <a:blip r:embed="rId3"/>
@@ -10259,7 +9672,7 @@
         </p:nvCxnSpPr>
         <p:spPr>
           <a:xfrm>
-            <a:off x="1911955" y="2501827"/>
+            <a:off x="1582544" y="2501827"/>
             <a:ext cx="120828" cy="401761"/>
           </a:xfrm>
           <a:prstGeom prst="straightConnector1">
@@ -10300,7 +9713,7 @@
         </p:nvCxnSpPr>
         <p:spPr>
           <a:xfrm flipH="1">
-            <a:off x="6707275" y="2574029"/>
+            <a:off x="5923685" y="2574032"/>
             <a:ext cx="344629" cy="355033"/>
           </a:xfrm>
           <a:prstGeom prst="straightConnector1">
@@ -10378,7 +9791,7 @@
         </p:nvSpPr>
         <p:spPr>
           <a:xfrm>
-            <a:off x="6014227" y="2279757"/>
+            <a:off x="5334606" y="2243606"/>
             <a:ext cx="1811215" cy="338554"/>
           </a:xfrm>
           <a:prstGeom prst="rect">
@@ -10467,6 +9880,169 @@
           </a:p>
         </p:txBody>
       </p:sp>
+      <mc:AlternateContent xmlns:mc="http://schemas.openxmlformats.org/markup-compatibility/2006">
+        <mc:Choice xmlns:a14="http://schemas.microsoft.com/office/drawing/2010/main" Requires="a14">
+          <p:sp>
+            <p:nvSpPr>
+              <p:cNvPr id="25" name="TextBox 24">
+                <a:extLst>
+                  <a:ext uri="{FF2B5EF4-FFF2-40B4-BE49-F238E27FC236}">
+                    <a16:creationId xmlns:a16="http://schemas.microsoft.com/office/drawing/2014/main" id="{17E54C83-0A89-E791-34B0-90A22C48B306}"/>
+                  </a:ext>
+                </a:extLst>
+              </p:cNvPr>
+              <p:cNvSpPr txBox="1"/>
+              <p:nvPr/>
+            </p:nvSpPr>
+            <p:spPr>
+              <a:xfrm>
+                <a:off x="9826422" y="4905632"/>
+                <a:ext cx="2209059" cy="369332"/>
+              </a:xfrm>
+              <a:prstGeom prst="rect">
+                <a:avLst/>
+              </a:prstGeom>
+              <a:noFill/>
+              <a:ln>
+                <a:solidFill>
+                  <a:schemeClr val="accent1"/>
+                </a:solidFill>
+              </a:ln>
+            </p:spPr>
+            <p:txBody>
+              <a:bodyPr wrap="square" rtlCol="0">
+                <a:spAutoFit/>
+              </a:bodyPr>
+              <a:lstStyle/>
+              <a:p>
+                <a14:m>
+                  <m:oMath xmlns:m="http://schemas.openxmlformats.org/officeDocument/2006/math">
+                    <m:sSup>
+                      <m:sSupPr>
+                        <m:ctrlPr>
+                          <a:rPr lang="en-US" i="1" smtClean="0">
+                            <a:latin typeface="Cambria Math" panose="02040503050406030204" pitchFamily="18" charset="0"/>
+                          </a:rPr>
+                        </m:ctrlPr>
+                      </m:sSupPr>
+                      <m:e>
+                        <m:r>
+                          <a:rPr lang="en-US" b="0" i="1" smtClean="0">
+                            <a:latin typeface="Cambria Math" panose="02040503050406030204" pitchFamily="18" charset="0"/>
+                          </a:rPr>
+                          <m:t>𝑚</m:t>
+                        </m:r>
+                      </m:e>
+                      <m:sup>
+                        <m:r>
+                          <a:rPr lang="en-US" b="0" i="1" smtClean="0">
+                            <a:latin typeface="Cambria Math" panose="02040503050406030204" pitchFamily="18" charset="0"/>
+                          </a:rPr>
+                          <m:t>𝑝</m:t>
+                        </m:r>
+                      </m:sup>
+                    </m:sSup>
+                  </m:oMath>
+                </a14:m>
+                <a:r>
+                  <a:rPr lang="en-US" dirty="0"/>
+                  <a:t> probabilities!</a:t>
+                </a:r>
+              </a:p>
+            </p:txBody>
+          </p:sp>
+        </mc:Choice>
+        <mc:Fallback>
+          <p:sp>
+            <p:nvSpPr>
+              <p:cNvPr id="25" name="TextBox 24">
+                <a:extLst>
+                  <a:ext uri="{FF2B5EF4-FFF2-40B4-BE49-F238E27FC236}">
+                    <a16:creationId xmlns:a16="http://schemas.microsoft.com/office/drawing/2014/main" id="{17E54C83-0A89-E791-34B0-90A22C48B306}"/>
+                  </a:ext>
+                </a:extLst>
+              </p:cNvPr>
+              <p:cNvSpPr txBox="1">
+                <a:spLocks noRot="1" noChangeAspect="1" noMove="1" noResize="1" noEditPoints="1" noAdjustHandles="1" noChangeArrowheads="1" noChangeShapeType="1" noTextEdit="1"/>
+              </p:cNvSpPr>
+              <p:nvPr/>
+            </p:nvSpPr>
+            <p:spPr>
+              <a:xfrm>
+                <a:off x="9826422" y="4905632"/>
+                <a:ext cx="2209059" cy="369332"/>
+              </a:xfrm>
+              <a:prstGeom prst="rect">
+                <a:avLst/>
+              </a:prstGeom>
+              <a:blipFill>
+                <a:blip r:embed="rId4"/>
+                <a:stretch>
+                  <a:fillRect t="-3226" b="-22581"/>
+                </a:stretch>
+              </a:blipFill>
+              <a:ln>
+                <a:solidFill>
+                  <a:schemeClr val="accent1"/>
+                </a:solidFill>
+              </a:ln>
+            </p:spPr>
+            <p:txBody>
+              <a:bodyPr/>
+              <a:lstStyle/>
+              <a:p>
+                <a:r>
+                  <a:rPr lang="en-US">
+                    <a:noFill/>
+                  </a:rPr>
+                  <a:t> </a:t>
+                </a:r>
+              </a:p>
+            </p:txBody>
+          </p:sp>
+        </mc:Fallback>
+      </mc:AlternateContent>
+      <p:cxnSp>
+        <p:nvCxnSpPr>
+          <p:cNvPr id="26" name="Straight Arrow Connector 25">
+            <a:extLst>
+              <a:ext uri="{FF2B5EF4-FFF2-40B4-BE49-F238E27FC236}">
+                <a16:creationId xmlns:a16="http://schemas.microsoft.com/office/drawing/2014/main" id="{CFB1074B-BA9B-FAAB-CEC7-9F0E79345F19}"/>
+              </a:ext>
+            </a:extLst>
+          </p:cNvPr>
+          <p:cNvCxnSpPr>
+            <a:cxnSpLocks/>
+          </p:cNvCxnSpPr>
+          <p:nvPr/>
+        </p:nvCxnSpPr>
+        <p:spPr>
+          <a:xfrm flipH="1">
+            <a:off x="10438020" y="5287071"/>
+            <a:ext cx="344629" cy="355033"/>
+          </a:xfrm>
+          <a:prstGeom prst="straightConnector1">
+            <a:avLst/>
+          </a:prstGeom>
+          <a:ln>
+            <a:tailEnd type="triangle"/>
+          </a:ln>
+        </p:spPr>
+        <p:style>
+          <a:lnRef idx="1">
+            <a:schemeClr val="accent1"/>
+          </a:lnRef>
+          <a:fillRef idx="0">
+            <a:schemeClr val="accent1"/>
+          </a:fillRef>
+          <a:effectRef idx="0">
+            <a:schemeClr val="accent1"/>
+          </a:effectRef>
+          <a:fontRef idx="minor">
+            <a:schemeClr val="tx1"/>
+          </a:fontRef>
+        </p:style>
+      </p:cxnSp>
     </p:spTree>
     <p:extLst>
       <p:ext uri="{BB962C8B-B14F-4D97-AF65-F5344CB8AC3E}">
@@ -10858,95 +10434,966 @@
           </a:p>
         </p:txBody>
       </p:sp>
-      <p:sp>
-        <p:nvSpPr>
-          <p:cNvPr id="3" name="Content Placeholder 2">
-            <a:extLst>
-              <a:ext uri="{FF2B5EF4-FFF2-40B4-BE49-F238E27FC236}">
-                <a16:creationId xmlns:a16="http://schemas.microsoft.com/office/drawing/2014/main" id="{D10F0C80-DC6D-9D1C-F85E-F57BCE032DAE}"/>
-              </a:ext>
-            </a:extLst>
-          </p:cNvPr>
-          <p:cNvSpPr>
-            <a:spLocks noGrp="1"/>
-          </p:cNvSpPr>
-          <p:nvPr>
-            <p:ph idx="1"/>
-          </p:nvPr>
-        </p:nvSpPr>
-        <p:spPr>
-          <a:xfrm>
-            <a:off x="1230794" y="2391770"/>
-            <a:ext cx="10240147" cy="4301638"/>
-          </a:xfrm>
-        </p:spPr>
-        <p:txBody>
-          <a:bodyPr anchor="t">
-            <a:normAutofit/>
-          </a:bodyPr>
-          <a:lstStyle/>
-          <a:p>
-            <a:endParaRPr lang="en-US" sz="1900" dirty="0"/>
-          </a:p>
-          <a:p>
-            <a:pPr marL="285750" indent="-285750">
-              <a:buFont typeface="Arial" panose="020B0604020202020204" pitchFamily="34" charset="0"/>
-              <a:buChar char="•"/>
-            </a:pPr>
-            <a:r>
-              <a:rPr lang="en-US" sz="2300" dirty="0"/>
-              <a:t>Naïve Bayes</a:t>
-            </a:r>
-          </a:p>
-          <a:p>
-            <a:pPr lvl="1"/>
-            <a:r>
-              <a:rPr lang="en-US" sz="1900" dirty="0"/>
-              <a:t>	</a:t>
-            </a:r>
-            <a:r>
-              <a:rPr lang="en-US" sz="2100" dirty="0"/>
-              <a:t>- Special case of Bayes</a:t>
-            </a:r>
-          </a:p>
-          <a:p>
-            <a:pPr lvl="1"/>
-            <a:r>
-              <a:rPr lang="en-US" sz="2100" b="0" dirty="0"/>
-              <a:t>	- Naive Bayes assumes is that each feature is </a:t>
-            </a:r>
-            <a:r>
-              <a:rPr lang="en-US" sz="2100" b="0"/>
-              <a:t>independent 	  from </a:t>
-            </a:r>
-            <a:r>
-              <a:rPr lang="en-US" sz="2100" b="0" dirty="0"/>
-              <a:t>every </a:t>
-            </a:r>
-            <a:r>
-              <a:rPr lang="en-US" sz="2100" b="0"/>
-              <a:t>other feature</a:t>
-            </a:r>
-            <a:endParaRPr lang="en-US" sz="2100" b="0" dirty="0"/>
-          </a:p>
-          <a:p>
-            <a:pPr lvl="1"/>
-            <a:endParaRPr lang="en-US" b="0" dirty="0"/>
-          </a:p>
-          <a:p>
-            <a:br>
-              <a:rPr lang="en-US" sz="1600" dirty="0"/>
-            </a:br>
-            <a:endParaRPr lang="en-US" sz="1600" b="0" dirty="0"/>
-          </a:p>
-          <a:p>
-            <a:pPr lvl="2" indent="0">
-              <a:buNone/>
-            </a:pPr>
-            <a:endParaRPr lang="en-US" dirty="0"/>
-          </a:p>
-        </p:txBody>
-      </p:sp>
+      <mc:AlternateContent xmlns:mc="http://schemas.openxmlformats.org/markup-compatibility/2006">
+        <mc:Choice xmlns:a14="http://schemas.microsoft.com/office/drawing/2010/main" Requires="a14">
+          <p:sp>
+            <p:nvSpPr>
+              <p:cNvPr id="3" name="Content Placeholder 2">
+                <a:extLst>
+                  <a:ext uri="{FF2B5EF4-FFF2-40B4-BE49-F238E27FC236}">
+                    <a16:creationId xmlns:a16="http://schemas.microsoft.com/office/drawing/2014/main" id="{D10F0C80-DC6D-9D1C-F85E-F57BCE032DAE}"/>
+                  </a:ext>
+                </a:extLst>
+              </p:cNvPr>
+              <p:cNvSpPr>
+                <a:spLocks noGrp="1"/>
+              </p:cNvSpPr>
+              <p:nvPr>
+                <p:ph idx="1"/>
+              </p:nvPr>
+            </p:nvSpPr>
+            <p:spPr>
+              <a:xfrm>
+                <a:off x="1230794" y="2391770"/>
+                <a:ext cx="10240147" cy="4466230"/>
+              </a:xfrm>
+            </p:spPr>
+            <p:txBody>
+              <a:bodyPr anchor="t">
+                <a:normAutofit/>
+              </a:bodyPr>
+              <a:lstStyle/>
+              <a:p>
+                <a:pPr marL="342900" indent="-342900">
+                  <a:buFont typeface="Arial" panose="020B0604020202020204" pitchFamily="34" charset="0"/>
+                  <a:buChar char="•"/>
+                </a:pPr>
+                <a:r>
+                  <a:rPr lang="en-US" dirty="0"/>
+                  <a:t>Naïve Bayes</a:t>
+                </a:r>
+              </a:p>
+              <a:p>
+                <a:pPr lvl="1"/>
+                <a:r>
+                  <a:rPr lang="en-US" dirty="0"/>
+                  <a:t>	- Special case of Bayes</a:t>
+                </a:r>
+              </a:p>
+              <a:p>
+                <a:pPr lvl="1">
+                  <a:spcAft>
+                    <a:spcPts val="1200"/>
+                  </a:spcAft>
+                </a:pPr>
+                <a:r>
+                  <a:rPr lang="en-US" b="0" dirty="0"/>
+                  <a:t>	- Naive Bayes assumes is that each feature is independent from every 	  other feature</a:t>
+                </a:r>
+                <a:endParaRPr lang="en-US" i="1" dirty="0">
+                  <a:latin typeface="Cambria Math" panose="02040503050406030204" pitchFamily="18" charset="0"/>
+                </a:endParaRPr>
+              </a:p>
+              <a:p>
+                <a:pPr lvl="1"/>
+                <a14:m>
+                  <m:oMathPara xmlns:m="http://schemas.openxmlformats.org/officeDocument/2006/math">
+                    <m:oMathParaPr>
+                      <m:jc m:val="left"/>
+                    </m:oMathParaPr>
+                    <m:oMath xmlns:m="http://schemas.openxmlformats.org/officeDocument/2006/math">
+                      <m:r>
+                        <a:rPr lang="en-US" sz="1800" i="1">
+                          <a:latin typeface="Cambria Math" panose="02040503050406030204" pitchFamily="18" charset="0"/>
+                        </a:rPr>
+                        <m:t>𝑃</m:t>
+                      </m:r>
+                      <m:d>
+                        <m:dPr>
+                          <m:ctrlPr>
+                            <a:rPr lang="en-US" sz="1800" i="1">
+                              <a:latin typeface="Cambria Math" panose="02040503050406030204" pitchFamily="18" charset="0"/>
+                            </a:rPr>
+                          </m:ctrlPr>
+                        </m:dPr>
+                        <m:e>
+                          <m:sSub>
+                            <m:sSubPr>
+                              <m:ctrlPr>
+                                <a:rPr lang="en-US" sz="1800" i="1">
+                                  <a:latin typeface="Cambria Math" panose="02040503050406030204" pitchFamily="18" charset="0"/>
+                                </a:rPr>
+                              </m:ctrlPr>
+                            </m:sSubPr>
+                            <m:e>
+                              <m:r>
+                                <a:rPr lang="en-US" sz="1800" i="1">
+                                  <a:latin typeface="Cambria Math" panose="02040503050406030204" pitchFamily="18" charset="0"/>
+                                </a:rPr>
+                                <m:t>𝐶</m:t>
+                              </m:r>
+                            </m:e>
+                            <m:sub>
+                              <m:r>
+                                <a:rPr lang="en-US" sz="1800" i="1">
+                                  <a:latin typeface="Cambria Math" panose="02040503050406030204" pitchFamily="18" charset="0"/>
+                                </a:rPr>
+                                <m:t>𝑘</m:t>
+                              </m:r>
+                            </m:sub>
+                          </m:sSub>
+                        </m:e>
+                        <m:e>
+                          <m:r>
+                            <a:rPr lang="en-US" sz="1800" i="1">
+                              <a:latin typeface="Cambria Math" panose="02040503050406030204" pitchFamily="18" charset="0"/>
+                            </a:rPr>
+                            <m:t>𝑋</m:t>
+                          </m:r>
+                        </m:e>
+                      </m:d>
+                      <m:r>
+                        <a:rPr lang="en-US" sz="1800" b="0" i="0" smtClean="0">
+                          <a:latin typeface="Cambria Math" panose="02040503050406030204" pitchFamily="18" charset="0"/>
+                        </a:rPr>
+                        <m:t>=</m:t>
+                      </m:r>
+                      <m:f>
+                        <m:fPr>
+                          <m:ctrlPr>
+                            <a:rPr lang="en-US" sz="1800" i="1">
+                              <a:latin typeface="Cambria Math" panose="02040503050406030204" pitchFamily="18" charset="0"/>
+                            </a:rPr>
+                          </m:ctrlPr>
+                        </m:fPr>
+                        <m:num>
+                          <m:r>
+                            <a:rPr lang="en-US" sz="1800" i="1">
+                              <a:latin typeface="Cambria Math" panose="02040503050406030204" pitchFamily="18" charset="0"/>
+                            </a:rPr>
+                            <m:t>𝑃</m:t>
+                          </m:r>
+                          <m:d>
+                            <m:dPr>
+                              <m:ctrlPr>
+                                <a:rPr lang="en-US" sz="1800" i="1">
+                                  <a:latin typeface="Cambria Math" panose="02040503050406030204" pitchFamily="18" charset="0"/>
+                                </a:rPr>
+                              </m:ctrlPr>
+                            </m:dPr>
+                            <m:e>
+                              <m:sSub>
+                                <m:sSubPr>
+                                  <m:ctrlPr>
+                                    <a:rPr lang="en-US" sz="1800" i="1">
+                                      <a:latin typeface="Cambria Math" panose="02040503050406030204" pitchFamily="18" charset="0"/>
+                                    </a:rPr>
+                                  </m:ctrlPr>
+                                </m:sSubPr>
+                                <m:e>
+                                  <m:r>
+                                    <a:rPr lang="en-US" sz="1800" i="1">
+                                      <a:latin typeface="Cambria Math" panose="02040503050406030204" pitchFamily="18" charset="0"/>
+                                    </a:rPr>
+                                    <m:t>𝐶</m:t>
+                                  </m:r>
+                                </m:e>
+                                <m:sub>
+                                  <m:r>
+                                    <a:rPr lang="en-US" sz="1800" i="1">
+                                      <a:latin typeface="Cambria Math" panose="02040503050406030204" pitchFamily="18" charset="0"/>
+                                    </a:rPr>
+                                    <m:t>𝑘</m:t>
+                                  </m:r>
+                                </m:sub>
+                              </m:sSub>
+                            </m:e>
+                          </m:d>
+                          <m:nary>
+                            <m:naryPr>
+                              <m:chr m:val="∏"/>
+                              <m:ctrlPr>
+                                <a:rPr lang="en-US" sz="1800" i="1">
+                                  <a:latin typeface="Cambria Math" panose="02040503050406030204" pitchFamily="18" charset="0"/>
+                                </a:rPr>
+                              </m:ctrlPr>
+                            </m:naryPr>
+                            <m:sub>
+                              <m:r>
+                                <m:rPr>
+                                  <m:brk m:alnAt="23"/>
+                                </m:rPr>
+                                <a:rPr lang="en-US" sz="1800" i="1">
+                                  <a:latin typeface="Cambria Math" panose="02040503050406030204" pitchFamily="18" charset="0"/>
+                                </a:rPr>
+                                <m:t>𝑗</m:t>
+                              </m:r>
+                              <m:r>
+                                <a:rPr lang="en-US" sz="1800" i="1">
+                                  <a:latin typeface="Cambria Math" panose="02040503050406030204" pitchFamily="18" charset="0"/>
+                                </a:rPr>
+                                <m:t>=1</m:t>
+                              </m:r>
+                            </m:sub>
+                            <m:sup>
+                              <m:r>
+                                <a:rPr lang="en-US" sz="1800" i="1">
+                                  <a:latin typeface="Cambria Math" panose="02040503050406030204" pitchFamily="18" charset="0"/>
+                                </a:rPr>
+                                <m:t>𝑛</m:t>
+                              </m:r>
+                            </m:sup>
+                            <m:e>
+                              <m:r>
+                                <a:rPr lang="en-US" sz="1800" i="1">
+                                  <a:latin typeface="Cambria Math" panose="02040503050406030204" pitchFamily="18" charset="0"/>
+                                </a:rPr>
+                                <m:t>𝑃</m:t>
+                              </m:r>
+                              <m:d>
+                                <m:dPr>
+                                  <m:ctrlPr>
+                                    <a:rPr lang="en-US" sz="1800" i="1">
+                                      <a:latin typeface="Cambria Math" panose="02040503050406030204" pitchFamily="18" charset="0"/>
+                                    </a:rPr>
+                                  </m:ctrlPr>
+                                </m:dPr>
+                                <m:e>
+                                  <m:sSub>
+                                    <m:sSubPr>
+                                      <m:ctrlPr>
+                                        <a:rPr lang="en-US" sz="1800" i="1">
+                                          <a:latin typeface="Cambria Math" panose="02040503050406030204" pitchFamily="18" charset="0"/>
+                                        </a:rPr>
+                                      </m:ctrlPr>
+                                    </m:sSubPr>
+                                    <m:e>
+                                      <m:r>
+                                        <a:rPr lang="en-US" sz="1800" i="1">
+                                          <a:latin typeface="Cambria Math" panose="02040503050406030204" pitchFamily="18" charset="0"/>
+                                        </a:rPr>
+                                        <m:t>𝑥</m:t>
+                                      </m:r>
+                                    </m:e>
+                                    <m:sub>
+                                      <m:r>
+                                        <a:rPr lang="en-US" sz="1800" i="1">
+                                          <a:latin typeface="Cambria Math" panose="02040503050406030204" pitchFamily="18" charset="0"/>
+                                        </a:rPr>
+                                        <m:t>𝑗</m:t>
+                                      </m:r>
+                                    </m:sub>
+                                  </m:sSub>
+                                </m:e>
+                                <m:e>
+                                  <m:sSub>
+                                    <m:sSubPr>
+                                      <m:ctrlPr>
+                                        <a:rPr lang="en-US" sz="1800" i="1">
+                                          <a:latin typeface="Cambria Math" panose="02040503050406030204" pitchFamily="18" charset="0"/>
+                                        </a:rPr>
+                                      </m:ctrlPr>
+                                    </m:sSubPr>
+                                    <m:e>
+                                      <m:r>
+                                        <a:rPr lang="en-US" sz="1800" i="1">
+                                          <a:latin typeface="Cambria Math" panose="02040503050406030204" pitchFamily="18" charset="0"/>
+                                        </a:rPr>
+                                        <m:t>𝐶</m:t>
+                                      </m:r>
+                                    </m:e>
+                                    <m:sub>
+                                      <m:r>
+                                        <a:rPr lang="en-US" sz="1800" i="1">
+                                          <a:latin typeface="Cambria Math" panose="02040503050406030204" pitchFamily="18" charset="0"/>
+                                        </a:rPr>
+                                        <m:t>𝑘</m:t>
+                                      </m:r>
+                                    </m:sub>
+                                  </m:sSub>
+                                </m:e>
+                              </m:d>
+                            </m:e>
+                          </m:nary>
+                        </m:num>
+                        <m:den>
+                          <m:r>
+                            <a:rPr lang="en-US" sz="1800" i="1">
+                              <a:latin typeface="Cambria Math" panose="02040503050406030204" pitchFamily="18" charset="0"/>
+                            </a:rPr>
+                            <m:t>𝑃</m:t>
+                          </m:r>
+                          <m:d>
+                            <m:dPr>
+                              <m:ctrlPr>
+                                <a:rPr lang="en-US" sz="1800" i="1">
+                                  <a:latin typeface="Cambria Math" panose="02040503050406030204" pitchFamily="18" charset="0"/>
+                                </a:rPr>
+                              </m:ctrlPr>
+                            </m:dPr>
+                            <m:e>
+                              <m:r>
+                                <a:rPr lang="en-US" sz="1800" i="1">
+                                  <a:latin typeface="Cambria Math" panose="02040503050406030204" pitchFamily="18" charset="0"/>
+                                </a:rPr>
+                                <m:t>𝑋</m:t>
+                              </m:r>
+                            </m:e>
+                          </m:d>
+                        </m:den>
+                      </m:f>
+                      <m:r>
+                        <a:rPr lang="en-US" sz="1800" b="0" i="1" smtClean="0">
+                          <a:latin typeface="Cambria Math" panose="02040503050406030204" pitchFamily="18" charset="0"/>
+                        </a:rPr>
+                        <m:t>,</m:t>
+                      </m:r>
+                      <m:r>
+                        <a:rPr lang="en-US" sz="1800" i="1">
+                          <a:latin typeface="Cambria Math" panose="02040503050406030204" pitchFamily="18" charset="0"/>
+                        </a:rPr>
+                        <m:t>𝑋</m:t>
+                      </m:r>
+                      <m:r>
+                        <a:rPr lang="en-US" sz="1800" i="1">
+                          <a:latin typeface="Cambria Math" panose="02040503050406030204" pitchFamily="18" charset="0"/>
+                        </a:rPr>
+                        <m:t>=</m:t>
+                      </m:r>
+                      <m:d>
+                        <m:dPr>
+                          <m:ctrlPr>
+                            <a:rPr lang="en-US" sz="1800" i="1">
+                              <a:latin typeface="Cambria Math" panose="02040503050406030204" pitchFamily="18" charset="0"/>
+                            </a:rPr>
+                          </m:ctrlPr>
+                        </m:dPr>
+                        <m:e>
+                          <m:sSub>
+                            <m:sSubPr>
+                              <m:ctrlPr>
+                                <a:rPr lang="en-US" sz="1800" i="1">
+                                  <a:latin typeface="Cambria Math" panose="02040503050406030204" pitchFamily="18" charset="0"/>
+                                </a:rPr>
+                              </m:ctrlPr>
+                            </m:sSubPr>
+                            <m:e>
+                              <m:r>
+                                <a:rPr lang="en-US" sz="1800" i="1">
+                                  <a:latin typeface="Cambria Math" panose="02040503050406030204" pitchFamily="18" charset="0"/>
+                                </a:rPr>
+                                <m:t>𝑥</m:t>
+                              </m:r>
+                            </m:e>
+                            <m:sub>
+                              <m:r>
+                                <a:rPr lang="en-US" sz="1800" i="1">
+                                  <a:latin typeface="Cambria Math" panose="02040503050406030204" pitchFamily="18" charset="0"/>
+                                </a:rPr>
+                                <m:t>1</m:t>
+                              </m:r>
+                            </m:sub>
+                          </m:sSub>
+                          <m:r>
+                            <a:rPr lang="en-US" sz="1800" i="1">
+                              <a:latin typeface="Cambria Math" panose="02040503050406030204" pitchFamily="18" charset="0"/>
+                            </a:rPr>
+                            <m:t>,</m:t>
+                          </m:r>
+                          <m:sSub>
+                            <m:sSubPr>
+                              <m:ctrlPr>
+                                <a:rPr lang="en-US" sz="1800" i="1">
+                                  <a:latin typeface="Cambria Math" panose="02040503050406030204" pitchFamily="18" charset="0"/>
+                                </a:rPr>
+                              </m:ctrlPr>
+                            </m:sSubPr>
+                            <m:e>
+                              <m:r>
+                                <a:rPr lang="en-US" sz="1800" i="1">
+                                  <a:latin typeface="Cambria Math" panose="02040503050406030204" pitchFamily="18" charset="0"/>
+                                </a:rPr>
+                                <m:t>𝑥</m:t>
+                              </m:r>
+                            </m:e>
+                            <m:sub>
+                              <m:r>
+                                <a:rPr lang="en-US" sz="1800" i="1">
+                                  <a:latin typeface="Cambria Math" panose="02040503050406030204" pitchFamily="18" charset="0"/>
+                                </a:rPr>
+                                <m:t>2</m:t>
+                              </m:r>
+                            </m:sub>
+                          </m:sSub>
+                          <m:r>
+                            <a:rPr lang="en-US" sz="1800" i="1">
+                              <a:latin typeface="Cambria Math" panose="02040503050406030204" pitchFamily="18" charset="0"/>
+                            </a:rPr>
+                            <m:t>,</m:t>
+                          </m:r>
+                          <m:sSub>
+                            <m:sSubPr>
+                              <m:ctrlPr>
+                                <a:rPr lang="en-US" sz="1800" i="1">
+                                  <a:latin typeface="Cambria Math" panose="02040503050406030204" pitchFamily="18" charset="0"/>
+                                </a:rPr>
+                              </m:ctrlPr>
+                            </m:sSubPr>
+                            <m:e>
+                              <m:r>
+                                <a:rPr lang="en-US" sz="1800" i="1">
+                                  <a:latin typeface="Cambria Math" panose="02040503050406030204" pitchFamily="18" charset="0"/>
+                                </a:rPr>
+                                <m:t>𝑥</m:t>
+                              </m:r>
+                            </m:e>
+                            <m:sub>
+                              <m:r>
+                                <a:rPr lang="en-US" sz="1800" i="1">
+                                  <a:latin typeface="Cambria Math" panose="02040503050406030204" pitchFamily="18" charset="0"/>
+                                </a:rPr>
+                                <m:t>3,</m:t>
+                              </m:r>
+                            </m:sub>
+                          </m:sSub>
+                          <m:r>
+                            <a:rPr lang="en-US" sz="1800" i="1">
+                              <a:latin typeface="Cambria Math" panose="02040503050406030204" pitchFamily="18" charset="0"/>
+                            </a:rPr>
+                            <m:t>,…,</m:t>
+                          </m:r>
+                          <m:sSub>
+                            <m:sSubPr>
+                              <m:ctrlPr>
+                                <a:rPr lang="en-US" sz="1800" i="1">
+                                  <a:latin typeface="Cambria Math" panose="02040503050406030204" pitchFamily="18" charset="0"/>
+                                </a:rPr>
+                              </m:ctrlPr>
+                            </m:sSubPr>
+                            <m:e>
+                              <m:r>
+                                <a:rPr lang="en-US" sz="1800" i="1">
+                                  <a:latin typeface="Cambria Math" panose="02040503050406030204" pitchFamily="18" charset="0"/>
+                                </a:rPr>
+                                <m:t>𝑥</m:t>
+                              </m:r>
+                            </m:e>
+                            <m:sub>
+                              <m:r>
+                                <a:rPr lang="en-US" sz="1800" i="1">
+                                  <a:latin typeface="Cambria Math" panose="02040503050406030204" pitchFamily="18" charset="0"/>
+                                </a:rPr>
+                                <m:t>𝑛</m:t>
+                              </m:r>
+                            </m:sub>
+                          </m:sSub>
+                        </m:e>
+                      </m:d>
+                    </m:oMath>
+                  </m:oMathPara>
+                </a14:m>
+                <a:endParaRPr lang="en-US" sz="1800" b="0" dirty="0"/>
+              </a:p>
+              <a:p>
+                <a:pPr/>
+                <a14:m>
+                  <m:oMath xmlns:m="http://schemas.openxmlformats.org/officeDocument/2006/math">
+                    <m:r>
+                      <a:rPr lang="en-US" i="1">
+                        <a:latin typeface="Cambria Math" panose="02040503050406030204" pitchFamily="18" charset="0"/>
+                      </a:rPr>
+                      <m:t>𝑃</m:t>
+                    </m:r>
+                    <m:d>
+                      <m:dPr>
+                        <m:ctrlPr>
+                          <a:rPr lang="en-US" i="1">
+                            <a:latin typeface="Cambria Math" panose="02040503050406030204" pitchFamily="18" charset="0"/>
+                          </a:rPr>
+                        </m:ctrlPr>
+                      </m:dPr>
+                      <m:e>
+                        <m:sSub>
+                          <m:sSubPr>
+                            <m:ctrlPr>
+                              <a:rPr lang="en-US" i="1">
+                                <a:latin typeface="Cambria Math" panose="02040503050406030204" pitchFamily="18" charset="0"/>
+                              </a:rPr>
+                            </m:ctrlPr>
+                          </m:sSubPr>
+                          <m:e>
+                            <m:r>
+                              <a:rPr lang="en-US" i="1">
+                                <a:latin typeface="Cambria Math" panose="02040503050406030204" pitchFamily="18" charset="0"/>
+                              </a:rPr>
+                              <m:t>𝐶</m:t>
+                            </m:r>
+                          </m:e>
+                          <m:sub>
+                            <m:r>
+                              <a:rPr lang="en-US" i="1">
+                                <a:latin typeface="Cambria Math" panose="02040503050406030204" pitchFamily="18" charset="0"/>
+                              </a:rPr>
+                              <m:t>𝑘</m:t>
+                            </m:r>
+                          </m:sub>
+                        </m:sSub>
+                      </m:e>
+                      <m:e>
+                        <m:r>
+                          <a:rPr lang="en-US" i="1">
+                            <a:latin typeface="Cambria Math" panose="02040503050406030204" pitchFamily="18" charset="0"/>
+                          </a:rPr>
+                          <m:t>𝑋</m:t>
+                        </m:r>
+                      </m:e>
+                    </m:d>
+                    <m:r>
+                      <a:rPr lang="en-US" b="1" i="1" smtClean="0">
+                        <a:latin typeface="Cambria Math" panose="02040503050406030204" pitchFamily="18" charset="0"/>
+                      </a:rPr>
+                      <m:t> </m:t>
+                    </m:r>
+                    <m:r>
+                      <a:rPr lang="en-US" i="1" smtClean="0">
+                        <a:latin typeface="Cambria Math" panose="02040503050406030204" pitchFamily="18" charset="0"/>
+                        <a:ea typeface="Cambria Math" panose="02040503050406030204" pitchFamily="18" charset="0"/>
+                      </a:rPr>
+                      <m:t>𝛼</m:t>
+                    </m:r>
+                    <m:r>
+                      <a:rPr lang="en-US" b="1" i="1" smtClean="0">
+                        <a:latin typeface="Cambria Math" panose="02040503050406030204" pitchFamily="18" charset="0"/>
+                        <a:ea typeface="Cambria Math" panose="02040503050406030204" pitchFamily="18" charset="0"/>
+                      </a:rPr>
+                      <m:t> </m:t>
+                    </m:r>
+                    <m:r>
+                      <a:rPr lang="en-US" i="1">
+                        <a:latin typeface="Cambria Math" panose="02040503050406030204" pitchFamily="18" charset="0"/>
+                      </a:rPr>
+                      <m:t>𝑃</m:t>
+                    </m:r>
+                    <m:d>
+                      <m:dPr>
+                        <m:ctrlPr>
+                          <a:rPr lang="en-US" i="1">
+                            <a:latin typeface="Cambria Math" panose="02040503050406030204" pitchFamily="18" charset="0"/>
+                          </a:rPr>
+                        </m:ctrlPr>
+                      </m:dPr>
+                      <m:e>
+                        <m:sSub>
+                          <m:sSubPr>
+                            <m:ctrlPr>
+                              <a:rPr lang="en-US" i="1">
+                                <a:latin typeface="Cambria Math" panose="02040503050406030204" pitchFamily="18" charset="0"/>
+                              </a:rPr>
+                            </m:ctrlPr>
+                          </m:sSubPr>
+                          <m:e>
+                            <m:r>
+                              <a:rPr lang="en-US" i="1">
+                                <a:latin typeface="Cambria Math" panose="02040503050406030204" pitchFamily="18" charset="0"/>
+                              </a:rPr>
+                              <m:t>𝐶</m:t>
+                            </m:r>
+                          </m:e>
+                          <m:sub>
+                            <m:r>
+                              <a:rPr lang="en-US" i="1">
+                                <a:latin typeface="Cambria Math" panose="02040503050406030204" pitchFamily="18" charset="0"/>
+                              </a:rPr>
+                              <m:t>𝑘</m:t>
+                            </m:r>
+                          </m:sub>
+                        </m:sSub>
+                      </m:e>
+                    </m:d>
+                    <m:nary>
+                      <m:naryPr>
+                        <m:chr m:val="∏"/>
+                        <m:ctrlPr>
+                          <a:rPr lang="en-US" b="0" i="1">
+                            <a:latin typeface="Cambria Math" panose="02040503050406030204" pitchFamily="18" charset="0"/>
+                          </a:rPr>
+                        </m:ctrlPr>
+                      </m:naryPr>
+                      <m:sub>
+                        <m:r>
+                          <m:rPr>
+                            <m:brk m:alnAt="23"/>
+                          </m:rPr>
+                          <a:rPr lang="en-US" b="0" i="1">
+                            <a:latin typeface="Cambria Math" panose="02040503050406030204" pitchFamily="18" charset="0"/>
+                          </a:rPr>
+                          <m:t>𝑗</m:t>
+                        </m:r>
+                        <m:r>
+                          <a:rPr lang="en-US" b="0" i="1">
+                            <a:latin typeface="Cambria Math" panose="02040503050406030204" pitchFamily="18" charset="0"/>
+                          </a:rPr>
+                          <m:t>=1</m:t>
+                        </m:r>
+                      </m:sub>
+                      <m:sup>
+                        <m:r>
+                          <a:rPr lang="en-US" b="0" i="1">
+                            <a:latin typeface="Cambria Math" panose="02040503050406030204" pitchFamily="18" charset="0"/>
+                          </a:rPr>
+                          <m:t>𝑗</m:t>
+                        </m:r>
+                        <m:r>
+                          <a:rPr lang="en-US" b="0" i="1">
+                            <a:latin typeface="Cambria Math" panose="02040503050406030204" pitchFamily="18" charset="0"/>
+                          </a:rPr>
+                          <m:t>=</m:t>
+                        </m:r>
+                        <m:r>
+                          <a:rPr lang="en-US" b="0" i="1">
+                            <a:latin typeface="Cambria Math" panose="02040503050406030204" pitchFamily="18" charset="0"/>
+                          </a:rPr>
+                          <m:t>𝑛</m:t>
+                        </m:r>
+                      </m:sup>
+                      <m:e>
+                        <m:r>
+                          <a:rPr lang="en-US" i="1">
+                            <a:latin typeface="Cambria Math" panose="02040503050406030204" pitchFamily="18" charset="0"/>
+                          </a:rPr>
+                          <m:t>𝑃</m:t>
+                        </m:r>
+                        <m:d>
+                          <m:dPr>
+                            <m:ctrlPr>
+                              <a:rPr lang="en-US" i="1">
+                                <a:latin typeface="Cambria Math" panose="02040503050406030204" pitchFamily="18" charset="0"/>
+                              </a:rPr>
+                            </m:ctrlPr>
+                          </m:dPr>
+                          <m:e>
+                            <m:sSub>
+                              <m:sSubPr>
+                                <m:ctrlPr>
+                                  <a:rPr lang="en-US" i="1">
+                                    <a:latin typeface="Cambria Math" panose="02040503050406030204" pitchFamily="18" charset="0"/>
+                                  </a:rPr>
+                                </m:ctrlPr>
+                              </m:sSubPr>
+                              <m:e>
+                                <m:r>
+                                  <a:rPr lang="en-US" b="0" i="1">
+                                    <a:latin typeface="Cambria Math" panose="02040503050406030204" pitchFamily="18" charset="0"/>
+                                  </a:rPr>
+                                  <m:t>𝑥</m:t>
+                                </m:r>
+                              </m:e>
+                              <m:sub>
+                                <m:r>
+                                  <a:rPr lang="en-US" b="0" i="1">
+                                    <a:latin typeface="Cambria Math" panose="02040503050406030204" pitchFamily="18" charset="0"/>
+                                  </a:rPr>
+                                  <m:t>𝑗</m:t>
+                                </m:r>
+                              </m:sub>
+                            </m:sSub>
+                          </m:e>
+                          <m:e>
+                            <m:sSub>
+                              <m:sSubPr>
+                                <m:ctrlPr>
+                                  <a:rPr lang="en-US" i="1">
+                                    <a:latin typeface="Cambria Math" panose="02040503050406030204" pitchFamily="18" charset="0"/>
+                                  </a:rPr>
+                                </m:ctrlPr>
+                              </m:sSubPr>
+                              <m:e>
+                                <m:r>
+                                  <a:rPr lang="en-US" i="1">
+                                    <a:latin typeface="Cambria Math" panose="02040503050406030204" pitchFamily="18" charset="0"/>
+                                  </a:rPr>
+                                  <m:t>𝐶</m:t>
+                                </m:r>
+                              </m:e>
+                              <m:sub>
+                                <m:r>
+                                  <a:rPr lang="en-US" i="1">
+                                    <a:latin typeface="Cambria Math" panose="02040503050406030204" pitchFamily="18" charset="0"/>
+                                  </a:rPr>
+                                  <m:t>𝑘</m:t>
+                                </m:r>
+                              </m:sub>
+                            </m:sSub>
+                          </m:e>
+                        </m:d>
+                      </m:e>
+                    </m:nary>
+                  </m:oMath>
+                </a14:m>
+                <a:r>
+                  <a:rPr lang="en-US" dirty="0"/>
+                  <a:t>	</a:t>
+                </a:r>
+              </a:p>
+              <a:p>
+                <a:pPr/>
+                <a:r>
+                  <a:rPr lang="en-US" b="0" dirty="0"/>
+                  <a:t>Decision Rule: </a:t>
+                </a:r>
+                <a14:m>
+                  <m:oMath xmlns:m="http://schemas.openxmlformats.org/officeDocument/2006/math">
+                    <m:sSub>
+                      <m:sSubPr>
+                        <m:ctrlPr>
+                          <a:rPr lang="en-US" i="1">
+                            <a:latin typeface="Cambria Math" panose="02040503050406030204" pitchFamily="18" charset="0"/>
+                          </a:rPr>
+                        </m:ctrlPr>
+                      </m:sSubPr>
+                      <m:e>
+                        <m:r>
+                          <a:rPr lang="en-US" i="1">
+                            <a:latin typeface="Cambria Math" panose="02040503050406030204" pitchFamily="18" charset="0"/>
+                          </a:rPr>
+                          <m:t>𝐶</m:t>
+                        </m:r>
+                      </m:e>
+                      <m:sub>
+                        <m:r>
+                          <a:rPr lang="en-US" i="1">
+                            <a:latin typeface="Cambria Math" panose="02040503050406030204" pitchFamily="18" charset="0"/>
+                          </a:rPr>
+                          <m:t>𝑘</m:t>
+                        </m:r>
+                      </m:sub>
+                    </m:sSub>
+                    <m:r>
+                      <a:rPr lang="en-US" b="1" i="1" smtClean="0">
+                        <a:latin typeface="Cambria Math" panose="02040503050406030204" pitchFamily="18" charset="0"/>
+                        <a:ea typeface="Cambria Math" panose="02040503050406030204" pitchFamily="18" charset="0"/>
+                      </a:rPr>
+                      <m:t>=</m:t>
+                    </m:r>
+                    <m:r>
+                      <a:rPr lang="en-US" b="1" i="1" smtClean="0">
+                        <a:latin typeface="Cambria Math" panose="02040503050406030204" pitchFamily="18" charset="0"/>
+                        <a:ea typeface="Cambria Math" panose="02040503050406030204" pitchFamily="18" charset="0"/>
+                      </a:rPr>
+                      <m:t>𝒂𝒓𝒈𝒎𝒂𝒙</m:t>
+                    </m:r>
+                    <m:r>
+                      <a:rPr lang="en-US" b="1" i="1" smtClean="0">
+                        <a:latin typeface="Cambria Math" panose="02040503050406030204" pitchFamily="18" charset="0"/>
+                        <a:ea typeface="Cambria Math" panose="02040503050406030204" pitchFamily="18" charset="0"/>
+                      </a:rPr>
+                      <m:t> </m:t>
+                    </m:r>
+                    <m:r>
+                      <a:rPr lang="en-US" i="1">
+                        <a:latin typeface="Cambria Math" panose="02040503050406030204" pitchFamily="18" charset="0"/>
+                      </a:rPr>
+                      <m:t>𝑃</m:t>
+                    </m:r>
+                    <m:d>
+                      <m:dPr>
+                        <m:ctrlPr>
+                          <a:rPr lang="en-US" i="1">
+                            <a:latin typeface="Cambria Math" panose="02040503050406030204" pitchFamily="18" charset="0"/>
+                          </a:rPr>
+                        </m:ctrlPr>
+                      </m:dPr>
+                      <m:e>
+                        <m:sSub>
+                          <m:sSubPr>
+                            <m:ctrlPr>
+                              <a:rPr lang="en-US" i="1">
+                                <a:latin typeface="Cambria Math" panose="02040503050406030204" pitchFamily="18" charset="0"/>
+                              </a:rPr>
+                            </m:ctrlPr>
+                          </m:sSubPr>
+                          <m:e>
+                            <m:r>
+                              <a:rPr lang="en-US" i="1">
+                                <a:latin typeface="Cambria Math" panose="02040503050406030204" pitchFamily="18" charset="0"/>
+                              </a:rPr>
+                              <m:t>𝐶</m:t>
+                            </m:r>
+                          </m:e>
+                          <m:sub>
+                            <m:r>
+                              <a:rPr lang="en-US" i="1">
+                                <a:latin typeface="Cambria Math" panose="02040503050406030204" pitchFamily="18" charset="0"/>
+                              </a:rPr>
+                              <m:t>𝑘</m:t>
+                            </m:r>
+                          </m:sub>
+                        </m:sSub>
+                      </m:e>
+                    </m:d>
+                    <m:nary>
+                      <m:naryPr>
+                        <m:chr m:val="∏"/>
+                        <m:ctrlPr>
+                          <a:rPr lang="en-US" b="0" i="1">
+                            <a:latin typeface="Cambria Math" panose="02040503050406030204" pitchFamily="18" charset="0"/>
+                          </a:rPr>
+                        </m:ctrlPr>
+                      </m:naryPr>
+                      <m:sub>
+                        <m:r>
+                          <m:rPr>
+                            <m:brk m:alnAt="23"/>
+                          </m:rPr>
+                          <a:rPr lang="en-US" b="0" i="1">
+                            <a:latin typeface="Cambria Math" panose="02040503050406030204" pitchFamily="18" charset="0"/>
+                          </a:rPr>
+                          <m:t>𝑗</m:t>
+                        </m:r>
+                        <m:r>
+                          <a:rPr lang="en-US" b="0" i="1">
+                            <a:latin typeface="Cambria Math" panose="02040503050406030204" pitchFamily="18" charset="0"/>
+                          </a:rPr>
+                          <m:t>=1</m:t>
+                        </m:r>
+                      </m:sub>
+                      <m:sup>
+                        <m:r>
+                          <a:rPr lang="en-US" b="0" i="1">
+                            <a:latin typeface="Cambria Math" panose="02040503050406030204" pitchFamily="18" charset="0"/>
+                          </a:rPr>
+                          <m:t>𝑛</m:t>
+                        </m:r>
+                      </m:sup>
+                      <m:e>
+                        <m:r>
+                          <a:rPr lang="en-US" i="1">
+                            <a:latin typeface="Cambria Math" panose="02040503050406030204" pitchFamily="18" charset="0"/>
+                          </a:rPr>
+                          <m:t>𝑃</m:t>
+                        </m:r>
+                        <m:d>
+                          <m:dPr>
+                            <m:ctrlPr>
+                              <a:rPr lang="en-US" i="1">
+                                <a:latin typeface="Cambria Math" panose="02040503050406030204" pitchFamily="18" charset="0"/>
+                              </a:rPr>
+                            </m:ctrlPr>
+                          </m:dPr>
+                          <m:e>
+                            <m:sSub>
+                              <m:sSubPr>
+                                <m:ctrlPr>
+                                  <a:rPr lang="en-US" i="1">
+                                    <a:latin typeface="Cambria Math" panose="02040503050406030204" pitchFamily="18" charset="0"/>
+                                  </a:rPr>
+                                </m:ctrlPr>
+                              </m:sSubPr>
+                              <m:e>
+                                <m:r>
+                                  <a:rPr lang="en-US" b="0" i="1">
+                                    <a:latin typeface="Cambria Math" panose="02040503050406030204" pitchFamily="18" charset="0"/>
+                                  </a:rPr>
+                                  <m:t>𝑥</m:t>
+                                </m:r>
+                              </m:e>
+                              <m:sub>
+                                <m:r>
+                                  <a:rPr lang="en-US" b="0" i="1">
+                                    <a:latin typeface="Cambria Math" panose="02040503050406030204" pitchFamily="18" charset="0"/>
+                                  </a:rPr>
+                                  <m:t>𝑗</m:t>
+                                </m:r>
+                              </m:sub>
+                            </m:sSub>
+                          </m:e>
+                          <m:e>
+                            <m:sSub>
+                              <m:sSubPr>
+                                <m:ctrlPr>
+                                  <a:rPr lang="en-US" i="1">
+                                    <a:latin typeface="Cambria Math" panose="02040503050406030204" pitchFamily="18" charset="0"/>
+                                  </a:rPr>
+                                </m:ctrlPr>
+                              </m:sSubPr>
+                              <m:e>
+                                <m:r>
+                                  <a:rPr lang="en-US" i="1">
+                                    <a:latin typeface="Cambria Math" panose="02040503050406030204" pitchFamily="18" charset="0"/>
+                                  </a:rPr>
+                                  <m:t>𝐶</m:t>
+                                </m:r>
+                              </m:e>
+                              <m:sub>
+                                <m:r>
+                                  <a:rPr lang="en-US" i="1">
+                                    <a:latin typeface="Cambria Math" panose="02040503050406030204" pitchFamily="18" charset="0"/>
+                                  </a:rPr>
+                                  <m:t>𝑘</m:t>
+                                </m:r>
+                              </m:sub>
+                            </m:sSub>
+                          </m:e>
+                        </m:d>
+                      </m:e>
+                    </m:nary>
+                  </m:oMath>
+                </a14:m>
+                <a:endParaRPr lang="en-US" b="0" dirty="0"/>
+              </a:p>
+              <a:p>
+                <a:pPr lvl="2" indent="0">
+                  <a:buNone/>
+                </a:pPr>
+                <a:endParaRPr lang="en-US" dirty="0"/>
+              </a:p>
+            </p:txBody>
+          </p:sp>
+        </mc:Choice>
+        <mc:Fallback>
+          <p:sp>
+            <p:nvSpPr>
+              <p:cNvPr id="3" name="Content Placeholder 2">
+                <a:extLst>
+                  <a:ext uri="{FF2B5EF4-FFF2-40B4-BE49-F238E27FC236}">
+                    <a16:creationId xmlns:a16="http://schemas.microsoft.com/office/drawing/2014/main" id="{D10F0C80-DC6D-9D1C-F85E-F57BCE032DAE}"/>
+                  </a:ext>
+                </a:extLst>
+              </p:cNvPr>
+              <p:cNvSpPr>
+                <a:spLocks noGrp="1" noRot="1" noChangeAspect="1" noMove="1" noResize="1" noEditPoints="1" noAdjustHandles="1" noChangeArrowheads="1" noChangeShapeType="1" noTextEdit="1"/>
+              </p:cNvSpPr>
+              <p:nvPr>
+                <p:ph idx="1"/>
+              </p:nvPr>
+            </p:nvSpPr>
+            <p:spPr>
+              <a:xfrm>
+                <a:off x="1230794" y="2391770"/>
+                <a:ext cx="10240147" cy="4466230"/>
+              </a:xfrm>
+              <a:blipFill>
+                <a:blip r:embed="rId3"/>
+                <a:stretch>
+                  <a:fillRect l="-248" b="-3125"/>
+                </a:stretch>
+              </a:blipFill>
+            </p:spPr>
+            <p:txBody>
+              <a:bodyPr/>
+              <a:lstStyle/>
+              <a:p>
+                <a:r>
+                  <a:rPr lang="en-US">
+                    <a:noFill/>
+                  </a:rPr>
+                  <a:t> </a:t>
+                </a:r>
+              </a:p>
+            </p:txBody>
+          </p:sp>
+        </mc:Fallback>
+      </mc:AlternateContent>
       <p:sp>
         <p:nvSpPr>
           <p:cNvPr id="11" name="TextBox 10">
@@ -11011,6 +11458,168 @@
           </a:p>
         </p:txBody>
       </p:sp>
+      <mc:AlternateContent xmlns:mc="http://schemas.openxmlformats.org/markup-compatibility/2006">
+        <mc:Choice xmlns:a14="http://schemas.microsoft.com/office/drawing/2010/main" Requires="a14">
+          <p:sp>
+            <p:nvSpPr>
+              <p:cNvPr id="4" name="TextBox 3">
+                <a:extLst>
+                  <a:ext uri="{FF2B5EF4-FFF2-40B4-BE49-F238E27FC236}">
+                    <a16:creationId xmlns:a16="http://schemas.microsoft.com/office/drawing/2014/main" id="{B37343D1-6A31-EA80-8297-8D317AA4BEB2}"/>
+                  </a:ext>
+                </a:extLst>
+              </p:cNvPr>
+              <p:cNvSpPr txBox="1"/>
+              <p:nvPr/>
+            </p:nvSpPr>
+            <p:spPr>
+              <a:xfrm>
+                <a:off x="5526857" y="5313405"/>
+                <a:ext cx="2579175" cy="369332"/>
+              </a:xfrm>
+              <a:prstGeom prst="rect">
+                <a:avLst/>
+              </a:prstGeom>
+              <a:noFill/>
+              <a:ln>
+                <a:solidFill>
+                  <a:schemeClr val="accent1"/>
+                </a:solidFill>
+              </a:ln>
+            </p:spPr>
+            <p:txBody>
+              <a:bodyPr wrap="square" rtlCol="0">
+                <a:spAutoFit/>
+              </a:bodyPr>
+              <a:lstStyle/>
+              <a:p>
+                <a14:m>
+                  <m:oMath xmlns:m="http://schemas.openxmlformats.org/officeDocument/2006/math">
+                    <m:r>
+                      <a:rPr lang="en-US" b="0" i="1" smtClean="0">
+                        <a:latin typeface="Cambria Math" panose="02040503050406030204" pitchFamily="18" charset="0"/>
+                      </a:rPr>
+                      <m:t>𝑚</m:t>
+                    </m:r>
+                    <m:r>
+                      <a:rPr lang="en-US" b="0" i="1" smtClean="0">
+                        <a:latin typeface="Cambria Math" panose="02040503050406030204" pitchFamily="18" charset="0"/>
+                      </a:rPr>
+                      <m:t>∗</m:t>
+                    </m:r>
+                    <m:r>
+                      <a:rPr lang="en-US" b="0" i="1" smtClean="0">
+                        <a:latin typeface="Cambria Math" panose="02040503050406030204" pitchFamily="18" charset="0"/>
+                      </a:rPr>
+                      <m:t>𝑝</m:t>
+                    </m:r>
+                    <m:r>
+                      <a:rPr lang="en-US" b="0" i="1" smtClean="0">
+                        <a:latin typeface="Cambria Math" panose="02040503050406030204" pitchFamily="18" charset="0"/>
+                      </a:rPr>
+                      <m:t> </m:t>
+                    </m:r>
+                  </m:oMath>
+                </a14:m>
+                <a:r>
+                  <a:rPr lang="en-US" dirty="0"/>
+                  <a:t>probabilities!</a:t>
+                </a:r>
+              </a:p>
+            </p:txBody>
+          </p:sp>
+        </mc:Choice>
+        <mc:Fallback>
+          <p:sp>
+            <p:nvSpPr>
+              <p:cNvPr id="4" name="TextBox 3">
+                <a:extLst>
+                  <a:ext uri="{FF2B5EF4-FFF2-40B4-BE49-F238E27FC236}">
+                    <a16:creationId xmlns:a16="http://schemas.microsoft.com/office/drawing/2014/main" id="{B37343D1-6A31-EA80-8297-8D317AA4BEB2}"/>
+                  </a:ext>
+                </a:extLst>
+              </p:cNvPr>
+              <p:cNvSpPr txBox="1">
+                <a:spLocks noRot="1" noChangeAspect="1" noMove="1" noResize="1" noEditPoints="1" noAdjustHandles="1" noChangeArrowheads="1" noChangeShapeType="1" noTextEdit="1"/>
+              </p:cNvSpPr>
+              <p:nvPr/>
+            </p:nvSpPr>
+            <p:spPr>
+              <a:xfrm>
+                <a:off x="5526857" y="5313405"/>
+                <a:ext cx="2579175" cy="369332"/>
+              </a:xfrm>
+              <a:prstGeom prst="rect">
+                <a:avLst/>
+              </a:prstGeom>
+              <a:blipFill>
+                <a:blip r:embed="rId4"/>
+                <a:stretch>
+                  <a:fillRect t="-3333" b="-26667"/>
+                </a:stretch>
+              </a:blipFill>
+              <a:ln>
+                <a:solidFill>
+                  <a:schemeClr val="accent1"/>
+                </a:solidFill>
+              </a:ln>
+            </p:spPr>
+            <p:txBody>
+              <a:bodyPr/>
+              <a:lstStyle/>
+              <a:p>
+                <a:r>
+                  <a:rPr lang="en-US">
+                    <a:noFill/>
+                  </a:rPr>
+                  <a:t> </a:t>
+                </a:r>
+              </a:p>
+            </p:txBody>
+          </p:sp>
+        </mc:Fallback>
+      </mc:AlternateContent>
+      <p:cxnSp>
+        <p:nvCxnSpPr>
+          <p:cNvPr id="5" name="Straight Arrow Connector 4">
+            <a:extLst>
+              <a:ext uri="{FF2B5EF4-FFF2-40B4-BE49-F238E27FC236}">
+                <a16:creationId xmlns:a16="http://schemas.microsoft.com/office/drawing/2014/main" id="{843EC477-59FD-883E-EDDB-98825AF10B48}"/>
+              </a:ext>
+            </a:extLst>
+          </p:cNvPr>
+          <p:cNvCxnSpPr>
+            <a:cxnSpLocks/>
+          </p:cNvCxnSpPr>
+          <p:nvPr/>
+        </p:nvCxnSpPr>
+        <p:spPr>
+          <a:xfrm flipH="1">
+            <a:off x="4930346" y="5458913"/>
+            <a:ext cx="580509" cy="126341"/>
+          </a:xfrm>
+          <a:prstGeom prst="straightConnector1">
+            <a:avLst/>
+          </a:prstGeom>
+          <a:ln>
+            <a:tailEnd type="triangle"/>
+          </a:ln>
+        </p:spPr>
+        <p:style>
+          <a:lnRef idx="1">
+            <a:schemeClr val="accent1"/>
+          </a:lnRef>
+          <a:fillRef idx="0">
+            <a:schemeClr val="accent1"/>
+          </a:fillRef>
+          <a:effectRef idx="0">
+            <a:schemeClr val="accent1"/>
+          </a:effectRef>
+          <a:fontRef idx="minor">
+            <a:schemeClr val="tx1"/>
+          </a:fontRef>
+        </p:style>
+      </p:cxnSp>
     </p:spTree>
     <p:extLst>
       <p:ext uri="{BB962C8B-B14F-4D97-AF65-F5344CB8AC3E}">
@@ -11051,7 +11660,7 @@
       </p:grpSpPr>
       <p:sp useBgFill="1">
         <p:nvSpPr>
-          <p:cNvPr id="8" name="Rectangle 7">
+          <p:cNvPr id="26" name="Rectangle 7">
             <a:extLst>
               <a:ext uri="{FF2B5EF4-FFF2-40B4-BE49-F238E27FC236}">
                 <a16:creationId xmlns:a16="http://schemas.microsoft.com/office/drawing/2014/main" id="{72526924-84D3-45FB-A5FE-62D8FCBF53B6}"/>
@@ -11111,7 +11720,7 @@
       </p:sp>
       <p:sp>
         <p:nvSpPr>
-          <p:cNvPr id="10" name="Rectangle 9">
+          <p:cNvPr id="27" name="Rectangle 9">
             <a:extLst>
               <a:ext uri="{FF2B5EF4-FFF2-40B4-BE49-F238E27FC236}">
                 <a16:creationId xmlns:a16="http://schemas.microsoft.com/office/drawing/2014/main" id="{5C2A6256-1DD0-4E4B-A8B3-9A711B4DBE0C}"/>
@@ -11176,7 +11785,7 @@
       </p:sp>
       <p:sp>
         <p:nvSpPr>
-          <p:cNvPr id="12" name="Rectangle 11">
+          <p:cNvPr id="28" name="Rectangle 11">
             <a:extLst>
               <a:ext uri="{FF2B5EF4-FFF2-40B4-BE49-F238E27FC236}">
                 <a16:creationId xmlns:a16="http://schemas.microsoft.com/office/drawing/2014/main" id="{41760540-185E-4652-BFD2-9B362EF3BC99}"/>
@@ -11271,14 +11880,14 @@
                   <a:schemeClr val="bg1"/>
                 </a:solidFill>
               </a:rPr>
-              <a:t>BACKGROUND</a:t>
-            </a:r>
-          </a:p>
-        </p:txBody>
-      </p:sp>
-      <p:sp>
-        <p:nvSpPr>
-          <p:cNvPr id="14" name="Rectangle 13">
+              <a:t>APPLICABILITY TO INFO 523</a:t>
+            </a:r>
+          </a:p>
+        </p:txBody>
+      </p:sp>
+      <p:sp>
+        <p:nvSpPr>
+          <p:cNvPr id="29" name="Rectangle 13">
             <a:extLst>
               <a:ext uri="{FF2B5EF4-FFF2-40B4-BE49-F238E27FC236}">
                 <a16:creationId xmlns:a16="http://schemas.microsoft.com/office/drawing/2014/main" id="{729789F4-85C1-41A0-83EB-992E22210CB9}"/>
@@ -11341,7 +11950,7 @@
       </p:sp>
       <p:sp>
         <p:nvSpPr>
-          <p:cNvPr id="16" name="Rectangle 15">
+          <p:cNvPr id="30" name="Rectangle 15">
             <a:extLst>
               <a:ext uri="{FF2B5EF4-FFF2-40B4-BE49-F238E27FC236}">
                 <a16:creationId xmlns:a16="http://schemas.microsoft.com/office/drawing/2014/main" id="{9D9D367D-6DD2-4A7C-8918-0DCAC297559A}"/>
@@ -11420,8 +12029,8 @@
         </p:nvSpPr>
         <p:spPr>
           <a:xfrm>
-            <a:off x="1230794" y="2391770"/>
-            <a:ext cx="10240147" cy="4301638"/>
+            <a:off x="1223889" y="2391770"/>
+            <a:ext cx="10247054" cy="3736645"/>
           </a:xfrm>
         </p:spPr>
         <p:txBody>
@@ -11430,83 +12039,37 @@
           </a:bodyPr>
           <a:lstStyle/>
           <a:p>
+            <a:pPr marL="285750" indent="-285750">
+              <a:buFont typeface="Arial" panose="020B0604020202020204" pitchFamily="34" charset="0"/>
+              <a:buChar char="•"/>
+            </a:pPr>
+            <a:r>
+              <a:rPr lang="en-US" dirty="0"/>
+              <a:t>A classification algorithm</a:t>
+            </a:r>
+          </a:p>
+          <a:p>
             <a:pPr lvl="1"/>
-            <a:endParaRPr lang="en-US" b="0" dirty="0"/>
-          </a:p>
-          <a:p>
-            <a:br>
-              <a:rPr lang="en-US" sz="1600" dirty="0"/>
-            </a:br>
-            <a:endParaRPr lang="en-US" sz="1600" b="0" dirty="0"/>
-          </a:p>
-          <a:p>
-            <a:pPr lvl="2" indent="0">
-              <a:buNone/>
+            <a:r>
+              <a:rPr lang="en-US" dirty="0"/>
+              <a:t>	- Supervised learning</a:t>
+            </a:r>
+          </a:p>
+          <a:p>
+            <a:pPr marL="285750" indent="-285750">
+              <a:buFont typeface="Arial" panose="020B0604020202020204" pitchFamily="34" charset="0"/>
+              <a:buChar char="•"/>
             </a:pPr>
-            <a:endParaRPr lang="en-US" dirty="0"/>
-          </a:p>
-        </p:txBody>
-      </p:sp>
-      <p:sp>
-        <p:nvSpPr>
-          <p:cNvPr id="11" name="TextBox 10">
-            <a:extLst>
-              <a:ext uri="{FF2B5EF4-FFF2-40B4-BE49-F238E27FC236}">
-                <a16:creationId xmlns:a16="http://schemas.microsoft.com/office/drawing/2014/main" id="{87B81311-0472-3A23-A011-D56BA4C29793}"/>
-              </a:ext>
-            </a:extLst>
-          </p:cNvPr>
-          <p:cNvSpPr txBox="1"/>
-          <p:nvPr/>
-        </p:nvSpPr>
-        <p:spPr>
-          <a:xfrm>
-            <a:off x="787400" y="1346200"/>
-            <a:ext cx="184731" cy="369332"/>
-          </a:xfrm>
-          <a:prstGeom prst="rect">
-            <a:avLst/>
-          </a:prstGeom>
-          <a:noFill/>
-        </p:spPr>
-        <p:txBody>
-          <a:bodyPr wrap="none" rtlCol="0">
-            <a:spAutoFit/>
-          </a:bodyPr>
-          <a:lstStyle/>
-          <a:p>
-            <a:endParaRPr lang="en-US" dirty="0"/>
-          </a:p>
-        </p:txBody>
-      </p:sp>
-      <p:sp>
-        <p:nvSpPr>
-          <p:cNvPr id="13" name="TextBox 12">
-            <a:extLst>
-              <a:ext uri="{FF2B5EF4-FFF2-40B4-BE49-F238E27FC236}">
-                <a16:creationId xmlns:a16="http://schemas.microsoft.com/office/drawing/2014/main" id="{02698990-17CD-C3B4-3F91-73B2EAA2F192}"/>
-              </a:ext>
-            </a:extLst>
-          </p:cNvPr>
-          <p:cNvSpPr txBox="1"/>
-          <p:nvPr/>
-        </p:nvSpPr>
-        <p:spPr>
-          <a:xfrm>
-            <a:off x="457200" y="1511300"/>
-            <a:ext cx="184731" cy="369332"/>
-          </a:xfrm>
-          <a:prstGeom prst="rect">
-            <a:avLst/>
-          </a:prstGeom>
-          <a:noFill/>
-        </p:spPr>
-        <p:txBody>
-          <a:bodyPr wrap="none" rtlCol="0">
-            <a:spAutoFit/>
-          </a:bodyPr>
-          <a:lstStyle/>
-          <a:p>
+            <a:r>
+              <a:rPr lang="en-US" dirty="0"/>
+              <a:t>A viable option to discover useful patterns and information</a:t>
+            </a:r>
+          </a:p>
+          <a:p>
+            <a:pPr marL="285750" indent="-285750">
+              <a:buFont typeface="Arial" panose="020B0604020202020204" pitchFamily="34" charset="0"/>
+              <a:buChar char="•"/>
+            </a:pPr>
             <a:endParaRPr lang="en-US" dirty="0"/>
           </a:p>
         </p:txBody>
@@ -11514,7 +12077,7 @@
     </p:spTree>
     <p:extLst>
       <p:ext uri="{BB962C8B-B14F-4D97-AF65-F5344CB8AC3E}">
-        <p14:creationId xmlns:p14="http://schemas.microsoft.com/office/powerpoint/2010/main" val="3899278346"/>
+        <p14:creationId xmlns:p14="http://schemas.microsoft.com/office/powerpoint/2010/main" val="2914852323"/>
       </p:ext>
     </p:extLst>
   </p:cSld>
@@ -11551,7 +12114,7 @@
       </p:grpSpPr>
       <p:sp useBgFill="1">
         <p:nvSpPr>
-          <p:cNvPr id="26" name="Rectangle 7">
+          <p:cNvPr id="8" name="Rectangle 7">
             <a:extLst>
               <a:ext uri="{FF2B5EF4-FFF2-40B4-BE49-F238E27FC236}">
                 <a16:creationId xmlns:a16="http://schemas.microsoft.com/office/drawing/2014/main" id="{72526924-84D3-45FB-A5FE-62D8FCBF53B6}"/>
@@ -11611,7 +12174,7 @@
       </p:sp>
       <p:sp>
         <p:nvSpPr>
-          <p:cNvPr id="27" name="Rectangle 9">
+          <p:cNvPr id="10" name="Rectangle 9">
             <a:extLst>
               <a:ext uri="{FF2B5EF4-FFF2-40B4-BE49-F238E27FC236}">
                 <a16:creationId xmlns:a16="http://schemas.microsoft.com/office/drawing/2014/main" id="{5C2A6256-1DD0-4E4B-A8B3-9A711B4DBE0C}"/>
@@ -11676,7 +12239,7 @@
       </p:sp>
       <p:sp>
         <p:nvSpPr>
-          <p:cNvPr id="28" name="Rectangle 11">
+          <p:cNvPr id="12" name="Rectangle 11">
             <a:extLst>
               <a:ext uri="{FF2B5EF4-FFF2-40B4-BE49-F238E27FC236}">
                 <a16:creationId xmlns:a16="http://schemas.microsoft.com/office/drawing/2014/main" id="{41760540-185E-4652-BFD2-9B362EF3BC99}"/>
@@ -11771,14 +12334,14 @@
                   <a:schemeClr val="bg1"/>
                 </a:solidFill>
               </a:rPr>
-              <a:t>APPLICABILITY TO INFO 523</a:t>
-            </a:r>
-          </a:p>
-        </p:txBody>
-      </p:sp>
-      <p:sp>
-        <p:nvSpPr>
-          <p:cNvPr id="29" name="Rectangle 13">
+              <a:t>APPLICATIONS</a:t>
+            </a:r>
+          </a:p>
+        </p:txBody>
+      </p:sp>
+      <p:sp>
+        <p:nvSpPr>
+          <p:cNvPr id="14" name="Rectangle 13">
             <a:extLst>
               <a:ext uri="{FF2B5EF4-FFF2-40B4-BE49-F238E27FC236}">
                 <a16:creationId xmlns:a16="http://schemas.microsoft.com/office/drawing/2014/main" id="{729789F4-85C1-41A0-83EB-992E22210CB9}"/>
@@ -11841,7 +12404,7 @@
       </p:sp>
       <p:sp>
         <p:nvSpPr>
-          <p:cNvPr id="30" name="Rectangle 15">
+          <p:cNvPr id="16" name="Rectangle 15">
             <a:extLst>
               <a:ext uri="{FF2B5EF4-FFF2-40B4-BE49-F238E27FC236}">
                 <a16:creationId xmlns:a16="http://schemas.microsoft.com/office/drawing/2014/main" id="{9D9D367D-6DD2-4A7C-8918-0DCAC297559A}"/>
@@ -11920,8 +12483,8 @@
         </p:nvSpPr>
         <p:spPr>
           <a:xfrm>
-            <a:off x="1223889" y="2391770"/>
-            <a:ext cx="10247054" cy="3736645"/>
+            <a:off x="1535371" y="2391770"/>
+            <a:ext cx="9935571" cy="4167526"/>
           </a:xfrm>
         </p:spPr>
         <p:txBody>
@@ -11936,14 +12499,14 @@
             </a:pPr>
             <a:r>
               <a:rPr lang="en-US" dirty="0"/>
-              <a:t>A classification algorithm</a:t>
+              <a:t>Relatively simple and straightforward to deploy</a:t>
             </a:r>
           </a:p>
           <a:p>
             <a:pPr lvl="1"/>
             <a:r>
               <a:rPr lang="en-US" dirty="0"/>
-              <a:t>	- Supervised learning</a:t>
+              <a:t>	- Efficient with small and large datasets (linear time)</a:t>
             </a:r>
           </a:p>
           <a:p>
@@ -11953,22 +12516,33 @@
             </a:pPr>
             <a:r>
               <a:rPr lang="en-US" dirty="0"/>
-              <a:t>A viable option to discover useful patterns and information</a:t>
-            </a:r>
-          </a:p>
-          <a:p>
-            <a:pPr marL="285750" indent="-285750">
-              <a:buFont typeface="Arial" panose="020B0604020202020204" pitchFamily="34" charset="0"/>
-              <a:buChar char="•"/>
-            </a:pPr>
-            <a:endParaRPr lang="en-US" dirty="0"/>
+              <a:t>Successfully deployed in: </a:t>
+            </a:r>
+          </a:p>
+          <a:p>
+            <a:r>
+              <a:rPr lang="en-US" sz="1600" b="0" dirty="0"/>
+              <a:t>	- Email filtering</a:t>
+            </a:r>
+          </a:p>
+          <a:p>
+            <a:r>
+              <a:rPr lang="en-US" sz="1600" b="0" dirty="0"/>
+              <a:t>	- Spam detection</a:t>
+            </a:r>
+          </a:p>
+          <a:p>
+            <a:r>
+              <a:rPr lang="en-US" sz="1600" b="0" dirty="0"/>
+              <a:t>	- Document/text categorization</a:t>
+            </a:r>
           </a:p>
         </p:txBody>
       </p:sp>
     </p:spTree>
     <p:extLst>
       <p:ext uri="{BB962C8B-B14F-4D97-AF65-F5344CB8AC3E}">
-        <p14:creationId xmlns:p14="http://schemas.microsoft.com/office/powerpoint/2010/main" val="2914852323"/>
+        <p14:creationId xmlns:p14="http://schemas.microsoft.com/office/powerpoint/2010/main" val="3222002028"/>
       </p:ext>
     </p:extLst>
   </p:cSld>
@@ -12225,7 +12799,7 @@
                   <a:schemeClr val="bg1"/>
                 </a:solidFill>
               </a:rPr>
-              <a:t>APPLICATIONS</a:t>
+              <a:t>WORKED EXAMPLE</a:t>
             </a:r>
           </a:p>
         </p:txBody>
@@ -12375,7 +12949,7 @@
         <p:spPr>
           <a:xfrm>
             <a:off x="1535371" y="2391770"/>
-            <a:ext cx="9935571" cy="4167526"/>
+            <a:ext cx="9935571" cy="3736645"/>
           </a:xfrm>
         </p:spPr>
         <p:txBody>
@@ -12384,48 +12958,67 @@
           </a:bodyPr>
           <a:lstStyle/>
           <a:p>
+            <a:r>
+              <a:rPr lang="en-US" sz="1600" b="0" dirty="0"/>
+              <a:t>See my </a:t>
+            </a:r>
+            <a:r>
+              <a:rPr lang="en-US" sz="1600" b="0" dirty="0">
+                <a:hlinkClick r:id="rId2"/>
+              </a:rPr>
+              <a:t>GitHub repository </a:t>
+            </a:r>
+            <a:r>
+              <a:rPr lang="en-US" sz="1600" b="0" dirty="0"/>
+              <a:t>for all applicable code </a:t>
+            </a:r>
+          </a:p>
+          <a:p>
             <a:pPr marL="285750" indent="-285750">
               <a:buFont typeface="Arial" panose="020B0604020202020204" pitchFamily="34" charset="0"/>
               <a:buChar char="•"/>
             </a:pPr>
             <a:r>
               <a:rPr lang="en-US" dirty="0"/>
-              <a:t>Relatively simple and straightforward to deploy</a:t>
-            </a:r>
-          </a:p>
-          <a:p>
-            <a:pPr lvl="1"/>
-            <a:r>
-              <a:rPr lang="en-US" dirty="0"/>
-              <a:t>	- Efficient with small and large datasets (linear time)</a:t>
-            </a:r>
-          </a:p>
-          <a:p>
-            <a:pPr marL="285750" indent="-285750">
-              <a:buFont typeface="Arial" panose="020B0604020202020204" pitchFamily="34" charset="0"/>
-              <a:buChar char="•"/>
-            </a:pPr>
-            <a:r>
-              <a:rPr lang="en-US" dirty="0"/>
-              <a:t>Successfully deployed in: </a:t>
+              <a:t>Classify income level based on age, education, occupation, etc.</a:t>
             </a:r>
           </a:p>
           <a:p>
             <a:r>
               <a:rPr lang="en-US" sz="1600" b="0" dirty="0"/>
-              <a:t>	- Email filtering</a:t>
+              <a:t>	- Using Naïve Bayes</a:t>
             </a:r>
           </a:p>
           <a:p>
             <a:r>
               <a:rPr lang="en-US" sz="1600" b="0" dirty="0"/>
-              <a:t>	- Spam detection</a:t>
-            </a:r>
-          </a:p>
-          <a:p>
+              <a:t>	- Using the </a:t>
+            </a:r>
+            <a:r>
+              <a:rPr lang="en-US" sz="1600" b="0" dirty="0">
+                <a:hlinkClick r:id="rId3"/>
+              </a:rPr>
+              <a:t>caret</a:t>
+            </a:r>
             <a:r>
               <a:rPr lang="en-US" sz="1600" b="0" dirty="0"/>
-              <a:t>	- Document/text categorization</a:t>
+              <a:t> package </a:t>
+            </a:r>
+          </a:p>
+          <a:p>
+            <a:r>
+              <a:rPr lang="en-US" sz="1600" b="0" dirty="0"/>
+              <a:t>	- Using the </a:t>
+            </a:r>
+            <a:r>
+              <a:rPr lang="en-US" sz="1600" b="0" dirty="0">
+                <a:hlinkClick r:id="rId4"/>
+              </a:rPr>
+              <a:t>Adult Census Income </a:t>
+            </a:r>
+            <a:r>
+              <a:rPr lang="en-US" sz="1600" b="0" dirty="0"/>
+              <a:t>data set from Kaggle (see link)</a:t>
             </a:r>
           </a:p>
         </p:txBody>
@@ -12433,7 +13026,7 @@
     </p:spTree>
     <p:extLst>
       <p:ext uri="{BB962C8B-B14F-4D97-AF65-F5344CB8AC3E}">
-        <p14:creationId xmlns:p14="http://schemas.microsoft.com/office/powerpoint/2010/main" val="3222002028"/>
+        <p14:creationId xmlns:p14="http://schemas.microsoft.com/office/powerpoint/2010/main" val="748062254"/>
       </p:ext>
     </p:extLst>
   </p:cSld>
@@ -12690,7 +13283,7 @@
                   <a:schemeClr val="bg1"/>
                 </a:solidFill>
               </a:rPr>
-              <a:t>WORKED EXAMPLE</a:t>
+              <a:t>CONCLUSION</a:t>
             </a:r>
           </a:p>
         </p:txBody>
@@ -12840,7 +13433,7 @@
         <p:spPr>
           <a:xfrm>
             <a:off x="1535371" y="2391770"/>
-            <a:ext cx="9935571" cy="3736645"/>
+            <a:ext cx="9935571" cy="4374790"/>
           </a:xfrm>
         </p:spPr>
         <p:txBody>
@@ -12849,49 +13442,79 @@
           </a:bodyPr>
           <a:lstStyle/>
           <a:p>
-            <a:r>
-              <a:rPr lang="en-US" b="0" dirty="0"/>
-              <a:t>See my </a:t>
-            </a:r>
-            <a:r>
-              <a:rPr lang="en-US" b="0" dirty="0">
-                <a:hlinkClick r:id="rId2"/>
-              </a:rPr>
-              <a:t>GitHub repository </a:t>
-            </a:r>
-            <a:r>
-              <a:rPr lang="en-US" b="0" dirty="0"/>
-              <a:t>for all applicable code </a:t>
-            </a:r>
-          </a:p>
-          <a:p>
             <a:pPr marL="285750" indent="-285750">
               <a:buFont typeface="Arial" panose="020B0604020202020204" pitchFamily="34" charset="0"/>
               <a:buChar char="•"/>
             </a:pPr>
             <a:r>
               <a:rPr lang="en-US" dirty="0"/>
-              <a:t>Classify income level based on age, education, etc.</a:t>
+              <a:t>Model got ~81% accuracy on test set</a:t>
+            </a:r>
+          </a:p>
+          <a:p>
+            <a:pPr marL="285750" indent="-285750">
+              <a:buFont typeface="Arial" panose="020B0604020202020204" pitchFamily="34" charset="0"/>
+              <a:buChar char="•"/>
+            </a:pPr>
+            <a:r>
+              <a:rPr lang="en-US" dirty="0"/>
+              <a:t>Categorizing numerical features resulted in less 0 probabilities</a:t>
+            </a:r>
+          </a:p>
+          <a:p>
+            <a:pPr lvl="1"/>
+            <a:r>
+              <a:rPr lang="en-US" dirty="0"/>
+              <a:t>	- Probably due to reducing the number of possible patterns</a:t>
+            </a:r>
+          </a:p>
+          <a:p>
+            <a:pPr marL="285750" indent="-285750">
+              <a:buFont typeface="Arial" panose="020B0604020202020204" pitchFamily="34" charset="0"/>
+              <a:buChar char="•"/>
+            </a:pPr>
+            <a:r>
+              <a:rPr lang="en-US" dirty="0"/>
+              <a:t>Future Work:</a:t>
             </a:r>
           </a:p>
           <a:p>
             <a:r>
               <a:rPr lang="en-US" sz="1600" b="0" dirty="0"/>
-              <a:t>	- Using Naïve Bayes  </a:t>
+              <a:t>	- Regular Bayes classification vs Naïve Bayes performance</a:t>
             </a:r>
           </a:p>
           <a:p>
             <a:r>
               <a:rPr lang="en-US" sz="1600" b="0" dirty="0"/>
-              <a:t>	- Using the caret package </a:t>
-            </a:r>
+              <a:t>	- Continuous data</a:t>
+            </a:r>
+          </a:p>
+          <a:p>
+            <a:r>
+              <a:rPr lang="en-US" sz="1600" b="0" dirty="0"/>
+              <a:t>	- Different types of Naïve Bayes (Gaussian, Multinomial, Bernoulli, etc.)</a:t>
+            </a:r>
+          </a:p>
+          <a:p>
+            <a:r>
+              <a:rPr lang="en-US" sz="1600" b="0" dirty="0"/>
+              <a:t>	- Play with hyperparameters (Laplace smoothing)</a:t>
+            </a:r>
+          </a:p>
+          <a:p>
+            <a:pPr marL="285750" indent="-285750">
+              <a:buFont typeface="Arial" panose="020B0604020202020204" pitchFamily="34" charset="0"/>
+              <a:buChar char="•"/>
+            </a:pPr>
+            <a:endParaRPr lang="en-US" dirty="0"/>
           </a:p>
         </p:txBody>
       </p:sp>
     </p:spTree>
     <p:extLst>
       <p:ext uri="{BB962C8B-B14F-4D97-AF65-F5344CB8AC3E}">
-        <p14:creationId xmlns:p14="http://schemas.microsoft.com/office/powerpoint/2010/main" val="748062254"/>
+        <p14:creationId xmlns:p14="http://schemas.microsoft.com/office/powerpoint/2010/main" val="2814205445"/>
       </p:ext>
     </p:extLst>
   </p:cSld>

--- a/Final Presentation .pptx
+++ b/Final Presentation .pptx
@@ -207,7 +207,7 @@
           <a:p>
             <a:fld id="{4650F1C4-AA54-914B-8332-2534DB61DE22}" type="datetimeFigureOut">
               <a:rPr lang="en-US" smtClean="0"/>
-              <a:t>8/13/22</a:t>
+              <a:t>8/15/22</a:t>
             </a:fld>
             <a:endParaRPr lang="en-US"/>
           </a:p>
@@ -770,90 +770,6 @@
           <a:bodyPr/>
           <a:lstStyle/>
           <a:p>
-            <a:r>
-              <a:rPr lang="en-US" sz="1200" b="0" i="0" u="none" strike="noStrike" kern="1200" dirty="0">
-                <a:solidFill>
-                  <a:schemeClr val="tx1"/>
-                </a:solidFill>
-                <a:effectLst/>
-                <a:latin typeface="+mn-lt"/>
-                <a:ea typeface="+mn-ea"/>
-                <a:cs typeface="+mn-cs"/>
-              </a:rPr>
-              <a:t>The above equation was for a single predictor variable, however, in real-world applications, there are more than one predictor variables and for a classification problem, there is more than one output class. The bayes equation becomes complex as the number of predictor variables grow. In fact, to compute the posterior probability for a response variable with </a:t>
-            </a:r>
-            <a:r>
-              <a:rPr lang="en-US" sz="1200" b="0" i="1" u="none" strike="noStrike" kern="1200" dirty="0">
-                <a:solidFill>
-                  <a:schemeClr val="tx1"/>
-                </a:solidFill>
-                <a:effectLst/>
-                <a:latin typeface="+mn-lt"/>
-                <a:ea typeface="+mn-ea"/>
-                <a:cs typeface="+mn-cs"/>
-              </a:rPr>
-              <a:t>m</a:t>
-            </a:r>
-            <a:r>
-              <a:rPr lang="en-US" sz="1200" b="0" i="0" u="none" strike="noStrike" kern="1200" dirty="0">
-                <a:solidFill>
-                  <a:schemeClr val="tx1"/>
-                </a:solidFill>
-                <a:effectLst/>
-                <a:latin typeface="+mn-lt"/>
-                <a:ea typeface="+mn-ea"/>
-                <a:cs typeface="+mn-cs"/>
-              </a:rPr>
-              <a:t> classes and a data set with </a:t>
-            </a:r>
-            <a:r>
-              <a:rPr lang="en-US" sz="1200" b="0" i="1" u="none" strike="noStrike" kern="1200" dirty="0">
-                <a:solidFill>
-                  <a:schemeClr val="tx1"/>
-                </a:solidFill>
-                <a:effectLst/>
-                <a:latin typeface="+mn-lt"/>
-                <a:ea typeface="+mn-ea"/>
-                <a:cs typeface="+mn-cs"/>
-              </a:rPr>
-              <a:t>p </a:t>
-            </a:r>
-            <a:r>
-              <a:rPr lang="en-US" sz="1200" b="0" i="0" u="none" strike="noStrike" kern="1200" dirty="0">
-                <a:solidFill>
-                  <a:schemeClr val="tx1"/>
-                </a:solidFill>
-                <a:effectLst/>
-                <a:latin typeface="+mn-lt"/>
-                <a:ea typeface="+mn-ea"/>
-                <a:cs typeface="+mn-cs"/>
-              </a:rPr>
-              <a:t>predictors would require </a:t>
-            </a:r>
-            <a:r>
-              <a:rPr lang="en-US" sz="1200" b="0" i="0" u="none" strike="noStrike" kern="1200" dirty="0" err="1">
-                <a:solidFill>
-                  <a:schemeClr val="tx1"/>
-                </a:solidFill>
-                <a:effectLst/>
-                <a:latin typeface="+mn-lt"/>
-                <a:ea typeface="+mn-ea"/>
-                <a:cs typeface="+mn-cs"/>
-              </a:rPr>
-              <a:t>m^p</a:t>
-            </a:r>
-            <a:r>
-              <a:rPr lang="en-US" sz="1200" b="0" i="0" u="none" strike="noStrike" kern="1200" dirty="0">
-                <a:solidFill>
-                  <a:schemeClr val="tx1"/>
-                </a:solidFill>
-                <a:effectLst/>
-                <a:latin typeface="+mn-lt"/>
-                <a:ea typeface="+mn-ea"/>
-                <a:cs typeface="+mn-cs"/>
-              </a:rPr>
-              <a:t> probabilities computed.</a:t>
-            </a:r>
             <a:endParaRPr lang="en-US" dirty="0"/>
           </a:p>
         </p:txBody>
@@ -1222,7 +1138,7 @@
             <a:pPr algn="l"/>
             <a:fld id="{0DCFB061-4267-4D9F-8017-6F550D3068DF}" type="datetime1">
               <a:rPr lang="en-US" smtClean="0"/>
-              <a:t>8/13/22</a:t>
+              <a:t>8/15/22</a:t>
             </a:fld>
             <a:endParaRPr lang="en-US" dirty="0"/>
           </a:p>
@@ -1415,7 +1331,7 @@
           <a:p>
             <a:fld id="{8141BC61-5547-4A60-8DA1-6699760D9972}" type="datetime1">
               <a:rPr lang="en-US" smtClean="0"/>
-              <a:t>8/13/22</a:t>
+              <a:t>8/15/22</a:t>
             </a:fld>
             <a:endParaRPr lang="en-US" dirty="0"/>
           </a:p>
@@ -1600,7 +1516,7 @@
           <a:p>
             <a:fld id="{24B9D1C6-60D0-4CD1-8F31-F912522EB041}" type="datetime1">
               <a:rPr lang="en-US" smtClean="0"/>
-              <a:t>8/13/22</a:t>
+              <a:t>8/15/22</a:t>
             </a:fld>
             <a:endParaRPr lang="en-US" dirty="0"/>
           </a:p>
@@ -1829,7 +1745,7 @@
           <a:p>
             <a:fld id="{47A4ED5C-5A53-433E-8A55-46F54CE81DA5}" type="datetime1">
               <a:rPr lang="en-US" smtClean="0"/>
-              <a:t>8/13/22</a:t>
+              <a:t>8/15/22</a:t>
             </a:fld>
             <a:endParaRPr lang="en-US" dirty="0"/>
           </a:p>
@@ -2156,7 +2072,7 @@
           <a:p>
             <a:fld id="{29CABC0C-B6DF-45E9-B954-11C99AA62C3E}" type="datetime1">
               <a:rPr lang="en-US" smtClean="0"/>
-              <a:t>8/13/22</a:t>
+              <a:t>8/15/22</a:t>
             </a:fld>
             <a:endParaRPr lang="en-US" dirty="0"/>
           </a:p>
@@ -2452,7 +2368,7 @@
           <a:p>
             <a:fld id="{A4AB71B9-2624-4F21-93EE-35A78B1A0DAD}" type="datetime1">
               <a:rPr lang="en-US" smtClean="0"/>
-              <a:t>8/13/22</a:t>
+              <a:t>8/15/22</a:t>
             </a:fld>
             <a:endParaRPr lang="en-US" dirty="0"/>
           </a:p>
@@ -2873,7 +2789,7 @@
           <a:p>
             <a:fld id="{36D37C2A-BE2E-4840-A907-3254E2916C96}" type="datetime1">
               <a:rPr lang="en-US" smtClean="0"/>
-              <a:t>8/13/22</a:t>
+              <a:t>8/15/22</a:t>
             </a:fld>
             <a:endParaRPr lang="en-US" dirty="0"/>
           </a:p>
@@ -3071,7 +2987,7 @@
           <a:p>
             <a:fld id="{005CD215-1C45-48A0-8534-39FFE8A7C95A}" type="datetime1">
               <a:rPr lang="en-US" smtClean="0"/>
-              <a:t>8/13/22</a:t>
+              <a:t>8/15/22</a:t>
             </a:fld>
             <a:endParaRPr lang="en-US" dirty="0"/>
           </a:p>
@@ -3180,7 +3096,7 @@
           <a:p>
             <a:fld id="{D3363A0F-DEF3-4134-98D0-2E1276938A8B}" type="datetime1">
               <a:rPr lang="en-US" smtClean="0"/>
-              <a:t>8/13/22</a:t>
+              <a:t>8/15/22</a:t>
             </a:fld>
             <a:endParaRPr lang="en-US" dirty="0"/>
           </a:p>
@@ -3601,7 +3517,7 @@
           <a:p>
             <a:fld id="{61A2E4C8-2960-4ADD-862C-4D9643CB15AC}" type="datetime1">
               <a:rPr lang="en-US" smtClean="0"/>
-              <a:t>8/13/22</a:t>
+              <a:t>8/15/22</a:t>
             </a:fld>
             <a:endParaRPr lang="en-US" dirty="0"/>
           </a:p>
@@ -3954,7 +3870,7 @@
           <a:p>
             <a:fld id="{48BDEA15-09CD-4275-A8E0-385C965F48B0}" type="datetime1">
               <a:rPr lang="en-US" smtClean="0"/>
-              <a:t>8/13/22</a:t>
+              <a:t>8/15/22</a:t>
             </a:fld>
             <a:endParaRPr lang="en-US" dirty="0"/>
           </a:p>
@@ -4259,7 +4175,7 @@
           <a:p>
             <a:fld id="{4AF8082C-0922-4249-A612-B415F5231620}" type="datetime1">
               <a:rPr lang="en-US" smtClean="0"/>
-              <a:t>8/13/22</a:t>
+              <a:t>8/15/22</a:t>
             </a:fld>
             <a:endParaRPr lang="en-US" dirty="0"/>
           </a:p>
@@ -6965,8 +6881,8 @@
           </a:p>
         </p:txBody>
       </p:sp>
-      <mc:AlternateContent xmlns:mc="http://schemas.openxmlformats.org/markup-compatibility/2006">
-        <mc:Choice xmlns:a14="http://schemas.microsoft.com/office/drawing/2010/main" Requires="a14">
+      <mc:AlternateContent xmlns:mc="http://schemas.openxmlformats.org/markup-compatibility/2006" xmlns:a14="http://schemas.microsoft.com/office/drawing/2010/main">
+        <mc:Choice Requires="a14">
           <p:sp>
             <p:nvSpPr>
               <p:cNvPr id="3" name="Content Placeholder 2">
@@ -7085,13 +7001,7 @@
                       <a:rPr lang="en-US" b="0" i="1" smtClean="0">
                         <a:latin typeface="Cambria Math" panose="02040503050406030204" pitchFamily="18" charset="0"/>
                       </a:rPr>
-                      <m:t>=</m:t>
-                    </m:r>
-                    <m:r>
-                      <a:rPr lang="en-US" b="0" i="1" smtClean="0">
-                        <a:latin typeface="Cambria Math" panose="02040503050406030204" pitchFamily="18" charset="0"/>
-                      </a:rPr>
-                      <m:t> </m:t>
+                      <m:t>= </m:t>
                     </m:r>
                     <m:f>
                       <m:fPr>
@@ -7195,7 +7105,7 @@
             </p:txBody>
           </p:sp>
         </mc:Choice>
-        <mc:Fallback>
+        <mc:Fallback xmlns="">
           <p:sp>
             <p:nvSpPr>
               <p:cNvPr id="3" name="Content Placeholder 2">
@@ -7273,7 +7183,14 @@
               </a:lnSpc>
             </a:pPr>
             <a:r>
-              <a:rPr lang="en-US" sz="1400" dirty="0"/>
+              <a:rPr lang="en-US" sz="1400" dirty="0">
+                <a:solidFill>
+                  <a:schemeClr val="tx1">
+                    <a:lumMod val="75000"/>
+                    <a:lumOff val="25000"/>
+                  </a:schemeClr>
+                </a:solidFill>
+              </a:rPr>
               <a:t>P(A|B): Conditional probability of event A occurring, given the event B (posterior)</a:t>
             </a:r>
           </a:p>
@@ -7284,7 +7201,14 @@
               </a:lnSpc>
             </a:pPr>
             <a:r>
-              <a:rPr lang="en-US" sz="1400" dirty="0"/>
+              <a:rPr lang="en-US" sz="1400" dirty="0">
+                <a:solidFill>
+                  <a:schemeClr val="tx1">
+                    <a:lumMod val="75000"/>
+                    <a:lumOff val="25000"/>
+                  </a:schemeClr>
+                </a:solidFill>
+              </a:rPr>
               <a:t>P(A): Probability of event A occurring (prior)</a:t>
             </a:r>
           </a:p>
@@ -7295,7 +7219,14 @@
               </a:lnSpc>
             </a:pPr>
             <a:r>
-              <a:rPr lang="en-US" sz="1400" dirty="0"/>
+              <a:rPr lang="en-US" sz="1400" dirty="0">
+                <a:solidFill>
+                  <a:schemeClr val="tx1">
+                    <a:lumMod val="75000"/>
+                    <a:lumOff val="25000"/>
+                  </a:schemeClr>
+                </a:solidFill>
+              </a:rPr>
               <a:t>P(B): Probability of event B occurring (prior)</a:t>
             </a:r>
           </a:p>
@@ -7306,7 +7237,14 @@
               </a:lnSpc>
             </a:pPr>
             <a:r>
-              <a:rPr lang="en-US" sz="1400" dirty="0"/>
+              <a:rPr lang="en-US" sz="1400" dirty="0">
+                <a:solidFill>
+                  <a:schemeClr val="tx1">
+                    <a:lumMod val="75000"/>
+                    <a:lumOff val="25000"/>
+                  </a:schemeClr>
+                </a:solidFill>
+              </a:rPr>
               <a:t>P(B|A): Conditional probability of event B occurring, given the event A (likelihood)</a:t>
             </a:r>
           </a:p>
@@ -7742,6 +7680,12 @@
                     <m:oMath xmlns:m="http://schemas.openxmlformats.org/officeDocument/2006/math">
                       <m:r>
                         <a:rPr lang="en-US" b="0" i="1" smtClean="0">
+                          <a:solidFill>
+                            <a:schemeClr val="tx1">
+                              <a:lumMod val="75000"/>
+                              <a:lumOff val="25000"/>
+                            </a:schemeClr>
+                          </a:solidFill>
                           <a:latin typeface="Cambria Math" panose="02040503050406030204" pitchFamily="18" charset="0"/>
                         </a:rPr>
                         <m:t>𝑃</m:t>
@@ -7750,6 +7694,12 @@
                         <m:dPr>
                           <m:ctrlPr>
                             <a:rPr lang="en-US" b="0" i="1">
+                              <a:solidFill>
+                                <a:schemeClr val="tx1">
+                                  <a:lumMod val="75000"/>
+                                  <a:lumOff val="25000"/>
+                                </a:schemeClr>
+                              </a:solidFill>
                               <a:latin typeface="Cambria Math" panose="02040503050406030204" pitchFamily="18" charset="0"/>
                             </a:rPr>
                           </m:ctrlPr>
@@ -7759,6 +7709,12 @@
                             <m:sSubPr>
                               <m:ctrlPr>
                                 <a:rPr lang="en-US" b="0" i="1">
+                                  <a:solidFill>
+                                    <a:schemeClr val="tx1">
+                                      <a:lumMod val="75000"/>
+                                      <a:lumOff val="25000"/>
+                                    </a:schemeClr>
+                                  </a:solidFill>
                                   <a:latin typeface="Cambria Math" panose="02040503050406030204" pitchFamily="18" charset="0"/>
                                 </a:rPr>
                               </m:ctrlPr>
@@ -7766,6 +7722,12 @@
                             <m:e>
                               <m:r>
                                 <a:rPr lang="en-US" b="0" i="1">
+                                  <a:solidFill>
+                                    <a:schemeClr val="tx1">
+                                      <a:lumMod val="75000"/>
+                                      <a:lumOff val="25000"/>
+                                    </a:schemeClr>
+                                  </a:solidFill>
                                   <a:latin typeface="Cambria Math" panose="02040503050406030204" pitchFamily="18" charset="0"/>
                                 </a:rPr>
                                 <m:t>𝐶</m:t>
@@ -7774,6 +7736,12 @@
                             <m:sub>
                               <m:r>
                                 <a:rPr lang="en-US" b="0" i="1">
+                                  <a:solidFill>
+                                    <a:schemeClr val="tx1">
+                                      <a:lumMod val="75000"/>
+                                      <a:lumOff val="25000"/>
+                                    </a:schemeClr>
+                                  </a:solidFill>
                                   <a:latin typeface="Cambria Math" panose="02040503050406030204" pitchFamily="18" charset="0"/>
                                 </a:rPr>
                                 <m:t>𝑘</m:t>
@@ -7784,6 +7752,12 @@
                         <m:e>
                           <m:r>
                             <a:rPr lang="en-US" b="0" i="1">
+                              <a:solidFill>
+                                <a:schemeClr val="tx1">
+                                  <a:lumMod val="75000"/>
+                                  <a:lumOff val="25000"/>
+                                </a:schemeClr>
+                              </a:solidFill>
                               <a:latin typeface="Cambria Math" panose="02040503050406030204" pitchFamily="18" charset="0"/>
                             </a:rPr>
                             <m:t>𝑋</m:t>
@@ -7792,6 +7766,12 @@
                       </m:d>
                       <m:r>
                         <a:rPr lang="en-US" b="0" i="1">
+                          <a:solidFill>
+                            <a:schemeClr val="tx1">
+                              <a:lumMod val="75000"/>
+                              <a:lumOff val="25000"/>
+                            </a:schemeClr>
+                          </a:solidFill>
                           <a:latin typeface="Cambria Math" panose="02040503050406030204" pitchFamily="18" charset="0"/>
                         </a:rPr>
                         <m:t>= </m:t>
@@ -7800,6 +7780,12 @@
                         <m:fPr>
                           <m:ctrlPr>
                             <a:rPr lang="en-US" b="0" i="1">
+                              <a:solidFill>
+                                <a:schemeClr val="tx1">
+                                  <a:lumMod val="75000"/>
+                                  <a:lumOff val="25000"/>
+                                </a:schemeClr>
+                              </a:solidFill>
                               <a:latin typeface="Cambria Math" panose="02040503050406030204" pitchFamily="18" charset="0"/>
                             </a:rPr>
                           </m:ctrlPr>
@@ -7807,12 +7793,24 @@
                         <m:num>
                           <m:r>
                             <a:rPr lang="en-US" b="0" i="1">
+                              <a:solidFill>
+                                <a:schemeClr val="tx1">
+                                  <a:lumMod val="75000"/>
+                                  <a:lumOff val="25000"/>
+                                </a:schemeClr>
+                              </a:solidFill>
                               <a:latin typeface="Cambria Math" panose="02040503050406030204" pitchFamily="18" charset="0"/>
                             </a:rPr>
                             <m:t>𝑃</m:t>
                           </m:r>
                           <m:r>
                             <a:rPr lang="en-US" b="0" i="1">
+                              <a:solidFill>
+                                <a:schemeClr val="tx1">
+                                  <a:lumMod val="75000"/>
+                                  <a:lumOff val="25000"/>
+                                </a:schemeClr>
+                              </a:solidFill>
                               <a:latin typeface="Cambria Math" panose="02040503050406030204" pitchFamily="18" charset="0"/>
                             </a:rPr>
                             <m:t>(</m:t>
@@ -7821,6 +7819,12 @@
                             <m:sSubPr>
                               <m:ctrlPr>
                                 <a:rPr lang="en-US" b="0" i="1">
+                                  <a:solidFill>
+                                    <a:schemeClr val="tx1">
+                                      <a:lumMod val="75000"/>
+                                      <a:lumOff val="25000"/>
+                                    </a:schemeClr>
+                                  </a:solidFill>
                                   <a:latin typeface="Cambria Math" panose="02040503050406030204" pitchFamily="18" charset="0"/>
                                 </a:rPr>
                               </m:ctrlPr>
@@ -7828,6 +7832,12 @@
                             <m:e>
                               <m:r>
                                 <a:rPr lang="en-US" b="0" i="1">
+                                  <a:solidFill>
+                                    <a:schemeClr val="tx1">
+                                      <a:lumMod val="75000"/>
+                                      <a:lumOff val="25000"/>
+                                    </a:schemeClr>
+                                  </a:solidFill>
                                   <a:latin typeface="Cambria Math" panose="02040503050406030204" pitchFamily="18" charset="0"/>
                                 </a:rPr>
                                 <m:t>𝐶</m:t>
@@ -7836,6 +7846,12 @@
                             <m:sub>
                               <m:r>
                                 <a:rPr lang="en-US" b="0" i="1">
+                                  <a:solidFill>
+                                    <a:schemeClr val="tx1">
+                                      <a:lumMod val="75000"/>
+                                      <a:lumOff val="25000"/>
+                                    </a:schemeClr>
+                                  </a:solidFill>
                                   <a:latin typeface="Cambria Math" panose="02040503050406030204" pitchFamily="18" charset="0"/>
                                 </a:rPr>
                                 <m:t>𝑘</m:t>
@@ -7844,12 +7860,24 @@
                           </m:sSub>
                           <m:r>
                             <a:rPr lang="en-US" b="0" i="1">
+                              <a:solidFill>
+                                <a:schemeClr val="tx1">
+                                  <a:lumMod val="75000"/>
+                                  <a:lumOff val="25000"/>
+                                </a:schemeClr>
+                              </a:solidFill>
                               <a:latin typeface="Cambria Math" panose="02040503050406030204" pitchFamily="18" charset="0"/>
                             </a:rPr>
                             <m:t>)</m:t>
                           </m:r>
                           <m:r>
                             <a:rPr lang="en-US" b="0" i="1">
+                              <a:solidFill>
+                                <a:schemeClr val="tx1">
+                                  <a:lumMod val="75000"/>
+                                  <a:lumOff val="25000"/>
+                                </a:schemeClr>
+                              </a:solidFill>
                               <a:latin typeface="Cambria Math" panose="02040503050406030204" pitchFamily="18" charset="0"/>
                             </a:rPr>
                             <m:t>𝑃</m:t>
@@ -7858,6 +7886,12 @@
                             <m:dPr>
                               <m:ctrlPr>
                                 <a:rPr lang="en-US" b="0" i="1">
+                                  <a:solidFill>
+                                    <a:schemeClr val="tx1">
+                                      <a:lumMod val="75000"/>
+                                      <a:lumOff val="25000"/>
+                                    </a:schemeClr>
+                                  </a:solidFill>
                                   <a:latin typeface="Cambria Math" panose="02040503050406030204" pitchFamily="18" charset="0"/>
                                 </a:rPr>
                               </m:ctrlPr>
@@ -7865,6 +7899,12 @@
                             <m:e>
                               <m:r>
                                 <a:rPr lang="en-US" b="0" i="1">
+                                  <a:solidFill>
+                                    <a:schemeClr val="tx1">
+                                      <a:lumMod val="75000"/>
+                                      <a:lumOff val="25000"/>
+                                    </a:schemeClr>
+                                  </a:solidFill>
                                   <a:latin typeface="Cambria Math" panose="02040503050406030204" pitchFamily="18" charset="0"/>
                                 </a:rPr>
                                 <m:t>𝑋</m:t>
@@ -7875,6 +7915,12 @@
                                 <m:sSubPr>
                                   <m:ctrlPr>
                                     <a:rPr lang="en-US" b="0" i="1">
+                                      <a:solidFill>
+                                        <a:schemeClr val="tx1">
+                                          <a:lumMod val="75000"/>
+                                          <a:lumOff val="25000"/>
+                                        </a:schemeClr>
+                                      </a:solidFill>
                                       <a:latin typeface="Cambria Math" panose="02040503050406030204" pitchFamily="18" charset="0"/>
                                     </a:rPr>
                                   </m:ctrlPr>
@@ -7882,6 +7928,12 @@
                                 <m:e>
                                   <m:r>
                                     <a:rPr lang="en-US" b="0" i="1">
+                                      <a:solidFill>
+                                        <a:schemeClr val="tx1">
+                                          <a:lumMod val="75000"/>
+                                          <a:lumOff val="25000"/>
+                                        </a:schemeClr>
+                                      </a:solidFill>
                                       <a:latin typeface="Cambria Math" panose="02040503050406030204" pitchFamily="18" charset="0"/>
                                     </a:rPr>
                                     <m:t>𝐶</m:t>
@@ -7890,6 +7942,12 @@
                                 <m:sub>
                                   <m:r>
                                     <a:rPr lang="en-US" b="0" i="1">
+                                      <a:solidFill>
+                                        <a:schemeClr val="tx1">
+                                          <a:lumMod val="75000"/>
+                                          <a:lumOff val="25000"/>
+                                        </a:schemeClr>
+                                      </a:solidFill>
                                       <a:latin typeface="Cambria Math" panose="02040503050406030204" pitchFamily="18" charset="0"/>
                                     </a:rPr>
                                     <m:t>𝑘</m:t>
@@ -7902,24 +7960,48 @@
                         <m:den>
                           <m:r>
                             <a:rPr lang="en-US" b="0" i="1">
+                              <a:solidFill>
+                                <a:schemeClr val="tx1">
+                                  <a:lumMod val="75000"/>
+                                  <a:lumOff val="25000"/>
+                                </a:schemeClr>
+                              </a:solidFill>
                               <a:latin typeface="Cambria Math" panose="02040503050406030204" pitchFamily="18" charset="0"/>
                             </a:rPr>
                             <m:t>𝑃</m:t>
                           </m:r>
                           <m:r>
                             <a:rPr lang="en-US" b="0" i="1">
+                              <a:solidFill>
+                                <a:schemeClr val="tx1">
+                                  <a:lumMod val="75000"/>
+                                  <a:lumOff val="25000"/>
+                                </a:schemeClr>
+                              </a:solidFill>
                               <a:latin typeface="Cambria Math" panose="02040503050406030204" pitchFamily="18" charset="0"/>
                             </a:rPr>
                             <m:t>(</m:t>
                           </m:r>
                           <m:r>
                             <a:rPr lang="en-US" b="0" i="1">
+                              <a:solidFill>
+                                <a:schemeClr val="tx1">
+                                  <a:lumMod val="75000"/>
+                                  <a:lumOff val="25000"/>
+                                </a:schemeClr>
+                              </a:solidFill>
                               <a:latin typeface="Cambria Math" panose="02040503050406030204" pitchFamily="18" charset="0"/>
                             </a:rPr>
                             <m:t>𝑋</m:t>
                           </m:r>
                           <m:r>
                             <a:rPr lang="en-US" b="0" i="1">
+                              <a:solidFill>
+                                <a:schemeClr val="tx1">
+                                  <a:lumMod val="75000"/>
+                                  <a:lumOff val="25000"/>
+                                </a:schemeClr>
+                              </a:solidFill>
                               <a:latin typeface="Cambria Math" panose="02040503050406030204" pitchFamily="18" charset="0"/>
                             </a:rPr>
                             <m:t>)</m:t>
@@ -7928,18 +8010,36 @@
                       </m:f>
                       <m:r>
                         <a:rPr lang="en-US" b="0" i="1">
+                          <a:solidFill>
+                            <a:schemeClr val="tx1">
+                              <a:lumMod val="75000"/>
+                              <a:lumOff val="25000"/>
+                            </a:schemeClr>
+                          </a:solidFill>
                           <a:latin typeface="Cambria Math" panose="02040503050406030204" pitchFamily="18" charset="0"/>
                         </a:rPr>
                         <m:t> , </m:t>
                       </m:r>
                       <m:r>
                         <a:rPr lang="en-US" b="0" i="1">
+                          <a:solidFill>
+                            <a:schemeClr val="tx1">
+                              <a:lumMod val="75000"/>
+                              <a:lumOff val="25000"/>
+                            </a:schemeClr>
+                          </a:solidFill>
                           <a:latin typeface="Cambria Math" panose="02040503050406030204" pitchFamily="18" charset="0"/>
                         </a:rPr>
                         <m:t>𝑋</m:t>
                       </m:r>
                       <m:r>
                         <a:rPr lang="en-US" b="0" i="1">
+                          <a:solidFill>
+                            <a:schemeClr val="tx1">
+                              <a:lumMod val="75000"/>
+                              <a:lumOff val="25000"/>
+                            </a:schemeClr>
+                          </a:solidFill>
                           <a:latin typeface="Cambria Math" panose="02040503050406030204" pitchFamily="18" charset="0"/>
                         </a:rPr>
                         <m:t>=</m:t>
@@ -7948,6 +8048,12 @@
                         <m:dPr>
                           <m:ctrlPr>
                             <a:rPr lang="en-US" b="0" i="1">
+                              <a:solidFill>
+                                <a:schemeClr val="tx1">
+                                  <a:lumMod val="75000"/>
+                                  <a:lumOff val="25000"/>
+                                </a:schemeClr>
+                              </a:solidFill>
                               <a:latin typeface="Cambria Math" panose="02040503050406030204" pitchFamily="18" charset="0"/>
                             </a:rPr>
                           </m:ctrlPr>
@@ -7957,6 +8063,12 @@
                             <m:sSubPr>
                               <m:ctrlPr>
                                 <a:rPr lang="en-US" b="0" i="1">
+                                  <a:solidFill>
+                                    <a:schemeClr val="tx1">
+                                      <a:lumMod val="75000"/>
+                                      <a:lumOff val="25000"/>
+                                    </a:schemeClr>
+                                  </a:solidFill>
                                   <a:latin typeface="Cambria Math" panose="02040503050406030204" pitchFamily="18" charset="0"/>
                                 </a:rPr>
                               </m:ctrlPr>
@@ -7964,6 +8076,12 @@
                             <m:e>
                               <m:r>
                                 <a:rPr lang="en-US" b="0" i="1">
+                                  <a:solidFill>
+                                    <a:schemeClr val="tx1">
+                                      <a:lumMod val="75000"/>
+                                      <a:lumOff val="25000"/>
+                                    </a:schemeClr>
+                                  </a:solidFill>
                                   <a:latin typeface="Cambria Math" panose="02040503050406030204" pitchFamily="18" charset="0"/>
                                 </a:rPr>
                                 <m:t>𝑥</m:t>
@@ -7972,6 +8090,12 @@
                             <m:sub>
                               <m:r>
                                 <a:rPr lang="en-US" b="0" i="1">
+                                  <a:solidFill>
+                                    <a:schemeClr val="tx1">
+                                      <a:lumMod val="75000"/>
+                                      <a:lumOff val="25000"/>
+                                    </a:schemeClr>
+                                  </a:solidFill>
                                   <a:latin typeface="Cambria Math" panose="02040503050406030204" pitchFamily="18" charset="0"/>
                                 </a:rPr>
                                 <m:t>1</m:t>
@@ -7980,6 +8104,12 @@
                           </m:sSub>
                           <m:r>
                             <a:rPr lang="en-US" b="0" i="1">
+                              <a:solidFill>
+                                <a:schemeClr val="tx1">
+                                  <a:lumMod val="75000"/>
+                                  <a:lumOff val="25000"/>
+                                </a:schemeClr>
+                              </a:solidFill>
                               <a:latin typeface="Cambria Math" panose="02040503050406030204" pitchFamily="18" charset="0"/>
                             </a:rPr>
                             <m:t>,</m:t>
@@ -7988,6 +8118,12 @@
                             <m:sSubPr>
                               <m:ctrlPr>
                                 <a:rPr lang="en-US" b="0" i="1">
+                                  <a:solidFill>
+                                    <a:schemeClr val="tx1">
+                                      <a:lumMod val="75000"/>
+                                      <a:lumOff val="25000"/>
+                                    </a:schemeClr>
+                                  </a:solidFill>
                                   <a:latin typeface="Cambria Math" panose="02040503050406030204" pitchFamily="18" charset="0"/>
                                 </a:rPr>
                               </m:ctrlPr>
@@ -7995,6 +8131,12 @@
                             <m:e>
                               <m:r>
                                 <a:rPr lang="en-US" b="0" i="1">
+                                  <a:solidFill>
+                                    <a:schemeClr val="tx1">
+                                      <a:lumMod val="75000"/>
+                                      <a:lumOff val="25000"/>
+                                    </a:schemeClr>
+                                  </a:solidFill>
                                   <a:latin typeface="Cambria Math" panose="02040503050406030204" pitchFamily="18" charset="0"/>
                                 </a:rPr>
                                 <m:t>𝑥</m:t>
@@ -8003,6 +8145,12 @@
                             <m:sub>
                               <m:r>
                                 <a:rPr lang="en-US" b="0" i="1">
+                                  <a:solidFill>
+                                    <a:schemeClr val="tx1">
+                                      <a:lumMod val="75000"/>
+                                      <a:lumOff val="25000"/>
+                                    </a:schemeClr>
+                                  </a:solidFill>
                                   <a:latin typeface="Cambria Math" panose="02040503050406030204" pitchFamily="18" charset="0"/>
                                 </a:rPr>
                                 <m:t>2</m:t>
@@ -8011,6 +8159,12 @@
                           </m:sSub>
                           <m:r>
                             <a:rPr lang="en-US" b="0" i="1">
+                              <a:solidFill>
+                                <a:schemeClr val="tx1">
+                                  <a:lumMod val="75000"/>
+                                  <a:lumOff val="25000"/>
+                                </a:schemeClr>
+                              </a:solidFill>
                               <a:latin typeface="Cambria Math" panose="02040503050406030204" pitchFamily="18" charset="0"/>
                             </a:rPr>
                             <m:t>,</m:t>
@@ -8019,6 +8173,12 @@
                             <m:sSubPr>
                               <m:ctrlPr>
                                 <a:rPr lang="en-US" b="0" i="1">
+                                  <a:solidFill>
+                                    <a:schemeClr val="tx1">
+                                      <a:lumMod val="75000"/>
+                                      <a:lumOff val="25000"/>
+                                    </a:schemeClr>
+                                  </a:solidFill>
                                   <a:latin typeface="Cambria Math" panose="02040503050406030204" pitchFamily="18" charset="0"/>
                                 </a:rPr>
                               </m:ctrlPr>
@@ -8026,6 +8186,12 @@
                             <m:e>
                               <m:r>
                                 <a:rPr lang="en-US" b="0" i="1">
+                                  <a:solidFill>
+                                    <a:schemeClr val="tx1">
+                                      <a:lumMod val="75000"/>
+                                      <a:lumOff val="25000"/>
+                                    </a:schemeClr>
+                                  </a:solidFill>
                                   <a:latin typeface="Cambria Math" panose="02040503050406030204" pitchFamily="18" charset="0"/>
                                 </a:rPr>
                                 <m:t>𝑥</m:t>
@@ -8034,6 +8200,12 @@
                             <m:sub>
                               <m:r>
                                 <a:rPr lang="en-US" b="0" i="1">
+                                  <a:solidFill>
+                                    <a:schemeClr val="tx1">
+                                      <a:lumMod val="75000"/>
+                                      <a:lumOff val="25000"/>
+                                    </a:schemeClr>
+                                  </a:solidFill>
                                   <a:latin typeface="Cambria Math" panose="02040503050406030204" pitchFamily="18" charset="0"/>
                                 </a:rPr>
                                 <m:t>3,</m:t>
@@ -8042,6 +8214,12 @@
                           </m:sSub>
                           <m:r>
                             <a:rPr lang="en-US" b="0" i="1">
+                              <a:solidFill>
+                                <a:schemeClr val="tx1">
+                                  <a:lumMod val="75000"/>
+                                  <a:lumOff val="25000"/>
+                                </a:schemeClr>
+                              </a:solidFill>
                               <a:latin typeface="Cambria Math" panose="02040503050406030204" pitchFamily="18" charset="0"/>
                             </a:rPr>
                             <m:t>,…,</m:t>
@@ -8050,6 +8228,12 @@
                             <m:sSubPr>
                               <m:ctrlPr>
                                 <a:rPr lang="en-US" b="0" i="1">
+                                  <a:solidFill>
+                                    <a:schemeClr val="tx1">
+                                      <a:lumMod val="75000"/>
+                                      <a:lumOff val="25000"/>
+                                    </a:schemeClr>
+                                  </a:solidFill>
                                   <a:latin typeface="Cambria Math" panose="02040503050406030204" pitchFamily="18" charset="0"/>
                                 </a:rPr>
                               </m:ctrlPr>
@@ -8057,6 +8241,12 @@
                             <m:e>
                               <m:r>
                                 <a:rPr lang="en-US" b="0" i="1">
+                                  <a:solidFill>
+                                    <a:schemeClr val="tx1">
+                                      <a:lumMod val="75000"/>
+                                      <a:lumOff val="25000"/>
+                                    </a:schemeClr>
+                                  </a:solidFill>
                                   <a:latin typeface="Cambria Math" panose="02040503050406030204" pitchFamily="18" charset="0"/>
                                 </a:rPr>
                                 <m:t>𝑥</m:t>
@@ -8065,6 +8255,12 @@
                             <m:sub>
                               <m:r>
                                 <a:rPr lang="en-US" b="0" i="1">
+                                  <a:solidFill>
+                                    <a:schemeClr val="tx1">
+                                      <a:lumMod val="75000"/>
+                                      <a:lumOff val="25000"/>
+                                    </a:schemeClr>
+                                  </a:solidFill>
                                   <a:latin typeface="Cambria Math" panose="02040503050406030204" pitchFamily="18" charset="0"/>
                                 </a:rPr>
                                 <m:t>𝑛</m:t>
@@ -8076,11 +8272,23 @@
                     </m:oMath>
                   </m:oMathPara>
                 </a14:m>
-                <a:endParaRPr lang="en-US" b="0" dirty="0"/>
+                <a:endParaRPr lang="en-US" b="0" dirty="0">
+                  <a:solidFill>
+                    <a:schemeClr val="tx1">
+                      <a:lumMod val="75000"/>
+                      <a:lumOff val="25000"/>
+                    </a:schemeClr>
+                  </a:solidFill>
+                </a:endParaRPr>
               </a:p>
               <a:p>
-                <a:pPr/>
                 <a:endParaRPr lang="en-US" b="0" i="1" dirty="0">
+                  <a:solidFill>
+                    <a:schemeClr val="tx1">
+                      <a:lumMod val="75000"/>
+                      <a:lumOff val="25000"/>
+                    </a:schemeClr>
+                  </a:solidFill>
                   <a:latin typeface="Cambria Math" panose="02040503050406030204" pitchFamily="18" charset="0"/>
                 </a:endParaRPr>
               </a:p>
@@ -8094,6 +8302,12 @@
                     <m:oMath xmlns:m="http://schemas.openxmlformats.org/officeDocument/2006/math">
                       <m:r>
                         <a:rPr lang="en-US" b="0" i="1">
+                          <a:solidFill>
+                            <a:schemeClr val="tx1">
+                              <a:lumMod val="75000"/>
+                              <a:lumOff val="25000"/>
+                            </a:schemeClr>
+                          </a:solidFill>
                           <a:latin typeface="Cambria Math" panose="02040503050406030204" pitchFamily="18" charset="0"/>
                         </a:rPr>
                         <m:t>𝑃</m:t>
@@ -8102,6 +8316,84 @@
                         <m:dPr>
                           <m:ctrlPr>
                             <a:rPr lang="en-US" b="0" i="1">
+                              <a:solidFill>
+                                <a:schemeClr val="tx1">
+                                  <a:lumMod val="75000"/>
+                                  <a:lumOff val="25000"/>
+                                </a:schemeClr>
+                              </a:solidFill>
+                              <a:latin typeface="Cambria Math" panose="02040503050406030204" pitchFamily="18" charset="0"/>
+                            </a:rPr>
+                          </m:ctrlPr>
+                        </m:dPr>
+                        <m:e>
+                          <m:sSub>
+                            <m:sSubPr>
+                              <m:ctrlPr>
+                                <a:rPr lang="en-US" b="0" i="1">
+                                  <a:solidFill>
+                                    <a:schemeClr val="tx1">
+                                      <a:lumMod val="75000"/>
+                                      <a:lumOff val="25000"/>
+                                    </a:schemeClr>
+                                  </a:solidFill>
+                                  <a:latin typeface="Cambria Math" panose="02040503050406030204" pitchFamily="18" charset="0"/>
+                                </a:rPr>
+                              </m:ctrlPr>
+                            </m:sSubPr>
+                            <m:e>
+                              <m:r>
+                                <a:rPr lang="en-US" b="0" i="1">
+                                  <a:solidFill>
+                                    <a:schemeClr val="tx1">
+                                      <a:lumMod val="75000"/>
+                                      <a:lumOff val="25000"/>
+                                    </a:schemeClr>
+                                  </a:solidFill>
+                                  <a:latin typeface="Cambria Math" panose="02040503050406030204" pitchFamily="18" charset="0"/>
+                                </a:rPr>
+                                <m:t>𝐶</m:t>
+                              </m:r>
+                            </m:e>
+                            <m:sub>
+                              <m:r>
+                                <a:rPr lang="en-US" b="0" i="1">
+                                  <a:solidFill>
+                                    <a:schemeClr val="tx1">
+                                      <a:lumMod val="75000"/>
+                                      <a:lumOff val="25000"/>
+                                    </a:schemeClr>
+                                  </a:solidFill>
+                                  <a:latin typeface="Cambria Math" panose="02040503050406030204" pitchFamily="18" charset="0"/>
+                                </a:rPr>
+                                <m:t>𝑘</m:t>
+                              </m:r>
+                            </m:sub>
+                          </m:sSub>
+                        </m:e>
+                      </m:d>
+                      <m:r>
+                        <a:rPr lang="en-US" b="0" i="1">
+                          <a:solidFill>
+                            <a:schemeClr val="tx1">
+                              <a:lumMod val="75000"/>
+                              <a:lumOff val="25000"/>
+                            </a:schemeClr>
+                          </a:solidFill>
+                          <a:latin typeface="Cambria Math" panose="02040503050406030204" pitchFamily="18" charset="0"/>
+                        </a:rPr>
+                        <m:t>𝑃</m:t>
+                      </m:r>
+                      <m:d>
+                        <m:dPr>
+                          <m:ctrlPr>
+                            <a:rPr lang="en-US" b="0" i="1">
+                              <a:solidFill>
+                                <a:schemeClr val="tx1">
+                                  <a:lumMod val="75000"/>
+                                  <a:lumOff val="25000"/>
+                                </a:schemeClr>
+                              </a:solidFill>
                               <a:latin typeface="Cambria Math" panose="02040503050406030204" pitchFamily="18" charset="0"/>
                             </a:rPr>
                           </m:ctrlPr>
@@ -8109,6 +8401,12 @@
                         <m:e>
                           <m:r>
                             <a:rPr lang="en-US" b="0" i="1">
+                              <a:solidFill>
+                                <a:schemeClr val="tx1">
+                                  <a:lumMod val="75000"/>
+                                  <a:lumOff val="25000"/>
+                                </a:schemeClr>
+                              </a:solidFill>
                               <a:latin typeface="Cambria Math" panose="02040503050406030204" pitchFamily="18" charset="0"/>
                             </a:rPr>
                             <m:t>𝑋</m:t>
@@ -8119,6 +8417,12 @@
                             <m:sSubPr>
                               <m:ctrlPr>
                                 <a:rPr lang="en-US" b="0" i="1">
+                                  <a:solidFill>
+                                    <a:schemeClr val="tx1">
+                                      <a:lumMod val="75000"/>
+                                      <a:lumOff val="25000"/>
+                                    </a:schemeClr>
+                                  </a:solidFill>
                                   <a:latin typeface="Cambria Math" panose="02040503050406030204" pitchFamily="18" charset="0"/>
                                 </a:rPr>
                               </m:ctrlPr>
@@ -8126,6 +8430,12 @@
                             <m:e>
                               <m:r>
                                 <a:rPr lang="en-US" b="0" i="1">
+                                  <a:solidFill>
+                                    <a:schemeClr val="tx1">
+                                      <a:lumMod val="75000"/>
+                                      <a:lumOff val="25000"/>
+                                    </a:schemeClr>
+                                  </a:solidFill>
                                   <a:latin typeface="Cambria Math" panose="02040503050406030204" pitchFamily="18" charset="0"/>
                                 </a:rPr>
                                 <m:t>𝐶</m:t>
@@ -8134,48 +8444,12 @@
                             <m:sub>
                               <m:r>
                                 <a:rPr lang="en-US" b="0" i="1">
-                                  <a:latin typeface="Cambria Math" panose="02040503050406030204" pitchFamily="18" charset="0"/>
-                                </a:rPr>
-                                <m:t>𝑘</m:t>
-                              </m:r>
-                            </m:sub>
-                          </m:sSub>
-                        </m:e>
-                      </m:d>
-                      <m:r>
-                        <a:rPr lang="en-US" b="0" i="1">
-                          <a:latin typeface="Cambria Math" panose="02040503050406030204" pitchFamily="18" charset="0"/>
-                        </a:rPr>
-                        <m:t>𝑃</m:t>
-                      </m:r>
-                      <m:d>
-                        <m:dPr>
-                          <m:ctrlPr>
-                            <a:rPr lang="en-US" b="0" i="1">
-                              <a:latin typeface="Cambria Math" panose="02040503050406030204" pitchFamily="18" charset="0"/>
-                            </a:rPr>
-                          </m:ctrlPr>
-                        </m:dPr>
-                        <m:e>
-                          <m:sSub>
-                            <m:sSubPr>
-                              <m:ctrlPr>
-                                <a:rPr lang="en-US" b="0" i="1">
-                                  <a:latin typeface="Cambria Math" panose="02040503050406030204" pitchFamily="18" charset="0"/>
-                                </a:rPr>
-                              </m:ctrlPr>
-                            </m:sSubPr>
-                            <m:e>
-                              <m:r>
-                                <a:rPr lang="en-US" b="0" i="1">
-                                  <a:latin typeface="Cambria Math" panose="02040503050406030204" pitchFamily="18" charset="0"/>
-                                </a:rPr>
-                                <m:t>𝐶</m:t>
-                              </m:r>
-                            </m:e>
-                            <m:sub>
-                              <m:r>
-                                <a:rPr lang="en-US" b="0" i="1">
+                                  <a:solidFill>
+                                    <a:schemeClr val="tx1">
+                                      <a:lumMod val="75000"/>
+                                      <a:lumOff val="25000"/>
+                                    </a:schemeClr>
+                                  </a:solidFill>
                                   <a:latin typeface="Cambria Math" panose="02040503050406030204" pitchFamily="18" charset="0"/>
                                 </a:rPr>
                                 <m:t>𝑘</m:t>
@@ -8186,18 +8460,36 @@
                       </m:d>
                       <m:r>
                         <a:rPr lang="en-US" b="0" i="1" smtClean="0">
+                          <a:solidFill>
+                            <a:schemeClr val="tx1">
+                              <a:lumMod val="75000"/>
+                              <a:lumOff val="25000"/>
+                            </a:schemeClr>
+                          </a:solidFill>
                           <a:latin typeface="Cambria Math" panose="02040503050406030204" pitchFamily="18" charset="0"/>
                         </a:rPr>
                         <m:t>=</m:t>
                       </m:r>
                       <m:r>
                         <a:rPr lang="en-US" b="0" i="1" smtClean="0">
+                          <a:solidFill>
+                            <a:schemeClr val="tx1">
+                              <a:lumMod val="75000"/>
+                              <a:lumOff val="25000"/>
+                            </a:schemeClr>
+                          </a:solidFill>
                           <a:latin typeface="Cambria Math" panose="02040503050406030204" pitchFamily="18" charset="0"/>
                         </a:rPr>
                         <m:t>𝑃</m:t>
                       </m:r>
                       <m:r>
                         <a:rPr lang="en-US" b="0" i="1" smtClean="0">
+                          <a:solidFill>
+                            <a:schemeClr val="tx1">
+                              <a:lumMod val="75000"/>
+                              <a:lumOff val="25000"/>
+                            </a:schemeClr>
+                          </a:solidFill>
                           <a:latin typeface="Cambria Math" panose="02040503050406030204" pitchFamily="18" charset="0"/>
                         </a:rPr>
                         <m:t>(</m:t>
@@ -8206,6 +8498,12 @@
                         <m:sSubPr>
                           <m:ctrlPr>
                             <a:rPr lang="en-US" b="0" i="1">
+                              <a:solidFill>
+                                <a:schemeClr val="tx1">
+                                  <a:lumMod val="75000"/>
+                                  <a:lumOff val="25000"/>
+                                </a:schemeClr>
+                              </a:solidFill>
                               <a:latin typeface="Cambria Math" panose="02040503050406030204" pitchFamily="18" charset="0"/>
                             </a:rPr>
                           </m:ctrlPr>
@@ -8213,6 +8511,12 @@
                         <m:e>
                           <m:r>
                             <a:rPr lang="en-US" b="0" i="1">
+                              <a:solidFill>
+                                <a:schemeClr val="tx1">
+                                  <a:lumMod val="75000"/>
+                                  <a:lumOff val="25000"/>
+                                </a:schemeClr>
+                              </a:solidFill>
                               <a:latin typeface="Cambria Math" panose="02040503050406030204" pitchFamily="18" charset="0"/>
                             </a:rPr>
                             <m:t>𝑥</m:t>
@@ -8221,6 +8525,12 @@
                         <m:sub>
                           <m:r>
                             <a:rPr lang="en-US" b="0" i="1">
+                              <a:solidFill>
+                                <a:schemeClr val="tx1">
+                                  <a:lumMod val="75000"/>
+                                  <a:lumOff val="25000"/>
+                                </a:schemeClr>
+                              </a:solidFill>
                               <a:latin typeface="Cambria Math" panose="02040503050406030204" pitchFamily="18" charset="0"/>
                             </a:rPr>
                             <m:t>1</m:t>
@@ -8229,6 +8539,12 @@
                       </m:sSub>
                       <m:r>
                         <a:rPr lang="en-US" b="0" i="1">
+                          <a:solidFill>
+                            <a:schemeClr val="tx1">
+                              <a:lumMod val="75000"/>
+                              <a:lumOff val="25000"/>
+                            </a:schemeClr>
+                          </a:solidFill>
                           <a:latin typeface="Cambria Math" panose="02040503050406030204" pitchFamily="18" charset="0"/>
                         </a:rPr>
                         <m:t>,</m:t>
@@ -8237,6 +8553,12 @@
                         <m:sSubPr>
                           <m:ctrlPr>
                             <a:rPr lang="en-US" b="0" i="1">
+                              <a:solidFill>
+                                <a:schemeClr val="tx1">
+                                  <a:lumMod val="75000"/>
+                                  <a:lumOff val="25000"/>
+                                </a:schemeClr>
+                              </a:solidFill>
                               <a:latin typeface="Cambria Math" panose="02040503050406030204" pitchFamily="18" charset="0"/>
                             </a:rPr>
                           </m:ctrlPr>
@@ -8244,6 +8566,12 @@
                         <m:e>
                           <m:r>
                             <a:rPr lang="en-US" b="0" i="1">
+                              <a:solidFill>
+                                <a:schemeClr val="tx1">
+                                  <a:lumMod val="75000"/>
+                                  <a:lumOff val="25000"/>
+                                </a:schemeClr>
+                              </a:solidFill>
                               <a:latin typeface="Cambria Math" panose="02040503050406030204" pitchFamily="18" charset="0"/>
                             </a:rPr>
                             <m:t>𝑥</m:t>
@@ -8252,6 +8580,12 @@
                         <m:sub>
                           <m:r>
                             <a:rPr lang="en-US" b="0" i="1">
+                              <a:solidFill>
+                                <a:schemeClr val="tx1">
+                                  <a:lumMod val="75000"/>
+                                  <a:lumOff val="25000"/>
+                                </a:schemeClr>
+                              </a:solidFill>
                               <a:latin typeface="Cambria Math" panose="02040503050406030204" pitchFamily="18" charset="0"/>
                             </a:rPr>
                             <m:t>2</m:t>
@@ -8260,6 +8594,12 @@
                       </m:sSub>
                       <m:r>
                         <a:rPr lang="en-US" b="0" i="1">
+                          <a:solidFill>
+                            <a:schemeClr val="tx1">
+                              <a:lumMod val="75000"/>
+                              <a:lumOff val="25000"/>
+                            </a:schemeClr>
+                          </a:solidFill>
                           <a:latin typeface="Cambria Math" panose="02040503050406030204" pitchFamily="18" charset="0"/>
                         </a:rPr>
                         <m:t>,…,</m:t>
@@ -8268,6 +8608,12 @@
                         <m:sSubPr>
                           <m:ctrlPr>
                             <a:rPr lang="en-US" b="0" i="1">
+                              <a:solidFill>
+                                <a:schemeClr val="tx1">
+                                  <a:lumMod val="75000"/>
+                                  <a:lumOff val="25000"/>
+                                </a:schemeClr>
+                              </a:solidFill>
                               <a:latin typeface="Cambria Math" panose="02040503050406030204" pitchFamily="18" charset="0"/>
                             </a:rPr>
                           </m:ctrlPr>
@@ -8275,6 +8621,12 @@
                         <m:e>
                           <m:r>
                             <a:rPr lang="en-US" b="0" i="1">
+                              <a:solidFill>
+                                <a:schemeClr val="tx1">
+                                  <a:lumMod val="75000"/>
+                                  <a:lumOff val="25000"/>
+                                </a:schemeClr>
+                              </a:solidFill>
                               <a:latin typeface="Cambria Math" panose="02040503050406030204" pitchFamily="18" charset="0"/>
                             </a:rPr>
                             <m:t>𝑥</m:t>
@@ -8283,6 +8635,12 @@
                         <m:sub>
                           <m:r>
                             <a:rPr lang="en-US" b="0" i="1">
+                              <a:solidFill>
+                                <a:schemeClr val="tx1">
+                                  <a:lumMod val="75000"/>
+                                  <a:lumOff val="25000"/>
+                                </a:schemeClr>
+                              </a:solidFill>
                               <a:latin typeface="Cambria Math" panose="02040503050406030204" pitchFamily="18" charset="0"/>
                             </a:rPr>
                             <m:t>𝑛</m:t>
@@ -8291,6 +8649,12 @@
                       </m:sSub>
                       <m:r>
                         <a:rPr lang="en-US" b="0" i="1" smtClean="0">
+                          <a:solidFill>
+                            <a:schemeClr val="tx1">
+                              <a:lumMod val="75000"/>
+                              <a:lumOff val="25000"/>
+                            </a:schemeClr>
+                          </a:solidFill>
                           <a:latin typeface="Cambria Math" panose="02040503050406030204" pitchFamily="18" charset="0"/>
                         </a:rPr>
                         <m:t>,</m:t>
@@ -8299,6 +8663,12 @@
                         <m:sSubPr>
                           <m:ctrlPr>
                             <a:rPr lang="en-US" b="0" i="1">
+                              <a:solidFill>
+                                <a:schemeClr val="tx1">
+                                  <a:lumMod val="75000"/>
+                                  <a:lumOff val="25000"/>
+                                </a:schemeClr>
+                              </a:solidFill>
                               <a:latin typeface="Cambria Math" panose="02040503050406030204" pitchFamily="18" charset="0"/>
                             </a:rPr>
                           </m:ctrlPr>
@@ -8306,6 +8676,12 @@
                         <m:e>
                           <m:r>
                             <a:rPr lang="en-US" b="0" i="1" smtClean="0">
+                              <a:solidFill>
+                                <a:schemeClr val="tx1">
+                                  <a:lumMod val="75000"/>
+                                  <a:lumOff val="25000"/>
+                                </a:schemeClr>
+                              </a:solidFill>
                               <a:latin typeface="Cambria Math" panose="02040503050406030204" pitchFamily="18" charset="0"/>
                             </a:rPr>
                             <m:t>𝐶</m:t>
@@ -8314,6 +8690,12 @@
                         <m:sub>
                           <m:r>
                             <a:rPr lang="en-US" b="0" i="1" smtClean="0">
+                              <a:solidFill>
+                                <a:schemeClr val="tx1">
+                                  <a:lumMod val="75000"/>
+                                  <a:lumOff val="25000"/>
+                                </a:schemeClr>
+                              </a:solidFill>
                               <a:latin typeface="Cambria Math" panose="02040503050406030204" pitchFamily="18" charset="0"/>
                             </a:rPr>
                             <m:t>𝑘</m:t>
@@ -8322,6 +8704,12 @@
                       </m:sSub>
                       <m:r>
                         <a:rPr lang="en-US" b="0" i="1" smtClean="0">
+                          <a:solidFill>
+                            <a:schemeClr val="tx1">
+                              <a:lumMod val="75000"/>
+                              <a:lumOff val="25000"/>
+                            </a:schemeClr>
+                          </a:solidFill>
                           <a:latin typeface="Cambria Math" panose="02040503050406030204" pitchFamily="18" charset="0"/>
                         </a:rPr>
                         <m:t>)</m:t>
@@ -8329,30 +8717,61 @@
                     </m:oMath>
                   </m:oMathPara>
                 </a14:m>
-                <a:endParaRPr lang="en-US" b="0" dirty="0"/>
+                <a:endParaRPr lang="en-US" b="0" dirty="0">
+                  <a:solidFill>
+                    <a:schemeClr val="tx1">
+                      <a:lumMod val="75000"/>
+                      <a:lumOff val="25000"/>
+                    </a:schemeClr>
+                  </a:solidFill>
+                </a:endParaRPr>
               </a:p>
               <a:p>
-                <a:pPr/>
                 <a:r>
-                  <a:rPr lang="en-US" b="0" dirty="0"/>
+                  <a:rPr lang="en-US" b="0" dirty="0">
+                    <a:solidFill>
+                      <a:schemeClr val="tx1">
+                        <a:lumMod val="75000"/>
+                        <a:lumOff val="25000"/>
+                      </a:schemeClr>
+                    </a:solidFill>
+                  </a:rPr>
                   <a:t>	       </a:t>
                 </a:r>
                 <a14:m>
                   <m:oMath xmlns:m="http://schemas.openxmlformats.org/officeDocument/2006/math">
                     <m:r>
                       <a:rPr lang="en-US" b="0" i="0" smtClean="0">
+                        <a:solidFill>
+                          <a:schemeClr val="tx1">
+                            <a:lumMod val="75000"/>
+                            <a:lumOff val="25000"/>
+                          </a:schemeClr>
+                        </a:solidFill>
                         <a:latin typeface="Cambria Math" panose="02040503050406030204" pitchFamily="18" charset="0"/>
                       </a:rPr>
                       <m:t>=</m:t>
                     </m:r>
                     <m:r>
                       <a:rPr lang="en-US" b="0" i="1">
+                        <a:solidFill>
+                          <a:schemeClr val="tx1">
+                            <a:lumMod val="75000"/>
+                            <a:lumOff val="25000"/>
+                          </a:schemeClr>
+                        </a:solidFill>
                         <a:latin typeface="Cambria Math" panose="02040503050406030204" pitchFamily="18" charset="0"/>
                       </a:rPr>
                       <m:t>𝑃</m:t>
                     </m:r>
                     <m:r>
                       <a:rPr lang="en-US" b="0" i="1">
+                        <a:solidFill>
+                          <a:schemeClr val="tx1">
+                            <a:lumMod val="75000"/>
+                            <a:lumOff val="25000"/>
+                          </a:schemeClr>
+                        </a:solidFill>
                         <a:latin typeface="Cambria Math" panose="02040503050406030204" pitchFamily="18" charset="0"/>
                       </a:rPr>
                       <m:t>(</m:t>
@@ -8361,6 +8780,12 @@
                       <m:sSubPr>
                         <m:ctrlPr>
                           <a:rPr lang="en-US" b="0" i="1">
+                            <a:solidFill>
+                              <a:schemeClr val="tx1">
+                                <a:lumMod val="75000"/>
+                                <a:lumOff val="25000"/>
+                              </a:schemeClr>
+                            </a:solidFill>
                             <a:latin typeface="Cambria Math" panose="02040503050406030204" pitchFamily="18" charset="0"/>
                           </a:rPr>
                         </m:ctrlPr>
@@ -8368,6 +8793,12 @@
                       <m:e>
                         <m:r>
                           <a:rPr lang="en-US" b="0" i="1">
+                            <a:solidFill>
+                              <a:schemeClr val="tx1">
+                                <a:lumMod val="75000"/>
+                                <a:lumOff val="25000"/>
+                              </a:schemeClr>
+                            </a:solidFill>
                             <a:latin typeface="Cambria Math" panose="02040503050406030204" pitchFamily="18" charset="0"/>
                           </a:rPr>
                           <m:t>𝑥</m:t>
@@ -8376,6 +8807,12 @@
                       <m:sub>
                         <m:r>
                           <a:rPr lang="en-US" b="0" i="1">
+                            <a:solidFill>
+                              <a:schemeClr val="tx1">
+                                <a:lumMod val="75000"/>
+                                <a:lumOff val="25000"/>
+                              </a:schemeClr>
+                            </a:solidFill>
                             <a:latin typeface="Cambria Math" panose="02040503050406030204" pitchFamily="18" charset="0"/>
                           </a:rPr>
                           <m:t>1</m:t>
@@ -8384,6 +8821,12 @@
                     </m:sSub>
                     <m:r>
                       <a:rPr lang="en-US" b="0" i="1" smtClean="0">
+                        <a:solidFill>
+                          <a:schemeClr val="tx1">
+                            <a:lumMod val="75000"/>
+                            <a:lumOff val="25000"/>
+                          </a:schemeClr>
+                        </a:solidFill>
                         <a:latin typeface="Cambria Math" panose="02040503050406030204" pitchFamily="18" charset="0"/>
                       </a:rPr>
                       <m:t>|</m:t>
@@ -8392,6 +8835,12 @@
                       <m:sSubPr>
                         <m:ctrlPr>
                           <a:rPr lang="en-US" b="0" i="1">
+                            <a:solidFill>
+                              <a:schemeClr val="tx1">
+                                <a:lumMod val="75000"/>
+                                <a:lumOff val="25000"/>
+                              </a:schemeClr>
+                            </a:solidFill>
                             <a:latin typeface="Cambria Math" panose="02040503050406030204" pitchFamily="18" charset="0"/>
                           </a:rPr>
                         </m:ctrlPr>
@@ -8399,6 +8848,12 @@
                       <m:e>
                         <m:r>
                           <a:rPr lang="en-US" b="0" i="1">
+                            <a:solidFill>
+                              <a:schemeClr val="tx1">
+                                <a:lumMod val="75000"/>
+                                <a:lumOff val="25000"/>
+                              </a:schemeClr>
+                            </a:solidFill>
                             <a:latin typeface="Cambria Math" panose="02040503050406030204" pitchFamily="18" charset="0"/>
                           </a:rPr>
                           <m:t>𝑥</m:t>
@@ -8407,6 +8862,12 @@
                       <m:sub>
                         <m:r>
                           <a:rPr lang="en-US" b="0" i="1">
+                            <a:solidFill>
+                              <a:schemeClr val="tx1">
+                                <a:lumMod val="75000"/>
+                                <a:lumOff val="25000"/>
+                              </a:schemeClr>
+                            </a:solidFill>
                             <a:latin typeface="Cambria Math" panose="02040503050406030204" pitchFamily="18" charset="0"/>
                           </a:rPr>
                           <m:t>2</m:t>
@@ -8415,18 +8876,36 @@
                     </m:sSub>
                     <m:r>
                       <a:rPr lang="en-US" b="0" i="1">
+                        <a:solidFill>
+                          <a:schemeClr val="tx1">
+                            <a:lumMod val="75000"/>
+                            <a:lumOff val="25000"/>
+                          </a:schemeClr>
+                        </a:solidFill>
                         <a:latin typeface="Cambria Math" panose="02040503050406030204" pitchFamily="18" charset="0"/>
                       </a:rPr>
                       <m:t>,</m:t>
                     </m:r>
                     <m:r>
                       <a:rPr lang="en-US" b="0" i="1" smtClean="0">
+                        <a:solidFill>
+                          <a:schemeClr val="tx1">
+                            <a:lumMod val="75000"/>
+                            <a:lumOff val="25000"/>
+                          </a:schemeClr>
+                        </a:solidFill>
                         <a:latin typeface="Cambria Math" panose="02040503050406030204" pitchFamily="18" charset="0"/>
                       </a:rPr>
                       <m:t> </m:t>
                     </m:r>
                     <m:r>
                       <a:rPr lang="en-US" b="0" i="1">
+                        <a:solidFill>
+                          <a:schemeClr val="tx1">
+                            <a:lumMod val="75000"/>
+                            <a:lumOff val="25000"/>
+                          </a:schemeClr>
+                        </a:solidFill>
                         <a:latin typeface="Cambria Math" panose="02040503050406030204" pitchFamily="18" charset="0"/>
                       </a:rPr>
                       <m:t>…,</m:t>
@@ -8435,6 +8914,12 @@
                       <m:sSubPr>
                         <m:ctrlPr>
                           <a:rPr lang="en-US" b="0" i="1">
+                            <a:solidFill>
+                              <a:schemeClr val="tx1">
+                                <a:lumMod val="75000"/>
+                                <a:lumOff val="25000"/>
+                              </a:schemeClr>
+                            </a:solidFill>
                             <a:latin typeface="Cambria Math" panose="02040503050406030204" pitchFamily="18" charset="0"/>
                           </a:rPr>
                         </m:ctrlPr>
@@ -8442,6 +8927,12 @@
                       <m:e>
                         <m:r>
                           <a:rPr lang="en-US" b="0" i="1">
+                            <a:solidFill>
+                              <a:schemeClr val="tx1">
+                                <a:lumMod val="75000"/>
+                                <a:lumOff val="25000"/>
+                              </a:schemeClr>
+                            </a:solidFill>
                             <a:latin typeface="Cambria Math" panose="02040503050406030204" pitchFamily="18" charset="0"/>
                           </a:rPr>
                           <m:t>𝑥</m:t>
@@ -8450,6 +8941,12 @@
                       <m:sub>
                         <m:r>
                           <a:rPr lang="en-US" b="0" i="1">
+                            <a:solidFill>
+                              <a:schemeClr val="tx1">
+                                <a:lumMod val="75000"/>
+                                <a:lumOff val="25000"/>
+                              </a:schemeClr>
+                            </a:solidFill>
                             <a:latin typeface="Cambria Math" panose="02040503050406030204" pitchFamily="18" charset="0"/>
                           </a:rPr>
                           <m:t>𝑛</m:t>
@@ -8458,6 +8955,12 @@
                     </m:sSub>
                     <m:r>
                       <a:rPr lang="en-US" b="0" i="1">
+                        <a:solidFill>
+                          <a:schemeClr val="tx1">
+                            <a:lumMod val="75000"/>
+                            <a:lumOff val="25000"/>
+                          </a:schemeClr>
+                        </a:solidFill>
                         <a:latin typeface="Cambria Math" panose="02040503050406030204" pitchFamily="18" charset="0"/>
                       </a:rPr>
                       <m:t>,</m:t>
@@ -8466,6 +8969,12 @@
                       <m:sSubPr>
                         <m:ctrlPr>
                           <a:rPr lang="en-US" b="0" i="1">
+                            <a:solidFill>
+                              <a:schemeClr val="tx1">
+                                <a:lumMod val="75000"/>
+                                <a:lumOff val="25000"/>
+                              </a:schemeClr>
+                            </a:solidFill>
                             <a:latin typeface="Cambria Math" panose="02040503050406030204" pitchFamily="18" charset="0"/>
                           </a:rPr>
                         </m:ctrlPr>
@@ -8473,6 +8982,12 @@
                       <m:e>
                         <m:r>
                           <a:rPr lang="en-US" b="0" i="1">
+                            <a:solidFill>
+                              <a:schemeClr val="tx1">
+                                <a:lumMod val="75000"/>
+                                <a:lumOff val="25000"/>
+                              </a:schemeClr>
+                            </a:solidFill>
                             <a:latin typeface="Cambria Math" panose="02040503050406030204" pitchFamily="18" charset="0"/>
                           </a:rPr>
                           <m:t>𝐶</m:t>
@@ -8481,6 +8996,12 @@
                       <m:sub>
                         <m:r>
                           <a:rPr lang="en-US" b="0" i="1">
+                            <a:solidFill>
+                              <a:schemeClr val="tx1">
+                                <a:lumMod val="75000"/>
+                                <a:lumOff val="25000"/>
+                              </a:schemeClr>
+                            </a:solidFill>
                             <a:latin typeface="Cambria Math" panose="02040503050406030204" pitchFamily="18" charset="0"/>
                           </a:rPr>
                           <m:t>𝑘</m:t>
@@ -8489,6 +9010,12 @@
                     </m:sSub>
                     <m:r>
                       <a:rPr lang="en-US" b="0" i="1">
+                        <a:solidFill>
+                          <a:schemeClr val="tx1">
+                            <a:lumMod val="75000"/>
+                            <a:lumOff val="25000"/>
+                          </a:schemeClr>
+                        </a:solidFill>
                         <a:latin typeface="Cambria Math" panose="02040503050406030204" pitchFamily="18" charset="0"/>
                       </a:rPr>
                       <m:t>)</m:t>
@@ -8496,19 +9023,38 @@
                   </m:oMath>
                 </a14:m>
                 <a:r>
-                  <a:rPr lang="en-US" b="0" dirty="0"/>
+                  <a:rPr lang="en-US" b="0" dirty="0">
+                    <a:solidFill>
+                      <a:schemeClr val="tx1">
+                        <a:lumMod val="75000"/>
+                        <a:lumOff val="25000"/>
+                      </a:schemeClr>
+                    </a:solidFill>
+                  </a:rPr>
                   <a:t> </a:t>
                 </a:r>
                 <a14:m>
                   <m:oMath xmlns:m="http://schemas.openxmlformats.org/officeDocument/2006/math">
                     <m:r>
                       <a:rPr lang="en-US" b="0" i="1">
+                        <a:solidFill>
+                          <a:schemeClr val="tx1">
+                            <a:lumMod val="75000"/>
+                            <a:lumOff val="25000"/>
+                          </a:schemeClr>
+                        </a:solidFill>
                         <a:latin typeface="Cambria Math" panose="02040503050406030204" pitchFamily="18" charset="0"/>
                       </a:rPr>
                       <m:t>𝑃</m:t>
                     </m:r>
                     <m:r>
                       <a:rPr lang="en-US" b="0" i="1">
+                        <a:solidFill>
+                          <a:schemeClr val="tx1">
+                            <a:lumMod val="75000"/>
+                            <a:lumOff val="25000"/>
+                          </a:schemeClr>
+                        </a:solidFill>
                         <a:latin typeface="Cambria Math" panose="02040503050406030204" pitchFamily="18" charset="0"/>
                       </a:rPr>
                       <m:t>(</m:t>
@@ -8517,6 +9063,12 @@
                       <m:sSubPr>
                         <m:ctrlPr>
                           <a:rPr lang="en-US" b="0" i="1">
+                            <a:solidFill>
+                              <a:schemeClr val="tx1">
+                                <a:lumMod val="75000"/>
+                                <a:lumOff val="25000"/>
+                              </a:schemeClr>
+                            </a:solidFill>
                             <a:latin typeface="Cambria Math" panose="02040503050406030204" pitchFamily="18" charset="0"/>
                           </a:rPr>
                         </m:ctrlPr>
@@ -8524,6 +9076,12 @@
                       <m:e>
                         <m:r>
                           <a:rPr lang="en-US" b="0" i="1">
+                            <a:solidFill>
+                              <a:schemeClr val="tx1">
+                                <a:lumMod val="75000"/>
+                                <a:lumOff val="25000"/>
+                              </a:schemeClr>
+                            </a:solidFill>
                             <a:latin typeface="Cambria Math" panose="02040503050406030204" pitchFamily="18" charset="0"/>
                           </a:rPr>
                           <m:t>𝑥</m:t>
@@ -8532,6 +9090,12 @@
                       <m:sub>
                         <m:r>
                           <a:rPr lang="en-US" b="0" i="1" smtClean="0">
+                            <a:solidFill>
+                              <a:schemeClr val="tx1">
+                                <a:lumMod val="75000"/>
+                                <a:lumOff val="25000"/>
+                              </a:schemeClr>
+                            </a:solidFill>
                             <a:latin typeface="Cambria Math" panose="02040503050406030204" pitchFamily="18" charset="0"/>
                           </a:rPr>
                           <m:t>2</m:t>
@@ -8540,6 +9104,12 @@
                     </m:sSub>
                     <m:r>
                       <a:rPr lang="en-US" b="0" i="1">
+                        <a:solidFill>
+                          <a:schemeClr val="tx1">
+                            <a:lumMod val="75000"/>
+                            <a:lumOff val="25000"/>
+                          </a:schemeClr>
+                        </a:solidFill>
                         <a:latin typeface="Cambria Math" panose="02040503050406030204" pitchFamily="18" charset="0"/>
                       </a:rPr>
                       <m:t>, …,</m:t>
@@ -8548,6 +9118,12 @@
                       <m:sSubPr>
                         <m:ctrlPr>
                           <a:rPr lang="en-US" b="0" i="1">
+                            <a:solidFill>
+                              <a:schemeClr val="tx1">
+                                <a:lumMod val="75000"/>
+                                <a:lumOff val="25000"/>
+                              </a:schemeClr>
+                            </a:solidFill>
                             <a:latin typeface="Cambria Math" panose="02040503050406030204" pitchFamily="18" charset="0"/>
                           </a:rPr>
                         </m:ctrlPr>
@@ -8555,6 +9131,12 @@
                       <m:e>
                         <m:r>
                           <a:rPr lang="en-US" b="0" i="1">
+                            <a:solidFill>
+                              <a:schemeClr val="tx1">
+                                <a:lumMod val="75000"/>
+                                <a:lumOff val="25000"/>
+                              </a:schemeClr>
+                            </a:solidFill>
                             <a:latin typeface="Cambria Math" panose="02040503050406030204" pitchFamily="18" charset="0"/>
                           </a:rPr>
                           <m:t>𝑥</m:t>
@@ -8563,6 +9145,12 @@
                       <m:sub>
                         <m:r>
                           <a:rPr lang="en-US" b="0" i="1">
+                            <a:solidFill>
+                              <a:schemeClr val="tx1">
+                                <a:lumMod val="75000"/>
+                                <a:lumOff val="25000"/>
+                              </a:schemeClr>
+                            </a:solidFill>
                             <a:latin typeface="Cambria Math" panose="02040503050406030204" pitchFamily="18" charset="0"/>
                           </a:rPr>
                           <m:t>𝑛</m:t>
@@ -8571,6 +9159,12 @@
                     </m:sSub>
                     <m:r>
                       <a:rPr lang="en-US" b="0" i="1">
+                        <a:solidFill>
+                          <a:schemeClr val="tx1">
+                            <a:lumMod val="75000"/>
+                            <a:lumOff val="25000"/>
+                          </a:schemeClr>
+                        </a:solidFill>
                         <a:latin typeface="Cambria Math" panose="02040503050406030204" pitchFamily="18" charset="0"/>
                       </a:rPr>
                       <m:t>,</m:t>
@@ -8579,6 +9173,12 @@
                       <m:sSubPr>
                         <m:ctrlPr>
                           <a:rPr lang="en-US" b="0" i="1">
+                            <a:solidFill>
+                              <a:schemeClr val="tx1">
+                                <a:lumMod val="75000"/>
+                                <a:lumOff val="25000"/>
+                              </a:schemeClr>
+                            </a:solidFill>
                             <a:latin typeface="Cambria Math" panose="02040503050406030204" pitchFamily="18" charset="0"/>
                           </a:rPr>
                         </m:ctrlPr>
@@ -8586,6 +9186,12 @@
                       <m:e>
                         <m:r>
                           <a:rPr lang="en-US" b="0" i="1">
+                            <a:solidFill>
+                              <a:schemeClr val="tx1">
+                                <a:lumMod val="75000"/>
+                                <a:lumOff val="25000"/>
+                              </a:schemeClr>
+                            </a:solidFill>
                             <a:latin typeface="Cambria Math" panose="02040503050406030204" pitchFamily="18" charset="0"/>
                           </a:rPr>
                           <m:t>𝐶</m:t>
@@ -8594,6 +9200,12 @@
                       <m:sub>
                         <m:r>
                           <a:rPr lang="en-US" b="0" i="1">
+                            <a:solidFill>
+                              <a:schemeClr val="tx1">
+                                <a:lumMod val="75000"/>
+                                <a:lumOff val="25000"/>
+                              </a:schemeClr>
+                            </a:solidFill>
                             <a:latin typeface="Cambria Math" panose="02040503050406030204" pitchFamily="18" charset="0"/>
                           </a:rPr>
                           <m:t>𝑘</m:t>
@@ -8602,35 +9214,73 @@
                     </m:sSub>
                     <m:r>
                       <a:rPr lang="en-US" b="0" i="1">
+                        <a:solidFill>
+                          <a:schemeClr val="tx1">
+                            <a:lumMod val="75000"/>
+                            <a:lumOff val="25000"/>
+                          </a:schemeClr>
+                        </a:solidFill>
                         <a:latin typeface="Cambria Math" panose="02040503050406030204" pitchFamily="18" charset="0"/>
                       </a:rPr>
                       <m:t>)</m:t>
                     </m:r>
                   </m:oMath>
                 </a14:m>
-                <a:endParaRPr lang="en-US" b="0" dirty="0"/>
+                <a:endParaRPr lang="en-US" b="0" dirty="0">
+                  <a:solidFill>
+                    <a:schemeClr val="tx1">
+                      <a:lumMod val="75000"/>
+                      <a:lumOff val="25000"/>
+                    </a:schemeClr>
+                  </a:solidFill>
+                </a:endParaRPr>
               </a:p>
               <a:p>
                 <a:r>
-                  <a:rPr lang="en-US" b="0" dirty="0"/>
+                  <a:rPr lang="en-US" b="0" dirty="0">
+                    <a:solidFill>
+                      <a:schemeClr val="tx1">
+                        <a:lumMod val="75000"/>
+                        <a:lumOff val="25000"/>
+                      </a:schemeClr>
+                    </a:solidFill>
+                  </a:rPr>
                   <a:t>	       </a:t>
                 </a:r>
                 <a14:m>
                   <m:oMath xmlns:m="http://schemas.openxmlformats.org/officeDocument/2006/math">
                     <m:r>
                       <a:rPr lang="en-US" b="0">
+                        <a:solidFill>
+                          <a:schemeClr val="tx1">
+                            <a:lumMod val="75000"/>
+                            <a:lumOff val="25000"/>
+                          </a:schemeClr>
+                        </a:solidFill>
                         <a:latin typeface="Cambria Math" panose="02040503050406030204" pitchFamily="18" charset="0"/>
                       </a:rPr>
                       <m:t>=</m:t>
                     </m:r>
                     <m:r>
                       <a:rPr lang="en-US" b="0" i="1">
+                        <a:solidFill>
+                          <a:schemeClr val="tx1">
+                            <a:lumMod val="75000"/>
+                            <a:lumOff val="25000"/>
+                          </a:schemeClr>
+                        </a:solidFill>
                         <a:latin typeface="Cambria Math" panose="02040503050406030204" pitchFamily="18" charset="0"/>
                       </a:rPr>
                       <m:t>𝑃</m:t>
                     </m:r>
                     <m:r>
                       <a:rPr lang="en-US" b="0" i="1">
+                        <a:solidFill>
+                          <a:schemeClr val="tx1">
+                            <a:lumMod val="75000"/>
+                            <a:lumOff val="25000"/>
+                          </a:schemeClr>
+                        </a:solidFill>
                         <a:latin typeface="Cambria Math" panose="02040503050406030204" pitchFamily="18" charset="0"/>
                       </a:rPr>
                       <m:t>(</m:t>
@@ -8639,6 +9289,12 @@
                       <m:sSubPr>
                         <m:ctrlPr>
                           <a:rPr lang="en-US" b="0" i="1">
+                            <a:solidFill>
+                              <a:schemeClr val="tx1">
+                                <a:lumMod val="75000"/>
+                                <a:lumOff val="25000"/>
+                              </a:schemeClr>
+                            </a:solidFill>
                             <a:latin typeface="Cambria Math" panose="02040503050406030204" pitchFamily="18" charset="0"/>
                           </a:rPr>
                         </m:ctrlPr>
@@ -8646,6 +9302,12 @@
                       <m:e>
                         <m:r>
                           <a:rPr lang="en-US" b="0" i="1">
+                            <a:solidFill>
+                              <a:schemeClr val="tx1">
+                                <a:lumMod val="75000"/>
+                                <a:lumOff val="25000"/>
+                              </a:schemeClr>
+                            </a:solidFill>
                             <a:latin typeface="Cambria Math" panose="02040503050406030204" pitchFamily="18" charset="0"/>
                           </a:rPr>
                           <m:t>𝑥</m:t>
@@ -8654,6 +9316,12 @@
                       <m:sub>
                         <m:r>
                           <a:rPr lang="en-US" b="0" i="1">
+                            <a:solidFill>
+                              <a:schemeClr val="tx1">
+                                <a:lumMod val="75000"/>
+                                <a:lumOff val="25000"/>
+                              </a:schemeClr>
+                            </a:solidFill>
                             <a:latin typeface="Cambria Math" panose="02040503050406030204" pitchFamily="18" charset="0"/>
                           </a:rPr>
                           <m:t>1</m:t>
@@ -8662,6 +9330,12 @@
                     </m:sSub>
                     <m:r>
                       <a:rPr lang="en-US" b="0" i="1">
+                        <a:solidFill>
+                          <a:schemeClr val="tx1">
+                            <a:lumMod val="75000"/>
+                            <a:lumOff val="25000"/>
+                          </a:schemeClr>
+                        </a:solidFill>
                         <a:latin typeface="Cambria Math" panose="02040503050406030204" pitchFamily="18" charset="0"/>
                       </a:rPr>
                       <m:t>|</m:t>
@@ -8670,6 +9344,12 @@
                       <m:sSubPr>
                         <m:ctrlPr>
                           <a:rPr lang="en-US" b="0" i="1">
+                            <a:solidFill>
+                              <a:schemeClr val="tx1">
+                                <a:lumMod val="75000"/>
+                                <a:lumOff val="25000"/>
+                              </a:schemeClr>
+                            </a:solidFill>
                             <a:latin typeface="Cambria Math" panose="02040503050406030204" pitchFamily="18" charset="0"/>
                           </a:rPr>
                         </m:ctrlPr>
@@ -8677,6 +9357,12 @@
                       <m:e>
                         <m:r>
                           <a:rPr lang="en-US" b="0" i="1">
+                            <a:solidFill>
+                              <a:schemeClr val="tx1">
+                                <a:lumMod val="75000"/>
+                                <a:lumOff val="25000"/>
+                              </a:schemeClr>
+                            </a:solidFill>
                             <a:latin typeface="Cambria Math" panose="02040503050406030204" pitchFamily="18" charset="0"/>
                           </a:rPr>
                           <m:t>𝑥</m:t>
@@ -8685,6 +9371,12 @@
                       <m:sub>
                         <m:r>
                           <a:rPr lang="en-US" b="0" i="1">
+                            <a:solidFill>
+                              <a:schemeClr val="tx1">
+                                <a:lumMod val="75000"/>
+                                <a:lumOff val="25000"/>
+                              </a:schemeClr>
+                            </a:solidFill>
                             <a:latin typeface="Cambria Math" panose="02040503050406030204" pitchFamily="18" charset="0"/>
                           </a:rPr>
                           <m:t>2</m:t>
@@ -8693,26 +9385,26 @@
                     </m:sSub>
                     <m:r>
                       <a:rPr lang="en-US" b="0" i="1">
+                        <a:solidFill>
+                          <a:schemeClr val="tx1">
+                            <a:lumMod val="75000"/>
+                            <a:lumOff val="25000"/>
+                          </a:schemeClr>
+                        </a:solidFill>
                         <a:latin typeface="Cambria Math" panose="02040503050406030204" pitchFamily="18" charset="0"/>
                       </a:rPr>
-                      <m:t>,</m:t>
-                    </m:r>
-                    <m:r>
-                      <a:rPr lang="en-US" b="0" i="1">
-                        <a:latin typeface="Cambria Math" panose="02040503050406030204" pitchFamily="18" charset="0"/>
-                      </a:rPr>
-                      <m:t> </m:t>
-                    </m:r>
-                    <m:r>
-                      <a:rPr lang="en-US" b="0" i="1">
-                        <a:latin typeface="Cambria Math" panose="02040503050406030204" pitchFamily="18" charset="0"/>
-                      </a:rPr>
-                      <m:t>…,</m:t>
+                      <m:t>, …,</m:t>
                     </m:r>
                     <m:sSub>
                       <m:sSubPr>
                         <m:ctrlPr>
                           <a:rPr lang="en-US" b="0" i="1">
+                            <a:solidFill>
+                              <a:schemeClr val="tx1">
+                                <a:lumMod val="75000"/>
+                                <a:lumOff val="25000"/>
+                              </a:schemeClr>
+                            </a:solidFill>
                             <a:latin typeface="Cambria Math" panose="02040503050406030204" pitchFamily="18" charset="0"/>
                           </a:rPr>
                         </m:ctrlPr>
@@ -8720,6 +9412,12 @@
                       <m:e>
                         <m:r>
                           <a:rPr lang="en-US" b="0" i="1">
+                            <a:solidFill>
+                              <a:schemeClr val="tx1">
+                                <a:lumMod val="75000"/>
+                                <a:lumOff val="25000"/>
+                              </a:schemeClr>
+                            </a:solidFill>
                             <a:latin typeface="Cambria Math" panose="02040503050406030204" pitchFamily="18" charset="0"/>
                           </a:rPr>
                           <m:t>𝑥</m:t>
@@ -8728,6 +9426,12 @@
                       <m:sub>
                         <m:r>
                           <a:rPr lang="en-US" b="0" i="1">
+                            <a:solidFill>
+                              <a:schemeClr val="tx1">
+                                <a:lumMod val="75000"/>
+                                <a:lumOff val="25000"/>
+                              </a:schemeClr>
+                            </a:solidFill>
                             <a:latin typeface="Cambria Math" panose="02040503050406030204" pitchFamily="18" charset="0"/>
                           </a:rPr>
                           <m:t>𝑛</m:t>
@@ -8736,6 +9440,12 @@
                     </m:sSub>
                     <m:r>
                       <a:rPr lang="en-US" b="0" i="1">
+                        <a:solidFill>
+                          <a:schemeClr val="tx1">
+                            <a:lumMod val="75000"/>
+                            <a:lumOff val="25000"/>
+                          </a:schemeClr>
+                        </a:solidFill>
                         <a:latin typeface="Cambria Math" panose="02040503050406030204" pitchFamily="18" charset="0"/>
                       </a:rPr>
                       <m:t>,</m:t>
@@ -8744,6 +9454,12 @@
                       <m:sSubPr>
                         <m:ctrlPr>
                           <a:rPr lang="en-US" b="0" i="1">
+                            <a:solidFill>
+                              <a:schemeClr val="tx1">
+                                <a:lumMod val="75000"/>
+                                <a:lumOff val="25000"/>
+                              </a:schemeClr>
+                            </a:solidFill>
                             <a:latin typeface="Cambria Math" panose="02040503050406030204" pitchFamily="18" charset="0"/>
                           </a:rPr>
                         </m:ctrlPr>
@@ -8751,6 +9467,12 @@
                       <m:e>
                         <m:r>
                           <a:rPr lang="en-US" b="0" i="1">
+                            <a:solidFill>
+                              <a:schemeClr val="tx1">
+                                <a:lumMod val="75000"/>
+                                <a:lumOff val="25000"/>
+                              </a:schemeClr>
+                            </a:solidFill>
                             <a:latin typeface="Cambria Math" panose="02040503050406030204" pitchFamily="18" charset="0"/>
                           </a:rPr>
                           <m:t>𝐶</m:t>
@@ -8759,6 +9481,12 @@
                       <m:sub>
                         <m:r>
                           <a:rPr lang="en-US" b="0" i="1">
+                            <a:solidFill>
+                              <a:schemeClr val="tx1">
+                                <a:lumMod val="75000"/>
+                                <a:lumOff val="25000"/>
+                              </a:schemeClr>
+                            </a:solidFill>
                             <a:latin typeface="Cambria Math" panose="02040503050406030204" pitchFamily="18" charset="0"/>
                           </a:rPr>
                           <m:t>𝑘</m:t>
@@ -8767,6 +9495,12 @@
                     </m:sSub>
                     <m:r>
                       <a:rPr lang="en-US" b="0" i="1">
+                        <a:solidFill>
+                          <a:schemeClr val="tx1">
+                            <a:lumMod val="75000"/>
+                            <a:lumOff val="25000"/>
+                          </a:schemeClr>
+                        </a:solidFill>
                         <a:latin typeface="Cambria Math" panose="02040503050406030204" pitchFamily="18" charset="0"/>
                       </a:rPr>
                       <m:t>)</m:t>
@@ -8774,19 +9508,38 @@
                   </m:oMath>
                 </a14:m>
                 <a:r>
-                  <a:rPr lang="en-US" b="0" dirty="0"/>
+                  <a:rPr lang="en-US" b="0" dirty="0">
+                    <a:solidFill>
+                      <a:schemeClr val="tx1">
+                        <a:lumMod val="75000"/>
+                        <a:lumOff val="25000"/>
+                      </a:schemeClr>
+                    </a:solidFill>
+                  </a:rPr>
                   <a:t> </a:t>
                 </a:r>
                 <a14:m>
                   <m:oMath xmlns:m="http://schemas.openxmlformats.org/officeDocument/2006/math">
                     <m:r>
                       <a:rPr lang="en-US" b="0" i="1">
+                        <a:solidFill>
+                          <a:schemeClr val="tx1">
+                            <a:lumMod val="75000"/>
+                            <a:lumOff val="25000"/>
+                          </a:schemeClr>
+                        </a:solidFill>
                         <a:latin typeface="Cambria Math" panose="02040503050406030204" pitchFamily="18" charset="0"/>
                       </a:rPr>
                       <m:t>𝑃</m:t>
                     </m:r>
                     <m:r>
                       <a:rPr lang="en-US" b="0" i="1">
+                        <a:solidFill>
+                          <a:schemeClr val="tx1">
+                            <a:lumMod val="75000"/>
+                            <a:lumOff val="25000"/>
+                          </a:schemeClr>
+                        </a:solidFill>
                         <a:latin typeface="Cambria Math" panose="02040503050406030204" pitchFamily="18" charset="0"/>
                       </a:rPr>
                       <m:t>(</m:t>
@@ -8795,6 +9548,12 @@
                       <m:sSubPr>
                         <m:ctrlPr>
                           <a:rPr lang="en-US" b="0" i="1">
+                            <a:solidFill>
+                              <a:schemeClr val="tx1">
+                                <a:lumMod val="75000"/>
+                                <a:lumOff val="25000"/>
+                              </a:schemeClr>
+                            </a:solidFill>
                             <a:latin typeface="Cambria Math" panose="02040503050406030204" pitchFamily="18" charset="0"/>
                           </a:rPr>
                         </m:ctrlPr>
@@ -8802,6 +9561,12 @@
                       <m:e>
                         <m:r>
                           <a:rPr lang="en-US" b="0" i="1">
+                            <a:solidFill>
+                              <a:schemeClr val="tx1">
+                                <a:lumMod val="75000"/>
+                                <a:lumOff val="25000"/>
+                              </a:schemeClr>
+                            </a:solidFill>
                             <a:latin typeface="Cambria Math" panose="02040503050406030204" pitchFamily="18" charset="0"/>
                           </a:rPr>
                           <m:t>𝑥</m:t>
@@ -8810,6 +9575,12 @@
                       <m:sub>
                         <m:r>
                           <a:rPr lang="en-US" b="0" i="1">
+                            <a:solidFill>
+                              <a:schemeClr val="tx1">
+                                <a:lumMod val="75000"/>
+                                <a:lumOff val="25000"/>
+                              </a:schemeClr>
+                            </a:solidFill>
                             <a:latin typeface="Cambria Math" panose="02040503050406030204" pitchFamily="18" charset="0"/>
                           </a:rPr>
                           <m:t>2</m:t>
@@ -8818,6 +9589,12 @@
                     </m:sSub>
                     <m:r>
                       <a:rPr lang="en-US" b="0" i="1" smtClean="0">
+                        <a:solidFill>
+                          <a:schemeClr val="tx1">
+                            <a:lumMod val="75000"/>
+                            <a:lumOff val="25000"/>
+                          </a:schemeClr>
+                        </a:solidFill>
                         <a:latin typeface="Cambria Math" panose="02040503050406030204" pitchFamily="18" charset="0"/>
                       </a:rPr>
                       <m:t>|</m:t>
@@ -8826,6 +9603,12 @@
                       <m:sSubPr>
                         <m:ctrlPr>
                           <a:rPr lang="en-US" b="0" i="1">
+                            <a:solidFill>
+                              <a:schemeClr val="tx1">
+                                <a:lumMod val="75000"/>
+                                <a:lumOff val="25000"/>
+                              </a:schemeClr>
+                            </a:solidFill>
                             <a:latin typeface="Cambria Math" panose="02040503050406030204" pitchFamily="18" charset="0"/>
                           </a:rPr>
                         </m:ctrlPr>
@@ -8833,6 +9616,12 @@
                       <m:e>
                         <m:r>
                           <a:rPr lang="en-US" b="0" i="1">
+                            <a:solidFill>
+                              <a:schemeClr val="tx1">
+                                <a:lumMod val="75000"/>
+                                <a:lumOff val="25000"/>
+                              </a:schemeClr>
+                            </a:solidFill>
                             <a:latin typeface="Cambria Math" panose="02040503050406030204" pitchFamily="18" charset="0"/>
                           </a:rPr>
                           <m:t>𝑥</m:t>
@@ -8841,6 +9630,12 @@
                       <m:sub>
                         <m:r>
                           <a:rPr lang="en-US" b="0" i="1" smtClean="0">
+                            <a:solidFill>
+                              <a:schemeClr val="tx1">
+                                <a:lumMod val="75000"/>
+                                <a:lumOff val="25000"/>
+                              </a:schemeClr>
+                            </a:solidFill>
                             <a:latin typeface="Cambria Math" panose="02040503050406030204" pitchFamily="18" charset="0"/>
                           </a:rPr>
                           <m:t>3</m:t>
@@ -8849,6 +9644,12 @@
                     </m:sSub>
                     <m:r>
                       <a:rPr lang="en-US" b="0" i="1">
+                        <a:solidFill>
+                          <a:schemeClr val="tx1">
+                            <a:lumMod val="75000"/>
+                            <a:lumOff val="25000"/>
+                          </a:schemeClr>
+                        </a:solidFill>
                         <a:latin typeface="Cambria Math" panose="02040503050406030204" pitchFamily="18" charset="0"/>
                       </a:rPr>
                       <m:t>, …,</m:t>
@@ -8857,6 +9658,12 @@
                       <m:sSubPr>
                         <m:ctrlPr>
                           <a:rPr lang="en-US" b="0" i="1">
+                            <a:solidFill>
+                              <a:schemeClr val="tx1">
+                                <a:lumMod val="75000"/>
+                                <a:lumOff val="25000"/>
+                              </a:schemeClr>
+                            </a:solidFill>
                             <a:latin typeface="Cambria Math" panose="02040503050406030204" pitchFamily="18" charset="0"/>
                           </a:rPr>
                         </m:ctrlPr>
@@ -8864,6 +9671,12 @@
                       <m:e>
                         <m:r>
                           <a:rPr lang="en-US" b="0" i="1">
+                            <a:solidFill>
+                              <a:schemeClr val="tx1">
+                                <a:lumMod val="75000"/>
+                                <a:lumOff val="25000"/>
+                              </a:schemeClr>
+                            </a:solidFill>
                             <a:latin typeface="Cambria Math" panose="02040503050406030204" pitchFamily="18" charset="0"/>
                           </a:rPr>
                           <m:t>𝑥</m:t>
@@ -8872,6 +9685,12 @@
                       <m:sub>
                         <m:r>
                           <a:rPr lang="en-US" b="0" i="1">
+                            <a:solidFill>
+                              <a:schemeClr val="tx1">
+                                <a:lumMod val="75000"/>
+                                <a:lumOff val="25000"/>
+                              </a:schemeClr>
+                            </a:solidFill>
                             <a:latin typeface="Cambria Math" panose="02040503050406030204" pitchFamily="18" charset="0"/>
                           </a:rPr>
                           <m:t>𝑛</m:t>
@@ -8880,6 +9699,12 @@
                     </m:sSub>
                     <m:r>
                       <a:rPr lang="en-US" b="0" i="1">
+                        <a:solidFill>
+                          <a:schemeClr val="tx1">
+                            <a:lumMod val="75000"/>
+                            <a:lumOff val="25000"/>
+                          </a:schemeClr>
+                        </a:solidFill>
                         <a:latin typeface="Cambria Math" panose="02040503050406030204" pitchFamily="18" charset="0"/>
                       </a:rPr>
                       <m:t>,</m:t>
@@ -8888,6 +9713,12 @@
                       <m:sSubPr>
                         <m:ctrlPr>
                           <a:rPr lang="en-US" b="0" i="1">
+                            <a:solidFill>
+                              <a:schemeClr val="tx1">
+                                <a:lumMod val="75000"/>
+                                <a:lumOff val="25000"/>
+                              </a:schemeClr>
+                            </a:solidFill>
                             <a:latin typeface="Cambria Math" panose="02040503050406030204" pitchFamily="18" charset="0"/>
                           </a:rPr>
                         </m:ctrlPr>
@@ -8895,6 +9726,12 @@
                       <m:e>
                         <m:r>
                           <a:rPr lang="en-US" b="0" i="1">
+                            <a:solidFill>
+                              <a:schemeClr val="tx1">
+                                <a:lumMod val="75000"/>
+                                <a:lumOff val="25000"/>
+                              </a:schemeClr>
+                            </a:solidFill>
                             <a:latin typeface="Cambria Math" panose="02040503050406030204" pitchFamily="18" charset="0"/>
                           </a:rPr>
                           <m:t>𝐶</m:t>
@@ -8903,6 +9740,12 @@
                       <m:sub>
                         <m:r>
                           <a:rPr lang="en-US" b="0" i="1">
+                            <a:solidFill>
+                              <a:schemeClr val="tx1">
+                                <a:lumMod val="75000"/>
+                                <a:lumOff val="25000"/>
+                              </a:schemeClr>
+                            </a:solidFill>
                             <a:latin typeface="Cambria Math" panose="02040503050406030204" pitchFamily="18" charset="0"/>
                           </a:rPr>
                           <m:t>𝑘</m:t>
@@ -8911,6 +9754,12 @@
                     </m:sSub>
                     <m:r>
                       <a:rPr lang="en-US" b="0" i="1">
+                        <a:solidFill>
+                          <a:schemeClr val="tx1">
+                            <a:lumMod val="75000"/>
+                            <a:lumOff val="25000"/>
+                          </a:schemeClr>
+                        </a:solidFill>
                         <a:latin typeface="Cambria Math" panose="02040503050406030204" pitchFamily="18" charset="0"/>
                       </a:rPr>
                       <m:t>)</m:t>
@@ -8918,19 +9767,38 @@
                   </m:oMath>
                 </a14:m>
                 <a:r>
-                  <a:rPr lang="en-US" b="0" dirty="0"/>
+                  <a:rPr lang="en-US" b="0" dirty="0">
+                    <a:solidFill>
+                      <a:schemeClr val="tx1">
+                        <a:lumMod val="75000"/>
+                        <a:lumOff val="25000"/>
+                      </a:schemeClr>
+                    </a:solidFill>
+                  </a:rPr>
                   <a:t> </a:t>
                 </a:r>
                 <a14:m>
                   <m:oMath xmlns:m="http://schemas.openxmlformats.org/officeDocument/2006/math">
                     <m:r>
                       <a:rPr lang="en-US" b="0" i="1">
+                        <a:solidFill>
+                          <a:schemeClr val="tx1">
+                            <a:lumMod val="75000"/>
+                            <a:lumOff val="25000"/>
+                          </a:schemeClr>
+                        </a:solidFill>
                         <a:latin typeface="Cambria Math" panose="02040503050406030204" pitchFamily="18" charset="0"/>
                       </a:rPr>
                       <m:t>𝑃</m:t>
                     </m:r>
                     <m:r>
                       <a:rPr lang="en-US" b="0" i="1">
+                        <a:solidFill>
+                          <a:schemeClr val="tx1">
+                            <a:lumMod val="75000"/>
+                            <a:lumOff val="25000"/>
+                          </a:schemeClr>
+                        </a:solidFill>
                         <a:latin typeface="Cambria Math" panose="02040503050406030204" pitchFamily="18" charset="0"/>
                       </a:rPr>
                       <m:t>(</m:t>
@@ -8939,6 +9807,12 @@
                       <m:sSubPr>
                         <m:ctrlPr>
                           <a:rPr lang="en-US" b="0" i="1">
+                            <a:solidFill>
+                              <a:schemeClr val="tx1">
+                                <a:lumMod val="75000"/>
+                                <a:lumOff val="25000"/>
+                              </a:schemeClr>
+                            </a:solidFill>
                             <a:latin typeface="Cambria Math" panose="02040503050406030204" pitchFamily="18" charset="0"/>
                           </a:rPr>
                         </m:ctrlPr>
@@ -8946,6 +9820,12 @@
                       <m:e>
                         <m:r>
                           <a:rPr lang="en-US" b="0" i="1">
+                            <a:solidFill>
+                              <a:schemeClr val="tx1">
+                                <a:lumMod val="75000"/>
+                                <a:lumOff val="25000"/>
+                              </a:schemeClr>
+                            </a:solidFill>
                             <a:latin typeface="Cambria Math" panose="02040503050406030204" pitchFamily="18" charset="0"/>
                           </a:rPr>
                           <m:t>𝑥</m:t>
@@ -8954,6 +9834,12 @@
                       <m:sub>
                         <m:r>
                           <a:rPr lang="en-US" b="0" i="1">
+                            <a:solidFill>
+                              <a:schemeClr val="tx1">
+                                <a:lumMod val="75000"/>
+                                <a:lumOff val="25000"/>
+                              </a:schemeClr>
+                            </a:solidFill>
                             <a:latin typeface="Cambria Math" panose="02040503050406030204" pitchFamily="18" charset="0"/>
                           </a:rPr>
                           <m:t>3</m:t>
@@ -8962,6 +9848,12 @@
                     </m:sSub>
                     <m:r>
                       <a:rPr lang="en-US" b="0" i="1">
+                        <a:solidFill>
+                          <a:schemeClr val="tx1">
+                            <a:lumMod val="75000"/>
+                            <a:lumOff val="25000"/>
+                          </a:schemeClr>
+                        </a:solidFill>
                         <a:latin typeface="Cambria Math" panose="02040503050406030204" pitchFamily="18" charset="0"/>
                       </a:rPr>
                       <m:t>, …,</m:t>
@@ -8970,6 +9862,12 @@
                       <m:sSubPr>
                         <m:ctrlPr>
                           <a:rPr lang="en-US" b="0" i="1">
+                            <a:solidFill>
+                              <a:schemeClr val="tx1">
+                                <a:lumMod val="75000"/>
+                                <a:lumOff val="25000"/>
+                              </a:schemeClr>
+                            </a:solidFill>
                             <a:latin typeface="Cambria Math" panose="02040503050406030204" pitchFamily="18" charset="0"/>
                           </a:rPr>
                         </m:ctrlPr>
@@ -8977,6 +9875,12 @@
                       <m:e>
                         <m:r>
                           <a:rPr lang="en-US" b="0" i="1">
+                            <a:solidFill>
+                              <a:schemeClr val="tx1">
+                                <a:lumMod val="75000"/>
+                                <a:lumOff val="25000"/>
+                              </a:schemeClr>
+                            </a:solidFill>
                             <a:latin typeface="Cambria Math" panose="02040503050406030204" pitchFamily="18" charset="0"/>
                           </a:rPr>
                           <m:t>𝑥</m:t>
@@ -8985,6 +9889,12 @@
                       <m:sub>
                         <m:r>
                           <a:rPr lang="en-US" b="0" i="1">
+                            <a:solidFill>
+                              <a:schemeClr val="tx1">
+                                <a:lumMod val="75000"/>
+                                <a:lumOff val="25000"/>
+                              </a:schemeClr>
+                            </a:solidFill>
                             <a:latin typeface="Cambria Math" panose="02040503050406030204" pitchFamily="18" charset="0"/>
                           </a:rPr>
                           <m:t>𝑛</m:t>
@@ -8993,6 +9903,12 @@
                     </m:sSub>
                     <m:r>
                       <a:rPr lang="en-US" b="0" i="1">
+                        <a:solidFill>
+                          <a:schemeClr val="tx1">
+                            <a:lumMod val="75000"/>
+                            <a:lumOff val="25000"/>
+                          </a:schemeClr>
+                        </a:solidFill>
                         <a:latin typeface="Cambria Math" panose="02040503050406030204" pitchFamily="18" charset="0"/>
                       </a:rPr>
                       <m:t>,</m:t>
@@ -9001,6 +9917,12 @@
                       <m:sSubPr>
                         <m:ctrlPr>
                           <a:rPr lang="en-US" b="0" i="1">
+                            <a:solidFill>
+                              <a:schemeClr val="tx1">
+                                <a:lumMod val="75000"/>
+                                <a:lumOff val="25000"/>
+                              </a:schemeClr>
+                            </a:solidFill>
                             <a:latin typeface="Cambria Math" panose="02040503050406030204" pitchFamily="18" charset="0"/>
                           </a:rPr>
                         </m:ctrlPr>
@@ -9008,6 +9930,12 @@
                       <m:e>
                         <m:r>
                           <a:rPr lang="en-US" b="0" i="1">
+                            <a:solidFill>
+                              <a:schemeClr val="tx1">
+                                <a:lumMod val="75000"/>
+                                <a:lumOff val="25000"/>
+                              </a:schemeClr>
+                            </a:solidFill>
                             <a:latin typeface="Cambria Math" panose="02040503050406030204" pitchFamily="18" charset="0"/>
                           </a:rPr>
                           <m:t>𝐶</m:t>
@@ -9016,6 +9944,12 @@
                       <m:sub>
                         <m:r>
                           <a:rPr lang="en-US" b="0" i="1">
+                            <a:solidFill>
+                              <a:schemeClr val="tx1">
+                                <a:lumMod val="75000"/>
+                                <a:lumOff val="25000"/>
+                              </a:schemeClr>
+                            </a:solidFill>
                             <a:latin typeface="Cambria Math" panose="02040503050406030204" pitchFamily="18" charset="0"/>
                           </a:rPr>
                           <m:t>𝑘</m:t>
@@ -9024,58 +9958,122 @@
                     </m:sSub>
                     <m:r>
                       <a:rPr lang="en-US" b="0" i="1">
+                        <a:solidFill>
+                          <a:schemeClr val="tx1">
+                            <a:lumMod val="75000"/>
+                            <a:lumOff val="25000"/>
+                          </a:schemeClr>
+                        </a:solidFill>
                         <a:latin typeface="Cambria Math" panose="02040503050406030204" pitchFamily="18" charset="0"/>
                       </a:rPr>
                       <m:t>)</m:t>
                     </m:r>
                   </m:oMath>
                 </a14:m>
-                <a:endParaRPr lang="en-US" b="0" dirty="0"/>
+                <a:endParaRPr lang="en-US" b="0" dirty="0">
+                  <a:solidFill>
+                    <a:schemeClr val="tx1">
+                      <a:lumMod val="75000"/>
+                      <a:lumOff val="25000"/>
+                    </a:schemeClr>
+                  </a:solidFill>
+                </a:endParaRPr>
               </a:p>
               <a:p>
                 <a:r>
-                  <a:rPr lang="en-US" b="0" dirty="0"/>
+                  <a:rPr lang="en-US" b="0" dirty="0">
+                    <a:solidFill>
+                      <a:schemeClr val="tx1">
+                        <a:lumMod val="75000"/>
+                        <a:lumOff val="25000"/>
+                      </a:schemeClr>
+                    </a:solidFill>
+                  </a:rPr>
                   <a:t>	       </a:t>
                 </a:r>
                 <a14:m>
                   <m:oMath xmlns:m="http://schemas.openxmlformats.org/officeDocument/2006/math">
                     <m:r>
                       <a:rPr lang="en-US" b="0">
+                        <a:solidFill>
+                          <a:schemeClr val="tx1">
+                            <a:lumMod val="75000"/>
+                            <a:lumOff val="25000"/>
+                          </a:schemeClr>
+                        </a:solidFill>
                         <a:latin typeface="Cambria Math" panose="02040503050406030204" pitchFamily="18" charset="0"/>
                       </a:rPr>
                       <m:t>=</m:t>
                     </m:r>
                     <m:r>
                       <a:rPr lang="en-US" b="0" i="0" smtClean="0">
+                        <a:solidFill>
+                          <a:schemeClr val="tx1">
+                            <a:lumMod val="75000"/>
+                            <a:lumOff val="25000"/>
+                          </a:schemeClr>
+                        </a:solidFill>
                         <a:latin typeface="Cambria Math" panose="02040503050406030204" pitchFamily="18" charset="0"/>
                       </a:rPr>
                       <m:t>…</m:t>
                     </m:r>
                   </m:oMath>
                 </a14:m>
-                <a:endParaRPr lang="en-US" b="0" dirty="0"/>
+                <a:endParaRPr lang="en-US" b="0" dirty="0">
+                  <a:solidFill>
+                    <a:schemeClr val="tx1">
+                      <a:lumMod val="75000"/>
+                      <a:lumOff val="25000"/>
+                    </a:schemeClr>
+                  </a:solidFill>
+                </a:endParaRPr>
               </a:p>
               <a:p>
                 <a:r>
-                  <a:rPr lang="en-US" b="0" dirty="0"/>
+                  <a:rPr lang="en-US" b="0" dirty="0">
+                    <a:solidFill>
+                      <a:schemeClr val="tx1">
+                        <a:lumMod val="75000"/>
+                        <a:lumOff val="25000"/>
+                      </a:schemeClr>
+                    </a:solidFill>
+                  </a:rPr>
                   <a:t>	       </a:t>
                 </a:r>
                 <a14:m>
                   <m:oMath xmlns:m="http://schemas.openxmlformats.org/officeDocument/2006/math">
                     <m:r>
                       <a:rPr lang="en-US" b="0">
+                        <a:solidFill>
+                          <a:schemeClr val="tx1">
+                            <a:lumMod val="75000"/>
+                            <a:lumOff val="25000"/>
+                          </a:schemeClr>
+                        </a:solidFill>
                         <a:latin typeface="Cambria Math" panose="02040503050406030204" pitchFamily="18" charset="0"/>
                       </a:rPr>
                       <m:t>=</m:t>
                     </m:r>
                     <m:r>
                       <a:rPr lang="en-US" b="0" i="1">
+                        <a:solidFill>
+                          <a:schemeClr val="tx1">
+                            <a:lumMod val="75000"/>
+                            <a:lumOff val="25000"/>
+                          </a:schemeClr>
+                        </a:solidFill>
                         <a:latin typeface="Cambria Math" panose="02040503050406030204" pitchFamily="18" charset="0"/>
                       </a:rPr>
                       <m:t>𝑃</m:t>
                     </m:r>
                     <m:r>
                       <a:rPr lang="en-US" b="0" i="1">
+                        <a:solidFill>
+                          <a:schemeClr val="tx1">
+                            <a:lumMod val="75000"/>
+                            <a:lumOff val="25000"/>
+                          </a:schemeClr>
+                        </a:solidFill>
                         <a:latin typeface="Cambria Math" panose="02040503050406030204" pitchFamily="18" charset="0"/>
                       </a:rPr>
                       <m:t>(</m:t>
@@ -9084,6 +10082,12 @@
                       <m:sSubPr>
                         <m:ctrlPr>
                           <a:rPr lang="en-US" b="0" i="1">
+                            <a:solidFill>
+                              <a:schemeClr val="tx1">
+                                <a:lumMod val="75000"/>
+                                <a:lumOff val="25000"/>
+                              </a:schemeClr>
+                            </a:solidFill>
                             <a:latin typeface="Cambria Math" panose="02040503050406030204" pitchFamily="18" charset="0"/>
                           </a:rPr>
                         </m:ctrlPr>
@@ -9091,6 +10095,12 @@
                       <m:e>
                         <m:r>
                           <a:rPr lang="en-US" b="0" i="1">
+                            <a:solidFill>
+                              <a:schemeClr val="tx1">
+                                <a:lumMod val="75000"/>
+                                <a:lumOff val="25000"/>
+                              </a:schemeClr>
+                            </a:solidFill>
                             <a:latin typeface="Cambria Math" panose="02040503050406030204" pitchFamily="18" charset="0"/>
                           </a:rPr>
                           <m:t>𝑥</m:t>
@@ -9099,6 +10109,12 @@
                       <m:sub>
                         <m:r>
                           <a:rPr lang="en-US" b="0" i="1">
+                            <a:solidFill>
+                              <a:schemeClr val="tx1">
+                                <a:lumMod val="75000"/>
+                                <a:lumOff val="25000"/>
+                              </a:schemeClr>
+                            </a:solidFill>
                             <a:latin typeface="Cambria Math" panose="02040503050406030204" pitchFamily="18" charset="0"/>
                           </a:rPr>
                           <m:t>1</m:t>
@@ -9107,6 +10123,12 @@
                     </m:sSub>
                     <m:r>
                       <a:rPr lang="en-US" b="0" i="1">
+                        <a:solidFill>
+                          <a:schemeClr val="tx1">
+                            <a:lumMod val="75000"/>
+                            <a:lumOff val="25000"/>
+                          </a:schemeClr>
+                        </a:solidFill>
                         <a:latin typeface="Cambria Math" panose="02040503050406030204" pitchFamily="18" charset="0"/>
                       </a:rPr>
                       <m:t>|</m:t>
@@ -9115,6 +10137,12 @@
                       <m:sSubPr>
                         <m:ctrlPr>
                           <a:rPr lang="en-US" b="0" i="1">
+                            <a:solidFill>
+                              <a:schemeClr val="tx1">
+                                <a:lumMod val="75000"/>
+                                <a:lumOff val="25000"/>
+                              </a:schemeClr>
+                            </a:solidFill>
                             <a:latin typeface="Cambria Math" panose="02040503050406030204" pitchFamily="18" charset="0"/>
                           </a:rPr>
                         </m:ctrlPr>
@@ -9122,6 +10150,12 @@
                       <m:e>
                         <m:r>
                           <a:rPr lang="en-US" b="0" i="1">
+                            <a:solidFill>
+                              <a:schemeClr val="tx1">
+                                <a:lumMod val="75000"/>
+                                <a:lumOff val="25000"/>
+                              </a:schemeClr>
+                            </a:solidFill>
                             <a:latin typeface="Cambria Math" panose="02040503050406030204" pitchFamily="18" charset="0"/>
                           </a:rPr>
                           <m:t>𝑥</m:t>
@@ -9130,6 +10164,12 @@
                       <m:sub>
                         <m:r>
                           <a:rPr lang="en-US" b="0" i="1">
+                            <a:solidFill>
+                              <a:schemeClr val="tx1">
+                                <a:lumMod val="75000"/>
+                                <a:lumOff val="25000"/>
+                              </a:schemeClr>
+                            </a:solidFill>
                             <a:latin typeface="Cambria Math" panose="02040503050406030204" pitchFamily="18" charset="0"/>
                           </a:rPr>
                           <m:t>2</m:t>
@@ -9138,6 +10178,12 @@
                     </m:sSub>
                     <m:r>
                       <a:rPr lang="en-US" b="0" i="1">
+                        <a:solidFill>
+                          <a:schemeClr val="tx1">
+                            <a:lumMod val="75000"/>
+                            <a:lumOff val="25000"/>
+                          </a:schemeClr>
+                        </a:solidFill>
                         <a:latin typeface="Cambria Math" panose="02040503050406030204" pitchFamily="18" charset="0"/>
                       </a:rPr>
                       <m:t>, …,</m:t>
@@ -9146,6 +10192,12 @@
                       <m:sSubPr>
                         <m:ctrlPr>
                           <a:rPr lang="en-US" b="0" i="1">
+                            <a:solidFill>
+                              <a:schemeClr val="tx1">
+                                <a:lumMod val="75000"/>
+                                <a:lumOff val="25000"/>
+                              </a:schemeClr>
+                            </a:solidFill>
                             <a:latin typeface="Cambria Math" panose="02040503050406030204" pitchFamily="18" charset="0"/>
                           </a:rPr>
                         </m:ctrlPr>
@@ -9153,6 +10205,12 @@
                       <m:e>
                         <m:r>
                           <a:rPr lang="en-US" b="0" i="1">
+                            <a:solidFill>
+                              <a:schemeClr val="tx1">
+                                <a:lumMod val="75000"/>
+                                <a:lumOff val="25000"/>
+                              </a:schemeClr>
+                            </a:solidFill>
                             <a:latin typeface="Cambria Math" panose="02040503050406030204" pitchFamily="18" charset="0"/>
                           </a:rPr>
                           <m:t>𝑥</m:t>
@@ -9161,6 +10219,12 @@
                       <m:sub>
                         <m:r>
                           <a:rPr lang="en-US" b="0" i="1">
+                            <a:solidFill>
+                              <a:schemeClr val="tx1">
+                                <a:lumMod val="75000"/>
+                                <a:lumOff val="25000"/>
+                              </a:schemeClr>
+                            </a:solidFill>
                             <a:latin typeface="Cambria Math" panose="02040503050406030204" pitchFamily="18" charset="0"/>
                           </a:rPr>
                           <m:t>𝑛</m:t>
@@ -9169,6 +10233,12 @@
                     </m:sSub>
                     <m:r>
                       <a:rPr lang="en-US" b="0" i="1">
+                        <a:solidFill>
+                          <a:schemeClr val="tx1">
+                            <a:lumMod val="75000"/>
+                            <a:lumOff val="25000"/>
+                          </a:schemeClr>
+                        </a:solidFill>
                         <a:latin typeface="Cambria Math" panose="02040503050406030204" pitchFamily="18" charset="0"/>
                       </a:rPr>
                       <m:t>,</m:t>
@@ -9177,6 +10247,12 @@
                       <m:sSubPr>
                         <m:ctrlPr>
                           <a:rPr lang="en-US" b="0" i="1">
+                            <a:solidFill>
+                              <a:schemeClr val="tx1">
+                                <a:lumMod val="75000"/>
+                                <a:lumOff val="25000"/>
+                              </a:schemeClr>
+                            </a:solidFill>
                             <a:latin typeface="Cambria Math" panose="02040503050406030204" pitchFamily="18" charset="0"/>
                           </a:rPr>
                         </m:ctrlPr>
@@ -9184,6 +10260,12 @@
                       <m:e>
                         <m:r>
                           <a:rPr lang="en-US" b="0" i="1">
+                            <a:solidFill>
+                              <a:schemeClr val="tx1">
+                                <a:lumMod val="75000"/>
+                                <a:lumOff val="25000"/>
+                              </a:schemeClr>
+                            </a:solidFill>
                             <a:latin typeface="Cambria Math" panose="02040503050406030204" pitchFamily="18" charset="0"/>
                           </a:rPr>
                           <m:t>𝐶</m:t>
@@ -9192,6 +10274,12 @@
                       <m:sub>
                         <m:r>
                           <a:rPr lang="en-US" b="0" i="1">
+                            <a:solidFill>
+                              <a:schemeClr val="tx1">
+                                <a:lumMod val="75000"/>
+                                <a:lumOff val="25000"/>
+                              </a:schemeClr>
+                            </a:solidFill>
                             <a:latin typeface="Cambria Math" panose="02040503050406030204" pitchFamily="18" charset="0"/>
                           </a:rPr>
                           <m:t>𝑘</m:t>
@@ -9200,6 +10288,12 @@
                     </m:sSub>
                     <m:r>
                       <a:rPr lang="en-US" b="0" i="1">
+                        <a:solidFill>
+                          <a:schemeClr val="tx1">
+                            <a:lumMod val="75000"/>
+                            <a:lumOff val="25000"/>
+                          </a:schemeClr>
+                        </a:solidFill>
                         <a:latin typeface="Cambria Math" panose="02040503050406030204" pitchFamily="18" charset="0"/>
                       </a:rPr>
                       <m:t>)</m:t>
@@ -9207,19 +10301,38 @@
                   </m:oMath>
                 </a14:m>
                 <a:r>
-                  <a:rPr lang="en-US" b="0" dirty="0"/>
+                  <a:rPr lang="en-US" b="0" dirty="0">
+                    <a:solidFill>
+                      <a:schemeClr val="tx1">
+                        <a:lumMod val="75000"/>
+                        <a:lumOff val="25000"/>
+                      </a:schemeClr>
+                    </a:solidFill>
+                  </a:rPr>
                   <a:t> </a:t>
                 </a:r>
                 <a14:m>
                   <m:oMath xmlns:m="http://schemas.openxmlformats.org/officeDocument/2006/math">
                     <m:r>
                       <a:rPr lang="en-US" b="0" i="1">
+                        <a:solidFill>
+                          <a:schemeClr val="tx1">
+                            <a:lumMod val="75000"/>
+                            <a:lumOff val="25000"/>
+                          </a:schemeClr>
+                        </a:solidFill>
                         <a:latin typeface="Cambria Math" panose="02040503050406030204" pitchFamily="18" charset="0"/>
                       </a:rPr>
                       <m:t>𝑃</m:t>
                     </m:r>
                     <m:r>
                       <a:rPr lang="en-US" b="0" i="1">
+                        <a:solidFill>
+                          <a:schemeClr val="tx1">
+                            <a:lumMod val="75000"/>
+                            <a:lumOff val="25000"/>
+                          </a:schemeClr>
+                        </a:solidFill>
                         <a:latin typeface="Cambria Math" panose="02040503050406030204" pitchFamily="18" charset="0"/>
                       </a:rPr>
                       <m:t>(</m:t>
@@ -9228,6 +10341,12 @@
                       <m:sSubPr>
                         <m:ctrlPr>
                           <a:rPr lang="en-US" b="0" i="1">
+                            <a:solidFill>
+                              <a:schemeClr val="tx1">
+                                <a:lumMod val="75000"/>
+                                <a:lumOff val="25000"/>
+                              </a:schemeClr>
+                            </a:solidFill>
                             <a:latin typeface="Cambria Math" panose="02040503050406030204" pitchFamily="18" charset="0"/>
                           </a:rPr>
                         </m:ctrlPr>
@@ -9235,6 +10354,12 @@
                       <m:e>
                         <m:r>
                           <a:rPr lang="en-US" b="0" i="1">
+                            <a:solidFill>
+                              <a:schemeClr val="tx1">
+                                <a:lumMod val="75000"/>
+                                <a:lumOff val="25000"/>
+                              </a:schemeClr>
+                            </a:solidFill>
                             <a:latin typeface="Cambria Math" panose="02040503050406030204" pitchFamily="18" charset="0"/>
                           </a:rPr>
                           <m:t>𝑥</m:t>
@@ -9243,6 +10368,12 @@
                       <m:sub>
                         <m:r>
                           <a:rPr lang="en-US" b="0" i="1">
+                            <a:solidFill>
+                              <a:schemeClr val="tx1">
+                                <a:lumMod val="75000"/>
+                                <a:lumOff val="25000"/>
+                              </a:schemeClr>
+                            </a:solidFill>
                             <a:latin typeface="Cambria Math" panose="02040503050406030204" pitchFamily="18" charset="0"/>
                           </a:rPr>
                           <m:t>2</m:t>
@@ -9251,6 +10382,12 @@
                     </m:sSub>
                     <m:r>
                       <a:rPr lang="en-US" b="0" i="1">
+                        <a:solidFill>
+                          <a:schemeClr val="tx1">
+                            <a:lumMod val="75000"/>
+                            <a:lumOff val="25000"/>
+                          </a:schemeClr>
+                        </a:solidFill>
                         <a:latin typeface="Cambria Math" panose="02040503050406030204" pitchFamily="18" charset="0"/>
                       </a:rPr>
                       <m:t>|</m:t>
@@ -9259,6 +10396,12 @@
                       <m:sSubPr>
                         <m:ctrlPr>
                           <a:rPr lang="en-US" b="0" i="1">
+                            <a:solidFill>
+                              <a:schemeClr val="tx1">
+                                <a:lumMod val="75000"/>
+                                <a:lumOff val="25000"/>
+                              </a:schemeClr>
+                            </a:solidFill>
                             <a:latin typeface="Cambria Math" panose="02040503050406030204" pitchFamily="18" charset="0"/>
                           </a:rPr>
                         </m:ctrlPr>
@@ -9266,6 +10409,12 @@
                       <m:e>
                         <m:r>
                           <a:rPr lang="en-US" b="0" i="1">
+                            <a:solidFill>
+                              <a:schemeClr val="tx1">
+                                <a:lumMod val="75000"/>
+                                <a:lumOff val="25000"/>
+                              </a:schemeClr>
+                            </a:solidFill>
                             <a:latin typeface="Cambria Math" panose="02040503050406030204" pitchFamily="18" charset="0"/>
                           </a:rPr>
                           <m:t>𝑥</m:t>
@@ -9274,6 +10423,12 @@
                       <m:sub>
                         <m:r>
                           <a:rPr lang="en-US" b="0" i="1">
+                            <a:solidFill>
+                              <a:schemeClr val="tx1">
+                                <a:lumMod val="75000"/>
+                                <a:lumOff val="25000"/>
+                              </a:schemeClr>
+                            </a:solidFill>
                             <a:latin typeface="Cambria Math" panose="02040503050406030204" pitchFamily="18" charset="0"/>
                           </a:rPr>
                           <m:t>3</m:t>
@@ -9282,6 +10437,12 @@
                     </m:sSub>
                     <m:r>
                       <a:rPr lang="en-US" b="0" i="1">
+                        <a:solidFill>
+                          <a:schemeClr val="tx1">
+                            <a:lumMod val="75000"/>
+                            <a:lumOff val="25000"/>
+                          </a:schemeClr>
+                        </a:solidFill>
                         <a:latin typeface="Cambria Math" panose="02040503050406030204" pitchFamily="18" charset="0"/>
                       </a:rPr>
                       <m:t>, …,</m:t>
@@ -9290,6 +10451,12 @@
                       <m:sSubPr>
                         <m:ctrlPr>
                           <a:rPr lang="en-US" b="0" i="1">
+                            <a:solidFill>
+                              <a:schemeClr val="tx1">
+                                <a:lumMod val="75000"/>
+                                <a:lumOff val="25000"/>
+                              </a:schemeClr>
+                            </a:solidFill>
                             <a:latin typeface="Cambria Math" panose="02040503050406030204" pitchFamily="18" charset="0"/>
                           </a:rPr>
                         </m:ctrlPr>
@@ -9297,6 +10464,12 @@
                       <m:e>
                         <m:r>
                           <a:rPr lang="en-US" b="0" i="1">
+                            <a:solidFill>
+                              <a:schemeClr val="tx1">
+                                <a:lumMod val="75000"/>
+                                <a:lumOff val="25000"/>
+                              </a:schemeClr>
+                            </a:solidFill>
                             <a:latin typeface="Cambria Math" panose="02040503050406030204" pitchFamily="18" charset="0"/>
                           </a:rPr>
                           <m:t>𝑥</m:t>
@@ -9305,6 +10478,12 @@
                       <m:sub>
                         <m:r>
                           <a:rPr lang="en-US" b="0" i="1">
+                            <a:solidFill>
+                              <a:schemeClr val="tx1">
+                                <a:lumMod val="75000"/>
+                                <a:lumOff val="25000"/>
+                              </a:schemeClr>
+                            </a:solidFill>
                             <a:latin typeface="Cambria Math" panose="02040503050406030204" pitchFamily="18" charset="0"/>
                           </a:rPr>
                           <m:t>𝑛</m:t>
@@ -9313,6 +10492,12 @@
                     </m:sSub>
                     <m:r>
                       <a:rPr lang="en-US" b="0" i="1">
+                        <a:solidFill>
+                          <a:schemeClr val="tx1">
+                            <a:lumMod val="75000"/>
+                            <a:lumOff val="25000"/>
+                          </a:schemeClr>
+                        </a:solidFill>
                         <a:latin typeface="Cambria Math" panose="02040503050406030204" pitchFamily="18" charset="0"/>
                       </a:rPr>
                       <m:t>,</m:t>
@@ -9321,6 +10506,12 @@
                       <m:sSubPr>
                         <m:ctrlPr>
                           <a:rPr lang="en-US" b="0" i="1">
+                            <a:solidFill>
+                              <a:schemeClr val="tx1">
+                                <a:lumMod val="75000"/>
+                                <a:lumOff val="25000"/>
+                              </a:schemeClr>
+                            </a:solidFill>
                             <a:latin typeface="Cambria Math" panose="02040503050406030204" pitchFamily="18" charset="0"/>
                           </a:rPr>
                         </m:ctrlPr>
@@ -9328,6 +10519,12 @@
                       <m:e>
                         <m:r>
                           <a:rPr lang="en-US" b="0" i="1">
+                            <a:solidFill>
+                              <a:schemeClr val="tx1">
+                                <a:lumMod val="75000"/>
+                                <a:lumOff val="25000"/>
+                              </a:schemeClr>
+                            </a:solidFill>
                             <a:latin typeface="Cambria Math" panose="02040503050406030204" pitchFamily="18" charset="0"/>
                           </a:rPr>
                           <m:t>𝐶</m:t>
@@ -9336,6 +10533,12 @@
                       <m:sub>
                         <m:r>
                           <a:rPr lang="en-US" b="0" i="1">
+                            <a:solidFill>
+                              <a:schemeClr val="tx1">
+                                <a:lumMod val="75000"/>
+                                <a:lumOff val="25000"/>
+                              </a:schemeClr>
+                            </a:solidFill>
                             <a:latin typeface="Cambria Math" panose="02040503050406030204" pitchFamily="18" charset="0"/>
                           </a:rPr>
                           <m:t>𝑘</m:t>
@@ -9344,6 +10547,12 @@
                     </m:sSub>
                     <m:r>
                       <a:rPr lang="en-US" b="0" i="1">
+                        <a:solidFill>
+                          <a:schemeClr val="tx1">
+                            <a:lumMod val="75000"/>
+                            <a:lumOff val="25000"/>
+                          </a:schemeClr>
+                        </a:solidFill>
                         <a:latin typeface="Cambria Math" panose="02040503050406030204" pitchFamily="18" charset="0"/>
                       </a:rPr>
                       <m:t>)</m:t>
@@ -9351,19 +10560,38 @@
                   </m:oMath>
                 </a14:m>
                 <a:r>
-                  <a:rPr lang="en-US" b="0" dirty="0"/>
+                  <a:rPr lang="en-US" b="0" dirty="0">
+                    <a:solidFill>
+                      <a:schemeClr val="tx1">
+                        <a:lumMod val="75000"/>
+                        <a:lumOff val="25000"/>
+                      </a:schemeClr>
+                    </a:solidFill>
+                  </a:rPr>
                   <a:t>…</a:t>
                 </a:r>
                 <a14:m>
                   <m:oMath xmlns:m="http://schemas.openxmlformats.org/officeDocument/2006/math">
                     <m:r>
                       <a:rPr lang="en-US" b="0" i="1">
+                        <a:solidFill>
+                          <a:schemeClr val="tx1">
+                            <a:lumMod val="75000"/>
+                            <a:lumOff val="25000"/>
+                          </a:schemeClr>
+                        </a:solidFill>
                         <a:latin typeface="Cambria Math" panose="02040503050406030204" pitchFamily="18" charset="0"/>
                       </a:rPr>
                       <m:t>𝑃</m:t>
                     </m:r>
                     <m:r>
                       <a:rPr lang="en-US" b="0" i="1">
+                        <a:solidFill>
+                          <a:schemeClr val="tx1">
+                            <a:lumMod val="75000"/>
+                            <a:lumOff val="25000"/>
+                          </a:schemeClr>
+                        </a:solidFill>
                         <a:latin typeface="Cambria Math" panose="02040503050406030204" pitchFamily="18" charset="0"/>
                       </a:rPr>
                       <m:t>(</m:t>
@@ -9372,6 +10600,12 @@
                       <m:sSubPr>
                         <m:ctrlPr>
                           <a:rPr lang="en-US" b="0" i="1">
+                            <a:solidFill>
+                              <a:schemeClr val="tx1">
+                                <a:lumMod val="75000"/>
+                                <a:lumOff val="25000"/>
+                              </a:schemeClr>
+                            </a:solidFill>
                             <a:latin typeface="Cambria Math" panose="02040503050406030204" pitchFamily="18" charset="0"/>
                           </a:rPr>
                         </m:ctrlPr>
@@ -9379,6 +10613,12 @@
                       <m:e>
                         <m:r>
                           <a:rPr lang="en-US" b="0" i="1">
+                            <a:solidFill>
+                              <a:schemeClr val="tx1">
+                                <a:lumMod val="75000"/>
+                                <a:lumOff val="25000"/>
+                              </a:schemeClr>
+                            </a:solidFill>
                             <a:latin typeface="Cambria Math" panose="02040503050406030204" pitchFamily="18" charset="0"/>
                           </a:rPr>
                           <m:t>𝑥</m:t>
@@ -9387,12 +10627,24 @@
                       <m:sub>
                         <m:r>
                           <a:rPr lang="en-US" b="0" i="1" smtClean="0">
+                            <a:solidFill>
+                              <a:schemeClr val="tx1">
+                                <a:lumMod val="75000"/>
+                                <a:lumOff val="25000"/>
+                              </a:schemeClr>
+                            </a:solidFill>
                             <a:latin typeface="Cambria Math" panose="02040503050406030204" pitchFamily="18" charset="0"/>
                           </a:rPr>
                           <m:t>𝑛</m:t>
                         </m:r>
                         <m:r>
                           <a:rPr lang="en-US" b="0" i="1" smtClean="0">
+                            <a:solidFill>
+                              <a:schemeClr val="tx1">
+                                <a:lumMod val="75000"/>
+                                <a:lumOff val="25000"/>
+                              </a:schemeClr>
+                            </a:solidFill>
                             <a:latin typeface="Cambria Math" panose="02040503050406030204" pitchFamily="18" charset="0"/>
                           </a:rPr>
                           <m:t>−1</m:t>
@@ -9401,6 +10653,12 @@
                     </m:sSub>
                     <m:r>
                       <a:rPr lang="en-US" b="0" i="1" smtClean="0">
+                        <a:solidFill>
+                          <a:schemeClr val="tx1">
+                            <a:lumMod val="75000"/>
+                            <a:lumOff val="25000"/>
+                          </a:schemeClr>
+                        </a:solidFill>
                         <a:latin typeface="Cambria Math" panose="02040503050406030204" pitchFamily="18" charset="0"/>
                       </a:rPr>
                       <m:t>|</m:t>
@@ -9409,6 +10667,12 @@
                       <m:sSubPr>
                         <m:ctrlPr>
                           <a:rPr lang="en-US" b="0" i="1">
+                            <a:solidFill>
+                              <a:schemeClr val="tx1">
+                                <a:lumMod val="75000"/>
+                                <a:lumOff val="25000"/>
+                              </a:schemeClr>
+                            </a:solidFill>
                             <a:latin typeface="Cambria Math" panose="02040503050406030204" pitchFamily="18" charset="0"/>
                           </a:rPr>
                         </m:ctrlPr>
@@ -9416,6 +10680,12 @@
                       <m:e>
                         <m:r>
                           <a:rPr lang="en-US" b="0" i="1">
+                            <a:solidFill>
+                              <a:schemeClr val="tx1">
+                                <a:lumMod val="75000"/>
+                                <a:lumOff val="25000"/>
+                              </a:schemeClr>
+                            </a:solidFill>
                             <a:latin typeface="Cambria Math" panose="02040503050406030204" pitchFamily="18" charset="0"/>
                           </a:rPr>
                           <m:t>𝑥</m:t>
@@ -9424,6 +10694,12 @@
                       <m:sub>
                         <m:r>
                           <a:rPr lang="en-US" b="0" i="1">
+                            <a:solidFill>
+                              <a:schemeClr val="tx1">
+                                <a:lumMod val="75000"/>
+                                <a:lumOff val="25000"/>
+                              </a:schemeClr>
+                            </a:solidFill>
                             <a:latin typeface="Cambria Math" panose="02040503050406030204" pitchFamily="18" charset="0"/>
                           </a:rPr>
                           <m:t>𝑛</m:t>
@@ -9432,6 +10708,12 @@
                     </m:sSub>
                     <m:r>
                       <a:rPr lang="en-US" b="0" i="1">
+                        <a:solidFill>
+                          <a:schemeClr val="tx1">
+                            <a:lumMod val="75000"/>
+                            <a:lumOff val="25000"/>
+                          </a:schemeClr>
+                        </a:solidFill>
                         <a:latin typeface="Cambria Math" panose="02040503050406030204" pitchFamily="18" charset="0"/>
                       </a:rPr>
                       <m:t>,</m:t>
@@ -9440,6 +10722,12 @@
                       <m:sSubPr>
                         <m:ctrlPr>
                           <a:rPr lang="en-US" b="0" i="1">
+                            <a:solidFill>
+                              <a:schemeClr val="tx1">
+                                <a:lumMod val="75000"/>
+                                <a:lumOff val="25000"/>
+                              </a:schemeClr>
+                            </a:solidFill>
                             <a:latin typeface="Cambria Math" panose="02040503050406030204" pitchFamily="18" charset="0"/>
                           </a:rPr>
                         </m:ctrlPr>
@@ -9447,6 +10735,12 @@
                       <m:e>
                         <m:r>
                           <a:rPr lang="en-US" b="0" i="1">
+                            <a:solidFill>
+                              <a:schemeClr val="tx1">
+                                <a:lumMod val="75000"/>
+                                <a:lumOff val="25000"/>
+                              </a:schemeClr>
+                            </a:solidFill>
                             <a:latin typeface="Cambria Math" panose="02040503050406030204" pitchFamily="18" charset="0"/>
                           </a:rPr>
                           <m:t>𝐶</m:t>
@@ -9455,6 +10749,12 @@
                       <m:sub>
                         <m:r>
                           <a:rPr lang="en-US" b="0" i="1">
+                            <a:solidFill>
+                              <a:schemeClr val="tx1">
+                                <a:lumMod val="75000"/>
+                                <a:lumOff val="25000"/>
+                              </a:schemeClr>
+                            </a:solidFill>
                             <a:latin typeface="Cambria Math" panose="02040503050406030204" pitchFamily="18" charset="0"/>
                           </a:rPr>
                           <m:t>𝑘</m:t>
@@ -9463,6 +10763,12 @@
                     </m:sSub>
                     <m:r>
                       <a:rPr lang="en-US" b="0" i="1">
+                        <a:solidFill>
+                          <a:schemeClr val="tx1">
+                            <a:lumMod val="75000"/>
+                            <a:lumOff val="25000"/>
+                          </a:schemeClr>
+                        </a:solidFill>
                         <a:latin typeface="Cambria Math" panose="02040503050406030204" pitchFamily="18" charset="0"/>
                       </a:rPr>
                       <m:t>)</m:t>
@@ -9470,13 +10776,26 @@
                   </m:oMath>
                 </a14:m>
                 <a:r>
-                  <a:rPr lang="en-US" b="0" dirty="0"/>
+                  <a:rPr lang="en-US" b="0" dirty="0">
+                    <a:solidFill>
+                      <a:schemeClr val="tx1">
+                        <a:lumMod val="75000"/>
+                        <a:lumOff val="25000"/>
+                      </a:schemeClr>
+                    </a:solidFill>
+                  </a:rPr>
                   <a:t> </a:t>
                 </a:r>
                 <a14:m>
                   <m:oMath xmlns:m="http://schemas.openxmlformats.org/officeDocument/2006/math">
                     <m:r>
                       <a:rPr lang="en-US" b="0" i="1">
+                        <a:solidFill>
+                          <a:schemeClr val="tx1">
+                            <a:lumMod val="75000"/>
+                            <a:lumOff val="25000"/>
+                          </a:schemeClr>
+                        </a:solidFill>
                         <a:latin typeface="Cambria Math" panose="02040503050406030204" pitchFamily="18" charset="0"/>
                       </a:rPr>
                       <m:t>𝑃</m:t>
@@ -9485,6 +10804,12 @@
                       <m:dPr>
                         <m:ctrlPr>
                           <a:rPr lang="en-US" b="0" i="1">
+                            <a:solidFill>
+                              <a:schemeClr val="tx1">
+                                <a:lumMod val="75000"/>
+                                <a:lumOff val="25000"/>
+                              </a:schemeClr>
+                            </a:solidFill>
                             <a:latin typeface="Cambria Math" panose="02040503050406030204" pitchFamily="18" charset="0"/>
                           </a:rPr>
                         </m:ctrlPr>
@@ -9494,6 +10819,12 @@
                           <m:sSubPr>
                             <m:ctrlPr>
                               <a:rPr lang="en-US" b="0" i="1">
+                                <a:solidFill>
+                                  <a:schemeClr val="tx1">
+                                    <a:lumMod val="75000"/>
+                                    <a:lumOff val="25000"/>
+                                  </a:schemeClr>
+                                </a:solidFill>
                                 <a:latin typeface="Cambria Math" panose="02040503050406030204" pitchFamily="18" charset="0"/>
                               </a:rPr>
                             </m:ctrlPr>
@@ -9501,6 +10832,12 @@
                           <m:e>
                             <m:r>
                               <a:rPr lang="en-US" b="0" i="1">
+                                <a:solidFill>
+                                  <a:schemeClr val="tx1">
+                                    <a:lumMod val="75000"/>
+                                    <a:lumOff val="25000"/>
+                                  </a:schemeClr>
+                                </a:solidFill>
                                 <a:latin typeface="Cambria Math" panose="02040503050406030204" pitchFamily="18" charset="0"/>
                               </a:rPr>
                               <m:t>𝑥</m:t>
@@ -9509,6 +10846,12 @@
                           <m:sub>
                             <m:r>
                               <a:rPr lang="en-US" b="0" i="1">
+                                <a:solidFill>
+                                  <a:schemeClr val="tx1">
+                                    <a:lumMod val="75000"/>
+                                    <a:lumOff val="25000"/>
+                                  </a:schemeClr>
+                                </a:solidFill>
                                 <a:latin typeface="Cambria Math" panose="02040503050406030204" pitchFamily="18" charset="0"/>
                               </a:rPr>
                               <m:t>𝑛</m:t>
@@ -9521,6 +10864,12 @@
                           <m:sSubPr>
                             <m:ctrlPr>
                               <a:rPr lang="en-US" b="0" i="1">
+                                <a:solidFill>
+                                  <a:schemeClr val="tx1">
+                                    <a:lumMod val="75000"/>
+                                    <a:lumOff val="25000"/>
+                                  </a:schemeClr>
+                                </a:solidFill>
                                 <a:latin typeface="Cambria Math" panose="02040503050406030204" pitchFamily="18" charset="0"/>
                               </a:rPr>
                             </m:ctrlPr>
@@ -9528,6 +10877,12 @@
                           <m:e>
                             <m:r>
                               <a:rPr lang="en-US" b="0" i="1">
+                                <a:solidFill>
+                                  <a:schemeClr val="tx1">
+                                    <a:lumMod val="75000"/>
+                                    <a:lumOff val="25000"/>
+                                  </a:schemeClr>
+                                </a:solidFill>
                                 <a:latin typeface="Cambria Math" panose="02040503050406030204" pitchFamily="18" charset="0"/>
                               </a:rPr>
                               <m:t>𝐶</m:t>
@@ -9536,6 +10891,12 @@
                           <m:sub>
                             <m:r>
                               <a:rPr lang="en-US" b="0" i="1">
+                                <a:solidFill>
+                                  <a:schemeClr val="tx1">
+                                    <a:lumMod val="75000"/>
+                                    <a:lumOff val="25000"/>
+                                  </a:schemeClr>
+                                </a:solidFill>
                                 <a:latin typeface="Cambria Math" panose="02040503050406030204" pitchFamily="18" charset="0"/>
                               </a:rPr>
                               <m:t>𝑘</m:t>
@@ -9546,6 +10907,12 @@
                     </m:d>
                     <m:r>
                       <a:rPr lang="en-US" b="0" i="1">
+                        <a:solidFill>
+                          <a:schemeClr val="tx1">
+                            <a:lumMod val="75000"/>
+                            <a:lumOff val="25000"/>
+                          </a:schemeClr>
+                        </a:solidFill>
                         <a:latin typeface="Cambria Math" panose="02040503050406030204" pitchFamily="18" charset="0"/>
                       </a:rPr>
                       <m:t>𝑃</m:t>
@@ -9554,6 +10921,12 @@
                       <m:dPr>
                         <m:ctrlPr>
                           <a:rPr lang="en-US" b="0" i="1">
+                            <a:solidFill>
+                              <a:schemeClr val="tx1">
+                                <a:lumMod val="75000"/>
+                                <a:lumOff val="25000"/>
+                              </a:schemeClr>
+                            </a:solidFill>
                             <a:latin typeface="Cambria Math" panose="02040503050406030204" pitchFamily="18" charset="0"/>
                           </a:rPr>
                         </m:ctrlPr>
@@ -9563,6 +10936,12 @@
                           <m:sSubPr>
                             <m:ctrlPr>
                               <a:rPr lang="en-US" b="0" i="1">
+                                <a:solidFill>
+                                  <a:schemeClr val="tx1">
+                                    <a:lumMod val="75000"/>
+                                    <a:lumOff val="25000"/>
+                                  </a:schemeClr>
+                                </a:solidFill>
                                 <a:latin typeface="Cambria Math" panose="02040503050406030204" pitchFamily="18" charset="0"/>
                               </a:rPr>
                             </m:ctrlPr>
@@ -9570,6 +10949,12 @@
                           <m:e>
                             <m:r>
                               <a:rPr lang="en-US" b="0" i="1">
+                                <a:solidFill>
+                                  <a:schemeClr val="tx1">
+                                    <a:lumMod val="75000"/>
+                                    <a:lumOff val="25000"/>
+                                  </a:schemeClr>
+                                </a:solidFill>
                                 <a:latin typeface="Cambria Math" panose="02040503050406030204" pitchFamily="18" charset="0"/>
                               </a:rPr>
                               <m:t>𝐶</m:t>
@@ -9578,6 +10963,12 @@
                           <m:sub>
                             <m:r>
                               <a:rPr lang="en-US" b="0" i="1">
+                                <a:solidFill>
+                                  <a:schemeClr val="tx1">
+                                    <a:lumMod val="75000"/>
+                                    <a:lumOff val="25000"/>
+                                  </a:schemeClr>
+                                </a:solidFill>
                                 <a:latin typeface="Cambria Math" panose="02040503050406030204" pitchFamily="18" charset="0"/>
                               </a:rPr>
                               <m:t>𝑘</m:t>
@@ -9588,26 +10979,68 @@
                     </m:d>
                   </m:oMath>
                 </a14:m>
-                <a:endParaRPr lang="en-US" b="0" dirty="0"/>
+                <a:endParaRPr lang="en-US" b="0" dirty="0">
+                  <a:solidFill>
+                    <a:schemeClr val="tx1">
+                      <a:lumMod val="75000"/>
+                      <a:lumOff val="25000"/>
+                    </a:schemeClr>
+                  </a:solidFill>
+                </a:endParaRPr>
               </a:p>
               <a:p>
-                <a:endParaRPr lang="en-US" b="0" dirty="0"/>
+                <a:endParaRPr lang="en-US" b="0" dirty="0">
+                  <a:solidFill>
+                    <a:schemeClr val="tx1">
+                      <a:lumMod val="75000"/>
+                      <a:lumOff val="25000"/>
+                    </a:schemeClr>
+                  </a:solidFill>
+                </a:endParaRPr>
               </a:p>
               <a:p>
                 <a:pPr lvl="1"/>
-                <a:endParaRPr lang="en-US" sz="1800" dirty="0"/>
+                <a:endParaRPr lang="en-US" sz="1800" dirty="0">
+                  <a:solidFill>
+                    <a:schemeClr val="tx1">
+                      <a:lumMod val="75000"/>
+                      <a:lumOff val="25000"/>
+                    </a:schemeClr>
+                  </a:solidFill>
+                </a:endParaRPr>
               </a:p>
               <a:p>
                 <a:br>
-                  <a:rPr lang="en-US" b="0" dirty="0"/>
+                  <a:rPr lang="en-US" b="0" dirty="0">
+                    <a:solidFill>
+                      <a:schemeClr val="tx1">
+                        <a:lumMod val="75000"/>
+                        <a:lumOff val="25000"/>
+                      </a:schemeClr>
+                    </a:solidFill>
+                  </a:rPr>
                 </a:br>
-                <a:endParaRPr lang="en-US" b="0" dirty="0"/>
+                <a:endParaRPr lang="en-US" b="0" dirty="0">
+                  <a:solidFill>
+                    <a:schemeClr val="tx1">
+                      <a:lumMod val="75000"/>
+                      <a:lumOff val="25000"/>
+                    </a:schemeClr>
+                  </a:solidFill>
+                </a:endParaRPr>
               </a:p>
               <a:p>
                 <a:pPr lvl="2" indent="0">
                   <a:buNone/>
                 </a:pPr>
-                <a:endParaRPr lang="en-US" sz="1800" dirty="0"/>
+                <a:endParaRPr lang="en-US" sz="1800" dirty="0">
+                  <a:solidFill>
+                    <a:schemeClr val="tx1">
+                      <a:lumMod val="75000"/>
+                      <a:lumOff val="25000"/>
+                    </a:schemeClr>
+                  </a:solidFill>
+                </a:endParaRPr>
               </a:p>
             </p:txBody>
           </p:sp>
@@ -9880,169 +11313,6 @@
           </a:p>
         </p:txBody>
       </p:sp>
-      <mc:AlternateContent xmlns:mc="http://schemas.openxmlformats.org/markup-compatibility/2006">
-        <mc:Choice xmlns:a14="http://schemas.microsoft.com/office/drawing/2010/main" Requires="a14">
-          <p:sp>
-            <p:nvSpPr>
-              <p:cNvPr id="25" name="TextBox 24">
-                <a:extLst>
-                  <a:ext uri="{FF2B5EF4-FFF2-40B4-BE49-F238E27FC236}">
-                    <a16:creationId xmlns:a16="http://schemas.microsoft.com/office/drawing/2014/main" id="{17E54C83-0A89-E791-34B0-90A22C48B306}"/>
-                  </a:ext>
-                </a:extLst>
-              </p:cNvPr>
-              <p:cNvSpPr txBox="1"/>
-              <p:nvPr/>
-            </p:nvSpPr>
-            <p:spPr>
-              <a:xfrm>
-                <a:off x="9826422" y="4905632"/>
-                <a:ext cx="2209059" cy="369332"/>
-              </a:xfrm>
-              <a:prstGeom prst="rect">
-                <a:avLst/>
-              </a:prstGeom>
-              <a:noFill/>
-              <a:ln>
-                <a:solidFill>
-                  <a:schemeClr val="accent1"/>
-                </a:solidFill>
-              </a:ln>
-            </p:spPr>
-            <p:txBody>
-              <a:bodyPr wrap="square" rtlCol="0">
-                <a:spAutoFit/>
-              </a:bodyPr>
-              <a:lstStyle/>
-              <a:p>
-                <a14:m>
-                  <m:oMath xmlns:m="http://schemas.openxmlformats.org/officeDocument/2006/math">
-                    <m:sSup>
-                      <m:sSupPr>
-                        <m:ctrlPr>
-                          <a:rPr lang="en-US" i="1" smtClean="0">
-                            <a:latin typeface="Cambria Math" panose="02040503050406030204" pitchFamily="18" charset="0"/>
-                          </a:rPr>
-                        </m:ctrlPr>
-                      </m:sSupPr>
-                      <m:e>
-                        <m:r>
-                          <a:rPr lang="en-US" b="0" i="1" smtClean="0">
-                            <a:latin typeface="Cambria Math" panose="02040503050406030204" pitchFamily="18" charset="0"/>
-                          </a:rPr>
-                          <m:t>𝑚</m:t>
-                        </m:r>
-                      </m:e>
-                      <m:sup>
-                        <m:r>
-                          <a:rPr lang="en-US" b="0" i="1" smtClean="0">
-                            <a:latin typeface="Cambria Math" panose="02040503050406030204" pitchFamily="18" charset="0"/>
-                          </a:rPr>
-                          <m:t>𝑝</m:t>
-                        </m:r>
-                      </m:sup>
-                    </m:sSup>
-                  </m:oMath>
-                </a14:m>
-                <a:r>
-                  <a:rPr lang="en-US" dirty="0"/>
-                  <a:t> probabilities!</a:t>
-                </a:r>
-              </a:p>
-            </p:txBody>
-          </p:sp>
-        </mc:Choice>
-        <mc:Fallback>
-          <p:sp>
-            <p:nvSpPr>
-              <p:cNvPr id="25" name="TextBox 24">
-                <a:extLst>
-                  <a:ext uri="{FF2B5EF4-FFF2-40B4-BE49-F238E27FC236}">
-                    <a16:creationId xmlns:a16="http://schemas.microsoft.com/office/drawing/2014/main" id="{17E54C83-0A89-E791-34B0-90A22C48B306}"/>
-                  </a:ext>
-                </a:extLst>
-              </p:cNvPr>
-              <p:cNvSpPr txBox="1">
-                <a:spLocks noRot="1" noChangeAspect="1" noMove="1" noResize="1" noEditPoints="1" noAdjustHandles="1" noChangeArrowheads="1" noChangeShapeType="1" noTextEdit="1"/>
-              </p:cNvSpPr>
-              <p:nvPr/>
-            </p:nvSpPr>
-            <p:spPr>
-              <a:xfrm>
-                <a:off x="9826422" y="4905632"/>
-                <a:ext cx="2209059" cy="369332"/>
-              </a:xfrm>
-              <a:prstGeom prst="rect">
-                <a:avLst/>
-              </a:prstGeom>
-              <a:blipFill>
-                <a:blip r:embed="rId4"/>
-                <a:stretch>
-                  <a:fillRect t="-3226" b="-22581"/>
-                </a:stretch>
-              </a:blipFill>
-              <a:ln>
-                <a:solidFill>
-                  <a:schemeClr val="accent1"/>
-                </a:solidFill>
-              </a:ln>
-            </p:spPr>
-            <p:txBody>
-              <a:bodyPr/>
-              <a:lstStyle/>
-              <a:p>
-                <a:r>
-                  <a:rPr lang="en-US">
-                    <a:noFill/>
-                  </a:rPr>
-                  <a:t> </a:t>
-                </a:r>
-              </a:p>
-            </p:txBody>
-          </p:sp>
-        </mc:Fallback>
-      </mc:AlternateContent>
-      <p:cxnSp>
-        <p:nvCxnSpPr>
-          <p:cNvPr id="26" name="Straight Arrow Connector 25">
-            <a:extLst>
-              <a:ext uri="{FF2B5EF4-FFF2-40B4-BE49-F238E27FC236}">
-                <a16:creationId xmlns:a16="http://schemas.microsoft.com/office/drawing/2014/main" id="{CFB1074B-BA9B-FAAB-CEC7-9F0E79345F19}"/>
-              </a:ext>
-            </a:extLst>
-          </p:cNvPr>
-          <p:cNvCxnSpPr>
-            <a:cxnSpLocks/>
-          </p:cNvCxnSpPr>
-          <p:nvPr/>
-        </p:nvCxnSpPr>
-        <p:spPr>
-          <a:xfrm flipH="1">
-            <a:off x="10438020" y="5287071"/>
-            <a:ext cx="344629" cy="355033"/>
-          </a:xfrm>
-          <a:prstGeom prst="straightConnector1">
-            <a:avLst/>
-          </a:prstGeom>
-          <a:ln>
-            <a:tailEnd type="triangle"/>
-          </a:ln>
-        </p:spPr>
-        <p:style>
-          <a:lnRef idx="1">
-            <a:schemeClr val="accent1"/>
-          </a:lnRef>
-          <a:fillRef idx="0">
-            <a:schemeClr val="accent1"/>
-          </a:fillRef>
-          <a:effectRef idx="0">
-            <a:schemeClr val="accent1"/>
-          </a:effectRef>
-          <a:fontRef idx="minor">
-            <a:schemeClr val="tx1"/>
-          </a:fontRef>
-        </p:style>
-      </p:cxnSp>
     </p:spTree>
     <p:extLst>
       <p:ext uri="{BB962C8B-B14F-4D97-AF65-F5344CB8AC3E}">
@@ -10434,68 +11704,183 @@
           </a:p>
         </p:txBody>
       </p:sp>
+      <p:sp>
+        <p:nvSpPr>
+          <p:cNvPr id="3" name="Content Placeholder 2">
+            <a:extLst>
+              <a:ext uri="{FF2B5EF4-FFF2-40B4-BE49-F238E27FC236}">
+                <a16:creationId xmlns:a16="http://schemas.microsoft.com/office/drawing/2014/main" id="{D10F0C80-DC6D-9D1C-F85E-F57BCE032DAE}"/>
+              </a:ext>
+            </a:extLst>
+          </p:cNvPr>
+          <p:cNvSpPr>
+            <a:spLocks noGrp="1"/>
+          </p:cNvSpPr>
+          <p:nvPr>
+            <p:ph idx="1"/>
+          </p:nvPr>
+        </p:nvSpPr>
+        <p:spPr>
+          <a:xfrm>
+            <a:off x="1230794" y="2300161"/>
+            <a:ext cx="10240147" cy="2074131"/>
+          </a:xfrm>
+        </p:spPr>
+        <p:txBody>
+          <a:bodyPr anchor="t">
+            <a:normAutofit/>
+          </a:bodyPr>
+          <a:lstStyle/>
+          <a:p>
+            <a:pPr marL="342900" indent="-342900">
+              <a:buFont typeface="Arial" panose="020B0604020202020204" pitchFamily="34" charset="0"/>
+              <a:buChar char="•"/>
+            </a:pPr>
+            <a:r>
+              <a:rPr lang="en-US" dirty="0"/>
+              <a:t>Naïve Bayes</a:t>
+            </a:r>
+          </a:p>
+          <a:p>
+            <a:pPr lvl="1"/>
+            <a:r>
+              <a:rPr lang="en-US" sz="1700" dirty="0"/>
+              <a:t>	</a:t>
+            </a:r>
+            <a:r>
+              <a:rPr lang="en-US" dirty="0"/>
+              <a:t>- Special case of Bayes</a:t>
+            </a:r>
+          </a:p>
+          <a:p>
+            <a:pPr lvl="1">
+              <a:spcAft>
+                <a:spcPts val="1200"/>
+              </a:spcAft>
+            </a:pPr>
+            <a:r>
+              <a:rPr lang="en-US" b="0" dirty="0"/>
+              <a:t>	- Naive Bayes assumes is that each feature is independent from every 	  other feature</a:t>
+            </a:r>
+          </a:p>
+          <a:p>
+            <a:pPr lvl="1">
+              <a:spcAft>
+                <a:spcPts val="1200"/>
+              </a:spcAft>
+            </a:pPr>
+            <a:endParaRPr lang="en-US" sz="1900" dirty="0"/>
+          </a:p>
+          <a:p>
+            <a:endParaRPr lang="en-US" b="0" dirty="0"/>
+          </a:p>
+          <a:p>
+            <a:pPr lvl="2" indent="0">
+              <a:buNone/>
+            </a:pPr>
+            <a:endParaRPr lang="en-US" dirty="0"/>
+          </a:p>
+        </p:txBody>
+      </p:sp>
+      <p:sp>
+        <p:nvSpPr>
+          <p:cNvPr id="11" name="TextBox 10">
+            <a:extLst>
+              <a:ext uri="{FF2B5EF4-FFF2-40B4-BE49-F238E27FC236}">
+                <a16:creationId xmlns:a16="http://schemas.microsoft.com/office/drawing/2014/main" id="{87B81311-0472-3A23-A011-D56BA4C29793}"/>
+              </a:ext>
+            </a:extLst>
+          </p:cNvPr>
+          <p:cNvSpPr txBox="1"/>
+          <p:nvPr/>
+        </p:nvSpPr>
+        <p:spPr>
+          <a:xfrm>
+            <a:off x="787400" y="1346200"/>
+            <a:ext cx="184731" cy="369332"/>
+          </a:xfrm>
+          <a:prstGeom prst="rect">
+            <a:avLst/>
+          </a:prstGeom>
+          <a:noFill/>
+        </p:spPr>
+        <p:txBody>
+          <a:bodyPr wrap="none" rtlCol="0">
+            <a:spAutoFit/>
+          </a:bodyPr>
+          <a:lstStyle/>
+          <a:p>
+            <a:endParaRPr lang="en-US" dirty="0"/>
+          </a:p>
+        </p:txBody>
+      </p:sp>
+      <p:sp>
+        <p:nvSpPr>
+          <p:cNvPr id="13" name="TextBox 12">
+            <a:extLst>
+              <a:ext uri="{FF2B5EF4-FFF2-40B4-BE49-F238E27FC236}">
+                <a16:creationId xmlns:a16="http://schemas.microsoft.com/office/drawing/2014/main" id="{02698990-17CD-C3B4-3F91-73B2EAA2F192}"/>
+              </a:ext>
+            </a:extLst>
+          </p:cNvPr>
+          <p:cNvSpPr txBox="1"/>
+          <p:nvPr/>
+        </p:nvSpPr>
+        <p:spPr>
+          <a:xfrm>
+            <a:off x="457200" y="1511300"/>
+            <a:ext cx="184731" cy="369332"/>
+          </a:xfrm>
+          <a:prstGeom prst="rect">
+            <a:avLst/>
+          </a:prstGeom>
+          <a:noFill/>
+        </p:spPr>
+        <p:txBody>
+          <a:bodyPr wrap="none" rtlCol="0">
+            <a:spAutoFit/>
+          </a:bodyPr>
+          <a:lstStyle/>
+          <a:p>
+            <a:endParaRPr lang="en-US" dirty="0"/>
+          </a:p>
+        </p:txBody>
+      </p:sp>
       <mc:AlternateContent xmlns:mc="http://schemas.openxmlformats.org/markup-compatibility/2006">
         <mc:Choice xmlns:a14="http://schemas.microsoft.com/office/drawing/2010/main" Requires="a14">
           <p:sp>
             <p:nvSpPr>
-              <p:cNvPr id="3" name="Content Placeholder 2">
+              <p:cNvPr id="7" name="TextBox 6">
                 <a:extLst>
                   <a:ext uri="{FF2B5EF4-FFF2-40B4-BE49-F238E27FC236}">
-                    <a16:creationId xmlns:a16="http://schemas.microsoft.com/office/drawing/2014/main" id="{D10F0C80-DC6D-9D1C-F85E-F57BCE032DAE}"/>
+                    <a16:creationId xmlns:a16="http://schemas.microsoft.com/office/drawing/2014/main" id="{B50794B6-329E-7D51-4AA5-ED036E0B6796}"/>
                   </a:ext>
                 </a:extLst>
               </p:cNvPr>
-              <p:cNvSpPr>
-                <a:spLocks noGrp="1"/>
-              </p:cNvSpPr>
-              <p:nvPr>
-                <p:ph idx="1"/>
-              </p:nvPr>
+              <p:cNvSpPr txBox="1"/>
+              <p:nvPr/>
             </p:nvSpPr>
             <p:spPr>
               <a:xfrm>
-                <a:off x="1230794" y="2391770"/>
-                <a:ext cx="10240147" cy="4466230"/>
+                <a:off x="1804086" y="4374292"/>
+                <a:ext cx="8279027" cy="2116349"/>
               </a:xfrm>
+              <a:prstGeom prst="rect">
+                <a:avLst/>
+              </a:prstGeom>
+              <a:noFill/>
             </p:spPr>
             <p:txBody>
-              <a:bodyPr anchor="t">
-                <a:normAutofit/>
+              <a:bodyPr wrap="square" rtlCol="0">
+                <a:spAutoFit/>
               </a:bodyPr>
               <a:lstStyle/>
-              <a:p>
-                <a:pPr marL="342900" indent="-342900">
-                  <a:buFont typeface="Arial" panose="020B0604020202020204" pitchFamily="34" charset="0"/>
-                  <a:buChar char="•"/>
-                </a:pPr>
-                <a:r>
-                  <a:rPr lang="en-US" dirty="0"/>
-                  <a:t>Naïve Bayes</a:t>
-                </a:r>
-              </a:p>
-              <a:p>
-                <a:pPr lvl="1"/>
-                <a:r>
-                  <a:rPr lang="en-US" dirty="0"/>
-                  <a:t>	- Special case of Bayes</a:t>
-                </a:r>
-              </a:p>
               <a:p>
                 <a:pPr lvl="1">
                   <a:spcAft>
                     <a:spcPts val="1200"/>
                   </a:spcAft>
                 </a:pPr>
-                <a:r>
-                  <a:rPr lang="en-US" b="0" dirty="0"/>
-                  <a:t>	- Naive Bayes assumes is that each feature is independent from every 	  other feature</a:t>
-                </a:r>
-                <a:endParaRPr lang="en-US" i="1" dirty="0">
-                  <a:latin typeface="Cambria Math" panose="02040503050406030204" pitchFamily="18" charset="0"/>
-                </a:endParaRPr>
-              </a:p>
-              <a:p>
-                <a:pPr lvl="1"/>
                 <a14:m>
                   <m:oMathPara xmlns:m="http://schemas.openxmlformats.org/officeDocument/2006/math">
                     <m:oMathParaPr>
@@ -10503,7 +11888,13 @@
                     </m:oMathParaPr>
                     <m:oMath xmlns:m="http://schemas.openxmlformats.org/officeDocument/2006/math">
                       <m:r>
-                        <a:rPr lang="en-US" sz="1800" i="1">
+                        <a:rPr lang="en-US" i="1" smtClean="0">
+                          <a:solidFill>
+                            <a:schemeClr val="tx1">
+                              <a:lumMod val="75000"/>
+                              <a:lumOff val="25000"/>
+                            </a:schemeClr>
+                          </a:solidFill>
                           <a:latin typeface="Cambria Math" panose="02040503050406030204" pitchFamily="18" charset="0"/>
                         </a:rPr>
                         <m:t>𝑃</m:t>
@@ -10511,7 +11902,13 @@
                       <m:d>
                         <m:dPr>
                           <m:ctrlPr>
-                            <a:rPr lang="en-US" sz="1800" i="1">
+                            <a:rPr lang="en-US" i="1">
+                              <a:solidFill>
+                                <a:schemeClr val="tx1">
+                                  <a:lumMod val="75000"/>
+                                  <a:lumOff val="25000"/>
+                                </a:schemeClr>
+                              </a:solidFill>
                               <a:latin typeface="Cambria Math" panose="02040503050406030204" pitchFamily="18" charset="0"/>
                             </a:rPr>
                           </m:ctrlPr>
@@ -10520,14 +11917,181 @@
                           <m:sSub>
                             <m:sSubPr>
                               <m:ctrlPr>
-                                <a:rPr lang="en-US" sz="1800" i="1">
+                                <a:rPr lang="en-US" i="1">
+                                  <a:solidFill>
+                                    <a:schemeClr val="tx1">
+                                      <a:lumMod val="75000"/>
+                                      <a:lumOff val="25000"/>
+                                    </a:schemeClr>
+                                  </a:solidFill>
                                   <a:latin typeface="Cambria Math" panose="02040503050406030204" pitchFamily="18" charset="0"/>
                                 </a:rPr>
                               </m:ctrlPr>
                             </m:sSubPr>
                             <m:e>
                               <m:r>
-                                <a:rPr lang="en-US" sz="1800" i="1">
+                                <a:rPr lang="en-US" i="1">
+                                  <a:solidFill>
+                                    <a:schemeClr val="tx1">
+                                      <a:lumMod val="75000"/>
+                                      <a:lumOff val="25000"/>
+                                    </a:schemeClr>
+                                  </a:solidFill>
+                                  <a:latin typeface="Cambria Math" panose="02040503050406030204" pitchFamily="18" charset="0"/>
+                                </a:rPr>
+                                <m:t>𝑥</m:t>
+                              </m:r>
+                            </m:e>
+                            <m:sub>
+                              <m:r>
+                                <a:rPr lang="en-US" i="1">
+                                  <a:solidFill>
+                                    <a:schemeClr val="tx1">
+                                      <a:lumMod val="75000"/>
+                                      <a:lumOff val="25000"/>
+                                    </a:schemeClr>
+                                  </a:solidFill>
+                                  <a:latin typeface="Cambria Math" panose="02040503050406030204" pitchFamily="18" charset="0"/>
+                                </a:rPr>
+                                <m:t>1</m:t>
+                              </m:r>
+                            </m:sub>
+                          </m:sSub>
+                        </m:e>
+                        <m:e>
+                          <m:sSub>
+                            <m:sSubPr>
+                              <m:ctrlPr>
+                                <a:rPr lang="en-US" i="1">
+                                  <a:solidFill>
+                                    <a:schemeClr val="tx1">
+                                      <a:lumMod val="75000"/>
+                                      <a:lumOff val="25000"/>
+                                    </a:schemeClr>
+                                  </a:solidFill>
+                                  <a:latin typeface="Cambria Math" panose="02040503050406030204" pitchFamily="18" charset="0"/>
+                                </a:rPr>
+                              </m:ctrlPr>
+                            </m:sSubPr>
+                            <m:e>
+                              <m:r>
+                                <a:rPr lang="en-US" i="1">
+                                  <a:solidFill>
+                                    <a:schemeClr val="tx1">
+                                      <a:lumMod val="75000"/>
+                                      <a:lumOff val="25000"/>
+                                    </a:schemeClr>
+                                  </a:solidFill>
+                                  <a:latin typeface="Cambria Math" panose="02040503050406030204" pitchFamily="18" charset="0"/>
+                                </a:rPr>
+                                <m:t>𝑥</m:t>
+                              </m:r>
+                            </m:e>
+                            <m:sub>
+                              <m:r>
+                                <a:rPr lang="en-US" i="1">
+                                  <a:solidFill>
+                                    <a:schemeClr val="tx1">
+                                      <a:lumMod val="75000"/>
+                                      <a:lumOff val="25000"/>
+                                    </a:schemeClr>
+                                  </a:solidFill>
+                                  <a:latin typeface="Cambria Math" panose="02040503050406030204" pitchFamily="18" charset="0"/>
+                                </a:rPr>
+                                <m:t>2</m:t>
+                              </m:r>
+                            </m:sub>
+                          </m:sSub>
+                          <m:r>
+                            <a:rPr lang="en-US" i="1">
+                              <a:solidFill>
+                                <a:schemeClr val="tx1">
+                                  <a:lumMod val="75000"/>
+                                  <a:lumOff val="25000"/>
+                                </a:schemeClr>
+                              </a:solidFill>
+                              <a:latin typeface="Cambria Math" panose="02040503050406030204" pitchFamily="18" charset="0"/>
+                            </a:rPr>
+                            <m:t>, …,</m:t>
+                          </m:r>
+                          <m:sSub>
+                            <m:sSubPr>
+                              <m:ctrlPr>
+                                <a:rPr lang="en-US" i="1">
+                                  <a:solidFill>
+                                    <a:schemeClr val="tx1">
+                                      <a:lumMod val="75000"/>
+                                      <a:lumOff val="25000"/>
+                                    </a:schemeClr>
+                                  </a:solidFill>
+                                  <a:latin typeface="Cambria Math" panose="02040503050406030204" pitchFamily="18" charset="0"/>
+                                </a:rPr>
+                              </m:ctrlPr>
+                            </m:sSubPr>
+                            <m:e>
+                              <m:r>
+                                <a:rPr lang="en-US" i="1">
+                                  <a:solidFill>
+                                    <a:schemeClr val="tx1">
+                                      <a:lumMod val="75000"/>
+                                      <a:lumOff val="25000"/>
+                                    </a:schemeClr>
+                                  </a:solidFill>
+                                  <a:latin typeface="Cambria Math" panose="02040503050406030204" pitchFamily="18" charset="0"/>
+                                </a:rPr>
+                                <m:t>𝑥</m:t>
+                              </m:r>
+                            </m:e>
+                            <m:sub>
+                              <m:r>
+                                <a:rPr lang="en-US" i="1">
+                                  <a:solidFill>
+                                    <a:schemeClr val="tx1">
+                                      <a:lumMod val="75000"/>
+                                      <a:lumOff val="25000"/>
+                                    </a:schemeClr>
+                                  </a:solidFill>
+                                  <a:latin typeface="Cambria Math" panose="02040503050406030204" pitchFamily="18" charset="0"/>
+                                </a:rPr>
+                                <m:t>𝑛</m:t>
+                              </m:r>
+                            </m:sub>
+                          </m:sSub>
+                          <m:r>
+                            <a:rPr lang="en-US" i="1">
+                              <a:solidFill>
+                                <a:schemeClr val="tx1">
+                                  <a:lumMod val="75000"/>
+                                  <a:lumOff val="25000"/>
+                                </a:schemeClr>
+                              </a:solidFill>
+                              <a:latin typeface="Cambria Math" panose="02040503050406030204" pitchFamily="18" charset="0"/>
+                            </a:rPr>
+                            <m:t>,</m:t>
+                          </m:r>
+                          <m:sSub>
+                            <m:sSubPr>
+                              <m:ctrlPr>
+                                <a:rPr lang="en-US" i="1">
+                                  <a:solidFill>
+                                    <a:schemeClr val="tx1">
+                                      <a:lumMod val="75000"/>
+                                      <a:lumOff val="25000"/>
+                                    </a:schemeClr>
+                                  </a:solidFill>
+                                  <a:latin typeface="Cambria Math" panose="02040503050406030204" pitchFamily="18" charset="0"/>
+                                </a:rPr>
+                              </m:ctrlPr>
+                            </m:sSubPr>
+                            <m:e>
+                              <m:r>
+                                <a:rPr lang="en-US" i="1">
+                                  <a:solidFill>
+                                    <a:schemeClr val="tx1">
+                                      <a:lumMod val="75000"/>
+                                      <a:lumOff val="25000"/>
+                                    </a:schemeClr>
+                                  </a:solidFill>
                                   <a:latin typeface="Cambria Math" panose="02040503050406030204" pitchFamily="18" charset="0"/>
                                 </a:rPr>
                                 <m:t>𝐶</m:t>
@@ -10535,7 +12099,239 @@
                             </m:e>
                             <m:sub>
                               <m:r>
-                                <a:rPr lang="en-US" sz="1800" i="1">
+                                <a:rPr lang="en-US" i="1">
+                                  <a:solidFill>
+                                    <a:schemeClr val="tx1">
+                                      <a:lumMod val="75000"/>
+                                      <a:lumOff val="25000"/>
+                                    </a:schemeClr>
+                                  </a:solidFill>
+                                  <a:latin typeface="Cambria Math" panose="02040503050406030204" pitchFamily="18" charset="0"/>
+                                </a:rPr>
+                                <m:t>𝑘</m:t>
+                              </m:r>
+                            </m:sub>
+                          </m:sSub>
+                        </m:e>
+                      </m:d>
+                      <m:r>
+                        <a:rPr lang="en-US" i="1">
+                          <a:solidFill>
+                            <a:schemeClr val="tx1">
+                              <a:lumMod val="75000"/>
+                              <a:lumOff val="25000"/>
+                            </a:schemeClr>
+                          </a:solidFill>
+                          <a:latin typeface="Cambria Math" panose="02040503050406030204" pitchFamily="18" charset="0"/>
+                        </a:rPr>
+                        <m:t>=</m:t>
+                      </m:r>
+                      <m:r>
+                        <a:rPr lang="en-US" i="1">
+                          <a:solidFill>
+                            <a:schemeClr val="tx1">
+                              <a:lumMod val="75000"/>
+                              <a:lumOff val="25000"/>
+                            </a:schemeClr>
+                          </a:solidFill>
+                          <a:latin typeface="Cambria Math" panose="02040503050406030204" pitchFamily="18" charset="0"/>
+                        </a:rPr>
+                        <m:t>𝑃</m:t>
+                      </m:r>
+                      <m:d>
+                        <m:dPr>
+                          <m:ctrlPr>
+                            <a:rPr lang="en-US" i="1">
+                              <a:solidFill>
+                                <a:schemeClr val="tx1">
+                                  <a:lumMod val="75000"/>
+                                  <a:lumOff val="25000"/>
+                                </a:schemeClr>
+                              </a:solidFill>
+                              <a:latin typeface="Cambria Math" panose="02040503050406030204" pitchFamily="18" charset="0"/>
+                            </a:rPr>
+                          </m:ctrlPr>
+                        </m:dPr>
+                        <m:e>
+                          <m:sSub>
+                            <m:sSubPr>
+                              <m:ctrlPr>
+                                <a:rPr lang="en-US" i="1">
+                                  <a:solidFill>
+                                    <a:schemeClr val="tx1">
+                                      <a:lumMod val="75000"/>
+                                      <a:lumOff val="25000"/>
+                                    </a:schemeClr>
+                                  </a:solidFill>
+                                  <a:latin typeface="Cambria Math" panose="02040503050406030204" pitchFamily="18" charset="0"/>
+                                </a:rPr>
+                              </m:ctrlPr>
+                            </m:sSubPr>
+                            <m:e>
+                              <m:r>
+                                <a:rPr lang="en-US" i="1">
+                                  <a:solidFill>
+                                    <a:schemeClr val="tx1">
+                                      <a:lumMod val="75000"/>
+                                      <a:lumOff val="25000"/>
+                                    </a:schemeClr>
+                                  </a:solidFill>
+                                  <a:latin typeface="Cambria Math" panose="02040503050406030204" pitchFamily="18" charset="0"/>
+                                </a:rPr>
+                                <m:t>𝑥</m:t>
+                              </m:r>
+                            </m:e>
+                            <m:sub>
+                              <m:r>
+                                <a:rPr lang="en-US" i="1">
+                                  <a:solidFill>
+                                    <a:schemeClr val="tx1">
+                                      <a:lumMod val="75000"/>
+                                      <a:lumOff val="25000"/>
+                                    </a:schemeClr>
+                                  </a:solidFill>
+                                  <a:latin typeface="Cambria Math" panose="02040503050406030204" pitchFamily="18" charset="0"/>
+                                </a:rPr>
+                                <m:t>𝑛</m:t>
+                              </m:r>
+                            </m:sub>
+                          </m:sSub>
+                        </m:e>
+                        <m:e>
+                          <m:sSub>
+                            <m:sSubPr>
+                              <m:ctrlPr>
+                                <a:rPr lang="en-US" i="1">
+                                  <a:solidFill>
+                                    <a:schemeClr val="tx1">
+                                      <a:lumMod val="75000"/>
+                                      <a:lumOff val="25000"/>
+                                    </a:schemeClr>
+                                  </a:solidFill>
+                                  <a:latin typeface="Cambria Math" panose="02040503050406030204" pitchFamily="18" charset="0"/>
+                                </a:rPr>
+                              </m:ctrlPr>
+                            </m:sSubPr>
+                            <m:e>
+                              <m:r>
+                                <a:rPr lang="en-US" i="1">
+                                  <a:solidFill>
+                                    <a:schemeClr val="tx1">
+                                      <a:lumMod val="75000"/>
+                                      <a:lumOff val="25000"/>
+                                    </a:schemeClr>
+                                  </a:solidFill>
+                                  <a:latin typeface="Cambria Math" panose="02040503050406030204" pitchFamily="18" charset="0"/>
+                                </a:rPr>
+                                <m:t>𝐶</m:t>
+                              </m:r>
+                            </m:e>
+                            <m:sub>
+                              <m:r>
+                                <a:rPr lang="en-US" i="1">
+                                  <a:solidFill>
+                                    <a:schemeClr val="tx1">
+                                      <a:lumMod val="75000"/>
+                                      <a:lumOff val="25000"/>
+                                    </a:schemeClr>
+                                  </a:solidFill>
+                                  <a:latin typeface="Cambria Math" panose="02040503050406030204" pitchFamily="18" charset="0"/>
+                                </a:rPr>
+                                <m:t>𝑘</m:t>
+                              </m:r>
+                            </m:sub>
+                          </m:sSub>
+                        </m:e>
+                      </m:d>
+                    </m:oMath>
+                  </m:oMathPara>
+                </a14:m>
+                <a:endParaRPr lang="en-US" i="1" dirty="0">
+                  <a:solidFill>
+                    <a:schemeClr val="tx1">
+                      <a:lumMod val="75000"/>
+                      <a:lumOff val="25000"/>
+                    </a:schemeClr>
+                  </a:solidFill>
+                  <a:latin typeface="Cambria Math" panose="02040503050406030204" pitchFamily="18" charset="0"/>
+                </a:endParaRPr>
+              </a:p>
+              <a:p>
+                <a:pPr lvl="1">
+                  <a:spcAft>
+                    <a:spcPts val="1200"/>
+                  </a:spcAft>
+                </a:pPr>
+                <a14:m>
+                  <m:oMathPara xmlns:m="http://schemas.openxmlformats.org/officeDocument/2006/math">
+                    <m:oMathParaPr>
+                      <m:jc m:val="left"/>
+                    </m:oMathParaPr>
+                    <m:oMath xmlns:m="http://schemas.openxmlformats.org/officeDocument/2006/math">
+                      <m:r>
+                        <a:rPr lang="en-US" i="1">
+                          <a:solidFill>
+                            <a:schemeClr val="tx1">
+                              <a:lumMod val="75000"/>
+                              <a:lumOff val="25000"/>
+                            </a:schemeClr>
+                          </a:solidFill>
+                          <a:latin typeface="Cambria Math" panose="02040503050406030204" pitchFamily="18" charset="0"/>
+                        </a:rPr>
+                        <m:t>𝑃</m:t>
+                      </m:r>
+                      <m:d>
+                        <m:dPr>
+                          <m:ctrlPr>
+                            <a:rPr lang="en-US" i="1">
+                              <a:solidFill>
+                                <a:schemeClr val="tx1">
+                                  <a:lumMod val="75000"/>
+                                  <a:lumOff val="25000"/>
+                                </a:schemeClr>
+                              </a:solidFill>
+                              <a:latin typeface="Cambria Math" panose="02040503050406030204" pitchFamily="18" charset="0"/>
+                            </a:rPr>
+                          </m:ctrlPr>
+                        </m:dPr>
+                        <m:e>
+                          <m:sSub>
+                            <m:sSubPr>
+                              <m:ctrlPr>
+                                <a:rPr lang="en-US" i="1">
+                                  <a:solidFill>
+                                    <a:schemeClr val="tx1">
+                                      <a:lumMod val="75000"/>
+                                      <a:lumOff val="25000"/>
+                                    </a:schemeClr>
+                                  </a:solidFill>
+                                  <a:latin typeface="Cambria Math" panose="02040503050406030204" pitchFamily="18" charset="0"/>
+                                </a:rPr>
+                              </m:ctrlPr>
+                            </m:sSubPr>
+                            <m:e>
+                              <m:r>
+                                <a:rPr lang="en-US" i="1">
+                                  <a:solidFill>
+                                    <a:schemeClr val="tx1">
+                                      <a:lumMod val="75000"/>
+                                      <a:lumOff val="25000"/>
+                                    </a:schemeClr>
+                                  </a:solidFill>
+                                  <a:latin typeface="Cambria Math" panose="02040503050406030204" pitchFamily="18" charset="0"/>
+                                </a:rPr>
+                                <m:t>𝐶</m:t>
+                              </m:r>
+                            </m:e>
+                            <m:sub>
+                              <m:r>
+                                <a:rPr lang="en-US" i="1">
+                                  <a:solidFill>
+                                    <a:schemeClr val="tx1">
+                                      <a:lumMod val="75000"/>
+                                      <a:lumOff val="25000"/>
+                                    </a:schemeClr>
+                                  </a:solidFill>
                                   <a:latin typeface="Cambria Math" panose="02040503050406030204" pitchFamily="18" charset="0"/>
                                 </a:rPr>
                                 <m:t>𝑘</m:t>
@@ -10545,7 +12341,13 @@
                         </m:e>
                         <m:e>
                           <m:r>
-                            <a:rPr lang="en-US" sz="1800" i="1">
+                            <a:rPr lang="en-US" i="1">
+                              <a:solidFill>
+                                <a:schemeClr val="tx1">
+                                  <a:lumMod val="75000"/>
+                                  <a:lumOff val="25000"/>
+                                </a:schemeClr>
+                              </a:solidFill>
                               <a:latin typeface="Cambria Math" panose="02040503050406030204" pitchFamily="18" charset="0"/>
                             </a:rPr>
                             <m:t>𝑋</m:t>
@@ -10553,7 +12355,13 @@
                         </m:e>
                       </m:d>
                       <m:r>
-                        <a:rPr lang="en-US" sz="1800" b="0" i="0" smtClean="0">
+                        <a:rPr lang="en-US">
+                          <a:solidFill>
+                            <a:schemeClr val="tx1">
+                              <a:lumMod val="75000"/>
+                              <a:lumOff val="25000"/>
+                            </a:schemeClr>
+                          </a:solidFill>
                           <a:latin typeface="Cambria Math" panose="02040503050406030204" pitchFamily="18" charset="0"/>
                         </a:rPr>
                         <m:t>=</m:t>
@@ -10561,14 +12369,26 @@
                       <m:f>
                         <m:fPr>
                           <m:ctrlPr>
-                            <a:rPr lang="en-US" sz="1800" i="1">
+                            <a:rPr lang="en-US" i="1">
+                              <a:solidFill>
+                                <a:schemeClr val="tx1">
+                                  <a:lumMod val="75000"/>
+                                  <a:lumOff val="25000"/>
+                                </a:schemeClr>
+                              </a:solidFill>
                               <a:latin typeface="Cambria Math" panose="02040503050406030204" pitchFamily="18" charset="0"/>
                             </a:rPr>
                           </m:ctrlPr>
                         </m:fPr>
                         <m:num>
                           <m:r>
-                            <a:rPr lang="en-US" sz="1800" i="1">
+                            <a:rPr lang="en-US" i="1">
+                              <a:solidFill>
+                                <a:schemeClr val="tx1">
+                                  <a:lumMod val="75000"/>
+                                  <a:lumOff val="25000"/>
+                                </a:schemeClr>
+                              </a:solidFill>
                               <a:latin typeface="Cambria Math" panose="02040503050406030204" pitchFamily="18" charset="0"/>
                             </a:rPr>
                             <m:t>𝑃</m:t>
@@ -10576,7 +12396,13 @@
                           <m:d>
                             <m:dPr>
                               <m:ctrlPr>
-                                <a:rPr lang="en-US" sz="1800" i="1">
+                                <a:rPr lang="en-US" i="1">
+                                  <a:solidFill>
+                                    <a:schemeClr val="tx1">
+                                      <a:lumMod val="75000"/>
+                                      <a:lumOff val="25000"/>
+                                    </a:schemeClr>
+                                  </a:solidFill>
                                   <a:latin typeface="Cambria Math" panose="02040503050406030204" pitchFamily="18" charset="0"/>
                                 </a:rPr>
                               </m:ctrlPr>
@@ -10585,14 +12411,26 @@
                               <m:sSub>
                                 <m:sSubPr>
                                   <m:ctrlPr>
-                                    <a:rPr lang="en-US" sz="1800" i="1">
+                                    <a:rPr lang="en-US" i="1">
+                                      <a:solidFill>
+                                        <a:schemeClr val="tx1">
+                                          <a:lumMod val="75000"/>
+                                          <a:lumOff val="25000"/>
+                                        </a:schemeClr>
+                                      </a:solidFill>
                                       <a:latin typeface="Cambria Math" panose="02040503050406030204" pitchFamily="18" charset="0"/>
                                     </a:rPr>
                                   </m:ctrlPr>
                                 </m:sSubPr>
                                 <m:e>
                                   <m:r>
-                                    <a:rPr lang="en-US" sz="1800" i="1">
+                                    <a:rPr lang="en-US" i="1">
+                                      <a:solidFill>
+                                        <a:schemeClr val="tx1">
+                                          <a:lumMod val="75000"/>
+                                          <a:lumOff val="25000"/>
+                                        </a:schemeClr>
+                                      </a:solidFill>
                                       <a:latin typeface="Cambria Math" panose="02040503050406030204" pitchFamily="18" charset="0"/>
                                     </a:rPr>
                                     <m:t>𝐶</m:t>
@@ -10600,7 +12438,13 @@
                                 </m:e>
                                 <m:sub>
                                   <m:r>
-                                    <a:rPr lang="en-US" sz="1800" i="1">
+                                    <a:rPr lang="en-US" i="1">
+                                      <a:solidFill>
+                                        <a:schemeClr val="tx1">
+                                          <a:lumMod val="75000"/>
+                                          <a:lumOff val="25000"/>
+                                        </a:schemeClr>
+                                      </a:solidFill>
                                       <a:latin typeface="Cambria Math" panose="02040503050406030204" pitchFamily="18" charset="0"/>
                                     </a:rPr>
                                     <m:t>𝑘</m:t>
@@ -10613,7 +12457,13 @@
                             <m:naryPr>
                               <m:chr m:val="∏"/>
                               <m:ctrlPr>
-                                <a:rPr lang="en-US" sz="1800" i="1">
+                                <a:rPr lang="en-US" i="1">
+                                  <a:solidFill>
+                                    <a:schemeClr val="tx1">
+                                      <a:lumMod val="75000"/>
+                                      <a:lumOff val="25000"/>
+                                    </a:schemeClr>
+                                  </a:solidFill>
                                   <a:latin typeface="Cambria Math" panose="02040503050406030204" pitchFamily="18" charset="0"/>
                                 </a:rPr>
                               </m:ctrlPr>
@@ -10623,13 +12473,25 @@
                                 <m:rPr>
                                   <m:brk m:alnAt="23"/>
                                 </m:rPr>
-                                <a:rPr lang="en-US" sz="1800" i="1">
+                                <a:rPr lang="en-US" i="1">
+                                  <a:solidFill>
+                                    <a:schemeClr val="tx1">
+                                      <a:lumMod val="75000"/>
+                                      <a:lumOff val="25000"/>
+                                    </a:schemeClr>
+                                  </a:solidFill>
                                   <a:latin typeface="Cambria Math" panose="02040503050406030204" pitchFamily="18" charset="0"/>
                                 </a:rPr>
                                 <m:t>𝑗</m:t>
                               </m:r>
                               <m:r>
-                                <a:rPr lang="en-US" sz="1800" i="1">
+                                <a:rPr lang="en-US" i="1">
+                                  <a:solidFill>
+                                    <a:schemeClr val="tx1">
+                                      <a:lumMod val="75000"/>
+                                      <a:lumOff val="25000"/>
+                                    </a:schemeClr>
+                                  </a:solidFill>
                                   <a:latin typeface="Cambria Math" panose="02040503050406030204" pitchFamily="18" charset="0"/>
                                 </a:rPr>
                                 <m:t>=1</m:t>
@@ -10637,7 +12499,13 @@
                             </m:sub>
                             <m:sup>
                               <m:r>
-                                <a:rPr lang="en-US" sz="1800" i="1">
+                                <a:rPr lang="en-US" i="1">
+                                  <a:solidFill>
+                                    <a:schemeClr val="tx1">
+                                      <a:lumMod val="75000"/>
+                                      <a:lumOff val="25000"/>
+                                    </a:schemeClr>
+                                  </a:solidFill>
                                   <a:latin typeface="Cambria Math" panose="02040503050406030204" pitchFamily="18" charset="0"/>
                                 </a:rPr>
                                 <m:t>𝑛</m:t>
@@ -10645,7 +12513,13 @@
                             </m:sup>
                             <m:e>
                               <m:r>
-                                <a:rPr lang="en-US" sz="1800" i="1">
+                                <a:rPr lang="en-US" i="1">
+                                  <a:solidFill>
+                                    <a:schemeClr val="tx1">
+                                      <a:lumMod val="75000"/>
+                                      <a:lumOff val="25000"/>
+                                    </a:schemeClr>
+                                  </a:solidFill>
                                   <a:latin typeface="Cambria Math" panose="02040503050406030204" pitchFamily="18" charset="0"/>
                                 </a:rPr>
                                 <m:t>𝑃</m:t>
@@ -10653,7 +12527,13 @@
                               <m:d>
                                 <m:dPr>
                                   <m:ctrlPr>
-                                    <a:rPr lang="en-US" sz="1800" i="1">
+                                    <a:rPr lang="en-US" i="1">
+                                      <a:solidFill>
+                                        <a:schemeClr val="tx1">
+                                          <a:lumMod val="75000"/>
+                                          <a:lumOff val="25000"/>
+                                        </a:schemeClr>
+                                      </a:solidFill>
                                       <a:latin typeface="Cambria Math" panose="02040503050406030204" pitchFamily="18" charset="0"/>
                                     </a:rPr>
                                   </m:ctrlPr>
@@ -10662,14 +12542,26 @@
                                   <m:sSub>
                                     <m:sSubPr>
                                       <m:ctrlPr>
-                                        <a:rPr lang="en-US" sz="1800" i="1">
+                                        <a:rPr lang="en-US" i="1">
+                                          <a:solidFill>
+                                            <a:schemeClr val="tx1">
+                                              <a:lumMod val="75000"/>
+                                              <a:lumOff val="25000"/>
+                                            </a:schemeClr>
+                                          </a:solidFill>
                                           <a:latin typeface="Cambria Math" panose="02040503050406030204" pitchFamily="18" charset="0"/>
                                         </a:rPr>
                                       </m:ctrlPr>
                                     </m:sSubPr>
                                     <m:e>
                                       <m:r>
-                                        <a:rPr lang="en-US" sz="1800" i="1">
+                                        <a:rPr lang="en-US" i="1">
+                                          <a:solidFill>
+                                            <a:schemeClr val="tx1">
+                                              <a:lumMod val="75000"/>
+                                              <a:lumOff val="25000"/>
+                                            </a:schemeClr>
+                                          </a:solidFill>
                                           <a:latin typeface="Cambria Math" panose="02040503050406030204" pitchFamily="18" charset="0"/>
                                         </a:rPr>
                                         <m:t>𝑥</m:t>
@@ -10677,7 +12569,13 @@
                                     </m:e>
                                     <m:sub>
                                       <m:r>
-                                        <a:rPr lang="en-US" sz="1800" i="1">
+                                        <a:rPr lang="en-US" i="1">
+                                          <a:solidFill>
+                                            <a:schemeClr val="tx1">
+                                              <a:lumMod val="75000"/>
+                                              <a:lumOff val="25000"/>
+                                            </a:schemeClr>
+                                          </a:solidFill>
                                           <a:latin typeface="Cambria Math" panose="02040503050406030204" pitchFamily="18" charset="0"/>
                                         </a:rPr>
                                         <m:t>𝑗</m:t>
@@ -10689,14 +12587,26 @@
                                   <m:sSub>
                                     <m:sSubPr>
                                       <m:ctrlPr>
-                                        <a:rPr lang="en-US" sz="1800" i="1">
+                                        <a:rPr lang="en-US" i="1">
+                                          <a:solidFill>
+                                            <a:schemeClr val="tx1">
+                                              <a:lumMod val="75000"/>
+                                              <a:lumOff val="25000"/>
+                                            </a:schemeClr>
+                                          </a:solidFill>
                                           <a:latin typeface="Cambria Math" panose="02040503050406030204" pitchFamily="18" charset="0"/>
                                         </a:rPr>
                                       </m:ctrlPr>
                                     </m:sSubPr>
                                     <m:e>
                                       <m:r>
-                                        <a:rPr lang="en-US" sz="1800" i="1">
+                                        <a:rPr lang="en-US" i="1">
+                                          <a:solidFill>
+                                            <a:schemeClr val="tx1">
+                                              <a:lumMod val="75000"/>
+                                              <a:lumOff val="25000"/>
+                                            </a:schemeClr>
+                                          </a:solidFill>
                                           <a:latin typeface="Cambria Math" panose="02040503050406030204" pitchFamily="18" charset="0"/>
                                         </a:rPr>
                                         <m:t>𝐶</m:t>
@@ -10704,7 +12614,13 @@
                                     </m:e>
                                     <m:sub>
                                       <m:r>
-                                        <a:rPr lang="en-US" sz="1800" i="1">
+                                        <a:rPr lang="en-US" i="1">
+                                          <a:solidFill>
+                                            <a:schemeClr val="tx1">
+                                              <a:lumMod val="75000"/>
+                                              <a:lumOff val="25000"/>
+                                            </a:schemeClr>
+                                          </a:solidFill>
                                           <a:latin typeface="Cambria Math" panose="02040503050406030204" pitchFamily="18" charset="0"/>
                                         </a:rPr>
                                         <m:t>𝑘</m:t>
@@ -10718,7 +12634,13 @@
                         </m:num>
                         <m:den>
                           <m:r>
-                            <a:rPr lang="en-US" sz="1800" i="1">
+                            <a:rPr lang="en-US" i="1">
+                              <a:solidFill>
+                                <a:schemeClr val="tx1">
+                                  <a:lumMod val="75000"/>
+                                  <a:lumOff val="25000"/>
+                                </a:schemeClr>
+                              </a:solidFill>
                               <a:latin typeface="Cambria Math" panose="02040503050406030204" pitchFamily="18" charset="0"/>
                             </a:rPr>
                             <m:t>𝑃</m:t>
@@ -10726,14 +12648,26 @@
                           <m:d>
                             <m:dPr>
                               <m:ctrlPr>
-                                <a:rPr lang="en-US" sz="1800" i="1">
+                                <a:rPr lang="en-US" i="1">
+                                  <a:solidFill>
+                                    <a:schemeClr val="tx1">
+                                      <a:lumMod val="75000"/>
+                                      <a:lumOff val="25000"/>
+                                    </a:schemeClr>
+                                  </a:solidFill>
                                   <a:latin typeface="Cambria Math" panose="02040503050406030204" pitchFamily="18" charset="0"/>
                                 </a:rPr>
                               </m:ctrlPr>
                             </m:dPr>
                             <m:e>
                               <m:r>
-                                <a:rPr lang="en-US" sz="1800" i="1">
+                                <a:rPr lang="en-US" i="1">
+                                  <a:solidFill>
+                                    <a:schemeClr val="tx1">
+                                      <a:lumMod val="75000"/>
+                                      <a:lumOff val="25000"/>
+                                    </a:schemeClr>
+                                  </a:solidFill>
                                   <a:latin typeface="Cambria Math" panose="02040503050406030204" pitchFamily="18" charset="0"/>
                                 </a:rPr>
                                 <m:t>𝑋</m:t>
@@ -10743,19 +12677,37 @@
                         </m:den>
                       </m:f>
                       <m:r>
-                        <a:rPr lang="en-US" sz="1800" b="0" i="1" smtClean="0">
+                        <a:rPr lang="en-US" i="1">
+                          <a:solidFill>
+                            <a:schemeClr val="tx1">
+                              <a:lumMod val="75000"/>
+                              <a:lumOff val="25000"/>
+                            </a:schemeClr>
+                          </a:solidFill>
                           <a:latin typeface="Cambria Math" panose="02040503050406030204" pitchFamily="18" charset="0"/>
                         </a:rPr>
                         <m:t>,</m:t>
                       </m:r>
                       <m:r>
-                        <a:rPr lang="en-US" sz="1800" i="1">
+                        <a:rPr lang="en-US" i="1">
+                          <a:solidFill>
+                            <a:schemeClr val="tx1">
+                              <a:lumMod val="75000"/>
+                              <a:lumOff val="25000"/>
+                            </a:schemeClr>
+                          </a:solidFill>
                           <a:latin typeface="Cambria Math" panose="02040503050406030204" pitchFamily="18" charset="0"/>
                         </a:rPr>
                         <m:t>𝑋</m:t>
                       </m:r>
                       <m:r>
-                        <a:rPr lang="en-US" sz="1800" i="1">
+                        <a:rPr lang="en-US" i="1">
+                          <a:solidFill>
+                            <a:schemeClr val="tx1">
+                              <a:lumMod val="75000"/>
+                              <a:lumOff val="25000"/>
+                            </a:schemeClr>
+                          </a:solidFill>
                           <a:latin typeface="Cambria Math" panose="02040503050406030204" pitchFamily="18" charset="0"/>
                         </a:rPr>
                         <m:t>=</m:t>
@@ -10763,7 +12715,13 @@
                       <m:d>
                         <m:dPr>
                           <m:ctrlPr>
-                            <a:rPr lang="en-US" sz="1800" i="1">
+                            <a:rPr lang="en-US" i="1">
+                              <a:solidFill>
+                                <a:schemeClr val="tx1">
+                                  <a:lumMod val="75000"/>
+                                  <a:lumOff val="25000"/>
+                                </a:schemeClr>
+                              </a:solidFill>
                               <a:latin typeface="Cambria Math" panose="02040503050406030204" pitchFamily="18" charset="0"/>
                             </a:rPr>
                           </m:ctrlPr>
@@ -10772,14 +12730,26 @@
                           <m:sSub>
                             <m:sSubPr>
                               <m:ctrlPr>
-                                <a:rPr lang="en-US" sz="1800" i="1">
+                                <a:rPr lang="en-US" i="1">
+                                  <a:solidFill>
+                                    <a:schemeClr val="tx1">
+                                      <a:lumMod val="75000"/>
+                                      <a:lumOff val="25000"/>
+                                    </a:schemeClr>
+                                  </a:solidFill>
                                   <a:latin typeface="Cambria Math" panose="02040503050406030204" pitchFamily="18" charset="0"/>
                                 </a:rPr>
                               </m:ctrlPr>
                             </m:sSubPr>
                             <m:e>
                               <m:r>
-                                <a:rPr lang="en-US" sz="1800" i="1">
+                                <a:rPr lang="en-US" i="1">
+                                  <a:solidFill>
+                                    <a:schemeClr val="tx1">
+                                      <a:lumMod val="75000"/>
+                                      <a:lumOff val="25000"/>
+                                    </a:schemeClr>
+                                  </a:solidFill>
                                   <a:latin typeface="Cambria Math" panose="02040503050406030204" pitchFamily="18" charset="0"/>
                                 </a:rPr>
                                 <m:t>𝑥</m:t>
@@ -10787,7 +12757,13 @@
                             </m:e>
                             <m:sub>
                               <m:r>
-                                <a:rPr lang="en-US" sz="1800" i="1">
+                                <a:rPr lang="en-US" i="1">
+                                  <a:solidFill>
+                                    <a:schemeClr val="tx1">
+                                      <a:lumMod val="75000"/>
+                                      <a:lumOff val="25000"/>
+                                    </a:schemeClr>
+                                  </a:solidFill>
                                   <a:latin typeface="Cambria Math" panose="02040503050406030204" pitchFamily="18" charset="0"/>
                                 </a:rPr>
                                 <m:t>1</m:t>
@@ -10795,7 +12771,13 @@
                             </m:sub>
                           </m:sSub>
                           <m:r>
-                            <a:rPr lang="en-US" sz="1800" i="1">
+                            <a:rPr lang="en-US" i="1">
+                              <a:solidFill>
+                                <a:schemeClr val="tx1">
+                                  <a:lumMod val="75000"/>
+                                  <a:lumOff val="25000"/>
+                                </a:schemeClr>
+                              </a:solidFill>
                               <a:latin typeface="Cambria Math" panose="02040503050406030204" pitchFamily="18" charset="0"/>
                             </a:rPr>
                             <m:t>,</m:t>
@@ -10803,14 +12785,26 @@
                           <m:sSub>
                             <m:sSubPr>
                               <m:ctrlPr>
-                                <a:rPr lang="en-US" sz="1800" i="1">
+                                <a:rPr lang="en-US" i="1">
+                                  <a:solidFill>
+                                    <a:schemeClr val="tx1">
+                                      <a:lumMod val="75000"/>
+                                      <a:lumOff val="25000"/>
+                                    </a:schemeClr>
+                                  </a:solidFill>
                                   <a:latin typeface="Cambria Math" panose="02040503050406030204" pitchFamily="18" charset="0"/>
                                 </a:rPr>
                               </m:ctrlPr>
                             </m:sSubPr>
                             <m:e>
                               <m:r>
-                                <a:rPr lang="en-US" sz="1800" i="1">
+                                <a:rPr lang="en-US" i="1">
+                                  <a:solidFill>
+                                    <a:schemeClr val="tx1">
+                                      <a:lumMod val="75000"/>
+                                      <a:lumOff val="25000"/>
+                                    </a:schemeClr>
+                                  </a:solidFill>
                                   <a:latin typeface="Cambria Math" panose="02040503050406030204" pitchFamily="18" charset="0"/>
                                 </a:rPr>
                                 <m:t>𝑥</m:t>
@@ -10818,7 +12812,13 @@
                             </m:e>
                             <m:sub>
                               <m:r>
-                                <a:rPr lang="en-US" sz="1800" i="1">
+                                <a:rPr lang="en-US" i="1">
+                                  <a:solidFill>
+                                    <a:schemeClr val="tx1">
+                                      <a:lumMod val="75000"/>
+                                      <a:lumOff val="25000"/>
+                                    </a:schemeClr>
+                                  </a:solidFill>
                                   <a:latin typeface="Cambria Math" panose="02040503050406030204" pitchFamily="18" charset="0"/>
                                 </a:rPr>
                                 <m:t>2</m:t>
@@ -10826,7 +12826,13 @@
                             </m:sub>
                           </m:sSub>
                           <m:r>
-                            <a:rPr lang="en-US" sz="1800" i="1">
+                            <a:rPr lang="en-US" i="1">
+                              <a:solidFill>
+                                <a:schemeClr val="tx1">
+                                  <a:lumMod val="75000"/>
+                                  <a:lumOff val="25000"/>
+                                </a:schemeClr>
+                              </a:solidFill>
                               <a:latin typeface="Cambria Math" panose="02040503050406030204" pitchFamily="18" charset="0"/>
                             </a:rPr>
                             <m:t>,</m:t>
@@ -10834,14 +12840,26 @@
                           <m:sSub>
                             <m:sSubPr>
                               <m:ctrlPr>
-                                <a:rPr lang="en-US" sz="1800" i="1">
+                                <a:rPr lang="en-US" i="1">
+                                  <a:solidFill>
+                                    <a:schemeClr val="tx1">
+                                      <a:lumMod val="75000"/>
+                                      <a:lumOff val="25000"/>
+                                    </a:schemeClr>
+                                  </a:solidFill>
                                   <a:latin typeface="Cambria Math" panose="02040503050406030204" pitchFamily="18" charset="0"/>
                                 </a:rPr>
                               </m:ctrlPr>
                             </m:sSubPr>
                             <m:e>
                               <m:r>
-                                <a:rPr lang="en-US" sz="1800" i="1">
+                                <a:rPr lang="en-US" i="1">
+                                  <a:solidFill>
+                                    <a:schemeClr val="tx1">
+                                      <a:lumMod val="75000"/>
+                                      <a:lumOff val="25000"/>
+                                    </a:schemeClr>
+                                  </a:solidFill>
                                   <a:latin typeface="Cambria Math" panose="02040503050406030204" pitchFamily="18" charset="0"/>
                                 </a:rPr>
                                 <m:t>𝑥</m:t>
@@ -10849,7 +12867,13 @@
                             </m:e>
                             <m:sub>
                               <m:r>
-                                <a:rPr lang="en-US" sz="1800" i="1">
+                                <a:rPr lang="en-US" i="1">
+                                  <a:solidFill>
+                                    <a:schemeClr val="tx1">
+                                      <a:lumMod val="75000"/>
+                                      <a:lumOff val="25000"/>
+                                    </a:schemeClr>
+                                  </a:solidFill>
                                   <a:latin typeface="Cambria Math" panose="02040503050406030204" pitchFamily="18" charset="0"/>
                                 </a:rPr>
                                 <m:t>3,</m:t>
@@ -10857,7 +12881,13 @@
                             </m:sub>
                           </m:sSub>
                           <m:r>
-                            <a:rPr lang="en-US" sz="1800" i="1">
+                            <a:rPr lang="en-US" i="1">
+                              <a:solidFill>
+                                <a:schemeClr val="tx1">
+                                  <a:lumMod val="75000"/>
+                                  <a:lumOff val="25000"/>
+                                </a:schemeClr>
+                              </a:solidFill>
                               <a:latin typeface="Cambria Math" panose="02040503050406030204" pitchFamily="18" charset="0"/>
                             </a:rPr>
                             <m:t>,…,</m:t>
@@ -10865,14 +12895,26 @@
                           <m:sSub>
                             <m:sSubPr>
                               <m:ctrlPr>
-                                <a:rPr lang="en-US" sz="1800" i="1">
+                                <a:rPr lang="en-US" i="1">
+                                  <a:solidFill>
+                                    <a:schemeClr val="tx1">
+                                      <a:lumMod val="75000"/>
+                                      <a:lumOff val="25000"/>
+                                    </a:schemeClr>
+                                  </a:solidFill>
                                   <a:latin typeface="Cambria Math" panose="02040503050406030204" pitchFamily="18" charset="0"/>
                                 </a:rPr>
                               </m:ctrlPr>
                             </m:sSubPr>
                             <m:e>
                               <m:r>
-                                <a:rPr lang="en-US" sz="1800" i="1">
+                                <a:rPr lang="en-US" i="1">
+                                  <a:solidFill>
+                                    <a:schemeClr val="tx1">
+                                      <a:lumMod val="75000"/>
+                                      <a:lumOff val="25000"/>
+                                    </a:schemeClr>
+                                  </a:solidFill>
                                   <a:latin typeface="Cambria Math" panose="02040503050406030204" pitchFamily="18" charset="0"/>
                                 </a:rPr>
                                 <m:t>𝑥</m:t>
@@ -10880,7 +12922,13 @@
                             </m:e>
                             <m:sub>
                               <m:r>
-                                <a:rPr lang="en-US" sz="1800" i="1">
+                                <a:rPr lang="en-US" i="1">
+                                  <a:solidFill>
+                                    <a:schemeClr val="tx1">
+                                      <a:lumMod val="75000"/>
+                                      <a:lumOff val="25000"/>
+                                    </a:schemeClr>
+                                  </a:solidFill>
                                   <a:latin typeface="Cambria Math" panose="02040503050406030204" pitchFamily="18" charset="0"/>
                                 </a:rPr>
                                 <m:t>𝑛</m:t>
@@ -10892,14 +12940,32 @@
                     </m:oMath>
                   </m:oMathPara>
                 </a14:m>
-                <a:endParaRPr lang="en-US" sz="1800" b="0" dirty="0"/>
+                <a:endParaRPr lang="en-US" i="1" dirty="0">
+                  <a:solidFill>
+                    <a:schemeClr val="tx1">
+                      <a:lumMod val="75000"/>
+                      <a:lumOff val="25000"/>
+                    </a:schemeClr>
+                  </a:solidFill>
+                  <a:latin typeface="Cambria Math" panose="02040503050406030204" pitchFamily="18" charset="0"/>
+                </a:endParaRPr>
               </a:p>
               <a:p>
-                <a:pPr/>
+                <a:pPr lvl="1">
+                  <a:spcAft>
+                    <a:spcPts val="1200"/>
+                  </a:spcAft>
+                </a:pPr>
                 <a14:m>
                   <m:oMath xmlns:m="http://schemas.openxmlformats.org/officeDocument/2006/math">
                     <m:r>
                       <a:rPr lang="en-US" i="1">
+                        <a:solidFill>
+                          <a:schemeClr val="tx1">
+                            <a:lumMod val="75000"/>
+                            <a:lumOff val="25000"/>
+                          </a:schemeClr>
+                        </a:solidFill>
                         <a:latin typeface="Cambria Math" panose="02040503050406030204" pitchFamily="18" charset="0"/>
                       </a:rPr>
                       <m:t>𝑃</m:t>
@@ -10908,6 +12974,12 @@
                       <m:dPr>
                         <m:ctrlPr>
                           <a:rPr lang="en-US" i="1">
+                            <a:solidFill>
+                              <a:schemeClr val="tx1">
+                                <a:lumMod val="75000"/>
+                                <a:lumOff val="25000"/>
+                              </a:schemeClr>
+                            </a:solidFill>
                             <a:latin typeface="Cambria Math" panose="02040503050406030204" pitchFamily="18" charset="0"/>
                           </a:rPr>
                         </m:ctrlPr>
@@ -10917,6 +12989,12 @@
                           <m:sSubPr>
                             <m:ctrlPr>
                               <a:rPr lang="en-US" i="1">
+                                <a:solidFill>
+                                  <a:schemeClr val="tx1">
+                                    <a:lumMod val="75000"/>
+                                    <a:lumOff val="25000"/>
+                                  </a:schemeClr>
+                                </a:solidFill>
                                 <a:latin typeface="Cambria Math" panose="02040503050406030204" pitchFamily="18" charset="0"/>
                               </a:rPr>
                             </m:ctrlPr>
@@ -10924,6 +13002,12 @@
                           <m:e>
                             <m:r>
                               <a:rPr lang="en-US" i="1">
+                                <a:solidFill>
+                                  <a:schemeClr val="tx1">
+                                    <a:lumMod val="75000"/>
+                                    <a:lumOff val="25000"/>
+                                  </a:schemeClr>
+                                </a:solidFill>
                                 <a:latin typeface="Cambria Math" panose="02040503050406030204" pitchFamily="18" charset="0"/>
                               </a:rPr>
                               <m:t>𝐶</m:t>
@@ -10932,6 +13016,12 @@
                           <m:sub>
                             <m:r>
                               <a:rPr lang="en-US" i="1">
+                                <a:solidFill>
+                                  <a:schemeClr val="tx1">
+                                    <a:lumMod val="75000"/>
+                                    <a:lumOff val="25000"/>
+                                  </a:schemeClr>
+                                </a:solidFill>
                                 <a:latin typeface="Cambria Math" panose="02040503050406030204" pitchFamily="18" charset="0"/>
                               </a:rPr>
                               <m:t>𝑘</m:t>
@@ -10942,6 +13032,12 @@
                       <m:e>
                         <m:r>
                           <a:rPr lang="en-US" i="1">
+                            <a:solidFill>
+                              <a:schemeClr val="tx1">
+                                <a:lumMod val="75000"/>
+                                <a:lumOff val="25000"/>
+                              </a:schemeClr>
+                            </a:solidFill>
                             <a:latin typeface="Cambria Math" panose="02040503050406030204" pitchFamily="18" charset="0"/>
                           </a:rPr>
                           <m:t>𝑋</m:t>
@@ -10949,20 +13045,38 @@
                       </m:e>
                     </m:d>
                     <m:r>
-                      <a:rPr lang="en-US" b="1" i="1" smtClean="0">
+                      <a:rPr lang="en-US" b="1" i="1">
+                        <a:solidFill>
+                          <a:schemeClr val="tx1">
+                            <a:lumMod val="75000"/>
+                            <a:lumOff val="25000"/>
+                          </a:schemeClr>
+                        </a:solidFill>
                         <a:latin typeface="Cambria Math" panose="02040503050406030204" pitchFamily="18" charset="0"/>
                       </a:rPr>
                       <m:t> </m:t>
                     </m:r>
                     <m:r>
-                      <a:rPr lang="en-US" i="1" smtClean="0">
+                      <a:rPr lang="en-US" i="1">
+                        <a:solidFill>
+                          <a:schemeClr val="tx1">
+                            <a:lumMod val="75000"/>
+                            <a:lumOff val="25000"/>
+                          </a:schemeClr>
+                        </a:solidFill>
                         <a:latin typeface="Cambria Math" panose="02040503050406030204" pitchFamily="18" charset="0"/>
                         <a:ea typeface="Cambria Math" panose="02040503050406030204" pitchFamily="18" charset="0"/>
                       </a:rPr>
                       <m:t>𝛼</m:t>
                     </m:r>
                     <m:r>
-                      <a:rPr lang="en-US" b="1" i="1" smtClean="0">
+                      <a:rPr lang="en-US" b="1" i="1">
+                        <a:solidFill>
+                          <a:schemeClr val="tx1">
+                            <a:lumMod val="75000"/>
+                            <a:lumOff val="25000"/>
+                          </a:schemeClr>
+                        </a:solidFill>
                         <a:latin typeface="Cambria Math" panose="02040503050406030204" pitchFamily="18" charset="0"/>
                         <a:ea typeface="Cambria Math" panose="02040503050406030204" pitchFamily="18" charset="0"/>
                       </a:rPr>
@@ -10970,6 +13084,12 @@
                     </m:r>
                     <m:r>
                       <a:rPr lang="en-US" i="1">
+                        <a:solidFill>
+                          <a:schemeClr val="tx1">
+                            <a:lumMod val="75000"/>
+                            <a:lumOff val="25000"/>
+                          </a:schemeClr>
+                        </a:solidFill>
                         <a:latin typeface="Cambria Math" panose="02040503050406030204" pitchFamily="18" charset="0"/>
                       </a:rPr>
                       <m:t>𝑃</m:t>
@@ -10978,6 +13098,12 @@
                       <m:dPr>
                         <m:ctrlPr>
                           <a:rPr lang="en-US" i="1">
+                            <a:solidFill>
+                              <a:schemeClr val="tx1">
+                                <a:lumMod val="75000"/>
+                                <a:lumOff val="25000"/>
+                              </a:schemeClr>
+                            </a:solidFill>
                             <a:latin typeface="Cambria Math" panose="02040503050406030204" pitchFamily="18" charset="0"/>
                           </a:rPr>
                         </m:ctrlPr>
@@ -10987,6 +13113,12 @@
                           <m:sSubPr>
                             <m:ctrlPr>
                               <a:rPr lang="en-US" i="1">
+                                <a:solidFill>
+                                  <a:schemeClr val="tx1">
+                                    <a:lumMod val="75000"/>
+                                    <a:lumOff val="25000"/>
+                                  </a:schemeClr>
+                                </a:solidFill>
                                 <a:latin typeface="Cambria Math" panose="02040503050406030204" pitchFamily="18" charset="0"/>
                               </a:rPr>
                             </m:ctrlPr>
@@ -10994,6 +13126,12 @@
                           <m:e>
                             <m:r>
                               <a:rPr lang="en-US" i="1">
+                                <a:solidFill>
+                                  <a:schemeClr val="tx1">
+                                    <a:lumMod val="75000"/>
+                                    <a:lumOff val="25000"/>
+                                  </a:schemeClr>
+                                </a:solidFill>
                                 <a:latin typeface="Cambria Math" panose="02040503050406030204" pitchFamily="18" charset="0"/>
                               </a:rPr>
                               <m:t>𝐶</m:t>
@@ -11002,6 +13140,12 @@
                           <m:sub>
                             <m:r>
                               <a:rPr lang="en-US" i="1">
+                                <a:solidFill>
+                                  <a:schemeClr val="tx1">
+                                    <a:lumMod val="75000"/>
+                                    <a:lumOff val="25000"/>
+                                  </a:schemeClr>
+                                </a:solidFill>
                                 <a:latin typeface="Cambria Math" panose="02040503050406030204" pitchFamily="18" charset="0"/>
                               </a:rPr>
                               <m:t>𝑘</m:t>
@@ -11014,7 +13158,13 @@
                       <m:naryPr>
                         <m:chr m:val="∏"/>
                         <m:ctrlPr>
-                          <a:rPr lang="en-US" b="0" i="1">
+                          <a:rPr lang="en-US" i="1">
+                            <a:solidFill>
+                              <a:schemeClr val="tx1">
+                                <a:lumMod val="75000"/>
+                                <a:lumOff val="25000"/>
+                              </a:schemeClr>
+                            </a:solidFill>
                             <a:latin typeface="Cambria Math" panose="02040503050406030204" pitchFamily="18" charset="0"/>
                           </a:rPr>
                         </m:ctrlPr>
@@ -11024,13 +13174,25 @@
                           <m:rPr>
                             <m:brk m:alnAt="23"/>
                           </m:rPr>
-                          <a:rPr lang="en-US" b="0" i="1">
+                          <a:rPr lang="en-US" i="1">
+                            <a:solidFill>
+                              <a:schemeClr val="tx1">
+                                <a:lumMod val="75000"/>
+                                <a:lumOff val="25000"/>
+                              </a:schemeClr>
+                            </a:solidFill>
                             <a:latin typeface="Cambria Math" panose="02040503050406030204" pitchFamily="18" charset="0"/>
                           </a:rPr>
                           <m:t>𝑗</m:t>
                         </m:r>
                         <m:r>
-                          <a:rPr lang="en-US" b="0" i="1">
+                          <a:rPr lang="en-US" i="1">
+                            <a:solidFill>
+                              <a:schemeClr val="tx1">
+                                <a:lumMod val="75000"/>
+                                <a:lumOff val="25000"/>
+                              </a:schemeClr>
+                            </a:solidFill>
                             <a:latin typeface="Cambria Math" panose="02040503050406030204" pitchFamily="18" charset="0"/>
                           </a:rPr>
                           <m:t>=1</m:t>
@@ -11038,19 +13200,13 @@
                       </m:sub>
                       <m:sup>
                         <m:r>
-                          <a:rPr lang="en-US" b="0" i="1">
-                            <a:latin typeface="Cambria Math" panose="02040503050406030204" pitchFamily="18" charset="0"/>
-                          </a:rPr>
-                          <m:t>𝑗</m:t>
-                        </m:r>
-                        <m:r>
-                          <a:rPr lang="en-US" b="0" i="1">
-                            <a:latin typeface="Cambria Math" panose="02040503050406030204" pitchFamily="18" charset="0"/>
-                          </a:rPr>
-                          <m:t>=</m:t>
-                        </m:r>
-                        <m:r>
-                          <a:rPr lang="en-US" b="0" i="1">
+                          <a:rPr lang="en-US" i="1">
+                            <a:solidFill>
+                              <a:schemeClr val="tx1">
+                                <a:lumMod val="75000"/>
+                                <a:lumOff val="25000"/>
+                              </a:schemeClr>
+                            </a:solidFill>
                             <a:latin typeface="Cambria Math" panose="02040503050406030204" pitchFamily="18" charset="0"/>
                           </a:rPr>
                           <m:t>𝑛</m:t>
@@ -11059,6 +13215,12 @@
                       <m:e>
                         <m:r>
                           <a:rPr lang="en-US" i="1">
+                            <a:solidFill>
+                              <a:schemeClr val="tx1">
+                                <a:lumMod val="75000"/>
+                                <a:lumOff val="25000"/>
+                              </a:schemeClr>
+                            </a:solidFill>
                             <a:latin typeface="Cambria Math" panose="02040503050406030204" pitchFamily="18" charset="0"/>
                           </a:rPr>
                           <m:t>𝑃</m:t>
@@ -11067,6 +13229,12 @@
                           <m:dPr>
                             <m:ctrlPr>
                               <a:rPr lang="en-US" i="1">
+                                <a:solidFill>
+                                  <a:schemeClr val="tx1">
+                                    <a:lumMod val="75000"/>
+                                    <a:lumOff val="25000"/>
+                                  </a:schemeClr>
+                                </a:solidFill>
                                 <a:latin typeface="Cambria Math" panose="02040503050406030204" pitchFamily="18" charset="0"/>
                               </a:rPr>
                             </m:ctrlPr>
@@ -11076,13 +13244,25 @@
                               <m:sSubPr>
                                 <m:ctrlPr>
                                   <a:rPr lang="en-US" i="1">
+                                    <a:solidFill>
+                                      <a:schemeClr val="tx1">
+                                        <a:lumMod val="75000"/>
+                                        <a:lumOff val="25000"/>
+                                      </a:schemeClr>
+                                    </a:solidFill>
                                     <a:latin typeface="Cambria Math" panose="02040503050406030204" pitchFamily="18" charset="0"/>
                                   </a:rPr>
                                 </m:ctrlPr>
                               </m:sSubPr>
                               <m:e>
                                 <m:r>
-                                  <a:rPr lang="en-US" b="0" i="1">
+                                  <a:rPr lang="en-US" i="1">
+                                    <a:solidFill>
+                                      <a:schemeClr val="tx1">
+                                        <a:lumMod val="75000"/>
+                                        <a:lumOff val="25000"/>
+                                      </a:schemeClr>
+                                    </a:solidFill>
                                     <a:latin typeface="Cambria Math" panose="02040503050406030204" pitchFamily="18" charset="0"/>
                                   </a:rPr>
                                   <m:t>𝑥</m:t>
@@ -11090,7 +13270,13 @@
                               </m:e>
                               <m:sub>
                                 <m:r>
-                                  <a:rPr lang="en-US" b="0" i="1">
+                                  <a:rPr lang="en-US" i="1">
+                                    <a:solidFill>
+                                      <a:schemeClr val="tx1">
+                                        <a:lumMod val="75000"/>
+                                        <a:lumOff val="25000"/>
+                                      </a:schemeClr>
+                                    </a:solidFill>
                                     <a:latin typeface="Cambria Math" panose="02040503050406030204" pitchFamily="18" charset="0"/>
                                   </a:rPr>
                                   <m:t>𝑗</m:t>
@@ -11103,6 +13289,12 @@
                               <m:sSubPr>
                                 <m:ctrlPr>
                                   <a:rPr lang="en-US" i="1">
+                                    <a:solidFill>
+                                      <a:schemeClr val="tx1">
+                                        <a:lumMod val="75000"/>
+                                        <a:lumOff val="25000"/>
+                                      </a:schemeClr>
+                                    </a:solidFill>
                                     <a:latin typeface="Cambria Math" panose="02040503050406030204" pitchFamily="18" charset="0"/>
                                   </a:rPr>
                                 </m:ctrlPr>
@@ -11110,6 +13302,12 @@
                               <m:e>
                                 <m:r>
                                   <a:rPr lang="en-US" i="1">
+                                    <a:solidFill>
+                                      <a:schemeClr val="tx1">
+                                        <a:lumMod val="75000"/>
+                                        <a:lumOff val="25000"/>
+                                      </a:schemeClr>
+                                    </a:solidFill>
                                     <a:latin typeface="Cambria Math" panose="02040503050406030204" pitchFamily="18" charset="0"/>
                                   </a:rPr>
                                   <m:t>𝐶</m:t>
@@ -11118,6 +13316,12 @@
                               <m:sub>
                                 <m:r>
                                   <a:rPr lang="en-US" i="1">
+                                    <a:solidFill>
+                                      <a:schemeClr val="tx1">
+                                        <a:lumMod val="75000"/>
+                                        <a:lumOff val="25000"/>
+                                      </a:schemeClr>
+                                    </a:solidFill>
                                     <a:latin typeface="Cambria Math" panose="02040503050406030204" pitchFamily="18" charset="0"/>
                                   </a:rPr>
                                   <m:t>𝑘</m:t>
@@ -11131,14 +13335,32 @@
                   </m:oMath>
                 </a14:m>
                 <a:r>
-                  <a:rPr lang="en-US" dirty="0"/>
-                  <a:t>	</a:t>
+                  <a:rPr lang="en-US" dirty="0">
+                    <a:solidFill>
+                      <a:schemeClr val="tx1">
+                        <a:lumMod val="75000"/>
+                        <a:lumOff val="25000"/>
+                      </a:schemeClr>
+                    </a:solidFill>
+                  </a:rPr>
+                  <a:t>	 </a:t>
                 </a:r>
               </a:p>
               <a:p>
-                <a:pPr/>
+                <a:pPr lvl="1">
+                  <a:spcAft>
+                    <a:spcPts val="1200"/>
+                  </a:spcAft>
+                </a:pPr>
                 <a:r>
-                  <a:rPr lang="en-US" b="0" dirty="0"/>
+                  <a:rPr lang="en-US" dirty="0">
+                    <a:solidFill>
+                      <a:schemeClr val="tx1">
+                        <a:lumMod val="75000"/>
+                        <a:lumOff val="25000"/>
+                      </a:schemeClr>
+                    </a:solidFill>
+                  </a:rPr>
                   <a:t>Decision Rule: </a:t>
                 </a:r>
                 <a14:m>
@@ -11147,6 +13369,12 @@
                       <m:sSubPr>
                         <m:ctrlPr>
                           <a:rPr lang="en-US" i="1">
+                            <a:solidFill>
+                              <a:schemeClr val="tx1">
+                                <a:lumMod val="75000"/>
+                                <a:lumOff val="25000"/>
+                              </a:schemeClr>
+                            </a:solidFill>
                             <a:latin typeface="Cambria Math" panose="02040503050406030204" pitchFamily="18" charset="0"/>
                           </a:rPr>
                         </m:ctrlPr>
@@ -11154,6 +13382,12 @@
                       <m:e>
                         <m:r>
                           <a:rPr lang="en-US" i="1">
+                            <a:solidFill>
+                              <a:schemeClr val="tx1">
+                                <a:lumMod val="75000"/>
+                                <a:lumOff val="25000"/>
+                              </a:schemeClr>
+                            </a:solidFill>
                             <a:latin typeface="Cambria Math" panose="02040503050406030204" pitchFamily="18" charset="0"/>
                           </a:rPr>
                           <m:t>𝐶</m:t>
@@ -11162,6 +13396,12 @@
                       <m:sub>
                         <m:r>
                           <a:rPr lang="en-US" i="1">
+                            <a:solidFill>
+                              <a:schemeClr val="tx1">
+                                <a:lumMod val="75000"/>
+                                <a:lumOff val="25000"/>
+                              </a:schemeClr>
+                            </a:solidFill>
                             <a:latin typeface="Cambria Math" panose="02040503050406030204" pitchFamily="18" charset="0"/>
                           </a:rPr>
                           <m:t>𝑘</m:t>
@@ -11169,21 +13409,72 @@
                       </m:sub>
                     </m:sSub>
                     <m:r>
-                      <a:rPr lang="en-US" b="1" i="1" smtClean="0">
+                      <a:rPr lang="en-US" i="1">
+                        <a:solidFill>
+                          <a:schemeClr val="tx1">
+                            <a:lumMod val="75000"/>
+                            <a:lumOff val="25000"/>
+                          </a:schemeClr>
+                        </a:solidFill>
                         <a:latin typeface="Cambria Math" panose="02040503050406030204" pitchFamily="18" charset="0"/>
                         <a:ea typeface="Cambria Math" panose="02040503050406030204" pitchFamily="18" charset="0"/>
                       </a:rPr>
                       <m:t>=</m:t>
                     </m:r>
+                    <m:sSub>
+                      <m:sSubPr>
+                        <m:ctrlPr>
+                          <a:rPr lang="en-US" i="1">
+                            <a:solidFill>
+                              <a:schemeClr val="tx1">
+                                <a:lumMod val="75000"/>
+                                <a:lumOff val="25000"/>
+                              </a:schemeClr>
+                            </a:solidFill>
+                            <a:latin typeface="Cambria Math" panose="02040503050406030204" pitchFamily="18" charset="0"/>
+                            <a:ea typeface="Cambria Math" panose="02040503050406030204" pitchFamily="18" charset="0"/>
+                          </a:rPr>
+                        </m:ctrlPr>
+                      </m:sSubPr>
+                      <m:e>
+                        <m:r>
+                          <a:rPr lang="en-US" i="1">
+                            <a:solidFill>
+                              <a:schemeClr val="tx1">
+                                <a:lumMod val="75000"/>
+                                <a:lumOff val="25000"/>
+                              </a:schemeClr>
+                            </a:solidFill>
+                            <a:latin typeface="Cambria Math" panose="02040503050406030204" pitchFamily="18" charset="0"/>
+                            <a:ea typeface="Cambria Math" panose="02040503050406030204" pitchFamily="18" charset="0"/>
+                          </a:rPr>
+                          <m:t>𝒂𝒓𝒈𝒎𝒂𝒙</m:t>
+                        </m:r>
+                      </m:e>
+                      <m:sub>
+                        <m:r>
+                          <a:rPr lang="en-US" b="1" i="1">
+                            <a:solidFill>
+                              <a:schemeClr val="tx1">
+                                <a:lumMod val="75000"/>
+                                <a:lumOff val="25000"/>
+                              </a:schemeClr>
+                            </a:solidFill>
+                            <a:latin typeface="Cambria Math" panose="02040503050406030204" pitchFamily="18" charset="0"/>
+                            <a:ea typeface="Cambria Math" panose="02040503050406030204" pitchFamily="18" charset="0"/>
+                          </a:rPr>
+                          <m:t>𝒌</m:t>
+                        </m:r>
+                      </m:sub>
+                    </m:sSub>
                     <m:r>
-                      <a:rPr lang="en-US" b="1" i="1" smtClean="0">
-                        <a:latin typeface="Cambria Math" panose="02040503050406030204" pitchFamily="18" charset="0"/>
-                        <a:ea typeface="Cambria Math" panose="02040503050406030204" pitchFamily="18" charset="0"/>
-                      </a:rPr>
-                      <m:t>𝒂𝒓𝒈𝒎𝒂𝒙</m:t>
-                    </m:r>
-                    <m:r>
-                      <a:rPr lang="en-US" b="1" i="1" smtClean="0">
+                      <a:rPr lang="en-US" i="1">
+                        <a:solidFill>
+                          <a:schemeClr val="tx1">
+                            <a:lumMod val="75000"/>
+                            <a:lumOff val="25000"/>
+                          </a:schemeClr>
+                        </a:solidFill>
                         <a:latin typeface="Cambria Math" panose="02040503050406030204" pitchFamily="18" charset="0"/>
                         <a:ea typeface="Cambria Math" panose="02040503050406030204" pitchFamily="18" charset="0"/>
                       </a:rPr>
@@ -11191,6 +13482,12 @@
                     </m:r>
                     <m:r>
                       <a:rPr lang="en-US" i="1">
+                        <a:solidFill>
+                          <a:schemeClr val="tx1">
+                            <a:lumMod val="75000"/>
+                            <a:lumOff val="25000"/>
+                          </a:schemeClr>
+                        </a:solidFill>
                         <a:latin typeface="Cambria Math" panose="02040503050406030204" pitchFamily="18" charset="0"/>
                       </a:rPr>
                       <m:t>𝑃</m:t>
@@ -11199,6 +13496,12 @@
                       <m:dPr>
                         <m:ctrlPr>
                           <a:rPr lang="en-US" i="1">
+                            <a:solidFill>
+                              <a:schemeClr val="tx1">
+                                <a:lumMod val="75000"/>
+                                <a:lumOff val="25000"/>
+                              </a:schemeClr>
+                            </a:solidFill>
                             <a:latin typeface="Cambria Math" panose="02040503050406030204" pitchFamily="18" charset="0"/>
                           </a:rPr>
                         </m:ctrlPr>
@@ -11208,6 +13511,12 @@
                           <m:sSubPr>
                             <m:ctrlPr>
                               <a:rPr lang="en-US" i="1">
+                                <a:solidFill>
+                                  <a:schemeClr val="tx1">
+                                    <a:lumMod val="75000"/>
+                                    <a:lumOff val="25000"/>
+                                  </a:schemeClr>
+                                </a:solidFill>
                                 <a:latin typeface="Cambria Math" panose="02040503050406030204" pitchFamily="18" charset="0"/>
                               </a:rPr>
                             </m:ctrlPr>
@@ -11215,6 +13524,12 @@
                           <m:e>
                             <m:r>
                               <a:rPr lang="en-US" i="1">
+                                <a:solidFill>
+                                  <a:schemeClr val="tx1">
+                                    <a:lumMod val="75000"/>
+                                    <a:lumOff val="25000"/>
+                                  </a:schemeClr>
+                                </a:solidFill>
                                 <a:latin typeface="Cambria Math" panose="02040503050406030204" pitchFamily="18" charset="0"/>
                               </a:rPr>
                               <m:t>𝐶</m:t>
@@ -11223,6 +13538,12 @@
                           <m:sub>
                             <m:r>
                               <a:rPr lang="en-US" i="1">
+                                <a:solidFill>
+                                  <a:schemeClr val="tx1">
+                                    <a:lumMod val="75000"/>
+                                    <a:lumOff val="25000"/>
+                                  </a:schemeClr>
+                                </a:solidFill>
                                 <a:latin typeface="Cambria Math" panose="02040503050406030204" pitchFamily="18" charset="0"/>
                               </a:rPr>
                               <m:t>𝑘</m:t>
@@ -11235,7 +13556,13 @@
                       <m:naryPr>
                         <m:chr m:val="∏"/>
                         <m:ctrlPr>
-                          <a:rPr lang="en-US" b="0" i="1">
+                          <a:rPr lang="en-US" i="1">
+                            <a:solidFill>
+                              <a:schemeClr val="tx1">
+                                <a:lumMod val="75000"/>
+                                <a:lumOff val="25000"/>
+                              </a:schemeClr>
+                            </a:solidFill>
                             <a:latin typeface="Cambria Math" panose="02040503050406030204" pitchFamily="18" charset="0"/>
                           </a:rPr>
                         </m:ctrlPr>
@@ -11245,13 +13572,25 @@
                           <m:rPr>
                             <m:brk m:alnAt="23"/>
                           </m:rPr>
-                          <a:rPr lang="en-US" b="0" i="1">
+                          <a:rPr lang="en-US" i="1">
+                            <a:solidFill>
+                              <a:schemeClr val="tx1">
+                                <a:lumMod val="75000"/>
+                                <a:lumOff val="25000"/>
+                              </a:schemeClr>
+                            </a:solidFill>
                             <a:latin typeface="Cambria Math" panose="02040503050406030204" pitchFamily="18" charset="0"/>
                           </a:rPr>
                           <m:t>𝑗</m:t>
                         </m:r>
                         <m:r>
-                          <a:rPr lang="en-US" b="0" i="1">
+                          <a:rPr lang="en-US" i="1">
+                            <a:solidFill>
+                              <a:schemeClr val="tx1">
+                                <a:lumMod val="75000"/>
+                                <a:lumOff val="25000"/>
+                              </a:schemeClr>
+                            </a:solidFill>
                             <a:latin typeface="Cambria Math" panose="02040503050406030204" pitchFamily="18" charset="0"/>
                           </a:rPr>
                           <m:t>=1</m:t>
@@ -11259,7 +13598,13 @@
                       </m:sub>
                       <m:sup>
                         <m:r>
-                          <a:rPr lang="en-US" b="0" i="1">
+                          <a:rPr lang="en-US" i="1">
+                            <a:solidFill>
+                              <a:schemeClr val="tx1">
+                                <a:lumMod val="75000"/>
+                                <a:lumOff val="25000"/>
+                              </a:schemeClr>
+                            </a:solidFill>
                             <a:latin typeface="Cambria Math" panose="02040503050406030204" pitchFamily="18" charset="0"/>
                           </a:rPr>
                           <m:t>𝑛</m:t>
@@ -11268,6 +13613,12 @@
                       <m:e>
                         <m:r>
                           <a:rPr lang="en-US" i="1">
+                            <a:solidFill>
+                              <a:schemeClr val="tx1">
+                                <a:lumMod val="75000"/>
+                                <a:lumOff val="25000"/>
+                              </a:schemeClr>
+                            </a:solidFill>
                             <a:latin typeface="Cambria Math" panose="02040503050406030204" pitchFamily="18" charset="0"/>
                           </a:rPr>
                           <m:t>𝑃</m:t>
@@ -11276,6 +13627,12 @@
                           <m:dPr>
                             <m:ctrlPr>
                               <a:rPr lang="en-US" i="1">
+                                <a:solidFill>
+                                  <a:schemeClr val="tx1">
+                                    <a:lumMod val="75000"/>
+                                    <a:lumOff val="25000"/>
+                                  </a:schemeClr>
+                                </a:solidFill>
                                 <a:latin typeface="Cambria Math" panose="02040503050406030204" pitchFamily="18" charset="0"/>
                               </a:rPr>
                             </m:ctrlPr>
@@ -11285,13 +13642,25 @@
                               <m:sSubPr>
                                 <m:ctrlPr>
                                   <a:rPr lang="en-US" i="1">
+                                    <a:solidFill>
+                                      <a:schemeClr val="tx1">
+                                        <a:lumMod val="75000"/>
+                                        <a:lumOff val="25000"/>
+                                      </a:schemeClr>
+                                    </a:solidFill>
                                     <a:latin typeface="Cambria Math" panose="02040503050406030204" pitchFamily="18" charset="0"/>
                                   </a:rPr>
                                 </m:ctrlPr>
                               </m:sSubPr>
                               <m:e>
                                 <m:r>
-                                  <a:rPr lang="en-US" b="0" i="1">
+                                  <a:rPr lang="en-US" i="1">
+                                    <a:solidFill>
+                                      <a:schemeClr val="tx1">
+                                        <a:lumMod val="75000"/>
+                                        <a:lumOff val="25000"/>
+                                      </a:schemeClr>
+                                    </a:solidFill>
                                     <a:latin typeface="Cambria Math" panose="02040503050406030204" pitchFamily="18" charset="0"/>
                                   </a:rPr>
                                   <m:t>𝑥</m:t>
@@ -11299,7 +13668,13 @@
                               </m:e>
                               <m:sub>
                                 <m:r>
-                                  <a:rPr lang="en-US" b="0" i="1">
+                                  <a:rPr lang="en-US" i="1">
+                                    <a:solidFill>
+                                      <a:schemeClr val="tx1">
+                                        <a:lumMod val="75000"/>
+                                        <a:lumOff val="25000"/>
+                                      </a:schemeClr>
+                                    </a:solidFill>
                                     <a:latin typeface="Cambria Math" panose="02040503050406030204" pitchFamily="18" charset="0"/>
                                   </a:rPr>
                                   <m:t>𝑗</m:t>
@@ -11312,6 +13687,12 @@
                               <m:sSubPr>
                                 <m:ctrlPr>
                                   <a:rPr lang="en-US" i="1">
+                                    <a:solidFill>
+                                      <a:schemeClr val="tx1">
+                                        <a:lumMod val="75000"/>
+                                        <a:lumOff val="25000"/>
+                                      </a:schemeClr>
+                                    </a:solidFill>
                                     <a:latin typeface="Cambria Math" panose="02040503050406030204" pitchFamily="18" charset="0"/>
                                   </a:rPr>
                                 </m:ctrlPr>
@@ -11319,6 +13700,12 @@
                               <m:e>
                                 <m:r>
                                   <a:rPr lang="en-US" i="1">
+                                    <a:solidFill>
+                                      <a:schemeClr val="tx1">
+                                        <a:lumMod val="75000"/>
+                                        <a:lumOff val="25000"/>
+                                      </a:schemeClr>
+                                    </a:solidFill>
                                     <a:latin typeface="Cambria Math" panose="02040503050406030204" pitchFamily="18" charset="0"/>
                                   </a:rPr>
                                   <m:t>𝐶</m:t>
@@ -11327,6 +13714,12 @@
                               <m:sub>
                                 <m:r>
                                   <a:rPr lang="en-US" i="1">
+                                    <a:solidFill>
+                                      <a:schemeClr val="tx1">
+                                        <a:lumMod val="75000"/>
+                                        <a:lumOff val="25000"/>
+                                      </a:schemeClr>
+                                    </a:solidFill>
                                     <a:latin typeface="Cambria Math" panose="02040503050406030204" pitchFamily="18" charset="0"/>
                                   </a:rPr>
                                   <m:t>𝑘</m:t>
@@ -11339,13 +13732,14 @@
                     </m:nary>
                   </m:oMath>
                 </a14:m>
-                <a:endParaRPr lang="en-US" b="0" dirty="0"/>
-              </a:p>
-              <a:p>
-                <a:pPr lvl="2" indent="0">
-                  <a:buNone/>
-                </a:pPr>
-                <a:endParaRPr lang="en-US" dirty="0"/>
+                <a:endParaRPr lang="en-US" dirty="0">
+                  <a:solidFill>
+                    <a:schemeClr val="tx1">
+                      <a:lumMod val="75000"/>
+                      <a:lumOff val="25000"/>
+                    </a:schemeClr>
+                  </a:solidFill>
+                </a:endParaRPr>
               </a:p>
             </p:txBody>
           </p:sp>
@@ -11353,29 +13747,30 @@
         <mc:Fallback>
           <p:sp>
             <p:nvSpPr>
-              <p:cNvPr id="3" name="Content Placeholder 2">
+              <p:cNvPr id="7" name="TextBox 6">
                 <a:extLst>
                   <a:ext uri="{FF2B5EF4-FFF2-40B4-BE49-F238E27FC236}">
-                    <a16:creationId xmlns:a16="http://schemas.microsoft.com/office/drawing/2014/main" id="{D10F0C80-DC6D-9D1C-F85E-F57BCE032DAE}"/>
+                    <a16:creationId xmlns:a16="http://schemas.microsoft.com/office/drawing/2014/main" id="{B50794B6-329E-7D51-4AA5-ED036E0B6796}"/>
                   </a:ext>
                 </a:extLst>
               </p:cNvPr>
-              <p:cNvSpPr>
-                <a:spLocks noGrp="1" noRot="1" noChangeAspect="1" noMove="1" noResize="1" noEditPoints="1" noAdjustHandles="1" noChangeArrowheads="1" noChangeShapeType="1" noTextEdit="1"/>
+              <p:cNvSpPr txBox="1">
+                <a:spLocks noRot="1" noChangeAspect="1" noMove="1" noResize="1" noEditPoints="1" noAdjustHandles="1" noChangeArrowheads="1" noChangeShapeType="1" noTextEdit="1"/>
               </p:cNvSpPr>
-              <p:nvPr>
-                <p:ph idx="1"/>
-              </p:nvPr>
+              <p:nvPr/>
             </p:nvSpPr>
             <p:spPr>
               <a:xfrm>
-                <a:off x="1230794" y="2391770"/>
-                <a:ext cx="10240147" cy="4466230"/>
+                <a:off x="1804086" y="4374292"/>
+                <a:ext cx="8279027" cy="2116349"/>
               </a:xfrm>
+              <a:prstGeom prst="rect">
+                <a:avLst/>
+              </a:prstGeom>
               <a:blipFill>
                 <a:blip r:embed="rId3"/>
                 <a:stretch>
-                  <a:fillRect l="-248" b="-3125"/>
+                  <a:fillRect b="-27381"/>
                 </a:stretch>
               </a:blipFill>
             </p:spPr>
@@ -11394,232 +13789,6 @@
           </p:sp>
         </mc:Fallback>
       </mc:AlternateContent>
-      <p:sp>
-        <p:nvSpPr>
-          <p:cNvPr id="11" name="TextBox 10">
-            <a:extLst>
-              <a:ext uri="{FF2B5EF4-FFF2-40B4-BE49-F238E27FC236}">
-                <a16:creationId xmlns:a16="http://schemas.microsoft.com/office/drawing/2014/main" id="{87B81311-0472-3A23-A011-D56BA4C29793}"/>
-              </a:ext>
-            </a:extLst>
-          </p:cNvPr>
-          <p:cNvSpPr txBox="1"/>
-          <p:nvPr/>
-        </p:nvSpPr>
-        <p:spPr>
-          <a:xfrm>
-            <a:off x="787400" y="1346200"/>
-            <a:ext cx="184731" cy="369332"/>
-          </a:xfrm>
-          <a:prstGeom prst="rect">
-            <a:avLst/>
-          </a:prstGeom>
-          <a:noFill/>
-        </p:spPr>
-        <p:txBody>
-          <a:bodyPr wrap="none" rtlCol="0">
-            <a:spAutoFit/>
-          </a:bodyPr>
-          <a:lstStyle/>
-          <a:p>
-            <a:endParaRPr lang="en-US" dirty="0"/>
-          </a:p>
-        </p:txBody>
-      </p:sp>
-      <p:sp>
-        <p:nvSpPr>
-          <p:cNvPr id="13" name="TextBox 12">
-            <a:extLst>
-              <a:ext uri="{FF2B5EF4-FFF2-40B4-BE49-F238E27FC236}">
-                <a16:creationId xmlns:a16="http://schemas.microsoft.com/office/drawing/2014/main" id="{02698990-17CD-C3B4-3F91-73B2EAA2F192}"/>
-              </a:ext>
-            </a:extLst>
-          </p:cNvPr>
-          <p:cNvSpPr txBox="1"/>
-          <p:nvPr/>
-        </p:nvSpPr>
-        <p:spPr>
-          <a:xfrm>
-            <a:off x="457200" y="1511300"/>
-            <a:ext cx="184731" cy="369332"/>
-          </a:xfrm>
-          <a:prstGeom prst="rect">
-            <a:avLst/>
-          </a:prstGeom>
-          <a:noFill/>
-        </p:spPr>
-        <p:txBody>
-          <a:bodyPr wrap="none" rtlCol="0">
-            <a:spAutoFit/>
-          </a:bodyPr>
-          <a:lstStyle/>
-          <a:p>
-            <a:endParaRPr lang="en-US" dirty="0"/>
-          </a:p>
-        </p:txBody>
-      </p:sp>
-      <mc:AlternateContent xmlns:mc="http://schemas.openxmlformats.org/markup-compatibility/2006">
-        <mc:Choice xmlns:a14="http://schemas.microsoft.com/office/drawing/2010/main" Requires="a14">
-          <p:sp>
-            <p:nvSpPr>
-              <p:cNvPr id="4" name="TextBox 3">
-                <a:extLst>
-                  <a:ext uri="{FF2B5EF4-FFF2-40B4-BE49-F238E27FC236}">
-                    <a16:creationId xmlns:a16="http://schemas.microsoft.com/office/drawing/2014/main" id="{B37343D1-6A31-EA80-8297-8D317AA4BEB2}"/>
-                  </a:ext>
-                </a:extLst>
-              </p:cNvPr>
-              <p:cNvSpPr txBox="1"/>
-              <p:nvPr/>
-            </p:nvSpPr>
-            <p:spPr>
-              <a:xfrm>
-                <a:off x="5526857" y="5313405"/>
-                <a:ext cx="2579175" cy="369332"/>
-              </a:xfrm>
-              <a:prstGeom prst="rect">
-                <a:avLst/>
-              </a:prstGeom>
-              <a:noFill/>
-              <a:ln>
-                <a:solidFill>
-                  <a:schemeClr val="accent1"/>
-                </a:solidFill>
-              </a:ln>
-            </p:spPr>
-            <p:txBody>
-              <a:bodyPr wrap="square" rtlCol="0">
-                <a:spAutoFit/>
-              </a:bodyPr>
-              <a:lstStyle/>
-              <a:p>
-                <a14:m>
-                  <m:oMath xmlns:m="http://schemas.openxmlformats.org/officeDocument/2006/math">
-                    <m:r>
-                      <a:rPr lang="en-US" b="0" i="1" smtClean="0">
-                        <a:latin typeface="Cambria Math" panose="02040503050406030204" pitchFamily="18" charset="0"/>
-                      </a:rPr>
-                      <m:t>𝑚</m:t>
-                    </m:r>
-                    <m:r>
-                      <a:rPr lang="en-US" b="0" i="1" smtClean="0">
-                        <a:latin typeface="Cambria Math" panose="02040503050406030204" pitchFamily="18" charset="0"/>
-                      </a:rPr>
-                      <m:t>∗</m:t>
-                    </m:r>
-                    <m:r>
-                      <a:rPr lang="en-US" b="0" i="1" smtClean="0">
-                        <a:latin typeface="Cambria Math" panose="02040503050406030204" pitchFamily="18" charset="0"/>
-                      </a:rPr>
-                      <m:t>𝑝</m:t>
-                    </m:r>
-                    <m:r>
-                      <a:rPr lang="en-US" b="0" i="1" smtClean="0">
-                        <a:latin typeface="Cambria Math" panose="02040503050406030204" pitchFamily="18" charset="0"/>
-                      </a:rPr>
-                      <m:t> </m:t>
-                    </m:r>
-                  </m:oMath>
-                </a14:m>
-                <a:r>
-                  <a:rPr lang="en-US" dirty="0"/>
-                  <a:t>probabilities!</a:t>
-                </a:r>
-              </a:p>
-            </p:txBody>
-          </p:sp>
-        </mc:Choice>
-        <mc:Fallback>
-          <p:sp>
-            <p:nvSpPr>
-              <p:cNvPr id="4" name="TextBox 3">
-                <a:extLst>
-                  <a:ext uri="{FF2B5EF4-FFF2-40B4-BE49-F238E27FC236}">
-                    <a16:creationId xmlns:a16="http://schemas.microsoft.com/office/drawing/2014/main" id="{B37343D1-6A31-EA80-8297-8D317AA4BEB2}"/>
-                  </a:ext>
-                </a:extLst>
-              </p:cNvPr>
-              <p:cNvSpPr txBox="1">
-                <a:spLocks noRot="1" noChangeAspect="1" noMove="1" noResize="1" noEditPoints="1" noAdjustHandles="1" noChangeArrowheads="1" noChangeShapeType="1" noTextEdit="1"/>
-              </p:cNvSpPr>
-              <p:nvPr/>
-            </p:nvSpPr>
-            <p:spPr>
-              <a:xfrm>
-                <a:off x="5526857" y="5313405"/>
-                <a:ext cx="2579175" cy="369332"/>
-              </a:xfrm>
-              <a:prstGeom prst="rect">
-                <a:avLst/>
-              </a:prstGeom>
-              <a:blipFill>
-                <a:blip r:embed="rId4"/>
-                <a:stretch>
-                  <a:fillRect t="-3333" b="-26667"/>
-                </a:stretch>
-              </a:blipFill>
-              <a:ln>
-                <a:solidFill>
-                  <a:schemeClr val="accent1"/>
-                </a:solidFill>
-              </a:ln>
-            </p:spPr>
-            <p:txBody>
-              <a:bodyPr/>
-              <a:lstStyle/>
-              <a:p>
-                <a:r>
-                  <a:rPr lang="en-US">
-                    <a:noFill/>
-                  </a:rPr>
-                  <a:t> </a:t>
-                </a:r>
-              </a:p>
-            </p:txBody>
-          </p:sp>
-        </mc:Fallback>
-      </mc:AlternateContent>
-      <p:cxnSp>
-        <p:nvCxnSpPr>
-          <p:cNvPr id="5" name="Straight Arrow Connector 4">
-            <a:extLst>
-              <a:ext uri="{FF2B5EF4-FFF2-40B4-BE49-F238E27FC236}">
-                <a16:creationId xmlns:a16="http://schemas.microsoft.com/office/drawing/2014/main" id="{843EC477-59FD-883E-EDDB-98825AF10B48}"/>
-              </a:ext>
-            </a:extLst>
-          </p:cNvPr>
-          <p:cNvCxnSpPr>
-            <a:cxnSpLocks/>
-          </p:cNvCxnSpPr>
-          <p:nvPr/>
-        </p:nvCxnSpPr>
-        <p:spPr>
-          <a:xfrm flipH="1">
-            <a:off x="4930346" y="5458913"/>
-            <a:ext cx="580509" cy="126341"/>
-          </a:xfrm>
-          <a:prstGeom prst="straightConnector1">
-            <a:avLst/>
-          </a:prstGeom>
-          <a:ln>
-            <a:tailEnd type="triangle"/>
-          </a:ln>
-        </p:spPr>
-        <p:style>
-          <a:lnRef idx="1">
-            <a:schemeClr val="accent1"/>
-          </a:lnRef>
-          <a:fillRef idx="0">
-            <a:schemeClr val="accent1"/>
-          </a:fillRef>
-          <a:effectRef idx="0">
-            <a:schemeClr val="accent1"/>
-          </a:effectRef>
-          <a:fontRef idx="minor">
-            <a:schemeClr val="tx1"/>
-          </a:fontRef>
-        </p:style>
-      </p:cxnSp>
     </p:spTree>
     <p:extLst>
       <p:ext uri="{BB962C8B-B14F-4D97-AF65-F5344CB8AC3E}">
